--- a/tech-talks/valencia-js/programacion-funcional/programacion-funcional.pptx
+++ b/tech-talks/valencia-js/programacion-funcional/programacion-funcional.pptx
@@ -5,7 +5,7 @@
     <p:sldMasterId id="2147483712" r:id="rId1"/>
   </p:sldMasterIdLst>
   <p:notesMasterIdLst>
-    <p:notesMasterId r:id="rId180"/>
+    <p:notesMasterId r:id="rId182"/>
   </p:notesMasterIdLst>
   <p:sldIdLst>
     <p:sldId id="256" r:id="rId2"/>
@@ -157,35 +157,37 @@
     <p:sldId id="398" r:id="rId148"/>
     <p:sldId id="517" r:id="rId149"/>
     <p:sldId id="535" r:id="rId150"/>
-    <p:sldId id="437" r:id="rId151"/>
-    <p:sldId id="516" r:id="rId152"/>
-    <p:sldId id="526" r:id="rId153"/>
-    <p:sldId id="527" r:id="rId154"/>
-    <p:sldId id="436" r:id="rId155"/>
-    <p:sldId id="515" r:id="rId156"/>
-    <p:sldId id="532" r:id="rId157"/>
-    <p:sldId id="530" r:id="rId158"/>
-    <p:sldId id="531" r:id="rId159"/>
-    <p:sldId id="514" r:id="rId160"/>
-    <p:sldId id="522" r:id="rId161"/>
-    <p:sldId id="520" r:id="rId162"/>
-    <p:sldId id="424" r:id="rId163"/>
-    <p:sldId id="513" r:id="rId164"/>
-    <p:sldId id="528" r:id="rId165"/>
-    <p:sldId id="529" r:id="rId166"/>
-    <p:sldId id="534" r:id="rId167"/>
-    <p:sldId id="425" r:id="rId168"/>
-    <p:sldId id="426" r:id="rId169"/>
-    <p:sldId id="427" r:id="rId170"/>
-    <p:sldId id="480" r:id="rId171"/>
-    <p:sldId id="524" r:id="rId172"/>
-    <p:sldId id="523" r:id="rId173"/>
-    <p:sldId id="525" r:id="rId174"/>
-    <p:sldId id="260" r:id="rId175"/>
-    <p:sldId id="261" r:id="rId176"/>
-    <p:sldId id="265" r:id="rId177"/>
-    <p:sldId id="264" r:id="rId178"/>
-    <p:sldId id="382" r:id="rId179"/>
+    <p:sldId id="570" r:id="rId151"/>
+    <p:sldId id="437" r:id="rId152"/>
+    <p:sldId id="516" r:id="rId153"/>
+    <p:sldId id="569" r:id="rId154"/>
+    <p:sldId id="526" r:id="rId155"/>
+    <p:sldId id="527" r:id="rId156"/>
+    <p:sldId id="436" r:id="rId157"/>
+    <p:sldId id="515" r:id="rId158"/>
+    <p:sldId id="532" r:id="rId159"/>
+    <p:sldId id="530" r:id="rId160"/>
+    <p:sldId id="531" r:id="rId161"/>
+    <p:sldId id="514" r:id="rId162"/>
+    <p:sldId id="522" r:id="rId163"/>
+    <p:sldId id="520" r:id="rId164"/>
+    <p:sldId id="424" r:id="rId165"/>
+    <p:sldId id="513" r:id="rId166"/>
+    <p:sldId id="528" r:id="rId167"/>
+    <p:sldId id="529" r:id="rId168"/>
+    <p:sldId id="534" r:id="rId169"/>
+    <p:sldId id="425" r:id="rId170"/>
+    <p:sldId id="426" r:id="rId171"/>
+    <p:sldId id="427" r:id="rId172"/>
+    <p:sldId id="480" r:id="rId173"/>
+    <p:sldId id="524" r:id="rId174"/>
+    <p:sldId id="523" r:id="rId175"/>
+    <p:sldId id="525" r:id="rId176"/>
+    <p:sldId id="260" r:id="rId177"/>
+    <p:sldId id="261" r:id="rId178"/>
+    <p:sldId id="265" r:id="rId179"/>
+    <p:sldId id="264" r:id="rId180"/>
+    <p:sldId id="382" r:id="rId181"/>
   </p:sldIdLst>
   <p:sldSz cx="12192000" cy="6858000"/>
   <p:notesSz cx="6858000" cy="9144000"/>
@@ -526,12 +528,14 @@
             <p14:sldId id="398"/>
             <p14:sldId id="517"/>
             <p14:sldId id="535"/>
+            <p14:sldId id="570"/>
           </p14:sldIdLst>
         </p14:section>
         <p14:section name="State Machines" id="{EC462B4C-5C9B-FD49-9DFD-C3358543E0C2}">
           <p14:sldIdLst>
             <p14:sldId id="437"/>
             <p14:sldId id="516"/>
+            <p14:sldId id="569"/>
             <p14:sldId id="526"/>
             <p14:sldId id="527"/>
           </p14:sldIdLst>
@@ -672,7 +676,7 @@
           <a:p>
             <a:fld id="{22DF889A-F80D-49C0-AC58-8B1F3283A65E}" type="datetimeFigureOut">
               <a:rPr lang="es-ES" smtClean="0"/>
-              <a:t>3/12/24</a:t>
+              <a:t>5/12/24</a:t>
             </a:fld>
             <a:endParaRPr lang="es-ES"/>
           </a:p>
@@ -9707,13 +9711,13 @@
   <p:clrMapOvr>
     <a:masterClrMapping/>
   </p:clrMapOvr>
-  <mc:AlternateContent xmlns:mc="http://schemas.openxmlformats.org/markup-compatibility/2006">
-    <mc:Choice xmlns:p159="http://schemas.microsoft.com/office/powerpoint/2015/09/main" Requires="p159">
+  <mc:AlternateContent xmlns:mc="http://schemas.openxmlformats.org/markup-compatibility/2006" xmlns:p159="http://schemas.microsoft.com/office/powerpoint/2015/09/main">
+    <mc:Choice Requires="p159">
       <p:transition xmlns:p14="http://schemas.microsoft.com/office/powerpoint/2010/main" spd="slow" p14:dur="2000">
         <p159:morph option="byChar"/>
       </p:transition>
     </mc:Choice>
-    <mc:Fallback>
+    <mc:Fallback xmlns="">
       <p:transition spd="slow">
         <p:fade/>
       </p:transition>
@@ -11550,13 +11554,13 @@
   <p:clrMapOvr>
     <a:masterClrMapping/>
   </p:clrMapOvr>
-  <mc:AlternateContent xmlns:mc="http://schemas.openxmlformats.org/markup-compatibility/2006">
-    <mc:Choice xmlns:p159="http://schemas.microsoft.com/office/powerpoint/2015/09/main" Requires="p159">
+  <mc:AlternateContent xmlns:mc="http://schemas.openxmlformats.org/markup-compatibility/2006" xmlns:p159="http://schemas.microsoft.com/office/powerpoint/2015/09/main">
+    <mc:Choice Requires="p159">
       <p:transition xmlns:p14="http://schemas.microsoft.com/office/powerpoint/2010/main" spd="slow" p14:dur="2000">
         <p159:morph option="byWord"/>
       </p:transition>
     </mc:Choice>
-    <mc:Fallback>
+    <mc:Fallback xmlns="">
       <p:transition spd="slow">
         <p:fade/>
       </p:transition>
@@ -12067,13 +12071,13 @@
   <p:clrMapOvr>
     <a:masterClrMapping/>
   </p:clrMapOvr>
-  <mc:AlternateContent xmlns:mc="http://schemas.openxmlformats.org/markup-compatibility/2006">
-    <mc:Choice xmlns:p159="http://schemas.microsoft.com/office/powerpoint/2015/09/main" Requires="p159">
+  <mc:AlternateContent xmlns:mc="http://schemas.openxmlformats.org/markup-compatibility/2006" xmlns:p159="http://schemas.microsoft.com/office/powerpoint/2015/09/main">
+    <mc:Choice Requires="p159">
       <p:transition xmlns:p14="http://schemas.microsoft.com/office/powerpoint/2010/main" spd="slow" p14:dur="2000">
         <p159:morph option="byWord"/>
       </p:transition>
     </mc:Choice>
-    <mc:Fallback>
+    <mc:Fallback xmlns="">
       <p:transition spd="slow">
         <p:fade/>
       </p:transition>
@@ -14515,13 +14519,13 @@
   <p:clrMapOvr>
     <a:masterClrMapping/>
   </p:clrMapOvr>
-  <mc:AlternateContent xmlns:mc="http://schemas.openxmlformats.org/markup-compatibility/2006">
-    <mc:Choice xmlns:p159="http://schemas.microsoft.com/office/powerpoint/2015/09/main" Requires="p159">
+  <mc:AlternateContent xmlns:mc="http://schemas.openxmlformats.org/markup-compatibility/2006" xmlns:p159="http://schemas.microsoft.com/office/powerpoint/2015/09/main">
+    <mc:Choice Requires="p159">
       <p:transition xmlns:p14="http://schemas.microsoft.com/office/powerpoint/2010/main" spd="slow" p14:dur="2000">
         <p159:morph option="byChar"/>
       </p:transition>
     </mc:Choice>
-    <mc:Fallback>
+    <mc:Fallback xmlns="">
       <p:transition spd="slow">
         <p:fade/>
       </p:transition>
@@ -19447,10 +19451,10 @@
       </p:grpSpPr>
       <p:sp>
         <p:nvSpPr>
-          <p:cNvPr id="2" name="Título 1">
-            <a:extLst>
-              <a:ext uri="{FF2B5EF4-FFF2-40B4-BE49-F238E27FC236}">
-                <a16:creationId xmlns:a16="http://schemas.microsoft.com/office/drawing/2014/main" id="{D2A6283C-73D8-D630-31F3-362B7CC5D8BA}"/>
+          <p:cNvPr id="7" name="Título 6">
+            <a:extLst>
+              <a:ext uri="{FF2B5EF4-FFF2-40B4-BE49-F238E27FC236}">
+                <a16:creationId xmlns:a16="http://schemas.microsoft.com/office/drawing/2014/main" id="{4B57B8B0-23FC-40DD-EC8A-3A4D0CC08F6C}"/>
               </a:ext>
             </a:extLst>
           </p:cNvPr>
@@ -19467,38 +19471,9 @@
           <a:lstStyle/>
           <a:p>
             <a:r>
-              <a:rPr lang="es-ES" dirty="0" err="1"/>
-              <a:t>State</a:t>
-            </a:r>
-            <a:r>
-              <a:rPr lang="es-ES" dirty="0"/>
-              <a:t> Machines</a:t>
-            </a:r>
-          </a:p>
-        </p:txBody>
-      </p:sp>
-      <p:sp>
-        <p:nvSpPr>
-          <p:cNvPr id="3" name="Marcador de texto 2">
-            <a:extLst>
-              <a:ext uri="{FF2B5EF4-FFF2-40B4-BE49-F238E27FC236}">
-                <a16:creationId xmlns:a16="http://schemas.microsoft.com/office/drawing/2014/main" id="{654F171B-FDC7-9F1D-2535-7DF7B0196113}"/>
-              </a:ext>
-            </a:extLst>
-          </p:cNvPr>
-          <p:cNvSpPr>
-            <a:spLocks noGrp="1"/>
-          </p:cNvSpPr>
-          <p:nvPr>
-            <p:ph type="body" idx="1"/>
-          </p:nvPr>
-        </p:nvSpPr>
-        <p:spPr/>
-        <p:txBody>
-          <a:bodyPr/>
-          <a:lstStyle/>
-          <a:p>
-            <a:endParaRPr lang="es-ES"/>
+              <a:rPr lang="es-ES" dirty="0"/>
+              <a:t>Valores continuos y discretos</a:t>
+            </a:r>
           </a:p>
         </p:txBody>
       </p:sp>
@@ -19507,7 +19482,7 @@
           <p:cNvPr id="4" name="Marcador de fecha 3">
             <a:extLst>
               <a:ext uri="{FF2B5EF4-FFF2-40B4-BE49-F238E27FC236}">
-                <a16:creationId xmlns:a16="http://schemas.microsoft.com/office/drawing/2014/main" id="{44050FB5-5015-C211-CB9D-BD4F603A621B}"/>
+                <a16:creationId xmlns:a16="http://schemas.microsoft.com/office/drawing/2014/main" id="{39BAFFFB-FB26-12BE-D9DC-B1BDB90A6D12}"/>
               </a:ext>
             </a:extLst>
           </p:cNvPr>
@@ -19536,7 +19511,7 @@
           <p:cNvPr id="5" name="Marcador de pie de página 4">
             <a:extLst>
               <a:ext uri="{FF2B5EF4-FFF2-40B4-BE49-F238E27FC236}">
-                <a16:creationId xmlns:a16="http://schemas.microsoft.com/office/drawing/2014/main" id="{29463D9A-6C4F-0826-AD58-3A44239B1C10}"/>
+                <a16:creationId xmlns:a16="http://schemas.microsoft.com/office/drawing/2014/main" id="{3A5959F0-88C1-23B4-1B50-20000D4BA92C}"/>
               </a:ext>
             </a:extLst>
           </p:cNvPr>
@@ -19565,7 +19540,7 @@
           <p:cNvPr id="6" name="Marcador de número de diapositiva 5">
             <a:extLst>
               <a:ext uri="{FF2B5EF4-FFF2-40B4-BE49-F238E27FC236}">
-                <a16:creationId xmlns:a16="http://schemas.microsoft.com/office/drawing/2014/main" id="{9E771D78-F359-8794-A3BF-28963CBD5E17}"/>
+                <a16:creationId xmlns:a16="http://schemas.microsoft.com/office/drawing/2014/main" id="{E6333CB0-AC5E-99F7-5F79-57159D1923C0}"/>
               </a:ext>
             </a:extLst>
           </p:cNvPr>
@@ -19593,7 +19568,7 @@
     </p:spTree>
     <p:extLst>
       <p:ext uri="{BB962C8B-B14F-4D97-AF65-F5344CB8AC3E}">
-        <p14:creationId xmlns:p14="http://schemas.microsoft.com/office/powerpoint/2010/main" val="2860092730"/>
+        <p14:creationId xmlns:p14="http://schemas.microsoft.com/office/powerpoint/2010/main" val="3319948575"/>
       </p:ext>
     </p:extLst>
   </p:cSld>
@@ -19625,7 +19600,7 @@
           <p:cNvPr id="2" name="Título 1">
             <a:extLst>
               <a:ext uri="{FF2B5EF4-FFF2-40B4-BE49-F238E27FC236}">
-                <a16:creationId xmlns:a16="http://schemas.microsoft.com/office/drawing/2014/main" id="{E991CB3D-8BC3-55FB-FDE0-F154B550F926}"/>
+                <a16:creationId xmlns:a16="http://schemas.microsoft.com/office/drawing/2014/main" id="{D2A6283C-73D8-D630-31F3-362B7CC5D8BA}"/>
               </a:ext>
             </a:extLst>
           </p:cNvPr>
@@ -19636,12 +19611,7 @@
             <p:ph type="title"/>
           </p:nvPr>
         </p:nvSpPr>
-        <p:spPr>
-          <a:xfrm>
-            <a:off x="838200" y="1853250"/>
-            <a:ext cx="10515600" cy="1325563"/>
-          </a:xfrm>
-        </p:spPr>
+        <p:spPr/>
         <p:txBody>
           <a:bodyPr/>
           <a:lstStyle/>
@@ -19652,68 +19622,33 @@
             </a:r>
             <a:r>
               <a:rPr lang="es-ES" dirty="0"/>
-              <a:t> machines</a:t>
-            </a:r>
-          </a:p>
-        </p:txBody>
-      </p:sp>
-      <p:sp>
-        <p:nvSpPr>
-          <p:cNvPr id="3" name="Marcador de contenido 2">
-            <a:extLst>
-              <a:ext uri="{FF2B5EF4-FFF2-40B4-BE49-F238E27FC236}">
-                <a16:creationId xmlns:a16="http://schemas.microsoft.com/office/drawing/2014/main" id="{A85753FB-4F5A-0742-C58B-3C56985DAB46}"/>
-              </a:ext>
-            </a:extLst>
-          </p:cNvPr>
-          <p:cNvSpPr>
-            <a:spLocks noGrp="1"/>
-          </p:cNvSpPr>
-          <p:nvPr>
-            <p:ph idx="1"/>
-          </p:nvPr>
-        </p:nvSpPr>
-        <p:spPr>
-          <a:xfrm>
-            <a:off x="838200" y="3429000"/>
-            <a:ext cx="10515600" cy="2215429"/>
-          </a:xfrm>
-        </p:spPr>
-        <p:txBody>
-          <a:bodyPr/>
-          <a:lstStyle/>
-          <a:p>
-            <a:pPr marL="0" indent="0">
-              <a:buNone/>
-            </a:pPr>
-            <a:r>
-              <a:rPr lang="es-ES" dirty="0"/>
-              <a:t>También llamadas Máquinas de Estado Finitas (porque tienen un número concreto y definido de posibles acciones) y abreviadas como FSM (en inglés)</a:t>
-            </a:r>
-          </a:p>
-          <a:p>
-            <a:pPr marL="0" indent="0">
-              <a:buNone/>
-            </a:pPr>
-            <a:endParaRPr lang="es-ES" dirty="0"/>
-          </a:p>
-          <a:p>
-            <a:pPr marL="0" indent="0">
-              <a:buNone/>
-            </a:pPr>
-            <a:r>
-              <a:rPr lang="es-ES" dirty="0"/>
-              <a:t>En vez de resolver problemas, resuelves comportamientos.</a:t>
-            </a:r>
-          </a:p>
-          <a:p>
-            <a:pPr marL="0" indent="0">
-              <a:buNone/>
-            </a:pPr>
-            <a:r>
-              <a:rPr lang="es-ES" dirty="0"/>
-              <a:t>Cuando las entidades se encuentran en estados, podemos realizar acciones concretas</a:t>
-            </a:r>
+              <a:t> Machines</a:t>
+            </a:r>
+          </a:p>
+        </p:txBody>
+      </p:sp>
+      <p:sp>
+        <p:nvSpPr>
+          <p:cNvPr id="3" name="Marcador de texto 2">
+            <a:extLst>
+              <a:ext uri="{FF2B5EF4-FFF2-40B4-BE49-F238E27FC236}">
+                <a16:creationId xmlns:a16="http://schemas.microsoft.com/office/drawing/2014/main" id="{654F171B-FDC7-9F1D-2535-7DF7B0196113}"/>
+              </a:ext>
+            </a:extLst>
+          </p:cNvPr>
+          <p:cNvSpPr>
+            <a:spLocks noGrp="1"/>
+          </p:cNvSpPr>
+          <p:nvPr>
+            <p:ph type="body" idx="1"/>
+          </p:nvPr>
+        </p:nvSpPr>
+        <p:spPr/>
+        <p:txBody>
+          <a:bodyPr/>
+          <a:lstStyle/>
+          <a:p>
+            <a:endParaRPr lang="es-ES"/>
           </a:p>
         </p:txBody>
       </p:sp>
@@ -19722,7 +19657,7 @@
           <p:cNvPr id="4" name="Marcador de fecha 3">
             <a:extLst>
               <a:ext uri="{FF2B5EF4-FFF2-40B4-BE49-F238E27FC236}">
-                <a16:creationId xmlns:a16="http://schemas.microsoft.com/office/drawing/2014/main" id="{FF189886-12B2-4B89-F691-8AA326098510}"/>
+                <a16:creationId xmlns:a16="http://schemas.microsoft.com/office/drawing/2014/main" id="{44050FB5-5015-C211-CB9D-BD4F603A621B}"/>
               </a:ext>
             </a:extLst>
           </p:cNvPr>
@@ -19751,7 +19686,7 @@
           <p:cNvPr id="5" name="Marcador de pie de página 4">
             <a:extLst>
               <a:ext uri="{FF2B5EF4-FFF2-40B4-BE49-F238E27FC236}">
-                <a16:creationId xmlns:a16="http://schemas.microsoft.com/office/drawing/2014/main" id="{83F2917D-6ED9-E699-CF0E-3E885CC23BA9}"/>
+                <a16:creationId xmlns:a16="http://schemas.microsoft.com/office/drawing/2014/main" id="{29463D9A-6C4F-0826-AD58-3A44239B1C10}"/>
               </a:ext>
             </a:extLst>
           </p:cNvPr>
@@ -19780,7 +19715,7 @@
           <p:cNvPr id="6" name="Marcador de número de diapositiva 5">
             <a:extLst>
               <a:ext uri="{FF2B5EF4-FFF2-40B4-BE49-F238E27FC236}">
-                <a16:creationId xmlns:a16="http://schemas.microsoft.com/office/drawing/2014/main" id="{8925CACD-7585-67E8-1B50-22984A18DCD2}"/>
+                <a16:creationId xmlns:a16="http://schemas.microsoft.com/office/drawing/2014/main" id="{9E771D78-F359-8794-A3BF-28963CBD5E17}"/>
               </a:ext>
             </a:extLst>
           </p:cNvPr>
@@ -19808,7 +19743,7 @@
     </p:spTree>
     <p:extLst>
       <p:ext uri="{BB962C8B-B14F-4D97-AF65-F5344CB8AC3E}">
-        <p14:creationId xmlns:p14="http://schemas.microsoft.com/office/powerpoint/2010/main" val="2984471104"/>
+        <p14:creationId xmlns:p14="http://schemas.microsoft.com/office/powerpoint/2010/main" val="2860092730"/>
       </p:ext>
     </p:extLst>
   </p:cSld>
@@ -19840,7 +19775,7 @@
           <p:cNvPr id="2" name="Título 1">
             <a:extLst>
               <a:ext uri="{FF2B5EF4-FFF2-40B4-BE49-F238E27FC236}">
-                <a16:creationId xmlns:a16="http://schemas.microsoft.com/office/drawing/2014/main" id="{0016F7D4-1479-3756-B303-0CEB4908DF91}"/>
+                <a16:creationId xmlns:a16="http://schemas.microsoft.com/office/drawing/2014/main" id="{E991CB3D-8BC3-55FB-FDE0-F154B550F926}"/>
               </a:ext>
             </a:extLst>
           </p:cNvPr>
@@ -19853,7 +19788,7 @@
         </p:nvSpPr>
         <p:spPr>
           <a:xfrm>
-            <a:off x="838200" y="1853249"/>
+            <a:off x="838200" y="1853250"/>
             <a:ext cx="10515600" cy="1325563"/>
           </a:xfrm>
         </p:spPr>
@@ -19863,9 +19798,12 @@
           <a:p>
             <a:r>
               <a:rPr lang="es-ES" dirty="0" err="1"/>
-              <a:t>XState</a:t>
-            </a:r>
-            <a:endParaRPr lang="es-ES" dirty="0"/>
+              <a:t>State</a:t>
+            </a:r>
+            <a:r>
+              <a:rPr lang="es-ES" dirty="0"/>
+              <a:t> machines</a:t>
+            </a:r>
           </a:p>
         </p:txBody>
       </p:sp>
@@ -19874,7 +19812,7 @@
           <p:cNvPr id="3" name="Marcador de contenido 2">
             <a:extLst>
               <a:ext uri="{FF2B5EF4-FFF2-40B4-BE49-F238E27FC236}">
-                <a16:creationId xmlns:a16="http://schemas.microsoft.com/office/drawing/2014/main" id="{B4486FD4-654B-1A33-7F26-8FDA9F9E6C9E}"/>
+                <a16:creationId xmlns:a16="http://schemas.microsoft.com/office/drawing/2014/main" id="{A85753FB-4F5A-0742-C58B-3C56985DAB46}"/>
               </a:ext>
             </a:extLst>
           </p:cNvPr>
@@ -19888,13 +19826,11 @@
         <p:spPr>
           <a:xfrm>
             <a:off x="838200" y="3429000"/>
-            <a:ext cx="10515600" cy="1981200"/>
+            <a:ext cx="10515600" cy="2215429"/>
           </a:xfrm>
         </p:spPr>
         <p:txBody>
-          <a:bodyPr>
-            <a:normAutofit/>
-          </a:bodyPr>
+          <a:bodyPr/>
           <a:lstStyle/>
           <a:p>
             <a:pPr marL="0" indent="0">
@@ -19902,21 +19838,8 @@
             </a:pPr>
             <a:r>
               <a:rPr lang="es-ES" dirty="0"/>
-              <a:t>Creado por David </a:t>
-            </a:r>
-            <a:r>
-              <a:rPr lang="es-ES" dirty="0" err="1"/>
-              <a:t>Khourshid</a:t>
-            </a:r>
-            <a:r>
-              <a:rPr lang="es-ES" dirty="0"/>
-              <a:t>, tipado por Matt </a:t>
-            </a:r>
-            <a:r>
-              <a:rPr lang="es-ES" dirty="0" err="1"/>
-              <a:t>Pocock</a:t>
-            </a:r>
-            <a:endParaRPr lang="es-ES" dirty="0"/>
+              <a:t>También llamadas Máquinas de Estado Finitas (porque tienen un número concreto y definido de posibles acciones) y abreviadas como FSM (en inglés)</a:t>
+            </a:r>
           </a:p>
           <a:p>
             <a:pPr marL="0" indent="0">
@@ -19930,35 +19853,17 @@
             </a:pPr>
             <a:r>
               <a:rPr lang="es-ES" dirty="0"/>
-              <a:t>Máquinas de estado finitas en JavaScript</a:t>
-            </a:r>
-          </a:p>
-          <a:p>
-            <a:r>
-              <a:rPr lang="es-ES" dirty="0"/>
-              <a:t>con integraciones para </a:t>
-            </a:r>
-            <a:r>
-              <a:rPr lang="es-ES" dirty="0" err="1"/>
-              <a:t>React</a:t>
-            </a:r>
-            <a:r>
-              <a:rPr lang="es-ES" dirty="0"/>
-              <a:t>, </a:t>
-            </a:r>
-            <a:r>
-              <a:rPr lang="es-ES" dirty="0" err="1"/>
-              <a:t>Vue</a:t>
-            </a:r>
-            <a:r>
-              <a:rPr lang="es-ES" dirty="0"/>
-              <a:t> y </a:t>
-            </a:r>
-            <a:r>
-              <a:rPr lang="es-ES" dirty="0" err="1"/>
-              <a:t>Svelte</a:t>
-            </a:r>
-            <a:endParaRPr lang="es-ES" dirty="0"/>
+              <a:t>En vez de resolver problemas, resuelves comportamientos.</a:t>
+            </a:r>
+          </a:p>
+          <a:p>
+            <a:pPr marL="0" indent="0">
+              <a:buNone/>
+            </a:pPr>
+            <a:r>
+              <a:rPr lang="es-ES" dirty="0"/>
+              <a:t>Cuando las entidades se encuentran en estados, podemos realizar acciones concretas</a:t>
+            </a:r>
           </a:p>
         </p:txBody>
       </p:sp>
@@ -19967,7 +19872,7 @@
           <p:cNvPr id="4" name="Marcador de fecha 3">
             <a:extLst>
               <a:ext uri="{FF2B5EF4-FFF2-40B4-BE49-F238E27FC236}">
-                <a16:creationId xmlns:a16="http://schemas.microsoft.com/office/drawing/2014/main" id="{73486292-5710-A90B-496A-A46295B34BF3}"/>
+                <a16:creationId xmlns:a16="http://schemas.microsoft.com/office/drawing/2014/main" id="{FF189886-12B2-4B89-F691-8AA326098510}"/>
               </a:ext>
             </a:extLst>
           </p:cNvPr>
@@ -19996,7 +19901,7 @@
           <p:cNvPr id="5" name="Marcador de pie de página 4">
             <a:extLst>
               <a:ext uri="{FF2B5EF4-FFF2-40B4-BE49-F238E27FC236}">
-                <a16:creationId xmlns:a16="http://schemas.microsoft.com/office/drawing/2014/main" id="{2ADA38D0-3D7D-3474-F0A9-4165C206F886}"/>
+                <a16:creationId xmlns:a16="http://schemas.microsoft.com/office/drawing/2014/main" id="{83F2917D-6ED9-E699-CF0E-3E885CC23BA9}"/>
               </a:ext>
             </a:extLst>
           </p:cNvPr>
@@ -20025,7 +19930,7 @@
           <p:cNvPr id="6" name="Marcador de número de diapositiva 5">
             <a:extLst>
               <a:ext uri="{FF2B5EF4-FFF2-40B4-BE49-F238E27FC236}">
-                <a16:creationId xmlns:a16="http://schemas.microsoft.com/office/drawing/2014/main" id="{6F124195-EE09-4C06-AF7D-081A97FD17A5}"/>
+                <a16:creationId xmlns:a16="http://schemas.microsoft.com/office/drawing/2014/main" id="{8925CACD-7585-67E8-1B50-22984A18DCD2}"/>
               </a:ext>
             </a:extLst>
           </p:cNvPr>
@@ -20053,7 +19958,7 @@
     </p:spTree>
     <p:extLst>
       <p:ext uri="{BB962C8B-B14F-4D97-AF65-F5344CB8AC3E}">
-        <p14:creationId xmlns:p14="http://schemas.microsoft.com/office/powerpoint/2010/main" val="1092890062"/>
+        <p14:creationId xmlns:p14="http://schemas.microsoft.com/office/powerpoint/2010/main" val="2984471104"/>
       </p:ext>
     </p:extLst>
   </p:cSld>
@@ -20085,7 +19990,7 @@
           <p:cNvPr id="2" name="Título 1">
             <a:extLst>
               <a:ext uri="{FF2B5EF4-FFF2-40B4-BE49-F238E27FC236}">
-                <a16:creationId xmlns:a16="http://schemas.microsoft.com/office/drawing/2014/main" id="{C187A8A8-C6A3-62C4-7BFB-D1E1AF8CF4D9}"/>
+                <a16:creationId xmlns:a16="http://schemas.microsoft.com/office/drawing/2014/main" id="{13F38957-B25D-DB3E-CB9E-F8DB10C66BAC}"/>
               </a:ext>
             </a:extLst>
           </p:cNvPr>
@@ -20096,12 +20001,24 @@
             <p:ph type="title"/>
           </p:nvPr>
         </p:nvSpPr>
-        <p:spPr/>
-        <p:txBody>
-          <a:bodyPr/>
-          <a:lstStyle/>
-          <a:p>
-            <a:endParaRPr lang="es-ES"/>
+        <p:spPr>
+          <a:xfrm>
+            <a:off x="838200" y="1363660"/>
+            <a:ext cx="10515600" cy="1325563"/>
+          </a:xfrm>
+        </p:spPr>
+        <p:txBody>
+          <a:bodyPr/>
+          <a:lstStyle/>
+          <a:p>
+            <a:r>
+              <a:rPr lang="es-ES" dirty="0" err="1"/>
+              <a:t>State</a:t>
+            </a:r>
+            <a:r>
+              <a:rPr lang="es-ES" dirty="0"/>
+              <a:t> Machines</a:t>
+            </a:r>
           </a:p>
         </p:txBody>
       </p:sp>
@@ -20110,7 +20027,7 @@
           <p:cNvPr id="3" name="Marcador de contenido 2">
             <a:extLst>
               <a:ext uri="{FF2B5EF4-FFF2-40B4-BE49-F238E27FC236}">
-                <a16:creationId xmlns:a16="http://schemas.microsoft.com/office/drawing/2014/main" id="{6F47F10A-3B40-D8DC-BF63-499218BA673E}"/>
+                <a16:creationId xmlns:a16="http://schemas.microsoft.com/office/drawing/2014/main" id="{40E4DD5D-8DF4-AF13-459A-E2DE27CFA9B7}"/>
               </a:ext>
             </a:extLst>
           </p:cNvPr>
@@ -20121,12 +20038,64 @@
             <p:ph idx="1"/>
           </p:nvPr>
         </p:nvSpPr>
-        <p:spPr/>
-        <p:txBody>
-          <a:bodyPr/>
-          <a:lstStyle/>
-          <a:p>
-            <a:endParaRPr lang="es-ES"/>
+        <p:spPr>
+          <a:xfrm>
+            <a:off x="838200" y="2939411"/>
+            <a:ext cx="10515600" cy="2825488"/>
+          </a:xfrm>
+        </p:spPr>
+        <p:txBody>
+          <a:bodyPr/>
+          <a:lstStyle/>
+          <a:p>
+            <a:pPr marL="0" indent="0">
+              <a:buNone/>
+            </a:pPr>
+            <a:r>
+              <a:rPr lang="es-ES" dirty="0"/>
+              <a:t>Orquestamos lógica asociada a cambios de estados concretos</a:t>
+            </a:r>
+          </a:p>
+          <a:p>
+            <a:pPr marL="0" indent="0">
+              <a:buNone/>
+            </a:pPr>
+            <a:endParaRPr lang="es-ES" dirty="0"/>
+          </a:p>
+          <a:p>
+            <a:pPr marL="0" indent="0">
+              <a:buNone/>
+            </a:pPr>
+            <a:r>
+              <a:rPr lang="es-ES" dirty="0"/>
+              <a:t>Semáforo (el estado del paso de peatones):</a:t>
+            </a:r>
+          </a:p>
+          <a:p>
+            <a:r>
+              <a:rPr lang="es-ES" dirty="0"/>
+              <a:t>Cambio a rojo -&gt; coches pasan, peatones no</a:t>
+            </a:r>
+          </a:p>
+          <a:p>
+            <a:r>
+              <a:rPr lang="es-ES" dirty="0"/>
+              <a:t>Cambio a verde -&gt; coches paran, peatones no</a:t>
+            </a:r>
+          </a:p>
+          <a:p>
+            <a:r>
+              <a:rPr lang="es-ES" dirty="0"/>
+              <a:t>Cambio a </a:t>
+            </a:r>
+            <a:r>
+              <a:rPr lang="es-ES" dirty="0" err="1"/>
+              <a:t>ambar</a:t>
+            </a:r>
+            <a:r>
+              <a:rPr lang="es-ES" dirty="0"/>
+              <a:t> -&gt; peatones pasan, si no peatones, coches pasan</a:t>
+            </a:r>
           </a:p>
         </p:txBody>
       </p:sp>
@@ -20135,7 +20104,7 @@
           <p:cNvPr id="4" name="Marcador de fecha 3">
             <a:extLst>
               <a:ext uri="{FF2B5EF4-FFF2-40B4-BE49-F238E27FC236}">
-                <a16:creationId xmlns:a16="http://schemas.microsoft.com/office/drawing/2014/main" id="{3CF64780-5656-C786-A1FF-0FF057B27BCB}"/>
+                <a16:creationId xmlns:a16="http://schemas.microsoft.com/office/drawing/2014/main" id="{34524BE5-8134-EC00-0927-0C02B21B6873}"/>
               </a:ext>
             </a:extLst>
           </p:cNvPr>
@@ -20164,7 +20133,7 @@
           <p:cNvPr id="5" name="Marcador de pie de página 4">
             <a:extLst>
               <a:ext uri="{FF2B5EF4-FFF2-40B4-BE49-F238E27FC236}">
-                <a16:creationId xmlns:a16="http://schemas.microsoft.com/office/drawing/2014/main" id="{3F52EB3A-BD8D-4E68-2958-83E22A9CF7C3}"/>
+                <a16:creationId xmlns:a16="http://schemas.microsoft.com/office/drawing/2014/main" id="{8D507969-5122-AF9B-CE08-57776D57F43A}"/>
               </a:ext>
             </a:extLst>
           </p:cNvPr>
@@ -20193,7 +20162,7 @@
           <p:cNvPr id="6" name="Marcador de número de diapositiva 5">
             <a:extLst>
               <a:ext uri="{FF2B5EF4-FFF2-40B4-BE49-F238E27FC236}">
-                <a16:creationId xmlns:a16="http://schemas.microsoft.com/office/drawing/2014/main" id="{9BEFFDF6-67D3-2CCC-C6FD-667197C7C45F}"/>
+                <a16:creationId xmlns:a16="http://schemas.microsoft.com/office/drawing/2014/main" id="{DFAF2203-5D68-2AA4-FEB5-DB8F6D2FECEE}"/>
               </a:ext>
             </a:extLst>
           </p:cNvPr>
@@ -20213,6 +20182,419 @@
               <a:rPr lang="en-US" smtClean="0"/>
               <a:pPr/>
               <a:t>153</a:t>
+            </a:fld>
+            <a:endParaRPr lang="en-US"/>
+          </a:p>
+        </p:txBody>
+      </p:sp>
+    </p:spTree>
+    <p:extLst>
+      <p:ext uri="{BB962C8B-B14F-4D97-AF65-F5344CB8AC3E}">
+        <p14:creationId xmlns:p14="http://schemas.microsoft.com/office/powerpoint/2010/main" val="376931693"/>
+      </p:ext>
+    </p:extLst>
+  </p:cSld>
+  <p:clrMapOvr>
+    <a:masterClrMapping/>
+  </p:clrMapOvr>
+</p:sld>
+</file>
+
+<file path=ppt/slides/slide154.xml><?xml version="1.0" encoding="utf-8"?>
+<p:sld xmlns:a="http://schemas.openxmlformats.org/drawingml/2006/main" xmlns:r="http://schemas.openxmlformats.org/officeDocument/2006/relationships" xmlns:p="http://schemas.openxmlformats.org/presentationml/2006/main">
+  <p:cSld>
+    <p:spTree>
+      <p:nvGrpSpPr>
+        <p:cNvPr id="1" name=""/>
+        <p:cNvGrpSpPr/>
+        <p:nvPr/>
+      </p:nvGrpSpPr>
+      <p:grpSpPr>
+        <a:xfrm>
+          <a:off x="0" y="0"/>
+          <a:ext cx="0" cy="0"/>
+          <a:chOff x="0" y="0"/>
+          <a:chExt cx="0" cy="0"/>
+        </a:xfrm>
+      </p:grpSpPr>
+      <p:sp>
+        <p:nvSpPr>
+          <p:cNvPr id="2" name="Título 1">
+            <a:extLst>
+              <a:ext uri="{FF2B5EF4-FFF2-40B4-BE49-F238E27FC236}">
+                <a16:creationId xmlns:a16="http://schemas.microsoft.com/office/drawing/2014/main" id="{0016F7D4-1479-3756-B303-0CEB4908DF91}"/>
+              </a:ext>
+            </a:extLst>
+          </p:cNvPr>
+          <p:cNvSpPr>
+            <a:spLocks noGrp="1"/>
+          </p:cNvSpPr>
+          <p:nvPr>
+            <p:ph type="title"/>
+          </p:nvPr>
+        </p:nvSpPr>
+        <p:spPr>
+          <a:xfrm>
+            <a:off x="838200" y="1853249"/>
+            <a:ext cx="10515600" cy="1325563"/>
+          </a:xfrm>
+        </p:spPr>
+        <p:txBody>
+          <a:bodyPr/>
+          <a:lstStyle/>
+          <a:p>
+            <a:r>
+              <a:rPr lang="es-ES" dirty="0" err="1"/>
+              <a:t>XState</a:t>
+            </a:r>
+            <a:endParaRPr lang="es-ES" dirty="0"/>
+          </a:p>
+        </p:txBody>
+      </p:sp>
+      <p:sp>
+        <p:nvSpPr>
+          <p:cNvPr id="3" name="Marcador de contenido 2">
+            <a:extLst>
+              <a:ext uri="{FF2B5EF4-FFF2-40B4-BE49-F238E27FC236}">
+                <a16:creationId xmlns:a16="http://schemas.microsoft.com/office/drawing/2014/main" id="{B4486FD4-654B-1A33-7F26-8FDA9F9E6C9E}"/>
+              </a:ext>
+            </a:extLst>
+          </p:cNvPr>
+          <p:cNvSpPr>
+            <a:spLocks noGrp="1"/>
+          </p:cNvSpPr>
+          <p:nvPr>
+            <p:ph idx="1"/>
+          </p:nvPr>
+        </p:nvSpPr>
+        <p:spPr>
+          <a:xfrm>
+            <a:off x="838200" y="3429000"/>
+            <a:ext cx="10515600" cy="1981200"/>
+          </a:xfrm>
+        </p:spPr>
+        <p:txBody>
+          <a:bodyPr>
+            <a:normAutofit/>
+          </a:bodyPr>
+          <a:lstStyle/>
+          <a:p>
+            <a:pPr marL="0" indent="0">
+              <a:buNone/>
+            </a:pPr>
+            <a:r>
+              <a:rPr lang="es-ES" dirty="0"/>
+              <a:t>Creado por David </a:t>
+            </a:r>
+            <a:r>
+              <a:rPr lang="es-ES" dirty="0" err="1"/>
+              <a:t>Khourshid</a:t>
+            </a:r>
+            <a:r>
+              <a:rPr lang="es-ES" dirty="0"/>
+              <a:t>, tipado por Matt </a:t>
+            </a:r>
+            <a:r>
+              <a:rPr lang="es-ES" dirty="0" err="1"/>
+              <a:t>Pocock</a:t>
+            </a:r>
+            <a:endParaRPr lang="es-ES" dirty="0"/>
+          </a:p>
+          <a:p>
+            <a:pPr marL="0" indent="0">
+              <a:buNone/>
+            </a:pPr>
+            <a:endParaRPr lang="es-ES" dirty="0"/>
+          </a:p>
+          <a:p>
+            <a:pPr marL="0" indent="0">
+              <a:buNone/>
+            </a:pPr>
+            <a:r>
+              <a:rPr lang="es-ES" dirty="0"/>
+              <a:t>Máquinas de estado finitas en JavaScript</a:t>
+            </a:r>
+          </a:p>
+          <a:p>
+            <a:r>
+              <a:rPr lang="es-ES" dirty="0"/>
+              <a:t>con integraciones para </a:t>
+            </a:r>
+            <a:r>
+              <a:rPr lang="es-ES" dirty="0" err="1"/>
+              <a:t>React</a:t>
+            </a:r>
+            <a:r>
+              <a:rPr lang="es-ES" dirty="0"/>
+              <a:t>, </a:t>
+            </a:r>
+            <a:r>
+              <a:rPr lang="es-ES" dirty="0" err="1"/>
+              <a:t>Vue</a:t>
+            </a:r>
+            <a:r>
+              <a:rPr lang="es-ES" dirty="0"/>
+              <a:t> y </a:t>
+            </a:r>
+            <a:r>
+              <a:rPr lang="es-ES" dirty="0" err="1"/>
+              <a:t>Svelte</a:t>
+            </a:r>
+            <a:endParaRPr lang="es-ES" dirty="0"/>
+          </a:p>
+        </p:txBody>
+      </p:sp>
+      <p:sp>
+        <p:nvSpPr>
+          <p:cNvPr id="4" name="Marcador de fecha 3">
+            <a:extLst>
+              <a:ext uri="{FF2B5EF4-FFF2-40B4-BE49-F238E27FC236}">
+                <a16:creationId xmlns:a16="http://schemas.microsoft.com/office/drawing/2014/main" id="{73486292-5710-A90B-496A-A46295B34BF3}"/>
+              </a:ext>
+            </a:extLst>
+          </p:cNvPr>
+          <p:cNvSpPr>
+            <a:spLocks noGrp="1"/>
+          </p:cNvSpPr>
+          <p:nvPr>
+            <p:ph type="dt" sz="half" idx="10"/>
+          </p:nvPr>
+        </p:nvSpPr>
+        <p:spPr/>
+        <p:txBody>
+          <a:bodyPr/>
+          <a:lstStyle/>
+          <a:p>
+            <a:r>
+              <a:rPr lang="es-ES"/>
+              <a:t>05/12/2024</a:t>
+            </a:r>
+            <a:endParaRPr lang="en-US"/>
+          </a:p>
+        </p:txBody>
+      </p:sp>
+      <p:sp>
+        <p:nvSpPr>
+          <p:cNvPr id="5" name="Marcador de pie de página 4">
+            <a:extLst>
+              <a:ext uri="{FF2B5EF4-FFF2-40B4-BE49-F238E27FC236}">
+                <a16:creationId xmlns:a16="http://schemas.microsoft.com/office/drawing/2014/main" id="{2ADA38D0-3D7D-3474-F0A9-4165C206F886}"/>
+              </a:ext>
+            </a:extLst>
+          </p:cNvPr>
+          <p:cNvSpPr>
+            <a:spLocks noGrp="1"/>
+          </p:cNvSpPr>
+          <p:nvPr>
+            <p:ph type="ftr" sz="quarter" idx="11"/>
+          </p:nvPr>
+        </p:nvSpPr>
+        <p:spPr/>
+        <p:txBody>
+          <a:bodyPr/>
+          <a:lstStyle/>
+          <a:p>
+            <a:r>
+              <a:rPr lang="es-ES"/>
+              <a:t>Programación Funcional - Pepe Fabra Valverde</a:t>
+            </a:r>
+            <a:endParaRPr lang="en-US"/>
+          </a:p>
+        </p:txBody>
+      </p:sp>
+      <p:sp>
+        <p:nvSpPr>
+          <p:cNvPr id="6" name="Marcador de número de diapositiva 5">
+            <a:extLst>
+              <a:ext uri="{FF2B5EF4-FFF2-40B4-BE49-F238E27FC236}">
+                <a16:creationId xmlns:a16="http://schemas.microsoft.com/office/drawing/2014/main" id="{6F124195-EE09-4C06-AF7D-081A97FD17A5}"/>
+              </a:ext>
+            </a:extLst>
+          </p:cNvPr>
+          <p:cNvSpPr>
+            <a:spLocks noGrp="1"/>
+          </p:cNvSpPr>
+          <p:nvPr>
+            <p:ph type="sldNum" sz="quarter" idx="12"/>
+          </p:nvPr>
+        </p:nvSpPr>
+        <p:spPr/>
+        <p:txBody>
+          <a:bodyPr/>
+          <a:lstStyle/>
+          <a:p>
+            <a:fld id="{D3060201-1C40-4B39-813D-5CD9493BAEED}" type="slidenum">
+              <a:rPr lang="en-US" smtClean="0"/>
+              <a:pPr/>
+              <a:t>154</a:t>
+            </a:fld>
+            <a:endParaRPr lang="en-US"/>
+          </a:p>
+        </p:txBody>
+      </p:sp>
+    </p:spTree>
+    <p:extLst>
+      <p:ext uri="{BB962C8B-B14F-4D97-AF65-F5344CB8AC3E}">
+        <p14:creationId xmlns:p14="http://schemas.microsoft.com/office/powerpoint/2010/main" val="1092890062"/>
+      </p:ext>
+    </p:extLst>
+  </p:cSld>
+  <p:clrMapOvr>
+    <a:masterClrMapping/>
+  </p:clrMapOvr>
+</p:sld>
+</file>
+
+<file path=ppt/slides/slide155.xml><?xml version="1.0" encoding="utf-8"?>
+<p:sld xmlns:a="http://schemas.openxmlformats.org/drawingml/2006/main" xmlns:r="http://schemas.openxmlformats.org/officeDocument/2006/relationships" xmlns:p="http://schemas.openxmlformats.org/presentationml/2006/main">
+  <p:cSld>
+    <p:spTree>
+      <p:nvGrpSpPr>
+        <p:cNvPr id="1" name=""/>
+        <p:cNvGrpSpPr/>
+        <p:nvPr/>
+      </p:nvGrpSpPr>
+      <p:grpSpPr>
+        <a:xfrm>
+          <a:off x="0" y="0"/>
+          <a:ext cx="0" cy="0"/>
+          <a:chOff x="0" y="0"/>
+          <a:chExt cx="0" cy="0"/>
+        </a:xfrm>
+      </p:grpSpPr>
+      <p:sp>
+        <p:nvSpPr>
+          <p:cNvPr id="2" name="Título 1">
+            <a:extLst>
+              <a:ext uri="{FF2B5EF4-FFF2-40B4-BE49-F238E27FC236}">
+                <a16:creationId xmlns:a16="http://schemas.microsoft.com/office/drawing/2014/main" id="{C187A8A8-C6A3-62C4-7BFB-D1E1AF8CF4D9}"/>
+              </a:ext>
+            </a:extLst>
+          </p:cNvPr>
+          <p:cNvSpPr>
+            <a:spLocks noGrp="1"/>
+          </p:cNvSpPr>
+          <p:nvPr>
+            <p:ph type="title"/>
+          </p:nvPr>
+        </p:nvSpPr>
+        <p:spPr/>
+        <p:txBody>
+          <a:bodyPr/>
+          <a:lstStyle/>
+          <a:p>
+            <a:endParaRPr lang="es-ES"/>
+          </a:p>
+        </p:txBody>
+      </p:sp>
+      <p:sp>
+        <p:nvSpPr>
+          <p:cNvPr id="3" name="Marcador de contenido 2">
+            <a:extLst>
+              <a:ext uri="{FF2B5EF4-FFF2-40B4-BE49-F238E27FC236}">
+                <a16:creationId xmlns:a16="http://schemas.microsoft.com/office/drawing/2014/main" id="{6F47F10A-3B40-D8DC-BF63-499218BA673E}"/>
+              </a:ext>
+            </a:extLst>
+          </p:cNvPr>
+          <p:cNvSpPr>
+            <a:spLocks noGrp="1"/>
+          </p:cNvSpPr>
+          <p:nvPr>
+            <p:ph idx="1"/>
+          </p:nvPr>
+        </p:nvSpPr>
+        <p:spPr/>
+        <p:txBody>
+          <a:bodyPr/>
+          <a:lstStyle/>
+          <a:p>
+            <a:endParaRPr lang="es-ES"/>
+          </a:p>
+        </p:txBody>
+      </p:sp>
+      <p:sp>
+        <p:nvSpPr>
+          <p:cNvPr id="4" name="Marcador de fecha 3">
+            <a:extLst>
+              <a:ext uri="{FF2B5EF4-FFF2-40B4-BE49-F238E27FC236}">
+                <a16:creationId xmlns:a16="http://schemas.microsoft.com/office/drawing/2014/main" id="{3CF64780-5656-C786-A1FF-0FF057B27BCB}"/>
+              </a:ext>
+            </a:extLst>
+          </p:cNvPr>
+          <p:cNvSpPr>
+            <a:spLocks noGrp="1"/>
+          </p:cNvSpPr>
+          <p:nvPr>
+            <p:ph type="dt" sz="half" idx="10"/>
+          </p:nvPr>
+        </p:nvSpPr>
+        <p:spPr/>
+        <p:txBody>
+          <a:bodyPr/>
+          <a:lstStyle/>
+          <a:p>
+            <a:r>
+              <a:rPr lang="es-ES"/>
+              <a:t>05/12/2024</a:t>
+            </a:r>
+            <a:endParaRPr lang="en-US"/>
+          </a:p>
+        </p:txBody>
+      </p:sp>
+      <p:sp>
+        <p:nvSpPr>
+          <p:cNvPr id="5" name="Marcador de pie de página 4">
+            <a:extLst>
+              <a:ext uri="{FF2B5EF4-FFF2-40B4-BE49-F238E27FC236}">
+                <a16:creationId xmlns:a16="http://schemas.microsoft.com/office/drawing/2014/main" id="{3F52EB3A-BD8D-4E68-2958-83E22A9CF7C3}"/>
+              </a:ext>
+            </a:extLst>
+          </p:cNvPr>
+          <p:cNvSpPr>
+            <a:spLocks noGrp="1"/>
+          </p:cNvSpPr>
+          <p:nvPr>
+            <p:ph type="ftr" sz="quarter" idx="11"/>
+          </p:nvPr>
+        </p:nvSpPr>
+        <p:spPr/>
+        <p:txBody>
+          <a:bodyPr/>
+          <a:lstStyle/>
+          <a:p>
+            <a:r>
+              <a:rPr lang="es-ES"/>
+              <a:t>Programación Funcional - Pepe Fabra Valverde</a:t>
+            </a:r>
+            <a:endParaRPr lang="en-US"/>
+          </a:p>
+        </p:txBody>
+      </p:sp>
+      <p:sp>
+        <p:nvSpPr>
+          <p:cNvPr id="6" name="Marcador de número de diapositiva 5">
+            <a:extLst>
+              <a:ext uri="{FF2B5EF4-FFF2-40B4-BE49-F238E27FC236}">
+                <a16:creationId xmlns:a16="http://schemas.microsoft.com/office/drawing/2014/main" id="{9BEFFDF6-67D3-2CCC-C6FD-667197C7C45F}"/>
+              </a:ext>
+            </a:extLst>
+          </p:cNvPr>
+          <p:cNvSpPr>
+            <a:spLocks noGrp="1"/>
+          </p:cNvSpPr>
+          <p:nvPr>
+            <p:ph type="sldNum" sz="quarter" idx="12"/>
+          </p:nvPr>
+        </p:nvSpPr>
+        <p:spPr/>
+        <p:txBody>
+          <a:bodyPr/>
+          <a:lstStyle/>
+          <a:p>
+            <a:fld id="{D3060201-1C40-4B39-813D-5CD9493BAEED}" type="slidenum">
+              <a:rPr lang="en-US" smtClean="0"/>
+              <a:pPr/>
+              <a:t>155</a:t>
             </a:fld>
             <a:endParaRPr lang="en-US"/>
           </a:p>
@@ -20278,7 +20660,7 @@
 </p:sld>
 </file>
 
-<file path=ppt/slides/slide154.xml><?xml version="1.0" encoding="utf-8"?>
+<file path=ppt/slides/slide156.xml><?xml version="1.0" encoding="utf-8"?>
 <p:sld xmlns:a="http://schemas.openxmlformats.org/drawingml/2006/main" xmlns:r="http://schemas.openxmlformats.org/officeDocument/2006/relationships" xmlns:p="http://schemas.openxmlformats.org/presentationml/2006/main">
   <p:cSld>
     <p:spTree>
@@ -20431,7 +20813,7 @@
             <a:fld id="{D3060201-1C40-4B39-813D-5CD9493BAEED}" type="slidenum">
               <a:rPr lang="en-US" smtClean="0"/>
               <a:pPr/>
-              <a:t>154</a:t>
+              <a:t>156</a:t>
             </a:fld>
             <a:endParaRPr lang="en-US"/>
           </a:p>
@@ -20441,488 +20823,6 @@
     <p:extLst>
       <p:ext uri="{BB962C8B-B14F-4D97-AF65-F5344CB8AC3E}">
         <p14:creationId xmlns:p14="http://schemas.microsoft.com/office/powerpoint/2010/main" val="3939870245"/>
-      </p:ext>
-    </p:extLst>
-  </p:cSld>
-  <p:clrMapOvr>
-    <a:masterClrMapping/>
-  </p:clrMapOvr>
-</p:sld>
-</file>
-
-<file path=ppt/slides/slide155.xml><?xml version="1.0" encoding="utf-8"?>
-<p:sld xmlns:a="http://schemas.openxmlformats.org/drawingml/2006/main" xmlns:r="http://schemas.openxmlformats.org/officeDocument/2006/relationships" xmlns:p="http://schemas.openxmlformats.org/presentationml/2006/main">
-  <p:cSld>
-    <p:spTree>
-      <p:nvGrpSpPr>
-        <p:cNvPr id="1" name=""/>
-        <p:cNvGrpSpPr/>
-        <p:nvPr/>
-      </p:nvGrpSpPr>
-      <p:grpSpPr>
-        <a:xfrm>
-          <a:off x="0" y="0"/>
-          <a:ext cx="0" cy="0"/>
-          <a:chOff x="0" y="0"/>
-          <a:chExt cx="0" cy="0"/>
-        </a:xfrm>
-      </p:grpSpPr>
-      <p:sp>
-        <p:nvSpPr>
-          <p:cNvPr id="2" name="Título 1">
-            <a:extLst>
-              <a:ext uri="{FF2B5EF4-FFF2-40B4-BE49-F238E27FC236}">
-                <a16:creationId xmlns:a16="http://schemas.microsoft.com/office/drawing/2014/main" id="{88A35644-95A0-205A-C831-5B63320F2C89}"/>
-              </a:ext>
-            </a:extLst>
-          </p:cNvPr>
-          <p:cNvSpPr>
-            <a:spLocks noGrp="1"/>
-          </p:cNvSpPr>
-          <p:nvPr>
-            <p:ph type="title"/>
-          </p:nvPr>
-        </p:nvSpPr>
-        <p:spPr>
-          <a:xfrm>
-            <a:off x="838200" y="1912484"/>
-            <a:ext cx="10515600" cy="1325563"/>
-          </a:xfrm>
-        </p:spPr>
-        <p:txBody>
-          <a:bodyPr/>
-          <a:lstStyle/>
-          <a:p>
-            <a:r>
-              <a:rPr lang="es-ES" dirty="0" err="1"/>
-              <a:t>Statecharts</a:t>
-            </a:r>
-            <a:endParaRPr lang="es-ES" dirty="0"/>
-          </a:p>
-        </p:txBody>
-      </p:sp>
-      <p:sp>
-        <p:nvSpPr>
-          <p:cNvPr id="3" name="Marcador de contenido 2">
-            <a:extLst>
-              <a:ext uri="{FF2B5EF4-FFF2-40B4-BE49-F238E27FC236}">
-                <a16:creationId xmlns:a16="http://schemas.microsoft.com/office/drawing/2014/main" id="{8F5FFDCD-0A6F-482F-EBF6-01B13EA61939}"/>
-              </a:ext>
-            </a:extLst>
-          </p:cNvPr>
-          <p:cNvSpPr>
-            <a:spLocks noGrp="1"/>
-          </p:cNvSpPr>
-          <p:nvPr>
-            <p:ph idx="1"/>
-          </p:nvPr>
-        </p:nvSpPr>
-        <p:spPr>
-          <a:xfrm>
-            <a:off x="838200" y="3488235"/>
-            <a:ext cx="10515600" cy="1028886"/>
-          </a:xfrm>
-        </p:spPr>
-        <p:txBody>
-          <a:bodyPr/>
-          <a:lstStyle/>
-          <a:p>
-            <a:pPr marL="0" indent="0">
-              <a:buNone/>
-            </a:pPr>
-            <a:r>
-              <a:rPr lang="es-ES" dirty="0"/>
-              <a:t>¡¡Vivan los diagramas!!</a:t>
-            </a:r>
-          </a:p>
-          <a:p>
-            <a:pPr marL="0" indent="0">
-              <a:buNone/>
-            </a:pPr>
-            <a:r>
-              <a:rPr lang="es-ES" dirty="0"/>
-              <a:t>Un </a:t>
-            </a:r>
-            <a:r>
-              <a:rPr lang="es-ES" dirty="0" err="1"/>
-              <a:t>statechart</a:t>
-            </a:r>
-            <a:r>
-              <a:rPr lang="es-ES" dirty="0"/>
-              <a:t> nos permite visualizar </a:t>
-            </a:r>
-            <a:r>
-              <a:rPr lang="es-ES" b="1" dirty="0"/>
-              <a:t>flujos de estado </a:t>
-            </a:r>
-            <a:r>
-              <a:rPr lang="es-ES" dirty="0"/>
-              <a:t>de una </a:t>
-            </a:r>
-            <a:r>
-              <a:rPr lang="es-ES" i="1" dirty="0"/>
-              <a:t>máquina de estado</a:t>
-            </a:r>
-          </a:p>
-        </p:txBody>
-      </p:sp>
-      <p:sp>
-        <p:nvSpPr>
-          <p:cNvPr id="4" name="Marcador de fecha 3">
-            <a:extLst>
-              <a:ext uri="{FF2B5EF4-FFF2-40B4-BE49-F238E27FC236}">
-                <a16:creationId xmlns:a16="http://schemas.microsoft.com/office/drawing/2014/main" id="{FF684E87-2EB4-DF8D-B612-831BEB27757E}"/>
-              </a:ext>
-            </a:extLst>
-          </p:cNvPr>
-          <p:cNvSpPr>
-            <a:spLocks noGrp="1"/>
-          </p:cNvSpPr>
-          <p:nvPr>
-            <p:ph type="dt" sz="half" idx="10"/>
-          </p:nvPr>
-        </p:nvSpPr>
-        <p:spPr/>
-        <p:txBody>
-          <a:bodyPr/>
-          <a:lstStyle/>
-          <a:p>
-            <a:r>
-              <a:rPr lang="es-ES"/>
-              <a:t>05/12/2024</a:t>
-            </a:r>
-            <a:endParaRPr lang="en-US"/>
-          </a:p>
-        </p:txBody>
-      </p:sp>
-      <p:sp>
-        <p:nvSpPr>
-          <p:cNvPr id="5" name="Marcador de pie de página 4">
-            <a:extLst>
-              <a:ext uri="{FF2B5EF4-FFF2-40B4-BE49-F238E27FC236}">
-                <a16:creationId xmlns:a16="http://schemas.microsoft.com/office/drawing/2014/main" id="{180E486B-61C5-5E2E-E877-CA1F96D817B3}"/>
-              </a:ext>
-            </a:extLst>
-          </p:cNvPr>
-          <p:cNvSpPr>
-            <a:spLocks noGrp="1"/>
-          </p:cNvSpPr>
-          <p:nvPr>
-            <p:ph type="ftr" sz="quarter" idx="11"/>
-          </p:nvPr>
-        </p:nvSpPr>
-        <p:spPr/>
-        <p:txBody>
-          <a:bodyPr/>
-          <a:lstStyle/>
-          <a:p>
-            <a:r>
-              <a:rPr lang="es-ES"/>
-              <a:t>Programación Funcional - Pepe Fabra Valverde</a:t>
-            </a:r>
-            <a:endParaRPr lang="en-US"/>
-          </a:p>
-        </p:txBody>
-      </p:sp>
-      <p:sp>
-        <p:nvSpPr>
-          <p:cNvPr id="6" name="Marcador de número de diapositiva 5">
-            <a:extLst>
-              <a:ext uri="{FF2B5EF4-FFF2-40B4-BE49-F238E27FC236}">
-                <a16:creationId xmlns:a16="http://schemas.microsoft.com/office/drawing/2014/main" id="{DCCEDB7C-00E6-83C1-3AAA-AA4986D5CE8E}"/>
-              </a:ext>
-            </a:extLst>
-          </p:cNvPr>
-          <p:cNvSpPr>
-            <a:spLocks noGrp="1"/>
-          </p:cNvSpPr>
-          <p:nvPr>
-            <p:ph type="sldNum" sz="quarter" idx="12"/>
-          </p:nvPr>
-        </p:nvSpPr>
-        <p:spPr/>
-        <p:txBody>
-          <a:bodyPr/>
-          <a:lstStyle/>
-          <a:p>
-            <a:fld id="{D3060201-1C40-4B39-813D-5CD9493BAEED}" type="slidenum">
-              <a:rPr lang="en-US" smtClean="0"/>
-              <a:pPr/>
-              <a:t>155</a:t>
-            </a:fld>
-            <a:endParaRPr lang="en-US"/>
-          </a:p>
-        </p:txBody>
-      </p:sp>
-    </p:spTree>
-    <p:extLst>
-      <p:ext uri="{BB962C8B-B14F-4D97-AF65-F5344CB8AC3E}">
-        <p14:creationId xmlns:p14="http://schemas.microsoft.com/office/powerpoint/2010/main" val="2190029101"/>
-      </p:ext>
-    </p:extLst>
-  </p:cSld>
-  <p:clrMapOvr>
-    <a:masterClrMapping/>
-  </p:clrMapOvr>
-</p:sld>
-</file>
-
-<file path=ppt/slides/slide156.xml><?xml version="1.0" encoding="utf-8"?>
-<p:sld xmlns:a="http://schemas.openxmlformats.org/drawingml/2006/main" xmlns:r="http://schemas.openxmlformats.org/officeDocument/2006/relationships" xmlns:p="http://schemas.openxmlformats.org/presentationml/2006/main">
-  <p:cSld>
-    <p:spTree>
-      <p:nvGrpSpPr>
-        <p:cNvPr id="1" name="">
-          <a:extLst>
-            <a:ext uri="{FF2B5EF4-FFF2-40B4-BE49-F238E27FC236}">
-              <a16:creationId xmlns:a16="http://schemas.microsoft.com/office/drawing/2014/main" id="{2691B701-2701-F965-983A-C15A6BFACE54}"/>
-            </a:ext>
-          </a:extLst>
-        </p:cNvPr>
-        <p:cNvGrpSpPr/>
-        <p:nvPr/>
-      </p:nvGrpSpPr>
-      <p:grpSpPr>
-        <a:xfrm>
-          <a:off x="0" y="0"/>
-          <a:ext cx="0" cy="0"/>
-          <a:chOff x="0" y="0"/>
-          <a:chExt cx="0" cy="0"/>
-        </a:xfrm>
-      </p:grpSpPr>
-      <p:sp>
-        <p:nvSpPr>
-          <p:cNvPr id="9" name="Título 8">
-            <a:extLst>
-              <a:ext uri="{FF2B5EF4-FFF2-40B4-BE49-F238E27FC236}">
-                <a16:creationId xmlns:a16="http://schemas.microsoft.com/office/drawing/2014/main" id="{8AF24983-9D8A-06D7-8C62-9CEF440F1E74}"/>
-              </a:ext>
-            </a:extLst>
-          </p:cNvPr>
-          <p:cNvSpPr>
-            <a:spLocks noGrp="1"/>
-          </p:cNvSpPr>
-          <p:nvPr>
-            <p:ph type="title"/>
-          </p:nvPr>
-        </p:nvSpPr>
-        <p:spPr/>
-        <p:txBody>
-          <a:bodyPr/>
-          <a:lstStyle/>
-          <a:p>
-            <a:br>
-              <a:rPr lang="es-ES" b="1" dirty="0">
-                <a:solidFill>
-                  <a:srgbClr val="F1DA4E"/>
-                </a:solidFill>
-                <a:latin typeface="Arial" panose="020B0604020202020204" pitchFamily="34" charset="0"/>
-                <a:cs typeface="Arial" panose="020B0604020202020204" pitchFamily="34" charset="0"/>
-              </a:rPr>
-            </a:br>
-            <a:br>
-              <a:rPr lang="es-ES" b="1" dirty="0">
-                <a:solidFill>
-                  <a:srgbClr val="F1DA4E"/>
-                </a:solidFill>
-                <a:latin typeface="Arial" panose="020B0604020202020204" pitchFamily="34" charset="0"/>
-                <a:cs typeface="Arial" panose="020B0604020202020204" pitchFamily="34" charset="0"/>
-              </a:rPr>
-            </a:br>
-            <a:r>
-              <a:rPr lang="es-ES" b="1" dirty="0">
-                <a:solidFill>
-                  <a:srgbClr val="F1DA4E"/>
-                </a:solidFill>
-                <a:latin typeface="Arial" panose="020B0604020202020204" pitchFamily="34" charset="0"/>
-                <a:cs typeface="Arial" panose="020B0604020202020204" pitchFamily="34" charset="0"/>
-              </a:rPr>
-              <a:t>“</a:t>
-            </a:r>
-            <a:r>
-              <a:rPr lang="es-ES" dirty="0"/>
-              <a:t>A visual </a:t>
-            </a:r>
-            <a:r>
-              <a:rPr lang="es-ES" dirty="0" err="1"/>
-              <a:t>formalism</a:t>
-            </a:r>
-            <a:r>
-              <a:rPr lang="es-ES" dirty="0"/>
-              <a:t> </a:t>
-            </a:r>
-            <a:r>
-              <a:rPr lang="es-ES" dirty="0" err="1"/>
-              <a:t>for</a:t>
-            </a:r>
-            <a:r>
-              <a:rPr lang="es-ES" dirty="0"/>
-              <a:t> </a:t>
-            </a:r>
-            <a:r>
-              <a:rPr lang="es-ES" dirty="0" err="1"/>
-              <a:t>complex</a:t>
-            </a:r>
-            <a:r>
-              <a:rPr lang="es-ES" dirty="0"/>
-              <a:t> </a:t>
-            </a:r>
-            <a:r>
-              <a:rPr lang="es-ES" dirty="0" err="1"/>
-              <a:t>systems</a:t>
-            </a:r>
-            <a:r>
-              <a:rPr lang="es-ES" b="1" dirty="0">
-                <a:solidFill>
-                  <a:srgbClr val="F1DA4E"/>
-                </a:solidFill>
-                <a:latin typeface="Arial" panose="020B0604020202020204" pitchFamily="34" charset="0"/>
-                <a:cs typeface="Arial" panose="020B0604020202020204" pitchFamily="34" charset="0"/>
-              </a:rPr>
-              <a:t>”</a:t>
-            </a:r>
-            <a:br>
-              <a:rPr lang="es-ES" b="1" dirty="0">
-                <a:solidFill>
-                  <a:srgbClr val="F1DA4E"/>
-                </a:solidFill>
-                <a:latin typeface="Arial" panose="020B0604020202020204" pitchFamily="34" charset="0"/>
-                <a:cs typeface="Arial" panose="020B0604020202020204" pitchFamily="34" charset="0"/>
-              </a:rPr>
-            </a:br>
-            <a:br>
-              <a:rPr lang="es-ES" b="1" dirty="0">
-                <a:solidFill>
-                  <a:srgbClr val="F1DA4E"/>
-                </a:solidFill>
-                <a:latin typeface="Arial" panose="020B0604020202020204" pitchFamily="34" charset="0"/>
-                <a:cs typeface="Arial" panose="020B0604020202020204" pitchFamily="34" charset="0"/>
-              </a:rPr>
-            </a:br>
-            <a:r>
-              <a:rPr lang="es-ES" dirty="0" err="1"/>
-              <a:t>Harel</a:t>
-            </a:r>
-            <a:r>
-              <a:rPr lang="es-ES" dirty="0"/>
-              <a:t>, </a:t>
-            </a:r>
-            <a:r>
-              <a:rPr lang="es-ES" sz="4800" dirty="0"/>
-              <a:t>1987</a:t>
-            </a:r>
-            <a:r>
-              <a:rPr lang="es-ES" dirty="0"/>
-              <a:t> – </a:t>
-            </a:r>
-            <a:r>
-              <a:rPr lang="es-ES" dirty="0">
-                <a:hlinkClick r:id="rId2"/>
-              </a:rPr>
-              <a:t>statecharts.dev</a:t>
-            </a:r>
-            <a:endParaRPr lang="es-ES" b="1" dirty="0">
-              <a:solidFill>
-                <a:srgbClr val="F1DA4E"/>
-              </a:solidFill>
-              <a:latin typeface="Arial" panose="020B0604020202020204" pitchFamily="34" charset="0"/>
-              <a:cs typeface="Arial" panose="020B0604020202020204" pitchFamily="34" charset="0"/>
-            </a:endParaRPr>
-          </a:p>
-        </p:txBody>
-      </p:sp>
-      <p:sp>
-        <p:nvSpPr>
-          <p:cNvPr id="4" name="Marcador de fecha 3">
-            <a:extLst>
-              <a:ext uri="{FF2B5EF4-FFF2-40B4-BE49-F238E27FC236}">
-                <a16:creationId xmlns:a16="http://schemas.microsoft.com/office/drawing/2014/main" id="{F66AB3ED-56D7-122F-C9F2-4581DBD4B3EF}"/>
-              </a:ext>
-            </a:extLst>
-          </p:cNvPr>
-          <p:cNvSpPr>
-            <a:spLocks noGrp="1"/>
-          </p:cNvSpPr>
-          <p:nvPr>
-            <p:ph type="dt" sz="half" idx="10"/>
-          </p:nvPr>
-        </p:nvSpPr>
-        <p:spPr/>
-        <p:txBody>
-          <a:bodyPr/>
-          <a:lstStyle/>
-          <a:p>
-            <a:r>
-              <a:rPr lang="es-ES"/>
-              <a:t>05/12/2024</a:t>
-            </a:r>
-            <a:endParaRPr lang="en-US"/>
-          </a:p>
-        </p:txBody>
-      </p:sp>
-      <p:sp>
-        <p:nvSpPr>
-          <p:cNvPr id="5" name="Marcador de pie de página 4">
-            <a:extLst>
-              <a:ext uri="{FF2B5EF4-FFF2-40B4-BE49-F238E27FC236}">
-                <a16:creationId xmlns:a16="http://schemas.microsoft.com/office/drawing/2014/main" id="{805344AD-0BFD-6F9E-F04C-6D809E02F684}"/>
-              </a:ext>
-            </a:extLst>
-          </p:cNvPr>
-          <p:cNvSpPr>
-            <a:spLocks noGrp="1"/>
-          </p:cNvSpPr>
-          <p:nvPr>
-            <p:ph type="ftr" sz="quarter" idx="11"/>
-          </p:nvPr>
-        </p:nvSpPr>
-        <p:spPr/>
-        <p:txBody>
-          <a:bodyPr/>
-          <a:lstStyle/>
-          <a:p>
-            <a:r>
-              <a:rPr lang="es-ES"/>
-              <a:t>Programación Funcional - Pepe Fabra Valverde</a:t>
-            </a:r>
-            <a:endParaRPr lang="en-US"/>
-          </a:p>
-        </p:txBody>
-      </p:sp>
-      <p:sp>
-        <p:nvSpPr>
-          <p:cNvPr id="6" name="Marcador de número de diapositiva 5">
-            <a:extLst>
-              <a:ext uri="{FF2B5EF4-FFF2-40B4-BE49-F238E27FC236}">
-                <a16:creationId xmlns:a16="http://schemas.microsoft.com/office/drawing/2014/main" id="{49BC9903-088E-F9D8-C194-EB194C499D48}"/>
-              </a:ext>
-            </a:extLst>
-          </p:cNvPr>
-          <p:cNvSpPr>
-            <a:spLocks noGrp="1"/>
-          </p:cNvSpPr>
-          <p:nvPr>
-            <p:ph type="sldNum" sz="quarter" idx="12"/>
-          </p:nvPr>
-        </p:nvSpPr>
-        <p:spPr/>
-        <p:txBody>
-          <a:bodyPr/>
-          <a:lstStyle/>
-          <a:p>
-            <a:fld id="{D3060201-1C40-4B39-813D-5CD9493BAEED}" type="slidenum">
-              <a:rPr lang="en-US" smtClean="0"/>
-              <a:pPr/>
-              <a:t>156</a:t>
-            </a:fld>
-            <a:endParaRPr lang="en-US"/>
-          </a:p>
-        </p:txBody>
-      </p:sp>
-    </p:spTree>
-    <p:extLst>
-      <p:ext uri="{BB962C8B-B14F-4D97-AF65-F5344CB8AC3E}">
-        <p14:creationId xmlns:p14="http://schemas.microsoft.com/office/powerpoint/2010/main" val="1247300823"/>
       </p:ext>
     </p:extLst>
   </p:cSld>
@@ -20954,7 +20854,7 @@
           <p:cNvPr id="2" name="Título 1">
             <a:extLst>
               <a:ext uri="{FF2B5EF4-FFF2-40B4-BE49-F238E27FC236}">
-                <a16:creationId xmlns:a16="http://schemas.microsoft.com/office/drawing/2014/main" id="{4F7761B9-3A04-C7B7-7A4C-EE1B1D8A5E1A}"/>
+                <a16:creationId xmlns:a16="http://schemas.microsoft.com/office/drawing/2014/main" id="{88A35644-95A0-205A-C831-5B63320F2C89}"/>
               </a:ext>
             </a:extLst>
           </p:cNvPr>
@@ -20967,7 +20867,7 @@
         </p:nvSpPr>
         <p:spPr>
           <a:xfrm>
-            <a:off x="838200" y="2103437"/>
+            <a:off x="838200" y="1912484"/>
             <a:ext cx="10515600" cy="1325563"/>
           </a:xfrm>
         </p:spPr>
@@ -20977,15 +20877,7 @@
           <a:p>
             <a:r>
               <a:rPr lang="es-ES" dirty="0" err="1"/>
-              <a:t>XState</a:t>
-            </a:r>
-            <a:r>
-              <a:rPr lang="es-ES" dirty="0"/>
-              <a:t> </a:t>
-            </a:r>
-            <a:r>
-              <a:rPr lang="es-ES" dirty="0" err="1"/>
-              <a:t>Visualizer</a:t>
+              <a:t>Statecharts</a:t>
             </a:r>
             <a:endParaRPr lang="es-ES" dirty="0"/>
           </a:p>
@@ -20996,7 +20888,7 @@
           <p:cNvPr id="3" name="Marcador de contenido 2">
             <a:extLst>
               <a:ext uri="{FF2B5EF4-FFF2-40B4-BE49-F238E27FC236}">
-                <a16:creationId xmlns:a16="http://schemas.microsoft.com/office/drawing/2014/main" id="{78906319-8F4A-287C-F7B7-602980270EE5}"/>
+                <a16:creationId xmlns:a16="http://schemas.microsoft.com/office/drawing/2014/main" id="{8F5FFDCD-0A6F-482F-EBF6-01B13EA61939}"/>
               </a:ext>
             </a:extLst>
           </p:cNvPr>
@@ -21009,8 +20901,8 @@
         </p:nvSpPr>
         <p:spPr>
           <a:xfrm>
-            <a:off x="838200" y="3679188"/>
-            <a:ext cx="10515600" cy="999094"/>
+            <a:off x="838200" y="3488235"/>
+            <a:ext cx="10515600" cy="1028886"/>
           </a:xfrm>
         </p:spPr>
         <p:txBody>
@@ -21021,36 +20913,8 @@
               <a:buNone/>
             </a:pPr>
             <a:r>
-              <a:rPr lang="es-ES" dirty="0" err="1"/>
-              <a:t>StateCharts</a:t>
-            </a:r>
-            <a:r>
-              <a:rPr lang="es-ES" dirty="0"/>
-              <a:t> usando </a:t>
-            </a:r>
-            <a:r>
-              <a:rPr lang="es-ES" dirty="0" err="1"/>
-              <a:t>Diagram</a:t>
-            </a:r>
-            <a:r>
-              <a:rPr lang="es-ES" dirty="0"/>
-              <a:t> as </a:t>
-            </a:r>
-            <a:r>
-              <a:rPr lang="es-ES" dirty="0" err="1"/>
-              <a:t>Code</a:t>
-            </a:r>
-            <a:r>
-              <a:rPr lang="es-ES" dirty="0"/>
-              <a:t>  (JavaScript con </a:t>
-            </a:r>
-            <a:r>
-              <a:rPr lang="es-ES" dirty="0" err="1"/>
-              <a:t>XState</a:t>
-            </a:r>
-            <a:r>
-              <a:rPr lang="es-ES" dirty="0"/>
-              <a:t>)</a:t>
+              <a:rPr lang="es-ES" dirty="0"/>
+              <a:t>¡¡Vivan los diagramas!!</a:t>
             </a:r>
           </a:p>
           <a:p>
@@ -21058,12 +20922,29 @@
               <a:buNone/>
             </a:pPr>
             <a:r>
-              <a:rPr lang="es-ES" dirty="0">
-                <a:hlinkClick r:id="rId2"/>
-              </a:rPr>
-              <a:t>https://stately.ai/viz</a:t>
-            </a:r>
-            <a:endParaRPr lang="es-ES" dirty="0"/>
+              <a:rPr lang="es-ES" dirty="0"/>
+              <a:t>Un </a:t>
+            </a:r>
+            <a:r>
+              <a:rPr lang="es-ES" dirty="0" err="1"/>
+              <a:t>statechart</a:t>
+            </a:r>
+            <a:r>
+              <a:rPr lang="es-ES" dirty="0"/>
+              <a:t> nos permite visualizar </a:t>
+            </a:r>
+            <a:r>
+              <a:rPr lang="es-ES" b="1" dirty="0"/>
+              <a:t>flujos de estado </a:t>
+            </a:r>
+            <a:r>
+              <a:rPr lang="es-ES" dirty="0"/>
+              <a:t>de una </a:t>
+            </a:r>
+            <a:r>
+              <a:rPr lang="es-ES" i="1" dirty="0"/>
+              <a:t>máquina de estado</a:t>
+            </a:r>
           </a:p>
         </p:txBody>
       </p:sp>
@@ -21072,7 +20953,7 @@
           <p:cNvPr id="4" name="Marcador de fecha 3">
             <a:extLst>
               <a:ext uri="{FF2B5EF4-FFF2-40B4-BE49-F238E27FC236}">
-                <a16:creationId xmlns:a16="http://schemas.microsoft.com/office/drawing/2014/main" id="{539347AF-DAD0-2AE6-0E5D-403260A5F50B}"/>
+                <a16:creationId xmlns:a16="http://schemas.microsoft.com/office/drawing/2014/main" id="{FF684E87-2EB4-DF8D-B612-831BEB27757E}"/>
               </a:ext>
             </a:extLst>
           </p:cNvPr>
@@ -21101,7 +20982,7 @@
           <p:cNvPr id="5" name="Marcador de pie de página 4">
             <a:extLst>
               <a:ext uri="{FF2B5EF4-FFF2-40B4-BE49-F238E27FC236}">
-                <a16:creationId xmlns:a16="http://schemas.microsoft.com/office/drawing/2014/main" id="{13B7C953-E33D-9C85-B09E-45C2550E7B15}"/>
+                <a16:creationId xmlns:a16="http://schemas.microsoft.com/office/drawing/2014/main" id="{180E486B-61C5-5E2E-E877-CA1F96D817B3}"/>
               </a:ext>
             </a:extLst>
           </p:cNvPr>
@@ -21130,7 +21011,7 @@
           <p:cNvPr id="6" name="Marcador de número de diapositiva 5">
             <a:extLst>
               <a:ext uri="{FF2B5EF4-FFF2-40B4-BE49-F238E27FC236}">
-                <a16:creationId xmlns:a16="http://schemas.microsoft.com/office/drawing/2014/main" id="{498429BB-5EB4-A6A3-BA49-5D7F7DBCB4A8}"/>
+                <a16:creationId xmlns:a16="http://schemas.microsoft.com/office/drawing/2014/main" id="{DCCEDB7C-00E6-83C1-3AAA-AA4986D5CE8E}"/>
               </a:ext>
             </a:extLst>
           </p:cNvPr>
@@ -21158,7 +21039,7 @@
     </p:spTree>
     <p:extLst>
       <p:ext uri="{BB962C8B-B14F-4D97-AF65-F5344CB8AC3E}">
-        <p14:creationId xmlns:p14="http://schemas.microsoft.com/office/powerpoint/2010/main" val="1434727040"/>
+        <p14:creationId xmlns:p14="http://schemas.microsoft.com/office/powerpoint/2010/main" val="2190029101"/>
       </p:ext>
     </p:extLst>
   </p:cSld>
@@ -21169,6 +21050,271 @@
 </file>
 
 <file path=ppt/slides/slide158.xml><?xml version="1.0" encoding="utf-8"?>
+<p:sld xmlns:a="http://schemas.openxmlformats.org/drawingml/2006/main" xmlns:r="http://schemas.openxmlformats.org/officeDocument/2006/relationships" xmlns:p="http://schemas.openxmlformats.org/presentationml/2006/main">
+  <p:cSld>
+    <p:spTree>
+      <p:nvGrpSpPr>
+        <p:cNvPr id="1" name="">
+          <a:extLst>
+            <a:ext uri="{FF2B5EF4-FFF2-40B4-BE49-F238E27FC236}">
+              <a16:creationId xmlns:a16="http://schemas.microsoft.com/office/drawing/2014/main" id="{2691B701-2701-F965-983A-C15A6BFACE54}"/>
+            </a:ext>
+          </a:extLst>
+        </p:cNvPr>
+        <p:cNvGrpSpPr/>
+        <p:nvPr/>
+      </p:nvGrpSpPr>
+      <p:grpSpPr>
+        <a:xfrm>
+          <a:off x="0" y="0"/>
+          <a:ext cx="0" cy="0"/>
+          <a:chOff x="0" y="0"/>
+          <a:chExt cx="0" cy="0"/>
+        </a:xfrm>
+      </p:grpSpPr>
+      <p:sp>
+        <p:nvSpPr>
+          <p:cNvPr id="9" name="Título 8">
+            <a:extLst>
+              <a:ext uri="{FF2B5EF4-FFF2-40B4-BE49-F238E27FC236}">
+                <a16:creationId xmlns:a16="http://schemas.microsoft.com/office/drawing/2014/main" id="{8AF24983-9D8A-06D7-8C62-9CEF440F1E74}"/>
+              </a:ext>
+            </a:extLst>
+          </p:cNvPr>
+          <p:cNvSpPr>
+            <a:spLocks noGrp="1"/>
+          </p:cNvSpPr>
+          <p:nvPr>
+            <p:ph type="title"/>
+          </p:nvPr>
+        </p:nvSpPr>
+        <p:spPr/>
+        <p:txBody>
+          <a:bodyPr/>
+          <a:lstStyle/>
+          <a:p>
+            <a:br>
+              <a:rPr lang="es-ES" b="1" dirty="0">
+                <a:solidFill>
+                  <a:srgbClr val="F1DA4E"/>
+                </a:solidFill>
+                <a:latin typeface="Arial" panose="020B0604020202020204" pitchFamily="34" charset="0"/>
+                <a:cs typeface="Arial" panose="020B0604020202020204" pitchFamily="34" charset="0"/>
+              </a:rPr>
+            </a:br>
+            <a:br>
+              <a:rPr lang="es-ES" b="1" dirty="0">
+                <a:solidFill>
+                  <a:srgbClr val="F1DA4E"/>
+                </a:solidFill>
+                <a:latin typeface="Arial" panose="020B0604020202020204" pitchFamily="34" charset="0"/>
+                <a:cs typeface="Arial" panose="020B0604020202020204" pitchFamily="34" charset="0"/>
+              </a:rPr>
+            </a:br>
+            <a:r>
+              <a:rPr lang="es-ES" b="1" dirty="0">
+                <a:solidFill>
+                  <a:srgbClr val="F1DA4E"/>
+                </a:solidFill>
+                <a:latin typeface="Arial" panose="020B0604020202020204" pitchFamily="34" charset="0"/>
+                <a:cs typeface="Arial" panose="020B0604020202020204" pitchFamily="34" charset="0"/>
+              </a:rPr>
+              <a:t>“</a:t>
+            </a:r>
+            <a:r>
+              <a:rPr lang="es-ES" dirty="0"/>
+              <a:t>A visual </a:t>
+            </a:r>
+            <a:r>
+              <a:rPr lang="es-ES" dirty="0" err="1"/>
+              <a:t>formalism</a:t>
+            </a:r>
+            <a:r>
+              <a:rPr lang="es-ES" dirty="0"/>
+              <a:t> </a:t>
+            </a:r>
+            <a:r>
+              <a:rPr lang="es-ES" dirty="0" err="1"/>
+              <a:t>for</a:t>
+            </a:r>
+            <a:r>
+              <a:rPr lang="es-ES" dirty="0"/>
+              <a:t> </a:t>
+            </a:r>
+            <a:r>
+              <a:rPr lang="es-ES" dirty="0" err="1"/>
+              <a:t>complex</a:t>
+            </a:r>
+            <a:r>
+              <a:rPr lang="es-ES" dirty="0"/>
+              <a:t> </a:t>
+            </a:r>
+            <a:r>
+              <a:rPr lang="es-ES" dirty="0" err="1"/>
+              <a:t>systems</a:t>
+            </a:r>
+            <a:r>
+              <a:rPr lang="es-ES" b="1" dirty="0">
+                <a:solidFill>
+                  <a:srgbClr val="F1DA4E"/>
+                </a:solidFill>
+                <a:latin typeface="Arial" panose="020B0604020202020204" pitchFamily="34" charset="0"/>
+                <a:cs typeface="Arial" panose="020B0604020202020204" pitchFamily="34" charset="0"/>
+              </a:rPr>
+              <a:t>”</a:t>
+            </a:r>
+            <a:br>
+              <a:rPr lang="es-ES" b="1" dirty="0">
+                <a:solidFill>
+                  <a:srgbClr val="F1DA4E"/>
+                </a:solidFill>
+                <a:latin typeface="Arial" panose="020B0604020202020204" pitchFamily="34" charset="0"/>
+                <a:cs typeface="Arial" panose="020B0604020202020204" pitchFamily="34" charset="0"/>
+              </a:rPr>
+            </a:br>
+            <a:br>
+              <a:rPr lang="es-ES" b="1" dirty="0">
+                <a:solidFill>
+                  <a:srgbClr val="F1DA4E"/>
+                </a:solidFill>
+                <a:latin typeface="Arial" panose="020B0604020202020204" pitchFamily="34" charset="0"/>
+                <a:cs typeface="Arial" panose="020B0604020202020204" pitchFamily="34" charset="0"/>
+              </a:rPr>
+            </a:br>
+            <a:r>
+              <a:rPr lang="es-ES" dirty="0" err="1"/>
+              <a:t>Harel</a:t>
+            </a:r>
+            <a:r>
+              <a:rPr lang="es-ES" dirty="0"/>
+              <a:t>, </a:t>
+            </a:r>
+            <a:r>
+              <a:rPr lang="es-ES" sz="4800" dirty="0"/>
+              <a:t>1987</a:t>
+            </a:r>
+            <a:r>
+              <a:rPr lang="es-ES" dirty="0"/>
+              <a:t> – </a:t>
+            </a:r>
+            <a:r>
+              <a:rPr lang="es-ES" dirty="0">
+                <a:hlinkClick r:id="rId2"/>
+              </a:rPr>
+              <a:t>statecharts.dev</a:t>
+            </a:r>
+            <a:endParaRPr lang="es-ES" b="1" dirty="0">
+              <a:solidFill>
+                <a:srgbClr val="F1DA4E"/>
+              </a:solidFill>
+              <a:latin typeface="Arial" panose="020B0604020202020204" pitchFamily="34" charset="0"/>
+              <a:cs typeface="Arial" panose="020B0604020202020204" pitchFamily="34" charset="0"/>
+            </a:endParaRPr>
+          </a:p>
+        </p:txBody>
+      </p:sp>
+      <p:sp>
+        <p:nvSpPr>
+          <p:cNvPr id="4" name="Marcador de fecha 3">
+            <a:extLst>
+              <a:ext uri="{FF2B5EF4-FFF2-40B4-BE49-F238E27FC236}">
+                <a16:creationId xmlns:a16="http://schemas.microsoft.com/office/drawing/2014/main" id="{F66AB3ED-56D7-122F-C9F2-4581DBD4B3EF}"/>
+              </a:ext>
+            </a:extLst>
+          </p:cNvPr>
+          <p:cNvSpPr>
+            <a:spLocks noGrp="1"/>
+          </p:cNvSpPr>
+          <p:nvPr>
+            <p:ph type="dt" sz="half" idx="10"/>
+          </p:nvPr>
+        </p:nvSpPr>
+        <p:spPr/>
+        <p:txBody>
+          <a:bodyPr/>
+          <a:lstStyle/>
+          <a:p>
+            <a:r>
+              <a:rPr lang="es-ES"/>
+              <a:t>05/12/2024</a:t>
+            </a:r>
+            <a:endParaRPr lang="en-US"/>
+          </a:p>
+        </p:txBody>
+      </p:sp>
+      <p:sp>
+        <p:nvSpPr>
+          <p:cNvPr id="5" name="Marcador de pie de página 4">
+            <a:extLst>
+              <a:ext uri="{FF2B5EF4-FFF2-40B4-BE49-F238E27FC236}">
+                <a16:creationId xmlns:a16="http://schemas.microsoft.com/office/drawing/2014/main" id="{805344AD-0BFD-6F9E-F04C-6D809E02F684}"/>
+              </a:ext>
+            </a:extLst>
+          </p:cNvPr>
+          <p:cNvSpPr>
+            <a:spLocks noGrp="1"/>
+          </p:cNvSpPr>
+          <p:nvPr>
+            <p:ph type="ftr" sz="quarter" idx="11"/>
+          </p:nvPr>
+        </p:nvSpPr>
+        <p:spPr/>
+        <p:txBody>
+          <a:bodyPr/>
+          <a:lstStyle/>
+          <a:p>
+            <a:r>
+              <a:rPr lang="es-ES"/>
+              <a:t>Programación Funcional - Pepe Fabra Valverde</a:t>
+            </a:r>
+            <a:endParaRPr lang="en-US"/>
+          </a:p>
+        </p:txBody>
+      </p:sp>
+      <p:sp>
+        <p:nvSpPr>
+          <p:cNvPr id="6" name="Marcador de número de diapositiva 5">
+            <a:extLst>
+              <a:ext uri="{FF2B5EF4-FFF2-40B4-BE49-F238E27FC236}">
+                <a16:creationId xmlns:a16="http://schemas.microsoft.com/office/drawing/2014/main" id="{49BC9903-088E-F9D8-C194-EB194C499D48}"/>
+              </a:ext>
+            </a:extLst>
+          </p:cNvPr>
+          <p:cNvSpPr>
+            <a:spLocks noGrp="1"/>
+          </p:cNvSpPr>
+          <p:nvPr>
+            <p:ph type="sldNum" sz="quarter" idx="12"/>
+          </p:nvPr>
+        </p:nvSpPr>
+        <p:spPr/>
+        <p:txBody>
+          <a:bodyPr/>
+          <a:lstStyle/>
+          <a:p>
+            <a:fld id="{D3060201-1C40-4B39-813D-5CD9493BAEED}" type="slidenum">
+              <a:rPr lang="en-US" smtClean="0"/>
+              <a:pPr/>
+              <a:t>158</a:t>
+            </a:fld>
+            <a:endParaRPr lang="en-US"/>
+          </a:p>
+        </p:txBody>
+      </p:sp>
+    </p:spTree>
+    <p:extLst>
+      <p:ext uri="{BB962C8B-B14F-4D97-AF65-F5344CB8AC3E}">
+        <p14:creationId xmlns:p14="http://schemas.microsoft.com/office/powerpoint/2010/main" val="1247300823"/>
+      </p:ext>
+    </p:extLst>
+  </p:cSld>
+  <p:clrMapOvr>
+    <a:masterClrMapping/>
+  </p:clrMapOvr>
+</p:sld>
+</file>
+
+<file path=ppt/slides/slide159.xml><?xml version="1.0" encoding="utf-8"?>
 <p:sld xmlns:a="http://schemas.openxmlformats.org/drawingml/2006/main" xmlns:r="http://schemas.openxmlformats.org/officeDocument/2006/relationships" xmlns:p="http://schemas.openxmlformats.org/presentationml/2006/main">
   <p:cSld>
     <p:spTree>
@@ -21190,7 +21336,7 @@
           <p:cNvPr id="2" name="Título 1">
             <a:extLst>
               <a:ext uri="{FF2B5EF4-FFF2-40B4-BE49-F238E27FC236}">
-                <a16:creationId xmlns:a16="http://schemas.microsoft.com/office/drawing/2014/main" id="{5FE5D9E7-D37C-7FEF-B09B-2072DA593551}"/>
+                <a16:creationId xmlns:a16="http://schemas.microsoft.com/office/drawing/2014/main" id="{4F7761B9-3A04-C7B7-7A4C-EE1B1D8A5E1A}"/>
               </a:ext>
             </a:extLst>
           </p:cNvPr>
@@ -21201,12 +21347,29 @@
             <p:ph type="title"/>
           </p:nvPr>
         </p:nvSpPr>
-        <p:spPr/>
-        <p:txBody>
-          <a:bodyPr/>
-          <a:lstStyle/>
-          <a:p>
-            <a:endParaRPr lang="es-ES"/>
+        <p:spPr>
+          <a:xfrm>
+            <a:off x="838200" y="2103437"/>
+            <a:ext cx="10515600" cy="1325563"/>
+          </a:xfrm>
+        </p:spPr>
+        <p:txBody>
+          <a:bodyPr/>
+          <a:lstStyle/>
+          <a:p>
+            <a:r>
+              <a:rPr lang="es-ES" dirty="0" err="1"/>
+              <a:t>XState</a:t>
+            </a:r>
+            <a:r>
+              <a:rPr lang="es-ES" dirty="0"/>
+              <a:t> </a:t>
+            </a:r>
+            <a:r>
+              <a:rPr lang="es-ES" dirty="0" err="1"/>
+              <a:t>Visualizer</a:t>
+            </a:r>
+            <a:endParaRPr lang="es-ES" dirty="0"/>
           </a:p>
         </p:txBody>
       </p:sp>
@@ -21215,7 +21378,7 @@
           <p:cNvPr id="3" name="Marcador de contenido 2">
             <a:extLst>
               <a:ext uri="{FF2B5EF4-FFF2-40B4-BE49-F238E27FC236}">
-                <a16:creationId xmlns:a16="http://schemas.microsoft.com/office/drawing/2014/main" id="{B353CAF7-3FBA-53AB-EB9B-0501029F37CB}"/>
+                <a16:creationId xmlns:a16="http://schemas.microsoft.com/office/drawing/2014/main" id="{78906319-8F4A-287C-F7B7-602980270EE5}"/>
               </a:ext>
             </a:extLst>
           </p:cNvPr>
@@ -21226,12 +21389,63 @@
             <p:ph idx="1"/>
           </p:nvPr>
         </p:nvSpPr>
-        <p:spPr/>
-        <p:txBody>
-          <a:bodyPr/>
-          <a:lstStyle/>
-          <a:p>
-            <a:endParaRPr lang="es-ES"/>
+        <p:spPr>
+          <a:xfrm>
+            <a:off x="838200" y="3679188"/>
+            <a:ext cx="10515600" cy="999094"/>
+          </a:xfrm>
+        </p:spPr>
+        <p:txBody>
+          <a:bodyPr/>
+          <a:lstStyle/>
+          <a:p>
+            <a:pPr marL="0" indent="0">
+              <a:buNone/>
+            </a:pPr>
+            <a:r>
+              <a:rPr lang="es-ES" dirty="0" err="1"/>
+              <a:t>StateCharts</a:t>
+            </a:r>
+            <a:r>
+              <a:rPr lang="es-ES" dirty="0"/>
+              <a:t> usando </a:t>
+            </a:r>
+            <a:r>
+              <a:rPr lang="es-ES" dirty="0" err="1"/>
+              <a:t>Diagram</a:t>
+            </a:r>
+            <a:r>
+              <a:rPr lang="es-ES" dirty="0"/>
+              <a:t> as </a:t>
+            </a:r>
+            <a:r>
+              <a:rPr lang="es-ES" dirty="0" err="1"/>
+              <a:t>Code</a:t>
+            </a:r>
+            <a:r>
+              <a:rPr lang="es-ES" dirty="0"/>
+              <a:t>  (JavaScript con </a:t>
+            </a:r>
+            <a:r>
+              <a:rPr lang="es-ES" dirty="0" err="1"/>
+              <a:t>XState</a:t>
+            </a:r>
+            <a:r>
+              <a:rPr lang="es-ES" dirty="0"/>
+              <a:t>)</a:t>
+            </a:r>
+          </a:p>
+          <a:p>
+            <a:pPr marL="0" indent="0">
+              <a:buNone/>
+            </a:pPr>
+            <a:r>
+              <a:rPr lang="es-ES" dirty="0">
+                <a:hlinkClick r:id="rId2"/>
+              </a:rPr>
+              <a:t>https://stately.ai/viz</a:t>
+            </a:r>
+            <a:endParaRPr lang="es-ES" dirty="0"/>
           </a:p>
         </p:txBody>
       </p:sp>
@@ -21240,7 +21454,7 @@
           <p:cNvPr id="4" name="Marcador de fecha 3">
             <a:extLst>
               <a:ext uri="{FF2B5EF4-FFF2-40B4-BE49-F238E27FC236}">
-                <a16:creationId xmlns:a16="http://schemas.microsoft.com/office/drawing/2014/main" id="{9DE1D4E4-A5A1-E291-EF60-4E57B2F7A584}"/>
+                <a16:creationId xmlns:a16="http://schemas.microsoft.com/office/drawing/2014/main" id="{539347AF-DAD0-2AE6-0E5D-403260A5F50B}"/>
               </a:ext>
             </a:extLst>
           </p:cNvPr>
@@ -21269,7 +21483,7 @@
           <p:cNvPr id="5" name="Marcador de pie de página 4">
             <a:extLst>
               <a:ext uri="{FF2B5EF4-FFF2-40B4-BE49-F238E27FC236}">
-                <a16:creationId xmlns:a16="http://schemas.microsoft.com/office/drawing/2014/main" id="{E2D87667-F85A-25C7-A570-C45AB316333A}"/>
+                <a16:creationId xmlns:a16="http://schemas.microsoft.com/office/drawing/2014/main" id="{13B7C953-E33D-9C85-B09E-45C2550E7B15}"/>
               </a:ext>
             </a:extLst>
           </p:cNvPr>
@@ -21298,7 +21512,7 @@
           <p:cNvPr id="6" name="Marcador de número de diapositiva 5">
             <a:extLst>
               <a:ext uri="{FF2B5EF4-FFF2-40B4-BE49-F238E27FC236}">
-                <a16:creationId xmlns:a16="http://schemas.microsoft.com/office/drawing/2014/main" id="{2AFE86CF-053E-64FE-B4B5-31631190BACD}"/>
+                <a16:creationId xmlns:a16="http://schemas.microsoft.com/office/drawing/2014/main" id="{498429BB-5EB4-A6A3-BA49-5D7F7DBCB4A8}"/>
               </a:ext>
             </a:extLst>
           </p:cNvPr>
@@ -21317,7 +21531,346 @@
             <a:fld id="{D3060201-1C40-4B39-813D-5CD9493BAEED}" type="slidenum">
               <a:rPr lang="en-US" smtClean="0"/>
               <a:pPr/>
-              <a:t>158</a:t>
+              <a:t>159</a:t>
+            </a:fld>
+            <a:endParaRPr lang="en-US"/>
+          </a:p>
+        </p:txBody>
+      </p:sp>
+    </p:spTree>
+    <p:extLst>
+      <p:ext uri="{BB962C8B-B14F-4D97-AF65-F5344CB8AC3E}">
+        <p14:creationId xmlns:p14="http://schemas.microsoft.com/office/powerpoint/2010/main" val="1434727040"/>
+      </p:ext>
+    </p:extLst>
+  </p:cSld>
+  <p:clrMapOvr>
+    <a:masterClrMapping/>
+  </p:clrMapOvr>
+</p:sld>
+</file>
+
+<file path=ppt/slides/slide16.xml><?xml version="1.0" encoding="utf-8"?>
+<p:sld xmlns:a="http://schemas.openxmlformats.org/drawingml/2006/main" xmlns:r="http://schemas.openxmlformats.org/officeDocument/2006/relationships" xmlns:p="http://schemas.openxmlformats.org/presentationml/2006/main">
+  <p:cSld>
+    <p:spTree>
+      <p:nvGrpSpPr>
+        <p:cNvPr id="1" name=""/>
+        <p:cNvGrpSpPr/>
+        <p:nvPr/>
+      </p:nvGrpSpPr>
+      <p:grpSpPr>
+        <a:xfrm>
+          <a:off x="0" y="0"/>
+          <a:ext cx="0" cy="0"/>
+          <a:chOff x="0" y="0"/>
+          <a:chExt cx="0" cy="0"/>
+        </a:xfrm>
+      </p:grpSpPr>
+      <p:sp>
+        <p:nvSpPr>
+          <p:cNvPr id="2" name="Título 1">
+            <a:extLst>
+              <a:ext uri="{FF2B5EF4-FFF2-40B4-BE49-F238E27FC236}">
+                <a16:creationId xmlns:a16="http://schemas.microsoft.com/office/drawing/2014/main" id="{97217C4C-D242-3B87-E7A8-25873EE69A18}"/>
+              </a:ext>
+            </a:extLst>
+          </p:cNvPr>
+          <p:cNvSpPr>
+            <a:spLocks noGrp="1"/>
+          </p:cNvSpPr>
+          <p:nvPr>
+            <p:ph type="title"/>
+          </p:nvPr>
+        </p:nvSpPr>
+        <p:spPr/>
+        <p:txBody>
+          <a:bodyPr/>
+          <a:lstStyle/>
+          <a:p>
+            <a:r>
+              <a:rPr lang="es-ES" dirty="0"/>
+              <a:t>Filosofía y objetivos</a:t>
+            </a:r>
+          </a:p>
+        </p:txBody>
+      </p:sp>
+      <p:sp>
+        <p:nvSpPr>
+          <p:cNvPr id="3" name="Marcador de texto 2">
+            <a:extLst>
+              <a:ext uri="{FF2B5EF4-FFF2-40B4-BE49-F238E27FC236}">
+                <a16:creationId xmlns:a16="http://schemas.microsoft.com/office/drawing/2014/main" id="{FBEA0164-9C6A-FEE6-B23A-7660BF106CF2}"/>
+              </a:ext>
+            </a:extLst>
+          </p:cNvPr>
+          <p:cNvSpPr>
+            <a:spLocks noGrp="1"/>
+          </p:cNvSpPr>
+          <p:nvPr>
+            <p:ph type="body" idx="1"/>
+          </p:nvPr>
+        </p:nvSpPr>
+        <p:spPr/>
+        <p:txBody>
+          <a:bodyPr/>
+          <a:lstStyle/>
+          <a:p>
+            <a:endParaRPr lang="es-ES"/>
+          </a:p>
+        </p:txBody>
+      </p:sp>
+      <p:sp>
+        <p:nvSpPr>
+          <p:cNvPr id="4" name="Marcador de fecha 3">
+            <a:extLst>
+              <a:ext uri="{FF2B5EF4-FFF2-40B4-BE49-F238E27FC236}">
+                <a16:creationId xmlns:a16="http://schemas.microsoft.com/office/drawing/2014/main" id="{F64F6104-9CFA-5F35-8920-989E384F78A3}"/>
+              </a:ext>
+            </a:extLst>
+          </p:cNvPr>
+          <p:cNvSpPr>
+            <a:spLocks noGrp="1"/>
+          </p:cNvSpPr>
+          <p:nvPr>
+            <p:ph type="dt" sz="half" idx="10"/>
+          </p:nvPr>
+        </p:nvSpPr>
+        <p:spPr/>
+        <p:txBody>
+          <a:bodyPr/>
+          <a:lstStyle/>
+          <a:p>
+            <a:r>
+              <a:rPr lang="es-ES"/>
+              <a:t>05/12/2024</a:t>
+            </a:r>
+            <a:endParaRPr lang="en-US"/>
+          </a:p>
+        </p:txBody>
+      </p:sp>
+      <p:sp>
+        <p:nvSpPr>
+          <p:cNvPr id="5" name="Marcador de pie de página 4">
+            <a:extLst>
+              <a:ext uri="{FF2B5EF4-FFF2-40B4-BE49-F238E27FC236}">
+                <a16:creationId xmlns:a16="http://schemas.microsoft.com/office/drawing/2014/main" id="{B12B2EEB-3831-018A-0AFA-644FCDC8CC11}"/>
+              </a:ext>
+            </a:extLst>
+          </p:cNvPr>
+          <p:cNvSpPr>
+            <a:spLocks noGrp="1"/>
+          </p:cNvSpPr>
+          <p:nvPr>
+            <p:ph type="ftr" sz="quarter" idx="11"/>
+          </p:nvPr>
+        </p:nvSpPr>
+        <p:spPr/>
+        <p:txBody>
+          <a:bodyPr/>
+          <a:lstStyle/>
+          <a:p>
+            <a:r>
+              <a:rPr lang="es-ES"/>
+              <a:t>Programación Funcional - Pepe Fabra Valverde</a:t>
+            </a:r>
+            <a:endParaRPr lang="en-US"/>
+          </a:p>
+        </p:txBody>
+      </p:sp>
+      <p:sp>
+        <p:nvSpPr>
+          <p:cNvPr id="6" name="Marcador de número de diapositiva 5">
+            <a:extLst>
+              <a:ext uri="{FF2B5EF4-FFF2-40B4-BE49-F238E27FC236}">
+                <a16:creationId xmlns:a16="http://schemas.microsoft.com/office/drawing/2014/main" id="{7022DF0D-4DF0-1EA0-2FBC-07B6018471A6}"/>
+              </a:ext>
+            </a:extLst>
+          </p:cNvPr>
+          <p:cNvSpPr>
+            <a:spLocks noGrp="1"/>
+          </p:cNvSpPr>
+          <p:nvPr>
+            <p:ph type="sldNum" sz="quarter" idx="12"/>
+          </p:nvPr>
+        </p:nvSpPr>
+        <p:spPr/>
+        <p:txBody>
+          <a:bodyPr/>
+          <a:lstStyle/>
+          <a:p>
+            <a:fld id="{D3060201-1C40-4B39-813D-5CD9493BAEED}" type="slidenum">
+              <a:rPr lang="en-US" smtClean="0"/>
+              <a:pPr/>
+              <a:t>16</a:t>
+            </a:fld>
+            <a:endParaRPr lang="en-US"/>
+          </a:p>
+        </p:txBody>
+      </p:sp>
+    </p:spTree>
+    <p:extLst>
+      <p:ext uri="{BB962C8B-B14F-4D97-AF65-F5344CB8AC3E}">
+        <p14:creationId xmlns:p14="http://schemas.microsoft.com/office/powerpoint/2010/main" val="2786050630"/>
+      </p:ext>
+    </p:extLst>
+  </p:cSld>
+  <p:clrMapOvr>
+    <a:masterClrMapping/>
+  </p:clrMapOvr>
+</p:sld>
+</file>
+
+<file path=ppt/slides/slide160.xml><?xml version="1.0" encoding="utf-8"?>
+<p:sld xmlns:a="http://schemas.openxmlformats.org/drawingml/2006/main" xmlns:r="http://schemas.openxmlformats.org/officeDocument/2006/relationships" xmlns:p="http://schemas.openxmlformats.org/presentationml/2006/main">
+  <p:cSld>
+    <p:spTree>
+      <p:nvGrpSpPr>
+        <p:cNvPr id="1" name=""/>
+        <p:cNvGrpSpPr/>
+        <p:nvPr/>
+      </p:nvGrpSpPr>
+      <p:grpSpPr>
+        <a:xfrm>
+          <a:off x="0" y="0"/>
+          <a:ext cx="0" cy="0"/>
+          <a:chOff x="0" y="0"/>
+          <a:chExt cx="0" cy="0"/>
+        </a:xfrm>
+      </p:grpSpPr>
+      <p:sp>
+        <p:nvSpPr>
+          <p:cNvPr id="2" name="Título 1">
+            <a:extLst>
+              <a:ext uri="{FF2B5EF4-FFF2-40B4-BE49-F238E27FC236}">
+                <a16:creationId xmlns:a16="http://schemas.microsoft.com/office/drawing/2014/main" id="{5FE5D9E7-D37C-7FEF-B09B-2072DA593551}"/>
+              </a:ext>
+            </a:extLst>
+          </p:cNvPr>
+          <p:cNvSpPr>
+            <a:spLocks noGrp="1"/>
+          </p:cNvSpPr>
+          <p:nvPr>
+            <p:ph type="title"/>
+          </p:nvPr>
+        </p:nvSpPr>
+        <p:spPr/>
+        <p:txBody>
+          <a:bodyPr/>
+          <a:lstStyle/>
+          <a:p>
+            <a:endParaRPr lang="es-ES"/>
+          </a:p>
+        </p:txBody>
+      </p:sp>
+      <p:sp>
+        <p:nvSpPr>
+          <p:cNvPr id="3" name="Marcador de contenido 2">
+            <a:extLst>
+              <a:ext uri="{FF2B5EF4-FFF2-40B4-BE49-F238E27FC236}">
+                <a16:creationId xmlns:a16="http://schemas.microsoft.com/office/drawing/2014/main" id="{B353CAF7-3FBA-53AB-EB9B-0501029F37CB}"/>
+              </a:ext>
+            </a:extLst>
+          </p:cNvPr>
+          <p:cNvSpPr>
+            <a:spLocks noGrp="1"/>
+          </p:cNvSpPr>
+          <p:nvPr>
+            <p:ph idx="1"/>
+          </p:nvPr>
+        </p:nvSpPr>
+        <p:spPr/>
+        <p:txBody>
+          <a:bodyPr/>
+          <a:lstStyle/>
+          <a:p>
+            <a:endParaRPr lang="es-ES"/>
+          </a:p>
+        </p:txBody>
+      </p:sp>
+      <p:sp>
+        <p:nvSpPr>
+          <p:cNvPr id="4" name="Marcador de fecha 3">
+            <a:extLst>
+              <a:ext uri="{FF2B5EF4-FFF2-40B4-BE49-F238E27FC236}">
+                <a16:creationId xmlns:a16="http://schemas.microsoft.com/office/drawing/2014/main" id="{9DE1D4E4-A5A1-E291-EF60-4E57B2F7A584}"/>
+              </a:ext>
+            </a:extLst>
+          </p:cNvPr>
+          <p:cNvSpPr>
+            <a:spLocks noGrp="1"/>
+          </p:cNvSpPr>
+          <p:nvPr>
+            <p:ph type="dt" sz="half" idx="10"/>
+          </p:nvPr>
+        </p:nvSpPr>
+        <p:spPr/>
+        <p:txBody>
+          <a:bodyPr/>
+          <a:lstStyle/>
+          <a:p>
+            <a:r>
+              <a:rPr lang="es-ES"/>
+              <a:t>05/12/2024</a:t>
+            </a:r>
+            <a:endParaRPr lang="en-US"/>
+          </a:p>
+        </p:txBody>
+      </p:sp>
+      <p:sp>
+        <p:nvSpPr>
+          <p:cNvPr id="5" name="Marcador de pie de página 4">
+            <a:extLst>
+              <a:ext uri="{FF2B5EF4-FFF2-40B4-BE49-F238E27FC236}">
+                <a16:creationId xmlns:a16="http://schemas.microsoft.com/office/drawing/2014/main" id="{E2D87667-F85A-25C7-A570-C45AB316333A}"/>
+              </a:ext>
+            </a:extLst>
+          </p:cNvPr>
+          <p:cNvSpPr>
+            <a:spLocks noGrp="1"/>
+          </p:cNvSpPr>
+          <p:nvPr>
+            <p:ph type="ftr" sz="quarter" idx="11"/>
+          </p:nvPr>
+        </p:nvSpPr>
+        <p:spPr/>
+        <p:txBody>
+          <a:bodyPr/>
+          <a:lstStyle/>
+          <a:p>
+            <a:r>
+              <a:rPr lang="es-ES"/>
+              <a:t>Programación Funcional - Pepe Fabra Valverde</a:t>
+            </a:r>
+            <a:endParaRPr lang="en-US"/>
+          </a:p>
+        </p:txBody>
+      </p:sp>
+      <p:sp>
+        <p:nvSpPr>
+          <p:cNvPr id="6" name="Marcador de número de diapositiva 5">
+            <a:extLst>
+              <a:ext uri="{FF2B5EF4-FFF2-40B4-BE49-F238E27FC236}">
+                <a16:creationId xmlns:a16="http://schemas.microsoft.com/office/drawing/2014/main" id="{2AFE86CF-053E-64FE-B4B5-31631190BACD}"/>
+              </a:ext>
+            </a:extLst>
+          </p:cNvPr>
+          <p:cNvSpPr>
+            <a:spLocks noGrp="1"/>
+          </p:cNvSpPr>
+          <p:nvPr>
+            <p:ph type="sldNum" sz="quarter" idx="12"/>
+          </p:nvPr>
+        </p:nvSpPr>
+        <p:spPr/>
+        <p:txBody>
+          <a:bodyPr/>
+          <a:lstStyle/>
+          <a:p>
+            <a:fld id="{D3060201-1C40-4B39-813D-5CD9493BAEED}" type="slidenum">
+              <a:rPr lang="en-US" smtClean="0"/>
+              <a:pPr/>
+              <a:t>160</a:t>
             </a:fld>
             <a:endParaRPr lang="en-US"/>
           </a:p>
@@ -21366,7 +21919,7 @@
 </p:sld>
 </file>
 
-<file path=ppt/slides/slide159.xml><?xml version="1.0" encoding="utf-8"?>
+<file path=ppt/slides/slide161.xml><?xml version="1.0" encoding="utf-8"?>
 <p:sld xmlns:a="http://schemas.openxmlformats.org/drawingml/2006/main" xmlns:r="http://schemas.openxmlformats.org/officeDocument/2006/relationships" xmlns:p="http://schemas.openxmlformats.org/presentationml/2006/main">
   <p:cSld>
     <p:spTree>
@@ -21592,7 +22145,7 @@
             <a:fld id="{D3060201-1C40-4B39-813D-5CD9493BAEED}" type="slidenum">
               <a:rPr lang="en-US" smtClean="0"/>
               <a:pPr/>
-              <a:t>159</a:t>
+              <a:t>161</a:t>
             </a:fld>
             <a:endParaRPr lang="en-US"/>
           </a:p>
@@ -21658,584 +22211,6 @@
 </p:sld>
 </file>
 
-<file path=ppt/slides/slide16.xml><?xml version="1.0" encoding="utf-8"?>
-<p:sld xmlns:a="http://schemas.openxmlformats.org/drawingml/2006/main" xmlns:r="http://schemas.openxmlformats.org/officeDocument/2006/relationships" xmlns:p="http://schemas.openxmlformats.org/presentationml/2006/main">
-  <p:cSld>
-    <p:spTree>
-      <p:nvGrpSpPr>
-        <p:cNvPr id="1" name=""/>
-        <p:cNvGrpSpPr/>
-        <p:nvPr/>
-      </p:nvGrpSpPr>
-      <p:grpSpPr>
-        <a:xfrm>
-          <a:off x="0" y="0"/>
-          <a:ext cx="0" cy="0"/>
-          <a:chOff x="0" y="0"/>
-          <a:chExt cx="0" cy="0"/>
-        </a:xfrm>
-      </p:grpSpPr>
-      <p:sp>
-        <p:nvSpPr>
-          <p:cNvPr id="2" name="Título 1">
-            <a:extLst>
-              <a:ext uri="{FF2B5EF4-FFF2-40B4-BE49-F238E27FC236}">
-                <a16:creationId xmlns:a16="http://schemas.microsoft.com/office/drawing/2014/main" id="{97217C4C-D242-3B87-E7A8-25873EE69A18}"/>
-              </a:ext>
-            </a:extLst>
-          </p:cNvPr>
-          <p:cNvSpPr>
-            <a:spLocks noGrp="1"/>
-          </p:cNvSpPr>
-          <p:nvPr>
-            <p:ph type="title"/>
-          </p:nvPr>
-        </p:nvSpPr>
-        <p:spPr/>
-        <p:txBody>
-          <a:bodyPr/>
-          <a:lstStyle/>
-          <a:p>
-            <a:r>
-              <a:rPr lang="es-ES" dirty="0"/>
-              <a:t>Filosofía y objetivos</a:t>
-            </a:r>
-          </a:p>
-        </p:txBody>
-      </p:sp>
-      <p:sp>
-        <p:nvSpPr>
-          <p:cNvPr id="3" name="Marcador de texto 2">
-            <a:extLst>
-              <a:ext uri="{FF2B5EF4-FFF2-40B4-BE49-F238E27FC236}">
-                <a16:creationId xmlns:a16="http://schemas.microsoft.com/office/drawing/2014/main" id="{FBEA0164-9C6A-FEE6-B23A-7660BF106CF2}"/>
-              </a:ext>
-            </a:extLst>
-          </p:cNvPr>
-          <p:cNvSpPr>
-            <a:spLocks noGrp="1"/>
-          </p:cNvSpPr>
-          <p:nvPr>
-            <p:ph type="body" idx="1"/>
-          </p:nvPr>
-        </p:nvSpPr>
-        <p:spPr/>
-        <p:txBody>
-          <a:bodyPr/>
-          <a:lstStyle/>
-          <a:p>
-            <a:endParaRPr lang="es-ES"/>
-          </a:p>
-        </p:txBody>
-      </p:sp>
-      <p:sp>
-        <p:nvSpPr>
-          <p:cNvPr id="4" name="Marcador de fecha 3">
-            <a:extLst>
-              <a:ext uri="{FF2B5EF4-FFF2-40B4-BE49-F238E27FC236}">
-                <a16:creationId xmlns:a16="http://schemas.microsoft.com/office/drawing/2014/main" id="{F64F6104-9CFA-5F35-8920-989E384F78A3}"/>
-              </a:ext>
-            </a:extLst>
-          </p:cNvPr>
-          <p:cNvSpPr>
-            <a:spLocks noGrp="1"/>
-          </p:cNvSpPr>
-          <p:nvPr>
-            <p:ph type="dt" sz="half" idx="10"/>
-          </p:nvPr>
-        </p:nvSpPr>
-        <p:spPr/>
-        <p:txBody>
-          <a:bodyPr/>
-          <a:lstStyle/>
-          <a:p>
-            <a:r>
-              <a:rPr lang="es-ES"/>
-              <a:t>05/12/2024</a:t>
-            </a:r>
-            <a:endParaRPr lang="en-US"/>
-          </a:p>
-        </p:txBody>
-      </p:sp>
-      <p:sp>
-        <p:nvSpPr>
-          <p:cNvPr id="5" name="Marcador de pie de página 4">
-            <a:extLst>
-              <a:ext uri="{FF2B5EF4-FFF2-40B4-BE49-F238E27FC236}">
-                <a16:creationId xmlns:a16="http://schemas.microsoft.com/office/drawing/2014/main" id="{B12B2EEB-3831-018A-0AFA-644FCDC8CC11}"/>
-              </a:ext>
-            </a:extLst>
-          </p:cNvPr>
-          <p:cNvSpPr>
-            <a:spLocks noGrp="1"/>
-          </p:cNvSpPr>
-          <p:nvPr>
-            <p:ph type="ftr" sz="quarter" idx="11"/>
-          </p:nvPr>
-        </p:nvSpPr>
-        <p:spPr/>
-        <p:txBody>
-          <a:bodyPr/>
-          <a:lstStyle/>
-          <a:p>
-            <a:r>
-              <a:rPr lang="es-ES"/>
-              <a:t>Programación Funcional - Pepe Fabra Valverde</a:t>
-            </a:r>
-            <a:endParaRPr lang="en-US"/>
-          </a:p>
-        </p:txBody>
-      </p:sp>
-      <p:sp>
-        <p:nvSpPr>
-          <p:cNvPr id="6" name="Marcador de número de diapositiva 5">
-            <a:extLst>
-              <a:ext uri="{FF2B5EF4-FFF2-40B4-BE49-F238E27FC236}">
-                <a16:creationId xmlns:a16="http://schemas.microsoft.com/office/drawing/2014/main" id="{7022DF0D-4DF0-1EA0-2FBC-07B6018471A6}"/>
-              </a:ext>
-            </a:extLst>
-          </p:cNvPr>
-          <p:cNvSpPr>
-            <a:spLocks noGrp="1"/>
-          </p:cNvSpPr>
-          <p:nvPr>
-            <p:ph type="sldNum" sz="quarter" idx="12"/>
-          </p:nvPr>
-        </p:nvSpPr>
-        <p:spPr/>
-        <p:txBody>
-          <a:bodyPr/>
-          <a:lstStyle/>
-          <a:p>
-            <a:fld id="{D3060201-1C40-4B39-813D-5CD9493BAEED}" type="slidenum">
-              <a:rPr lang="en-US" smtClean="0"/>
-              <a:pPr/>
-              <a:t>16</a:t>
-            </a:fld>
-            <a:endParaRPr lang="en-US"/>
-          </a:p>
-        </p:txBody>
-      </p:sp>
-    </p:spTree>
-    <p:extLst>
-      <p:ext uri="{BB962C8B-B14F-4D97-AF65-F5344CB8AC3E}">
-        <p14:creationId xmlns:p14="http://schemas.microsoft.com/office/powerpoint/2010/main" val="2786050630"/>
-      </p:ext>
-    </p:extLst>
-  </p:cSld>
-  <p:clrMapOvr>
-    <a:masterClrMapping/>
-  </p:clrMapOvr>
-</p:sld>
-</file>
-
-<file path=ppt/slides/slide160.xml><?xml version="1.0" encoding="utf-8"?>
-<p:sld xmlns:a="http://schemas.openxmlformats.org/drawingml/2006/main" xmlns:r="http://schemas.openxmlformats.org/officeDocument/2006/relationships" xmlns:p="http://schemas.openxmlformats.org/presentationml/2006/main">
-  <p:cSld>
-    <p:spTree>
-      <p:nvGrpSpPr>
-        <p:cNvPr id="1" name=""/>
-        <p:cNvGrpSpPr/>
-        <p:nvPr/>
-      </p:nvGrpSpPr>
-      <p:grpSpPr>
-        <a:xfrm>
-          <a:off x="0" y="0"/>
-          <a:ext cx="0" cy="0"/>
-          <a:chOff x="0" y="0"/>
-          <a:chExt cx="0" cy="0"/>
-        </a:xfrm>
-      </p:grpSpPr>
-      <p:sp>
-        <p:nvSpPr>
-          <p:cNvPr id="2" name="Título 1">
-            <a:extLst>
-              <a:ext uri="{FF2B5EF4-FFF2-40B4-BE49-F238E27FC236}">
-                <a16:creationId xmlns:a16="http://schemas.microsoft.com/office/drawing/2014/main" id="{F97F6C89-08D6-6EDD-BEED-641653A1FDCB}"/>
-              </a:ext>
-            </a:extLst>
-          </p:cNvPr>
-          <p:cNvSpPr>
-            <a:spLocks noGrp="1"/>
-          </p:cNvSpPr>
-          <p:nvPr>
-            <p:ph type="title"/>
-          </p:nvPr>
-        </p:nvSpPr>
-        <p:spPr/>
-        <p:txBody>
-          <a:bodyPr/>
-          <a:lstStyle/>
-          <a:p>
-            <a:r>
-              <a:rPr lang="es-ES" dirty="0"/>
-              <a:t>Lo que no te he contado</a:t>
-            </a:r>
-          </a:p>
-        </p:txBody>
-      </p:sp>
-      <p:sp>
-        <p:nvSpPr>
-          <p:cNvPr id="3" name="Marcador de texto 2">
-            <a:extLst>
-              <a:ext uri="{FF2B5EF4-FFF2-40B4-BE49-F238E27FC236}">
-                <a16:creationId xmlns:a16="http://schemas.microsoft.com/office/drawing/2014/main" id="{ED4C2266-5E12-E9F8-9C8B-CA395BA73133}"/>
-              </a:ext>
-            </a:extLst>
-          </p:cNvPr>
-          <p:cNvSpPr>
-            <a:spLocks noGrp="1"/>
-          </p:cNvSpPr>
-          <p:nvPr>
-            <p:ph type="body" idx="1"/>
-          </p:nvPr>
-        </p:nvSpPr>
-        <p:spPr/>
-        <p:txBody>
-          <a:bodyPr/>
-          <a:lstStyle/>
-          <a:p>
-            <a:endParaRPr lang="es-ES"/>
-          </a:p>
-        </p:txBody>
-      </p:sp>
-      <p:sp>
-        <p:nvSpPr>
-          <p:cNvPr id="4" name="Marcador de fecha 3">
-            <a:extLst>
-              <a:ext uri="{FF2B5EF4-FFF2-40B4-BE49-F238E27FC236}">
-                <a16:creationId xmlns:a16="http://schemas.microsoft.com/office/drawing/2014/main" id="{9641A241-CBE8-39BD-E80C-B910662F36AD}"/>
-              </a:ext>
-            </a:extLst>
-          </p:cNvPr>
-          <p:cNvSpPr>
-            <a:spLocks noGrp="1"/>
-          </p:cNvSpPr>
-          <p:nvPr>
-            <p:ph type="dt" sz="half" idx="10"/>
-          </p:nvPr>
-        </p:nvSpPr>
-        <p:spPr/>
-        <p:txBody>
-          <a:bodyPr/>
-          <a:lstStyle/>
-          <a:p>
-            <a:r>
-              <a:rPr lang="es-ES"/>
-              <a:t>05/12/2024</a:t>
-            </a:r>
-            <a:endParaRPr lang="en-US"/>
-          </a:p>
-        </p:txBody>
-      </p:sp>
-      <p:sp>
-        <p:nvSpPr>
-          <p:cNvPr id="5" name="Marcador de pie de página 4">
-            <a:extLst>
-              <a:ext uri="{FF2B5EF4-FFF2-40B4-BE49-F238E27FC236}">
-                <a16:creationId xmlns:a16="http://schemas.microsoft.com/office/drawing/2014/main" id="{8E464602-BDD3-3B7C-642D-C52A2464CC79}"/>
-              </a:ext>
-            </a:extLst>
-          </p:cNvPr>
-          <p:cNvSpPr>
-            <a:spLocks noGrp="1"/>
-          </p:cNvSpPr>
-          <p:nvPr>
-            <p:ph type="ftr" sz="quarter" idx="11"/>
-          </p:nvPr>
-        </p:nvSpPr>
-        <p:spPr/>
-        <p:txBody>
-          <a:bodyPr/>
-          <a:lstStyle/>
-          <a:p>
-            <a:r>
-              <a:rPr lang="es-ES"/>
-              <a:t>Programación Funcional - Pepe Fabra Valverde</a:t>
-            </a:r>
-            <a:endParaRPr lang="en-US"/>
-          </a:p>
-        </p:txBody>
-      </p:sp>
-      <p:sp>
-        <p:nvSpPr>
-          <p:cNvPr id="6" name="Marcador de número de diapositiva 5">
-            <a:extLst>
-              <a:ext uri="{FF2B5EF4-FFF2-40B4-BE49-F238E27FC236}">
-                <a16:creationId xmlns:a16="http://schemas.microsoft.com/office/drawing/2014/main" id="{1AB18853-E70F-4216-9CBB-D056D3541C06}"/>
-              </a:ext>
-            </a:extLst>
-          </p:cNvPr>
-          <p:cNvSpPr>
-            <a:spLocks noGrp="1"/>
-          </p:cNvSpPr>
-          <p:nvPr>
-            <p:ph type="sldNum" sz="quarter" idx="12"/>
-          </p:nvPr>
-        </p:nvSpPr>
-        <p:spPr/>
-        <p:txBody>
-          <a:bodyPr/>
-          <a:lstStyle/>
-          <a:p>
-            <a:fld id="{D3060201-1C40-4B39-813D-5CD9493BAEED}" type="slidenum">
-              <a:rPr lang="en-US" smtClean="0"/>
-              <a:pPr/>
-              <a:t>160</a:t>
-            </a:fld>
-            <a:endParaRPr lang="en-US"/>
-          </a:p>
-        </p:txBody>
-      </p:sp>
-    </p:spTree>
-    <p:extLst>
-      <p:ext uri="{BB962C8B-B14F-4D97-AF65-F5344CB8AC3E}">
-        <p14:creationId xmlns:p14="http://schemas.microsoft.com/office/powerpoint/2010/main" val="778671224"/>
-      </p:ext>
-    </p:extLst>
-  </p:cSld>
-  <p:clrMapOvr>
-    <a:masterClrMapping/>
-  </p:clrMapOvr>
-</p:sld>
-</file>
-
-<file path=ppt/slides/slide161.xml><?xml version="1.0" encoding="utf-8"?>
-<p:sld xmlns:a="http://schemas.openxmlformats.org/drawingml/2006/main" xmlns:r="http://schemas.openxmlformats.org/officeDocument/2006/relationships" xmlns:p="http://schemas.openxmlformats.org/presentationml/2006/main">
-  <p:cSld>
-    <p:spTree>
-      <p:nvGrpSpPr>
-        <p:cNvPr id="1" name=""/>
-        <p:cNvGrpSpPr/>
-        <p:nvPr/>
-      </p:nvGrpSpPr>
-      <p:grpSpPr>
-        <a:xfrm>
-          <a:off x="0" y="0"/>
-          <a:ext cx="0" cy="0"/>
-          <a:chOff x="0" y="0"/>
-          <a:chExt cx="0" cy="0"/>
-        </a:xfrm>
-      </p:grpSpPr>
-      <p:sp>
-        <p:nvSpPr>
-          <p:cNvPr id="2" name="Título 1">
-            <a:extLst>
-              <a:ext uri="{FF2B5EF4-FFF2-40B4-BE49-F238E27FC236}">
-                <a16:creationId xmlns:a16="http://schemas.microsoft.com/office/drawing/2014/main" id="{0EDC64C0-068D-E019-FE5B-6A3D74F85C53}"/>
-              </a:ext>
-            </a:extLst>
-          </p:cNvPr>
-          <p:cNvSpPr>
-            <a:spLocks noGrp="1"/>
-          </p:cNvSpPr>
-          <p:nvPr>
-            <p:ph type="title"/>
-          </p:nvPr>
-        </p:nvSpPr>
-        <p:spPr>
-          <a:xfrm>
-            <a:off x="838200" y="1805780"/>
-            <a:ext cx="10515600" cy="1325563"/>
-          </a:xfrm>
-        </p:spPr>
-        <p:txBody>
-          <a:bodyPr/>
-          <a:lstStyle/>
-          <a:p>
-            <a:r>
-              <a:rPr lang="es-ES" dirty="0"/>
-              <a:t>Eran demasiadas cosas</a:t>
-            </a:r>
-          </a:p>
-        </p:txBody>
-      </p:sp>
-      <p:sp>
-        <p:nvSpPr>
-          <p:cNvPr id="3" name="Marcador de contenido 2">
-            <a:extLst>
-              <a:ext uri="{FF2B5EF4-FFF2-40B4-BE49-F238E27FC236}">
-                <a16:creationId xmlns:a16="http://schemas.microsoft.com/office/drawing/2014/main" id="{0E906C68-C26D-0934-9C98-D44468B84A9E}"/>
-              </a:ext>
-            </a:extLst>
-          </p:cNvPr>
-          <p:cNvSpPr>
-            <a:spLocks noGrp="1"/>
-          </p:cNvSpPr>
-          <p:nvPr>
-            <p:ph idx="1"/>
-          </p:nvPr>
-        </p:nvSpPr>
-        <p:spPr>
-          <a:xfrm>
-            <a:off x="838200" y="3381531"/>
-            <a:ext cx="10515600" cy="1839869"/>
-          </a:xfrm>
-        </p:spPr>
-        <p:txBody>
-          <a:bodyPr>
-            <a:normAutofit/>
-          </a:bodyPr>
-          <a:lstStyle/>
-          <a:p>
-            <a:r>
-              <a:rPr lang="es-ES" dirty="0"/>
-              <a:t>Actor </a:t>
-            </a:r>
-            <a:r>
-              <a:rPr lang="es-ES" dirty="0" err="1"/>
-              <a:t>model</a:t>
-            </a:r>
-            <a:r>
-              <a:rPr lang="es-ES" dirty="0"/>
-              <a:t> -&gt; modelo mental para concurrencia</a:t>
-            </a:r>
-          </a:p>
-          <a:p>
-            <a:pPr lvl="1"/>
-            <a:r>
-              <a:rPr lang="es-ES" dirty="0">
-                <a:hlinkClick r:id="rId2"/>
-              </a:rPr>
-              <a:t>https://stately.ai/docs/actor-model</a:t>
-            </a:r>
-            <a:endParaRPr lang="es-ES" dirty="0"/>
-          </a:p>
-          <a:p>
-            <a:r>
-              <a:rPr lang="es-ES" dirty="0" err="1"/>
-              <a:t>Functors</a:t>
-            </a:r>
-            <a:r>
-              <a:rPr lang="es-ES" dirty="0"/>
-              <a:t>, </a:t>
-            </a:r>
-            <a:r>
-              <a:rPr lang="es-ES" dirty="0" err="1"/>
-              <a:t>Monads</a:t>
-            </a:r>
-            <a:r>
-              <a:rPr lang="es-ES" dirty="0"/>
-              <a:t>, </a:t>
-            </a:r>
-            <a:r>
-              <a:rPr lang="es-ES" dirty="0" err="1"/>
-              <a:t>MonadTransformers</a:t>
-            </a:r>
-            <a:r>
-              <a:rPr lang="es-ES" dirty="0"/>
-              <a:t>, etc.</a:t>
-            </a:r>
-          </a:p>
-          <a:p>
-            <a:r>
-              <a:rPr lang="es-ES" dirty="0"/>
-              <a:t>Estructuras de Datos inmutables (casos de uso, cómo funcionan, beneficios)</a:t>
-            </a:r>
-          </a:p>
-        </p:txBody>
-      </p:sp>
-      <p:sp>
-        <p:nvSpPr>
-          <p:cNvPr id="4" name="Marcador de fecha 3">
-            <a:extLst>
-              <a:ext uri="{FF2B5EF4-FFF2-40B4-BE49-F238E27FC236}">
-                <a16:creationId xmlns:a16="http://schemas.microsoft.com/office/drawing/2014/main" id="{9D884113-E9BA-4F7A-EE49-819534E1C929}"/>
-              </a:ext>
-            </a:extLst>
-          </p:cNvPr>
-          <p:cNvSpPr>
-            <a:spLocks noGrp="1"/>
-          </p:cNvSpPr>
-          <p:nvPr>
-            <p:ph type="dt" sz="half" idx="10"/>
-          </p:nvPr>
-        </p:nvSpPr>
-        <p:spPr/>
-        <p:txBody>
-          <a:bodyPr/>
-          <a:lstStyle/>
-          <a:p>
-            <a:r>
-              <a:rPr lang="es-ES"/>
-              <a:t>05/12/2024</a:t>
-            </a:r>
-            <a:endParaRPr lang="en-US"/>
-          </a:p>
-        </p:txBody>
-      </p:sp>
-      <p:sp>
-        <p:nvSpPr>
-          <p:cNvPr id="5" name="Marcador de pie de página 4">
-            <a:extLst>
-              <a:ext uri="{FF2B5EF4-FFF2-40B4-BE49-F238E27FC236}">
-                <a16:creationId xmlns:a16="http://schemas.microsoft.com/office/drawing/2014/main" id="{59F3E3B8-8DD4-CC2A-12A1-4EAC872D051A}"/>
-              </a:ext>
-            </a:extLst>
-          </p:cNvPr>
-          <p:cNvSpPr>
-            <a:spLocks noGrp="1"/>
-          </p:cNvSpPr>
-          <p:nvPr>
-            <p:ph type="ftr" sz="quarter" idx="11"/>
-          </p:nvPr>
-        </p:nvSpPr>
-        <p:spPr/>
-        <p:txBody>
-          <a:bodyPr/>
-          <a:lstStyle/>
-          <a:p>
-            <a:r>
-              <a:rPr lang="es-ES"/>
-              <a:t>Programación Funcional - Pepe Fabra Valverde</a:t>
-            </a:r>
-            <a:endParaRPr lang="en-US"/>
-          </a:p>
-        </p:txBody>
-      </p:sp>
-      <p:sp>
-        <p:nvSpPr>
-          <p:cNvPr id="6" name="Marcador de número de diapositiva 5">
-            <a:extLst>
-              <a:ext uri="{FF2B5EF4-FFF2-40B4-BE49-F238E27FC236}">
-                <a16:creationId xmlns:a16="http://schemas.microsoft.com/office/drawing/2014/main" id="{A117B99A-609F-1D37-4AE8-4F192E7C9A67}"/>
-              </a:ext>
-            </a:extLst>
-          </p:cNvPr>
-          <p:cNvSpPr>
-            <a:spLocks noGrp="1"/>
-          </p:cNvSpPr>
-          <p:nvPr>
-            <p:ph type="sldNum" sz="quarter" idx="12"/>
-          </p:nvPr>
-        </p:nvSpPr>
-        <p:spPr/>
-        <p:txBody>
-          <a:bodyPr/>
-          <a:lstStyle/>
-          <a:p>
-            <a:fld id="{D3060201-1C40-4B39-813D-5CD9493BAEED}" type="slidenum">
-              <a:rPr lang="en-US" smtClean="0"/>
-              <a:pPr/>
-              <a:t>161</a:t>
-            </a:fld>
-            <a:endParaRPr lang="en-US"/>
-          </a:p>
-        </p:txBody>
-      </p:sp>
-    </p:spTree>
-    <p:extLst>
-      <p:ext uri="{BB962C8B-B14F-4D97-AF65-F5344CB8AC3E}">
-        <p14:creationId xmlns:p14="http://schemas.microsoft.com/office/powerpoint/2010/main" val="1531760710"/>
-      </p:ext>
-    </p:extLst>
-  </p:cSld>
-  <p:clrMapOvr>
-    <a:masterClrMapping/>
-  </p:clrMapOvr>
-</p:sld>
-</file>
-
 <file path=ppt/slides/slide162.xml><?xml version="1.0" encoding="utf-8"?>
 <p:sld xmlns:a="http://schemas.openxmlformats.org/drawingml/2006/main" xmlns:r="http://schemas.openxmlformats.org/officeDocument/2006/relationships" xmlns:p="http://schemas.openxmlformats.org/presentationml/2006/main">
   <p:cSld>
@@ -22258,7 +22233,7 @@
           <p:cNvPr id="2" name="Título 1">
             <a:extLst>
               <a:ext uri="{FF2B5EF4-FFF2-40B4-BE49-F238E27FC236}">
-                <a16:creationId xmlns:a16="http://schemas.microsoft.com/office/drawing/2014/main" id="{9F50B31C-4863-91F0-D4EB-66310361BFBA}"/>
+                <a16:creationId xmlns:a16="http://schemas.microsoft.com/office/drawing/2014/main" id="{F97F6C89-08D6-6EDD-BEED-641653A1FDCB}"/>
               </a:ext>
             </a:extLst>
           </p:cNvPr>
@@ -22276,7 +22251,7 @@
           <a:p>
             <a:r>
               <a:rPr lang="es-ES" dirty="0"/>
-              <a:t>Conclusión</a:t>
+              <a:t>Lo que no te he contado</a:t>
             </a:r>
           </a:p>
         </p:txBody>
@@ -22286,7 +22261,7 @@
           <p:cNvPr id="3" name="Marcador de texto 2">
             <a:extLst>
               <a:ext uri="{FF2B5EF4-FFF2-40B4-BE49-F238E27FC236}">
-                <a16:creationId xmlns:a16="http://schemas.microsoft.com/office/drawing/2014/main" id="{8141AB71-A282-1C7C-5222-051E64A6BE4B}"/>
+                <a16:creationId xmlns:a16="http://schemas.microsoft.com/office/drawing/2014/main" id="{ED4C2266-5E12-E9F8-9C8B-CA395BA73133}"/>
               </a:ext>
             </a:extLst>
           </p:cNvPr>
@@ -22311,7 +22286,7 @@
           <p:cNvPr id="4" name="Marcador de fecha 3">
             <a:extLst>
               <a:ext uri="{FF2B5EF4-FFF2-40B4-BE49-F238E27FC236}">
-                <a16:creationId xmlns:a16="http://schemas.microsoft.com/office/drawing/2014/main" id="{9DC9959C-40D6-3A8D-B5F1-0646E2510E67}"/>
+                <a16:creationId xmlns:a16="http://schemas.microsoft.com/office/drawing/2014/main" id="{9641A241-CBE8-39BD-E80C-B910662F36AD}"/>
               </a:ext>
             </a:extLst>
           </p:cNvPr>
@@ -22340,7 +22315,7 @@
           <p:cNvPr id="5" name="Marcador de pie de página 4">
             <a:extLst>
               <a:ext uri="{FF2B5EF4-FFF2-40B4-BE49-F238E27FC236}">
-                <a16:creationId xmlns:a16="http://schemas.microsoft.com/office/drawing/2014/main" id="{D7A5D702-2F44-8BA8-E373-8116FE3A821F}"/>
+                <a16:creationId xmlns:a16="http://schemas.microsoft.com/office/drawing/2014/main" id="{8E464602-BDD3-3B7C-642D-C52A2464CC79}"/>
               </a:ext>
             </a:extLst>
           </p:cNvPr>
@@ -22369,7 +22344,7 @@
           <p:cNvPr id="6" name="Marcador de número de diapositiva 5">
             <a:extLst>
               <a:ext uri="{FF2B5EF4-FFF2-40B4-BE49-F238E27FC236}">
-                <a16:creationId xmlns:a16="http://schemas.microsoft.com/office/drawing/2014/main" id="{02320FCF-DC7F-F510-AF82-2DB006C0F048}"/>
+                <a16:creationId xmlns:a16="http://schemas.microsoft.com/office/drawing/2014/main" id="{1AB18853-E70F-4216-9CBB-D056D3541C06}"/>
               </a:ext>
             </a:extLst>
           </p:cNvPr>
@@ -22389,6 +22364,413 @@
               <a:rPr lang="en-US" smtClean="0"/>
               <a:pPr/>
               <a:t>162</a:t>
+            </a:fld>
+            <a:endParaRPr lang="en-US"/>
+          </a:p>
+        </p:txBody>
+      </p:sp>
+    </p:spTree>
+    <p:extLst>
+      <p:ext uri="{BB962C8B-B14F-4D97-AF65-F5344CB8AC3E}">
+        <p14:creationId xmlns:p14="http://schemas.microsoft.com/office/powerpoint/2010/main" val="778671224"/>
+      </p:ext>
+    </p:extLst>
+  </p:cSld>
+  <p:clrMapOvr>
+    <a:masterClrMapping/>
+  </p:clrMapOvr>
+</p:sld>
+</file>
+
+<file path=ppt/slides/slide163.xml><?xml version="1.0" encoding="utf-8"?>
+<p:sld xmlns:a="http://schemas.openxmlformats.org/drawingml/2006/main" xmlns:r="http://schemas.openxmlformats.org/officeDocument/2006/relationships" xmlns:p="http://schemas.openxmlformats.org/presentationml/2006/main">
+  <p:cSld>
+    <p:spTree>
+      <p:nvGrpSpPr>
+        <p:cNvPr id="1" name=""/>
+        <p:cNvGrpSpPr/>
+        <p:nvPr/>
+      </p:nvGrpSpPr>
+      <p:grpSpPr>
+        <a:xfrm>
+          <a:off x="0" y="0"/>
+          <a:ext cx="0" cy="0"/>
+          <a:chOff x="0" y="0"/>
+          <a:chExt cx="0" cy="0"/>
+        </a:xfrm>
+      </p:grpSpPr>
+      <p:sp>
+        <p:nvSpPr>
+          <p:cNvPr id="2" name="Título 1">
+            <a:extLst>
+              <a:ext uri="{FF2B5EF4-FFF2-40B4-BE49-F238E27FC236}">
+                <a16:creationId xmlns:a16="http://schemas.microsoft.com/office/drawing/2014/main" id="{0EDC64C0-068D-E019-FE5B-6A3D74F85C53}"/>
+              </a:ext>
+            </a:extLst>
+          </p:cNvPr>
+          <p:cNvSpPr>
+            <a:spLocks noGrp="1"/>
+          </p:cNvSpPr>
+          <p:nvPr>
+            <p:ph type="title"/>
+          </p:nvPr>
+        </p:nvSpPr>
+        <p:spPr>
+          <a:xfrm>
+            <a:off x="838200" y="1805780"/>
+            <a:ext cx="10515600" cy="1325563"/>
+          </a:xfrm>
+        </p:spPr>
+        <p:txBody>
+          <a:bodyPr/>
+          <a:lstStyle/>
+          <a:p>
+            <a:r>
+              <a:rPr lang="es-ES" dirty="0"/>
+              <a:t>Eran demasiadas cosas</a:t>
+            </a:r>
+          </a:p>
+        </p:txBody>
+      </p:sp>
+      <p:sp>
+        <p:nvSpPr>
+          <p:cNvPr id="3" name="Marcador de contenido 2">
+            <a:extLst>
+              <a:ext uri="{FF2B5EF4-FFF2-40B4-BE49-F238E27FC236}">
+                <a16:creationId xmlns:a16="http://schemas.microsoft.com/office/drawing/2014/main" id="{0E906C68-C26D-0934-9C98-D44468B84A9E}"/>
+              </a:ext>
+            </a:extLst>
+          </p:cNvPr>
+          <p:cNvSpPr>
+            <a:spLocks noGrp="1"/>
+          </p:cNvSpPr>
+          <p:nvPr>
+            <p:ph idx="1"/>
+          </p:nvPr>
+        </p:nvSpPr>
+        <p:spPr>
+          <a:xfrm>
+            <a:off x="838200" y="3381531"/>
+            <a:ext cx="10515600" cy="1839869"/>
+          </a:xfrm>
+        </p:spPr>
+        <p:txBody>
+          <a:bodyPr>
+            <a:normAutofit/>
+          </a:bodyPr>
+          <a:lstStyle/>
+          <a:p>
+            <a:r>
+              <a:rPr lang="es-ES" dirty="0"/>
+              <a:t>Actor </a:t>
+            </a:r>
+            <a:r>
+              <a:rPr lang="es-ES" dirty="0" err="1"/>
+              <a:t>model</a:t>
+            </a:r>
+            <a:r>
+              <a:rPr lang="es-ES" dirty="0"/>
+              <a:t> -&gt; modelo mental para concurrencia</a:t>
+            </a:r>
+          </a:p>
+          <a:p>
+            <a:pPr lvl="1"/>
+            <a:r>
+              <a:rPr lang="es-ES" dirty="0">
+                <a:hlinkClick r:id="rId2"/>
+              </a:rPr>
+              <a:t>https://stately.ai/docs/actor-model</a:t>
+            </a:r>
+            <a:endParaRPr lang="es-ES" dirty="0"/>
+          </a:p>
+          <a:p>
+            <a:r>
+              <a:rPr lang="es-ES" dirty="0" err="1"/>
+              <a:t>Functors</a:t>
+            </a:r>
+            <a:r>
+              <a:rPr lang="es-ES" dirty="0"/>
+              <a:t>, </a:t>
+            </a:r>
+            <a:r>
+              <a:rPr lang="es-ES" dirty="0" err="1"/>
+              <a:t>Monads</a:t>
+            </a:r>
+            <a:r>
+              <a:rPr lang="es-ES" dirty="0"/>
+              <a:t>, </a:t>
+            </a:r>
+            <a:r>
+              <a:rPr lang="es-ES" dirty="0" err="1"/>
+              <a:t>MonadTransformers</a:t>
+            </a:r>
+            <a:r>
+              <a:rPr lang="es-ES" dirty="0"/>
+              <a:t>, etc.</a:t>
+            </a:r>
+          </a:p>
+          <a:p>
+            <a:r>
+              <a:rPr lang="es-ES" dirty="0"/>
+              <a:t>Estructuras de Datos inmutables (casos de uso, cómo funcionan, beneficios)</a:t>
+            </a:r>
+          </a:p>
+        </p:txBody>
+      </p:sp>
+      <p:sp>
+        <p:nvSpPr>
+          <p:cNvPr id="4" name="Marcador de fecha 3">
+            <a:extLst>
+              <a:ext uri="{FF2B5EF4-FFF2-40B4-BE49-F238E27FC236}">
+                <a16:creationId xmlns:a16="http://schemas.microsoft.com/office/drawing/2014/main" id="{9D884113-E9BA-4F7A-EE49-819534E1C929}"/>
+              </a:ext>
+            </a:extLst>
+          </p:cNvPr>
+          <p:cNvSpPr>
+            <a:spLocks noGrp="1"/>
+          </p:cNvSpPr>
+          <p:nvPr>
+            <p:ph type="dt" sz="half" idx="10"/>
+          </p:nvPr>
+        </p:nvSpPr>
+        <p:spPr/>
+        <p:txBody>
+          <a:bodyPr/>
+          <a:lstStyle/>
+          <a:p>
+            <a:r>
+              <a:rPr lang="es-ES"/>
+              <a:t>05/12/2024</a:t>
+            </a:r>
+            <a:endParaRPr lang="en-US"/>
+          </a:p>
+        </p:txBody>
+      </p:sp>
+      <p:sp>
+        <p:nvSpPr>
+          <p:cNvPr id="5" name="Marcador de pie de página 4">
+            <a:extLst>
+              <a:ext uri="{FF2B5EF4-FFF2-40B4-BE49-F238E27FC236}">
+                <a16:creationId xmlns:a16="http://schemas.microsoft.com/office/drawing/2014/main" id="{59F3E3B8-8DD4-CC2A-12A1-4EAC872D051A}"/>
+              </a:ext>
+            </a:extLst>
+          </p:cNvPr>
+          <p:cNvSpPr>
+            <a:spLocks noGrp="1"/>
+          </p:cNvSpPr>
+          <p:nvPr>
+            <p:ph type="ftr" sz="quarter" idx="11"/>
+          </p:nvPr>
+        </p:nvSpPr>
+        <p:spPr/>
+        <p:txBody>
+          <a:bodyPr/>
+          <a:lstStyle/>
+          <a:p>
+            <a:r>
+              <a:rPr lang="es-ES"/>
+              <a:t>Programación Funcional - Pepe Fabra Valverde</a:t>
+            </a:r>
+            <a:endParaRPr lang="en-US"/>
+          </a:p>
+        </p:txBody>
+      </p:sp>
+      <p:sp>
+        <p:nvSpPr>
+          <p:cNvPr id="6" name="Marcador de número de diapositiva 5">
+            <a:extLst>
+              <a:ext uri="{FF2B5EF4-FFF2-40B4-BE49-F238E27FC236}">
+                <a16:creationId xmlns:a16="http://schemas.microsoft.com/office/drawing/2014/main" id="{A117B99A-609F-1D37-4AE8-4F192E7C9A67}"/>
+              </a:ext>
+            </a:extLst>
+          </p:cNvPr>
+          <p:cNvSpPr>
+            <a:spLocks noGrp="1"/>
+          </p:cNvSpPr>
+          <p:nvPr>
+            <p:ph type="sldNum" sz="quarter" idx="12"/>
+          </p:nvPr>
+        </p:nvSpPr>
+        <p:spPr/>
+        <p:txBody>
+          <a:bodyPr/>
+          <a:lstStyle/>
+          <a:p>
+            <a:fld id="{D3060201-1C40-4B39-813D-5CD9493BAEED}" type="slidenum">
+              <a:rPr lang="en-US" smtClean="0"/>
+              <a:pPr/>
+              <a:t>163</a:t>
+            </a:fld>
+            <a:endParaRPr lang="en-US"/>
+          </a:p>
+        </p:txBody>
+      </p:sp>
+    </p:spTree>
+    <p:extLst>
+      <p:ext uri="{BB962C8B-B14F-4D97-AF65-F5344CB8AC3E}">
+        <p14:creationId xmlns:p14="http://schemas.microsoft.com/office/powerpoint/2010/main" val="1531760710"/>
+      </p:ext>
+    </p:extLst>
+  </p:cSld>
+  <p:clrMapOvr>
+    <a:masterClrMapping/>
+  </p:clrMapOvr>
+</p:sld>
+</file>
+
+<file path=ppt/slides/slide164.xml><?xml version="1.0" encoding="utf-8"?>
+<p:sld xmlns:a="http://schemas.openxmlformats.org/drawingml/2006/main" xmlns:r="http://schemas.openxmlformats.org/officeDocument/2006/relationships" xmlns:p="http://schemas.openxmlformats.org/presentationml/2006/main">
+  <p:cSld>
+    <p:spTree>
+      <p:nvGrpSpPr>
+        <p:cNvPr id="1" name=""/>
+        <p:cNvGrpSpPr/>
+        <p:nvPr/>
+      </p:nvGrpSpPr>
+      <p:grpSpPr>
+        <a:xfrm>
+          <a:off x="0" y="0"/>
+          <a:ext cx="0" cy="0"/>
+          <a:chOff x="0" y="0"/>
+          <a:chExt cx="0" cy="0"/>
+        </a:xfrm>
+      </p:grpSpPr>
+      <p:sp>
+        <p:nvSpPr>
+          <p:cNvPr id="2" name="Título 1">
+            <a:extLst>
+              <a:ext uri="{FF2B5EF4-FFF2-40B4-BE49-F238E27FC236}">
+                <a16:creationId xmlns:a16="http://schemas.microsoft.com/office/drawing/2014/main" id="{9F50B31C-4863-91F0-D4EB-66310361BFBA}"/>
+              </a:ext>
+            </a:extLst>
+          </p:cNvPr>
+          <p:cNvSpPr>
+            <a:spLocks noGrp="1"/>
+          </p:cNvSpPr>
+          <p:nvPr>
+            <p:ph type="title"/>
+          </p:nvPr>
+        </p:nvSpPr>
+        <p:spPr/>
+        <p:txBody>
+          <a:bodyPr/>
+          <a:lstStyle/>
+          <a:p>
+            <a:r>
+              <a:rPr lang="es-ES" dirty="0"/>
+              <a:t>Conclusión</a:t>
+            </a:r>
+          </a:p>
+        </p:txBody>
+      </p:sp>
+      <p:sp>
+        <p:nvSpPr>
+          <p:cNvPr id="3" name="Marcador de texto 2">
+            <a:extLst>
+              <a:ext uri="{FF2B5EF4-FFF2-40B4-BE49-F238E27FC236}">
+                <a16:creationId xmlns:a16="http://schemas.microsoft.com/office/drawing/2014/main" id="{8141AB71-A282-1C7C-5222-051E64A6BE4B}"/>
+              </a:ext>
+            </a:extLst>
+          </p:cNvPr>
+          <p:cNvSpPr>
+            <a:spLocks noGrp="1"/>
+          </p:cNvSpPr>
+          <p:nvPr>
+            <p:ph type="body" idx="1"/>
+          </p:nvPr>
+        </p:nvSpPr>
+        <p:spPr/>
+        <p:txBody>
+          <a:bodyPr/>
+          <a:lstStyle/>
+          <a:p>
+            <a:endParaRPr lang="es-ES"/>
+          </a:p>
+        </p:txBody>
+      </p:sp>
+      <p:sp>
+        <p:nvSpPr>
+          <p:cNvPr id="4" name="Marcador de fecha 3">
+            <a:extLst>
+              <a:ext uri="{FF2B5EF4-FFF2-40B4-BE49-F238E27FC236}">
+                <a16:creationId xmlns:a16="http://schemas.microsoft.com/office/drawing/2014/main" id="{9DC9959C-40D6-3A8D-B5F1-0646E2510E67}"/>
+              </a:ext>
+            </a:extLst>
+          </p:cNvPr>
+          <p:cNvSpPr>
+            <a:spLocks noGrp="1"/>
+          </p:cNvSpPr>
+          <p:nvPr>
+            <p:ph type="dt" sz="half" idx="10"/>
+          </p:nvPr>
+        </p:nvSpPr>
+        <p:spPr/>
+        <p:txBody>
+          <a:bodyPr/>
+          <a:lstStyle/>
+          <a:p>
+            <a:r>
+              <a:rPr lang="es-ES"/>
+              <a:t>05/12/2024</a:t>
+            </a:r>
+            <a:endParaRPr lang="en-US"/>
+          </a:p>
+        </p:txBody>
+      </p:sp>
+      <p:sp>
+        <p:nvSpPr>
+          <p:cNvPr id="5" name="Marcador de pie de página 4">
+            <a:extLst>
+              <a:ext uri="{FF2B5EF4-FFF2-40B4-BE49-F238E27FC236}">
+                <a16:creationId xmlns:a16="http://schemas.microsoft.com/office/drawing/2014/main" id="{D7A5D702-2F44-8BA8-E373-8116FE3A821F}"/>
+              </a:ext>
+            </a:extLst>
+          </p:cNvPr>
+          <p:cNvSpPr>
+            <a:spLocks noGrp="1"/>
+          </p:cNvSpPr>
+          <p:nvPr>
+            <p:ph type="ftr" sz="quarter" idx="11"/>
+          </p:nvPr>
+        </p:nvSpPr>
+        <p:spPr/>
+        <p:txBody>
+          <a:bodyPr/>
+          <a:lstStyle/>
+          <a:p>
+            <a:r>
+              <a:rPr lang="es-ES"/>
+              <a:t>Programación Funcional - Pepe Fabra Valverde</a:t>
+            </a:r>
+            <a:endParaRPr lang="en-US"/>
+          </a:p>
+        </p:txBody>
+      </p:sp>
+      <p:sp>
+        <p:nvSpPr>
+          <p:cNvPr id="6" name="Marcador de número de diapositiva 5">
+            <a:extLst>
+              <a:ext uri="{FF2B5EF4-FFF2-40B4-BE49-F238E27FC236}">
+                <a16:creationId xmlns:a16="http://schemas.microsoft.com/office/drawing/2014/main" id="{02320FCF-DC7F-F510-AF82-2DB006C0F048}"/>
+              </a:ext>
+            </a:extLst>
+          </p:cNvPr>
+          <p:cNvSpPr>
+            <a:spLocks noGrp="1"/>
+          </p:cNvSpPr>
+          <p:nvPr>
+            <p:ph type="sldNum" sz="quarter" idx="12"/>
+          </p:nvPr>
+        </p:nvSpPr>
+        <p:spPr/>
+        <p:txBody>
+          <a:bodyPr/>
+          <a:lstStyle/>
+          <a:p>
+            <a:fld id="{D3060201-1C40-4B39-813D-5CD9493BAEED}" type="slidenum">
+              <a:rPr lang="en-US" smtClean="0"/>
+              <a:pPr/>
+              <a:t>164</a:t>
             </a:fld>
             <a:endParaRPr lang="en-US"/>
           </a:p>
@@ -22407,7 +22789,7 @@
 </p:sld>
 </file>
 
-<file path=ppt/slides/slide163.xml><?xml version="1.0" encoding="utf-8"?>
+<file path=ppt/slides/slide165.xml><?xml version="1.0" encoding="utf-8"?>
 <p:sld xmlns:a="http://schemas.openxmlformats.org/drawingml/2006/main" xmlns:r="http://schemas.openxmlformats.org/officeDocument/2006/relationships" xmlns:p="http://schemas.openxmlformats.org/presentationml/2006/main">
   <p:cSld>
     <p:spTree>
@@ -22585,7 +22967,7 @@
             <a:fld id="{D3060201-1C40-4B39-813D-5CD9493BAEED}" type="slidenum">
               <a:rPr lang="en-US" smtClean="0"/>
               <a:pPr/>
-              <a:t>163</a:t>
+              <a:t>165</a:t>
             </a:fld>
             <a:endParaRPr lang="en-US"/>
           </a:p>
@@ -22604,7 +22986,7 @@
 </p:sld>
 </file>
 
-<file path=ppt/slides/slide164.xml><?xml version="1.0" encoding="utf-8"?>
+<file path=ppt/slides/slide166.xml><?xml version="1.0" encoding="utf-8"?>
 <p:sld xmlns:a="http://schemas.openxmlformats.org/drawingml/2006/main" xmlns:r="http://schemas.openxmlformats.org/officeDocument/2006/relationships" xmlns:p="http://schemas.openxmlformats.org/presentationml/2006/main">
   <p:cSld>
     <p:spTree>
@@ -22791,7 +23173,7 @@
             <a:fld id="{D3060201-1C40-4B39-813D-5CD9493BAEED}" type="slidenum">
               <a:rPr lang="en-US" smtClean="0"/>
               <a:pPr/>
-              <a:t>164</a:t>
+              <a:t>166</a:t>
             </a:fld>
             <a:endParaRPr lang="en-US"/>
           </a:p>
@@ -22864,7 +23246,7 @@
 </p:sld>
 </file>
 
-<file path=ppt/slides/slide165.xml><?xml version="1.0" encoding="utf-8"?>
+<file path=ppt/slides/slide167.xml><?xml version="1.0" encoding="utf-8"?>
 <p:sld xmlns:a="http://schemas.openxmlformats.org/drawingml/2006/main" xmlns:r="http://schemas.openxmlformats.org/officeDocument/2006/relationships" xmlns:p="http://schemas.openxmlformats.org/presentationml/2006/main">
   <p:cSld>
     <p:spTree>
@@ -23057,7 +23439,7 @@
             <a:fld id="{D3060201-1C40-4B39-813D-5CD9493BAEED}" type="slidenum">
               <a:rPr lang="en-US" smtClean="0"/>
               <a:pPr/>
-              <a:t>165</a:t>
+              <a:t>167</a:t>
             </a:fld>
             <a:endParaRPr lang="en-US"/>
           </a:p>
@@ -23130,394 +23512,6 @@
 </p:sld>
 </file>
 
-<file path=ppt/slides/slide166.xml><?xml version="1.0" encoding="utf-8"?>
-<p:sld xmlns:a="http://schemas.openxmlformats.org/drawingml/2006/main" xmlns:r="http://schemas.openxmlformats.org/officeDocument/2006/relationships" xmlns:p="http://schemas.openxmlformats.org/presentationml/2006/main">
-  <p:cSld>
-    <p:spTree>
-      <p:nvGrpSpPr>
-        <p:cNvPr id="1" name=""/>
-        <p:cNvGrpSpPr/>
-        <p:nvPr/>
-      </p:nvGrpSpPr>
-      <p:grpSpPr>
-        <a:xfrm>
-          <a:off x="0" y="0"/>
-          <a:ext cx="0" cy="0"/>
-          <a:chOff x="0" y="0"/>
-          <a:chExt cx="0" cy="0"/>
-        </a:xfrm>
-      </p:grpSpPr>
-      <p:sp>
-        <p:nvSpPr>
-          <p:cNvPr id="2" name="Título 1">
-            <a:extLst>
-              <a:ext uri="{FF2B5EF4-FFF2-40B4-BE49-F238E27FC236}">
-                <a16:creationId xmlns:a16="http://schemas.microsoft.com/office/drawing/2014/main" id="{C6A9BEF2-B1D3-49BB-9AE1-980CC68CDC17}"/>
-              </a:ext>
-            </a:extLst>
-          </p:cNvPr>
-          <p:cNvSpPr>
-            <a:spLocks noGrp="1"/>
-          </p:cNvSpPr>
-          <p:nvPr>
-            <p:ph type="title"/>
-          </p:nvPr>
-        </p:nvSpPr>
-        <p:spPr/>
-        <p:txBody>
-          <a:bodyPr/>
-          <a:lstStyle/>
-          <a:p>
-            <a:r>
-              <a:rPr lang="es-ES" dirty="0"/>
-              <a:t>Lenguajes funcionales</a:t>
-            </a:r>
-          </a:p>
-        </p:txBody>
-      </p:sp>
-      <p:sp>
-        <p:nvSpPr>
-          <p:cNvPr id="3" name="Marcador de contenido 2">
-            <a:extLst>
-              <a:ext uri="{FF2B5EF4-FFF2-40B4-BE49-F238E27FC236}">
-                <a16:creationId xmlns:a16="http://schemas.microsoft.com/office/drawing/2014/main" id="{55901E3E-1927-F2AC-F559-230056098E7E}"/>
-              </a:ext>
-            </a:extLst>
-          </p:cNvPr>
-          <p:cNvSpPr>
-            <a:spLocks noGrp="1"/>
-          </p:cNvSpPr>
-          <p:nvPr>
-            <p:ph idx="1"/>
-          </p:nvPr>
-        </p:nvSpPr>
-        <p:spPr/>
-        <p:txBody>
-          <a:bodyPr/>
-          <a:lstStyle/>
-          <a:p>
-            <a:r>
-              <a:rPr lang="es-ES" dirty="0"/>
-              <a:t>Haskell</a:t>
-            </a:r>
-          </a:p>
-          <a:p>
-            <a:r>
-              <a:rPr lang="es-ES" dirty="0" err="1"/>
-              <a:t>Erlang</a:t>
-            </a:r>
-            <a:endParaRPr lang="es-ES" dirty="0"/>
-          </a:p>
-          <a:p>
-            <a:r>
-              <a:rPr lang="es-ES" dirty="0" err="1"/>
-              <a:t>OCaml</a:t>
-            </a:r>
-            <a:endParaRPr lang="es-ES" dirty="0"/>
-          </a:p>
-          <a:p>
-            <a:pPr marL="0" indent="0">
-              <a:buNone/>
-            </a:pPr>
-            <a:endParaRPr lang="es-ES" dirty="0"/>
-          </a:p>
-          <a:p>
-            <a:pPr marL="0" indent="0">
-              <a:buNone/>
-            </a:pPr>
-            <a:r>
-              <a:rPr lang="es-ES" i="1" dirty="0" err="1"/>
-              <a:t>Flavor</a:t>
-            </a:r>
-            <a:r>
-              <a:rPr lang="es-ES" dirty="0"/>
-              <a:t> de JavaScript funcional</a:t>
-            </a:r>
-          </a:p>
-          <a:p>
-            <a:r>
-              <a:rPr lang="es-ES" b="1" dirty="0" err="1"/>
-              <a:t>PureScript</a:t>
-            </a:r>
-            <a:endParaRPr lang="es-ES" b="1" dirty="0"/>
-          </a:p>
-        </p:txBody>
-      </p:sp>
-      <p:sp>
-        <p:nvSpPr>
-          <p:cNvPr id="4" name="Marcador de fecha 3">
-            <a:extLst>
-              <a:ext uri="{FF2B5EF4-FFF2-40B4-BE49-F238E27FC236}">
-                <a16:creationId xmlns:a16="http://schemas.microsoft.com/office/drawing/2014/main" id="{5812091B-4A11-89AE-1987-B40E28A2CE3A}"/>
-              </a:ext>
-            </a:extLst>
-          </p:cNvPr>
-          <p:cNvSpPr>
-            <a:spLocks noGrp="1"/>
-          </p:cNvSpPr>
-          <p:nvPr>
-            <p:ph type="dt" sz="half" idx="10"/>
-          </p:nvPr>
-        </p:nvSpPr>
-        <p:spPr/>
-        <p:txBody>
-          <a:bodyPr/>
-          <a:lstStyle/>
-          <a:p>
-            <a:r>
-              <a:rPr lang="es-ES"/>
-              <a:t>05/12/2024</a:t>
-            </a:r>
-            <a:endParaRPr lang="en-US"/>
-          </a:p>
-        </p:txBody>
-      </p:sp>
-      <p:sp>
-        <p:nvSpPr>
-          <p:cNvPr id="5" name="Marcador de pie de página 4">
-            <a:extLst>
-              <a:ext uri="{FF2B5EF4-FFF2-40B4-BE49-F238E27FC236}">
-                <a16:creationId xmlns:a16="http://schemas.microsoft.com/office/drawing/2014/main" id="{145B5523-EBBB-C0DF-DDC7-748CB1E972C3}"/>
-              </a:ext>
-            </a:extLst>
-          </p:cNvPr>
-          <p:cNvSpPr>
-            <a:spLocks noGrp="1"/>
-          </p:cNvSpPr>
-          <p:nvPr>
-            <p:ph type="ftr" sz="quarter" idx="11"/>
-          </p:nvPr>
-        </p:nvSpPr>
-        <p:spPr/>
-        <p:txBody>
-          <a:bodyPr/>
-          <a:lstStyle/>
-          <a:p>
-            <a:r>
-              <a:rPr lang="es-ES"/>
-              <a:t>Programación Funcional - Pepe Fabra Valverde</a:t>
-            </a:r>
-            <a:endParaRPr lang="en-US"/>
-          </a:p>
-        </p:txBody>
-      </p:sp>
-      <p:sp>
-        <p:nvSpPr>
-          <p:cNvPr id="6" name="Marcador de número de diapositiva 5">
-            <a:extLst>
-              <a:ext uri="{FF2B5EF4-FFF2-40B4-BE49-F238E27FC236}">
-                <a16:creationId xmlns:a16="http://schemas.microsoft.com/office/drawing/2014/main" id="{88B9958B-E0C3-C677-FCC5-B85965A75490}"/>
-              </a:ext>
-            </a:extLst>
-          </p:cNvPr>
-          <p:cNvSpPr>
-            <a:spLocks noGrp="1"/>
-          </p:cNvSpPr>
-          <p:nvPr>
-            <p:ph type="sldNum" sz="quarter" idx="12"/>
-          </p:nvPr>
-        </p:nvSpPr>
-        <p:spPr/>
-        <p:txBody>
-          <a:bodyPr/>
-          <a:lstStyle/>
-          <a:p>
-            <a:fld id="{D3060201-1C40-4B39-813D-5CD9493BAEED}" type="slidenum">
-              <a:rPr lang="en-US" smtClean="0"/>
-              <a:pPr/>
-              <a:t>166</a:t>
-            </a:fld>
-            <a:endParaRPr lang="en-US"/>
-          </a:p>
-        </p:txBody>
-      </p:sp>
-    </p:spTree>
-    <p:extLst>
-      <p:ext uri="{BB962C8B-B14F-4D97-AF65-F5344CB8AC3E}">
-        <p14:creationId xmlns:p14="http://schemas.microsoft.com/office/powerpoint/2010/main" val="3852525094"/>
-      </p:ext>
-    </p:extLst>
-  </p:cSld>
-  <p:clrMapOvr>
-    <a:masterClrMapping/>
-  </p:clrMapOvr>
-</p:sld>
-</file>
-
-<file path=ppt/slides/slide167.xml><?xml version="1.0" encoding="utf-8"?>
-<p:sld xmlns:a="http://schemas.openxmlformats.org/drawingml/2006/main" xmlns:r="http://schemas.openxmlformats.org/officeDocument/2006/relationships" xmlns:p="http://schemas.openxmlformats.org/presentationml/2006/main">
-  <p:cSld>
-    <p:spTree>
-      <p:nvGrpSpPr>
-        <p:cNvPr id="1" name=""/>
-        <p:cNvGrpSpPr/>
-        <p:nvPr/>
-      </p:nvGrpSpPr>
-      <p:grpSpPr>
-        <a:xfrm>
-          <a:off x="0" y="0"/>
-          <a:ext cx="0" cy="0"/>
-          <a:chOff x="0" y="0"/>
-          <a:chExt cx="0" cy="0"/>
-        </a:xfrm>
-      </p:grpSpPr>
-      <p:sp>
-        <p:nvSpPr>
-          <p:cNvPr id="2" name="Título 1">
-            <a:extLst>
-              <a:ext uri="{FF2B5EF4-FFF2-40B4-BE49-F238E27FC236}">
-                <a16:creationId xmlns:a16="http://schemas.microsoft.com/office/drawing/2014/main" id="{418E1409-58C4-E191-3ADE-7554CE3DAED6}"/>
-              </a:ext>
-            </a:extLst>
-          </p:cNvPr>
-          <p:cNvSpPr>
-            <a:spLocks noGrp="1"/>
-          </p:cNvSpPr>
-          <p:nvPr>
-            <p:ph type="title"/>
-          </p:nvPr>
-        </p:nvSpPr>
-        <p:spPr/>
-        <p:txBody>
-          <a:bodyPr/>
-          <a:lstStyle/>
-          <a:p>
-            <a:r>
-              <a:rPr lang="es-ES" dirty="0"/>
-              <a:t>La buena solución</a:t>
-            </a:r>
-          </a:p>
-        </p:txBody>
-      </p:sp>
-      <p:sp>
-        <p:nvSpPr>
-          <p:cNvPr id="3" name="Marcador de texto 2">
-            <a:extLst>
-              <a:ext uri="{FF2B5EF4-FFF2-40B4-BE49-F238E27FC236}">
-                <a16:creationId xmlns:a16="http://schemas.microsoft.com/office/drawing/2014/main" id="{7448558B-A2CB-C7AC-C846-34106ABD4FBA}"/>
-              </a:ext>
-            </a:extLst>
-          </p:cNvPr>
-          <p:cNvSpPr>
-            <a:spLocks noGrp="1"/>
-          </p:cNvSpPr>
-          <p:nvPr>
-            <p:ph type="body" idx="1"/>
-          </p:nvPr>
-        </p:nvSpPr>
-        <p:spPr/>
-        <p:txBody>
-          <a:bodyPr/>
-          <a:lstStyle/>
-          <a:p>
-            <a:r>
-              <a:rPr lang="es-ES" dirty="0"/>
-              <a:t>La que parece fácil y obvia en retrospectiva</a:t>
-            </a:r>
-          </a:p>
-        </p:txBody>
-      </p:sp>
-      <p:sp>
-        <p:nvSpPr>
-          <p:cNvPr id="4" name="Marcador de fecha 3">
-            <a:extLst>
-              <a:ext uri="{FF2B5EF4-FFF2-40B4-BE49-F238E27FC236}">
-                <a16:creationId xmlns:a16="http://schemas.microsoft.com/office/drawing/2014/main" id="{FCF244E8-73DB-704E-B8B2-2D165917561E}"/>
-              </a:ext>
-            </a:extLst>
-          </p:cNvPr>
-          <p:cNvSpPr>
-            <a:spLocks noGrp="1"/>
-          </p:cNvSpPr>
-          <p:nvPr>
-            <p:ph type="dt" sz="half" idx="10"/>
-          </p:nvPr>
-        </p:nvSpPr>
-        <p:spPr/>
-        <p:txBody>
-          <a:bodyPr/>
-          <a:lstStyle/>
-          <a:p>
-            <a:r>
-              <a:rPr lang="es-ES"/>
-              <a:t>05/12/2024</a:t>
-            </a:r>
-            <a:endParaRPr lang="en-US"/>
-          </a:p>
-        </p:txBody>
-      </p:sp>
-      <p:sp>
-        <p:nvSpPr>
-          <p:cNvPr id="5" name="Marcador de pie de página 4">
-            <a:extLst>
-              <a:ext uri="{FF2B5EF4-FFF2-40B4-BE49-F238E27FC236}">
-                <a16:creationId xmlns:a16="http://schemas.microsoft.com/office/drawing/2014/main" id="{191C0E3E-9A78-7CE2-8EBB-26F48405FEF0}"/>
-              </a:ext>
-            </a:extLst>
-          </p:cNvPr>
-          <p:cNvSpPr>
-            <a:spLocks noGrp="1"/>
-          </p:cNvSpPr>
-          <p:nvPr>
-            <p:ph type="ftr" sz="quarter" idx="11"/>
-          </p:nvPr>
-        </p:nvSpPr>
-        <p:spPr/>
-        <p:txBody>
-          <a:bodyPr/>
-          <a:lstStyle/>
-          <a:p>
-            <a:r>
-              <a:rPr lang="es-ES"/>
-              <a:t>Programación Funcional - Pepe Fabra Valverde</a:t>
-            </a:r>
-            <a:endParaRPr lang="en-US"/>
-          </a:p>
-        </p:txBody>
-      </p:sp>
-      <p:sp>
-        <p:nvSpPr>
-          <p:cNvPr id="6" name="Marcador de número de diapositiva 5">
-            <a:extLst>
-              <a:ext uri="{FF2B5EF4-FFF2-40B4-BE49-F238E27FC236}">
-                <a16:creationId xmlns:a16="http://schemas.microsoft.com/office/drawing/2014/main" id="{51124296-15FF-679B-674D-BB82FC42B7D4}"/>
-              </a:ext>
-            </a:extLst>
-          </p:cNvPr>
-          <p:cNvSpPr>
-            <a:spLocks noGrp="1"/>
-          </p:cNvSpPr>
-          <p:nvPr>
-            <p:ph type="sldNum" sz="quarter" idx="12"/>
-          </p:nvPr>
-        </p:nvSpPr>
-        <p:spPr/>
-        <p:txBody>
-          <a:bodyPr/>
-          <a:lstStyle/>
-          <a:p>
-            <a:fld id="{D3060201-1C40-4B39-813D-5CD9493BAEED}" type="slidenum">
-              <a:rPr lang="en-US" smtClean="0"/>
-              <a:pPr/>
-              <a:t>167</a:t>
-            </a:fld>
-            <a:endParaRPr lang="en-US"/>
-          </a:p>
-        </p:txBody>
-      </p:sp>
-    </p:spTree>
-    <p:extLst>
-      <p:ext uri="{BB962C8B-B14F-4D97-AF65-F5344CB8AC3E}">
-        <p14:creationId xmlns:p14="http://schemas.microsoft.com/office/powerpoint/2010/main" val="3409411240"/>
-      </p:ext>
-    </p:extLst>
-  </p:cSld>
-  <p:clrMapOvr>
-    <a:masterClrMapping/>
-  </p:clrMapOvr>
-</p:sld>
-</file>
-
 <file path=ppt/slides/slide168.xml><?xml version="1.0" encoding="utf-8"?>
 <p:sld xmlns:a="http://schemas.openxmlformats.org/drawingml/2006/main" xmlns:r="http://schemas.openxmlformats.org/officeDocument/2006/relationships" xmlns:p="http://schemas.openxmlformats.org/presentationml/2006/main">
   <p:cSld>
@@ -23537,10 +23531,10 @@
       </p:grpSpPr>
       <p:sp>
         <p:nvSpPr>
-          <p:cNvPr id="9" name="Título 8">
-            <a:extLst>
-              <a:ext uri="{FF2B5EF4-FFF2-40B4-BE49-F238E27FC236}">
-                <a16:creationId xmlns:a16="http://schemas.microsoft.com/office/drawing/2014/main" id="{5D39A7ED-7795-EE35-CA29-9290D69C8402}"/>
+          <p:cNvPr id="2" name="Título 1">
+            <a:extLst>
+              <a:ext uri="{FF2B5EF4-FFF2-40B4-BE49-F238E27FC236}">
+                <a16:creationId xmlns:a16="http://schemas.microsoft.com/office/drawing/2014/main" id="{C6A9BEF2-B1D3-49BB-9AE1-980CC68CDC17}"/>
               </a:ext>
             </a:extLst>
           </p:cNvPr>
@@ -23557,29 +23551,77 @@
           <a:lstStyle/>
           <a:p>
             <a:r>
-              <a:rPr lang="es-ES" b="1" dirty="0">
-                <a:solidFill>
-                  <a:srgbClr val="F1DA4E"/>
-                </a:solidFill>
-                <a:latin typeface="Arial" panose="020B0604020202020204" pitchFamily="34" charset="0"/>
-                <a:cs typeface="Arial" panose="020B0604020202020204" pitchFamily="34" charset="0"/>
-              </a:rPr>
-              <a:t>“</a:t>
-            </a:r>
-            <a:r>
-              <a:rPr lang="es-ES" dirty="0"/>
-              <a:t>Si una solución parece innecesariamente difícil seguramente es que lo sea</a:t>
-            </a:r>
-            <a:r>
-              <a:rPr lang="es-ES" b="1" dirty="0">
-                <a:solidFill>
-                  <a:srgbClr val="F1DA4E"/>
-                </a:solidFill>
-                <a:latin typeface="Arial" panose="020B0604020202020204" pitchFamily="34" charset="0"/>
-                <a:cs typeface="Arial" panose="020B0604020202020204" pitchFamily="34" charset="0"/>
-              </a:rPr>
-              <a:t>”</a:t>
-            </a:r>
+              <a:rPr lang="es-ES" dirty="0"/>
+              <a:t>Lenguajes funcionales</a:t>
+            </a:r>
+          </a:p>
+        </p:txBody>
+      </p:sp>
+      <p:sp>
+        <p:nvSpPr>
+          <p:cNvPr id="3" name="Marcador de contenido 2">
+            <a:extLst>
+              <a:ext uri="{FF2B5EF4-FFF2-40B4-BE49-F238E27FC236}">
+                <a16:creationId xmlns:a16="http://schemas.microsoft.com/office/drawing/2014/main" id="{55901E3E-1927-F2AC-F559-230056098E7E}"/>
+              </a:ext>
+            </a:extLst>
+          </p:cNvPr>
+          <p:cNvSpPr>
+            <a:spLocks noGrp="1"/>
+          </p:cNvSpPr>
+          <p:nvPr>
+            <p:ph idx="1"/>
+          </p:nvPr>
+        </p:nvSpPr>
+        <p:spPr/>
+        <p:txBody>
+          <a:bodyPr/>
+          <a:lstStyle/>
+          <a:p>
+            <a:r>
+              <a:rPr lang="es-ES" dirty="0"/>
+              <a:t>Haskell</a:t>
+            </a:r>
+          </a:p>
+          <a:p>
+            <a:r>
+              <a:rPr lang="es-ES" dirty="0" err="1"/>
+              <a:t>Erlang</a:t>
+            </a:r>
+            <a:endParaRPr lang="es-ES" dirty="0"/>
+          </a:p>
+          <a:p>
+            <a:r>
+              <a:rPr lang="es-ES" dirty="0" err="1"/>
+              <a:t>OCaml</a:t>
+            </a:r>
+            <a:endParaRPr lang="es-ES" dirty="0"/>
+          </a:p>
+          <a:p>
+            <a:pPr marL="0" indent="0">
+              <a:buNone/>
+            </a:pPr>
+            <a:endParaRPr lang="es-ES" dirty="0"/>
+          </a:p>
+          <a:p>
+            <a:pPr marL="0" indent="0">
+              <a:buNone/>
+            </a:pPr>
+            <a:r>
+              <a:rPr lang="es-ES" i="1" dirty="0" err="1"/>
+              <a:t>Flavor</a:t>
+            </a:r>
+            <a:r>
+              <a:rPr lang="es-ES" dirty="0"/>
+              <a:t> de JavaScript funcional</a:t>
+            </a:r>
+          </a:p>
+          <a:p>
+            <a:r>
+              <a:rPr lang="es-ES" b="1" dirty="0" err="1"/>
+              <a:t>PureScript</a:t>
+            </a:r>
+            <a:endParaRPr lang="es-ES" b="1" dirty="0"/>
           </a:p>
         </p:txBody>
       </p:sp>
@@ -23588,7 +23630,7 @@
           <p:cNvPr id="4" name="Marcador de fecha 3">
             <a:extLst>
               <a:ext uri="{FF2B5EF4-FFF2-40B4-BE49-F238E27FC236}">
-                <a16:creationId xmlns:a16="http://schemas.microsoft.com/office/drawing/2014/main" id="{1286ED11-D226-101B-FAA8-BB931BBC3A9D}"/>
+                <a16:creationId xmlns:a16="http://schemas.microsoft.com/office/drawing/2014/main" id="{5812091B-4A11-89AE-1987-B40E28A2CE3A}"/>
               </a:ext>
             </a:extLst>
           </p:cNvPr>
@@ -23617,7 +23659,7 @@
           <p:cNvPr id="5" name="Marcador de pie de página 4">
             <a:extLst>
               <a:ext uri="{FF2B5EF4-FFF2-40B4-BE49-F238E27FC236}">
-                <a16:creationId xmlns:a16="http://schemas.microsoft.com/office/drawing/2014/main" id="{E8076787-24B6-8518-2974-EC2018CA1429}"/>
+                <a16:creationId xmlns:a16="http://schemas.microsoft.com/office/drawing/2014/main" id="{145B5523-EBBB-C0DF-DDC7-748CB1E972C3}"/>
               </a:ext>
             </a:extLst>
           </p:cNvPr>
@@ -23646,7 +23688,7 @@
           <p:cNvPr id="6" name="Marcador de número de diapositiva 5">
             <a:extLst>
               <a:ext uri="{FF2B5EF4-FFF2-40B4-BE49-F238E27FC236}">
-                <a16:creationId xmlns:a16="http://schemas.microsoft.com/office/drawing/2014/main" id="{0F2FDB88-B742-39C2-8676-6D04C40CCD33}"/>
+                <a16:creationId xmlns:a16="http://schemas.microsoft.com/office/drawing/2014/main" id="{88B9958B-E0C3-C677-FCC5-B85965A75490}"/>
               </a:ext>
             </a:extLst>
           </p:cNvPr>
@@ -23674,7 +23716,7 @@
     </p:spTree>
     <p:extLst>
       <p:ext uri="{BB962C8B-B14F-4D97-AF65-F5344CB8AC3E}">
-        <p14:creationId xmlns:p14="http://schemas.microsoft.com/office/powerpoint/2010/main" val="2926443171"/>
+        <p14:creationId xmlns:p14="http://schemas.microsoft.com/office/powerpoint/2010/main" val="3852525094"/>
       </p:ext>
     </p:extLst>
   </p:cSld>
@@ -23703,10 +23745,10 @@
       </p:grpSpPr>
       <p:sp>
         <p:nvSpPr>
-          <p:cNvPr id="6" name="Título 5">
-            <a:extLst>
-              <a:ext uri="{FF2B5EF4-FFF2-40B4-BE49-F238E27FC236}">
-                <a16:creationId xmlns:a16="http://schemas.microsoft.com/office/drawing/2014/main" id="{C118E137-9EC2-71A4-B821-5A4EEB9042D7}"/>
+          <p:cNvPr id="2" name="Título 1">
+            <a:extLst>
+              <a:ext uri="{FF2B5EF4-FFF2-40B4-BE49-F238E27FC236}">
+                <a16:creationId xmlns:a16="http://schemas.microsoft.com/office/drawing/2014/main" id="{418E1409-58C4-E191-3ADE-7554CE3DAED6}"/>
               </a:ext>
             </a:extLst>
           </p:cNvPr>
@@ -23724,17 +23766,17 @@
           <a:p>
             <a:r>
               <a:rPr lang="es-ES" dirty="0"/>
-              <a:t>SABER MÁS</a:t>
-            </a:r>
-          </a:p>
-        </p:txBody>
-      </p:sp>
-      <p:sp>
-        <p:nvSpPr>
-          <p:cNvPr id="7" name="Marcador de texto 6">
-            <a:extLst>
-              <a:ext uri="{FF2B5EF4-FFF2-40B4-BE49-F238E27FC236}">
-                <a16:creationId xmlns:a16="http://schemas.microsoft.com/office/drawing/2014/main" id="{E041AA7A-76D3-9F45-1EFC-5C1E56AD3AC8}"/>
+              <a:t>La buena solución</a:t>
+            </a:r>
+          </a:p>
+        </p:txBody>
+      </p:sp>
+      <p:sp>
+        <p:nvSpPr>
+          <p:cNvPr id="3" name="Marcador de texto 2">
+            <a:extLst>
+              <a:ext uri="{FF2B5EF4-FFF2-40B4-BE49-F238E27FC236}">
+                <a16:creationId xmlns:a16="http://schemas.microsoft.com/office/drawing/2014/main" id="{7448558B-A2CB-C7AC-C846-34106ABD4FBA}"/>
               </a:ext>
             </a:extLst>
           </p:cNvPr>
@@ -23752,17 +23794,17 @@
           <a:p>
             <a:r>
               <a:rPr lang="es-ES" dirty="0"/>
-              <a:t>Anécdota del software</a:t>
-            </a:r>
-          </a:p>
-        </p:txBody>
-      </p:sp>
-      <p:sp>
-        <p:nvSpPr>
-          <p:cNvPr id="3" name="Marcador de fecha 2">
-            <a:extLst>
-              <a:ext uri="{FF2B5EF4-FFF2-40B4-BE49-F238E27FC236}">
-                <a16:creationId xmlns:a16="http://schemas.microsoft.com/office/drawing/2014/main" id="{E331E337-B720-6C19-4E6C-39A37C380821}"/>
+              <a:t>La que parece fácil y obvia en retrospectiva</a:t>
+            </a:r>
+          </a:p>
+        </p:txBody>
+      </p:sp>
+      <p:sp>
+        <p:nvSpPr>
+          <p:cNvPr id="4" name="Marcador de fecha 3">
+            <a:extLst>
+              <a:ext uri="{FF2B5EF4-FFF2-40B4-BE49-F238E27FC236}">
+                <a16:creationId xmlns:a16="http://schemas.microsoft.com/office/drawing/2014/main" id="{FCF244E8-73DB-704E-B8B2-2D165917561E}"/>
               </a:ext>
             </a:extLst>
           </p:cNvPr>
@@ -23788,10 +23830,10 @@
       </p:sp>
       <p:sp>
         <p:nvSpPr>
-          <p:cNvPr id="4" name="Marcador de pie de página 3">
-            <a:extLst>
-              <a:ext uri="{FF2B5EF4-FFF2-40B4-BE49-F238E27FC236}">
-                <a16:creationId xmlns:a16="http://schemas.microsoft.com/office/drawing/2014/main" id="{9CCBF37F-2A93-5D85-1E51-5696CCB3CE56}"/>
+          <p:cNvPr id="5" name="Marcador de pie de página 4">
+            <a:extLst>
+              <a:ext uri="{FF2B5EF4-FFF2-40B4-BE49-F238E27FC236}">
+                <a16:creationId xmlns:a16="http://schemas.microsoft.com/office/drawing/2014/main" id="{191C0E3E-9A78-7CE2-8EBB-26F48405FEF0}"/>
               </a:ext>
             </a:extLst>
           </p:cNvPr>
@@ -23817,10 +23859,10 @@
       </p:sp>
       <p:sp>
         <p:nvSpPr>
-          <p:cNvPr id="5" name="Marcador de número de diapositiva 4">
-            <a:extLst>
-              <a:ext uri="{FF2B5EF4-FFF2-40B4-BE49-F238E27FC236}">
-                <a16:creationId xmlns:a16="http://schemas.microsoft.com/office/drawing/2014/main" id="{35B561E1-6932-E1DC-14FF-6527886D8BA2}"/>
+          <p:cNvPr id="6" name="Marcador de número de diapositiva 5">
+            <a:extLst>
+              <a:ext uri="{FF2B5EF4-FFF2-40B4-BE49-F238E27FC236}">
+                <a16:creationId xmlns:a16="http://schemas.microsoft.com/office/drawing/2014/main" id="{51124296-15FF-679B-674D-BB82FC42B7D4}"/>
               </a:ext>
             </a:extLst>
           </p:cNvPr>
@@ -23848,7 +23890,7 @@
     </p:spTree>
     <p:extLst>
       <p:ext uri="{BB962C8B-B14F-4D97-AF65-F5344CB8AC3E}">
-        <p14:creationId xmlns:p14="http://schemas.microsoft.com/office/powerpoint/2010/main" val="1956860634"/>
+        <p14:creationId xmlns:p14="http://schemas.microsoft.com/office/powerpoint/2010/main" val="3409411240"/>
       </p:ext>
     </p:extLst>
   </p:cSld>
@@ -24073,10 +24115,10 @@
       </p:grpSpPr>
       <p:sp>
         <p:nvSpPr>
-          <p:cNvPr id="2" name="Título 1">
-            <a:extLst>
-              <a:ext uri="{FF2B5EF4-FFF2-40B4-BE49-F238E27FC236}">
-                <a16:creationId xmlns:a16="http://schemas.microsoft.com/office/drawing/2014/main" id="{6810F81E-214E-18F7-6C63-D611E56D11D3}"/>
+          <p:cNvPr id="9" name="Título 8">
+            <a:extLst>
+              <a:ext uri="{FF2B5EF4-FFF2-40B4-BE49-F238E27FC236}">
+                <a16:creationId xmlns:a16="http://schemas.microsoft.com/office/drawing/2014/main" id="{5D39A7ED-7795-EE35-CA29-9290D69C8402}"/>
               </a:ext>
             </a:extLst>
           </p:cNvPr>
@@ -24087,99 +24129,35 @@
             <p:ph type="title"/>
           </p:nvPr>
         </p:nvSpPr>
-        <p:spPr>
-          <a:xfrm>
-            <a:off x="838200" y="2075954"/>
-            <a:ext cx="10515600" cy="1325563"/>
-          </a:xfrm>
-        </p:spPr>
-        <p:txBody>
-          <a:bodyPr/>
-          <a:lstStyle/>
-          <a:p>
-            <a:r>
-              <a:rPr lang="es-ES" dirty="0"/>
-              <a:t>More </a:t>
-            </a:r>
-            <a:r>
-              <a:rPr lang="es-ES" dirty="0" err="1"/>
-              <a:t>shell</a:t>
-            </a:r>
-            <a:r>
-              <a:rPr lang="es-ES" dirty="0"/>
-              <a:t>, </a:t>
-            </a:r>
-            <a:r>
-              <a:rPr lang="es-ES" dirty="0" err="1"/>
-              <a:t>less</a:t>
-            </a:r>
-            <a:r>
-              <a:rPr lang="es-ES" dirty="0"/>
-              <a:t> </a:t>
-            </a:r>
-            <a:r>
-              <a:rPr lang="es-ES" dirty="0" err="1"/>
-              <a:t>eggs</a:t>
-            </a:r>
-            <a:endParaRPr lang="es-ES" dirty="0"/>
-          </a:p>
-        </p:txBody>
-      </p:sp>
-      <p:sp>
-        <p:nvSpPr>
-          <p:cNvPr id="3" name="Marcador de contenido 2">
-            <a:extLst>
-              <a:ext uri="{FF2B5EF4-FFF2-40B4-BE49-F238E27FC236}">
-                <a16:creationId xmlns:a16="http://schemas.microsoft.com/office/drawing/2014/main" id="{99151467-3DAD-7973-62B6-D657F0824FB1}"/>
-              </a:ext>
-            </a:extLst>
-          </p:cNvPr>
-          <p:cNvSpPr>
-            <a:spLocks noGrp="1"/>
-          </p:cNvSpPr>
-          <p:nvPr>
-            <p:ph idx="1"/>
-          </p:nvPr>
-        </p:nvSpPr>
-        <p:spPr>
-          <a:xfrm>
-            <a:off x="838200" y="3651705"/>
-            <a:ext cx="10515600" cy="1442544"/>
-          </a:xfrm>
-        </p:spPr>
-        <p:txBody>
-          <a:bodyPr/>
-          <a:lstStyle/>
-          <a:p>
-            <a:pPr marL="0" indent="0">
-              <a:buNone/>
-            </a:pPr>
-            <a:r>
-              <a:rPr lang="es-ES" dirty="0"/>
-              <a:t>A veces perdemos el foco del problema para centrarnos en divagaciones…</a:t>
-            </a:r>
-          </a:p>
-          <a:p>
-            <a:pPr marL="0" indent="0">
-              <a:buNone/>
-            </a:pPr>
-            <a:endParaRPr lang="es-ES" dirty="0"/>
-          </a:p>
-          <a:p>
-            <a:pPr marL="0" indent="0">
-              <a:buNone/>
-            </a:pPr>
-            <a:r>
-              <a:rPr lang="es-ES" dirty="0"/>
-              <a:t>Artículo: </a:t>
-            </a:r>
-            <a:r>
-              <a:rPr lang="es-ES" dirty="0">
-                <a:hlinkClick r:id="rId2"/>
+        <p:spPr/>
+        <p:txBody>
+          <a:bodyPr/>
+          <a:lstStyle/>
+          <a:p>
+            <a:r>
+              <a:rPr lang="es-ES" b="1" dirty="0">
+                <a:solidFill>
+                  <a:srgbClr val="F1DA4E"/>
+                </a:solidFill>
+                <a:latin typeface="Arial" panose="020B0604020202020204" pitchFamily="34" charset="0"/>
+                <a:cs typeface="Arial" panose="020B0604020202020204" pitchFamily="34" charset="0"/>
               </a:rPr>
-              <a:t>https://leancrew.com/all-this/2011/12/more-shell-less-egg/</a:t>
-            </a:r>
-            <a:endParaRPr lang="es-ES" dirty="0"/>
+              <a:t>“</a:t>
+            </a:r>
+            <a:r>
+              <a:rPr lang="es-ES" dirty="0"/>
+              <a:t>Si una solución parece innecesariamente difícil seguramente es que lo sea</a:t>
+            </a:r>
+            <a:r>
+              <a:rPr lang="es-ES" b="1" dirty="0">
+                <a:solidFill>
+                  <a:srgbClr val="F1DA4E"/>
+                </a:solidFill>
+                <a:latin typeface="Arial" panose="020B0604020202020204" pitchFamily="34" charset="0"/>
+                <a:cs typeface="Arial" panose="020B0604020202020204" pitchFamily="34" charset="0"/>
+              </a:rPr>
+              <a:t>”</a:t>
+            </a:r>
           </a:p>
         </p:txBody>
       </p:sp>
@@ -24188,7 +24166,7 @@
           <p:cNvPr id="4" name="Marcador de fecha 3">
             <a:extLst>
               <a:ext uri="{FF2B5EF4-FFF2-40B4-BE49-F238E27FC236}">
-                <a16:creationId xmlns:a16="http://schemas.microsoft.com/office/drawing/2014/main" id="{A4F48DDE-5465-0C6C-BD2B-ADDAFD05BB9E}"/>
+                <a16:creationId xmlns:a16="http://schemas.microsoft.com/office/drawing/2014/main" id="{1286ED11-D226-101B-FAA8-BB931BBC3A9D}"/>
               </a:ext>
             </a:extLst>
           </p:cNvPr>
@@ -24217,7 +24195,7 @@
           <p:cNvPr id="5" name="Marcador de pie de página 4">
             <a:extLst>
               <a:ext uri="{FF2B5EF4-FFF2-40B4-BE49-F238E27FC236}">
-                <a16:creationId xmlns:a16="http://schemas.microsoft.com/office/drawing/2014/main" id="{B23FADE1-9E8C-1134-2C1C-F1CCC4CD239C}"/>
+                <a16:creationId xmlns:a16="http://schemas.microsoft.com/office/drawing/2014/main" id="{E8076787-24B6-8518-2974-EC2018CA1429}"/>
               </a:ext>
             </a:extLst>
           </p:cNvPr>
@@ -24246,7 +24224,7 @@
           <p:cNvPr id="6" name="Marcador de número de diapositiva 5">
             <a:extLst>
               <a:ext uri="{FF2B5EF4-FFF2-40B4-BE49-F238E27FC236}">
-                <a16:creationId xmlns:a16="http://schemas.microsoft.com/office/drawing/2014/main" id="{F0C2F070-CAA8-B335-31AF-ACA9A092AD23}"/>
+                <a16:creationId xmlns:a16="http://schemas.microsoft.com/office/drawing/2014/main" id="{0F2FDB88-B742-39C2-8676-6D04C40CCD33}"/>
               </a:ext>
             </a:extLst>
           </p:cNvPr>
@@ -24274,7 +24252,7 @@
     </p:spTree>
     <p:extLst>
       <p:ext uri="{BB962C8B-B14F-4D97-AF65-F5344CB8AC3E}">
-        <p14:creationId xmlns:p14="http://schemas.microsoft.com/office/powerpoint/2010/main" val="14704646"/>
+        <p14:creationId xmlns:p14="http://schemas.microsoft.com/office/powerpoint/2010/main" val="2926443171"/>
       </p:ext>
     </p:extLst>
   </p:cSld>
@@ -24303,10 +24281,10 @@
       </p:grpSpPr>
       <p:sp>
         <p:nvSpPr>
-          <p:cNvPr id="2" name="Título 1">
-            <a:extLst>
-              <a:ext uri="{FF2B5EF4-FFF2-40B4-BE49-F238E27FC236}">
-                <a16:creationId xmlns:a16="http://schemas.microsoft.com/office/drawing/2014/main" id="{D0F0CFF0-FC38-802F-09B7-7747435AB2CC}"/>
+          <p:cNvPr id="6" name="Título 5">
+            <a:extLst>
+              <a:ext uri="{FF2B5EF4-FFF2-40B4-BE49-F238E27FC236}">
+                <a16:creationId xmlns:a16="http://schemas.microsoft.com/office/drawing/2014/main" id="{C118E137-9EC2-71A4-B821-5A4EEB9042D7}"/>
               </a:ext>
             </a:extLst>
           </p:cNvPr>
@@ -24324,17 +24302,17 @@
           <a:p>
             <a:r>
               <a:rPr lang="es-ES" dirty="0"/>
-              <a:t>Bibliografía</a:t>
-            </a:r>
-          </a:p>
-        </p:txBody>
-      </p:sp>
-      <p:sp>
-        <p:nvSpPr>
-          <p:cNvPr id="3" name="Marcador de texto 2">
-            <a:extLst>
-              <a:ext uri="{FF2B5EF4-FFF2-40B4-BE49-F238E27FC236}">
-                <a16:creationId xmlns:a16="http://schemas.microsoft.com/office/drawing/2014/main" id="{F59296CF-E710-5A45-49F0-BD25DA8A1C29}"/>
+              <a:t>SABER MÁS</a:t>
+            </a:r>
+          </a:p>
+        </p:txBody>
+      </p:sp>
+      <p:sp>
+        <p:nvSpPr>
+          <p:cNvPr id="7" name="Marcador de texto 6">
+            <a:extLst>
+              <a:ext uri="{FF2B5EF4-FFF2-40B4-BE49-F238E27FC236}">
+                <a16:creationId xmlns:a16="http://schemas.microsoft.com/office/drawing/2014/main" id="{E041AA7A-76D3-9F45-1EFC-5C1E56AD3AC8}"/>
               </a:ext>
             </a:extLst>
           </p:cNvPr>
@@ -24350,16 +24328,19 @@
           <a:bodyPr/>
           <a:lstStyle/>
           <a:p>
-            <a:endParaRPr lang="es-ES"/>
-          </a:p>
-        </p:txBody>
-      </p:sp>
-      <p:sp>
-        <p:nvSpPr>
-          <p:cNvPr id="4" name="Marcador de fecha 3">
-            <a:extLst>
-              <a:ext uri="{FF2B5EF4-FFF2-40B4-BE49-F238E27FC236}">
-                <a16:creationId xmlns:a16="http://schemas.microsoft.com/office/drawing/2014/main" id="{8B786278-7951-57E0-DF78-765B84DB1FF3}"/>
+            <a:r>
+              <a:rPr lang="es-ES" dirty="0"/>
+              <a:t>Anécdota del software</a:t>
+            </a:r>
+          </a:p>
+        </p:txBody>
+      </p:sp>
+      <p:sp>
+        <p:nvSpPr>
+          <p:cNvPr id="3" name="Marcador de fecha 2">
+            <a:extLst>
+              <a:ext uri="{FF2B5EF4-FFF2-40B4-BE49-F238E27FC236}">
+                <a16:creationId xmlns:a16="http://schemas.microsoft.com/office/drawing/2014/main" id="{E331E337-B720-6C19-4E6C-39A37C380821}"/>
               </a:ext>
             </a:extLst>
           </p:cNvPr>
@@ -24385,10 +24366,10 @@
       </p:sp>
       <p:sp>
         <p:nvSpPr>
-          <p:cNvPr id="5" name="Marcador de pie de página 4">
-            <a:extLst>
-              <a:ext uri="{FF2B5EF4-FFF2-40B4-BE49-F238E27FC236}">
-                <a16:creationId xmlns:a16="http://schemas.microsoft.com/office/drawing/2014/main" id="{00E5E449-7284-B021-2969-F3CAD4C2C822}"/>
+          <p:cNvPr id="4" name="Marcador de pie de página 3">
+            <a:extLst>
+              <a:ext uri="{FF2B5EF4-FFF2-40B4-BE49-F238E27FC236}">
+                <a16:creationId xmlns:a16="http://schemas.microsoft.com/office/drawing/2014/main" id="{9CCBF37F-2A93-5D85-1E51-5696CCB3CE56}"/>
               </a:ext>
             </a:extLst>
           </p:cNvPr>
@@ -24414,10 +24395,10 @@
       </p:sp>
       <p:sp>
         <p:nvSpPr>
-          <p:cNvPr id="6" name="Marcador de número de diapositiva 5">
-            <a:extLst>
-              <a:ext uri="{FF2B5EF4-FFF2-40B4-BE49-F238E27FC236}">
-                <a16:creationId xmlns:a16="http://schemas.microsoft.com/office/drawing/2014/main" id="{F9A3D3D0-A80E-3278-3B8F-ADCCFC0A5E3A}"/>
+          <p:cNvPr id="5" name="Marcador de número de diapositiva 4">
+            <a:extLst>
+              <a:ext uri="{FF2B5EF4-FFF2-40B4-BE49-F238E27FC236}">
+                <a16:creationId xmlns:a16="http://schemas.microsoft.com/office/drawing/2014/main" id="{35B561E1-6932-E1DC-14FF-6527886D8BA2}"/>
               </a:ext>
             </a:extLst>
           </p:cNvPr>
@@ -24445,7 +24426,7 @@
     </p:spTree>
     <p:extLst>
       <p:ext uri="{BB962C8B-B14F-4D97-AF65-F5344CB8AC3E}">
-        <p14:creationId xmlns:p14="http://schemas.microsoft.com/office/powerpoint/2010/main" val="3759809549"/>
+        <p14:creationId xmlns:p14="http://schemas.microsoft.com/office/powerpoint/2010/main" val="1956860634"/>
       </p:ext>
     </p:extLst>
   </p:cSld>
@@ -24477,7 +24458,7 @@
           <p:cNvPr id="2" name="Título 1">
             <a:extLst>
               <a:ext uri="{FF2B5EF4-FFF2-40B4-BE49-F238E27FC236}">
-                <a16:creationId xmlns:a16="http://schemas.microsoft.com/office/drawing/2014/main" id="{6BE97F9D-4705-7DE7-7CDF-7798BB67FCC7}"/>
+                <a16:creationId xmlns:a16="http://schemas.microsoft.com/office/drawing/2014/main" id="{6810F81E-214E-18F7-6C63-D611E56D11D3}"/>
               </a:ext>
             </a:extLst>
           </p:cNvPr>
@@ -24488,11 +24469,40 @@
             <p:ph type="title"/>
           </p:nvPr>
         </p:nvSpPr>
-        <p:spPr/>
-        <p:txBody>
-          <a:bodyPr/>
-          <a:lstStyle/>
-          <a:p>
+        <p:spPr>
+          <a:xfrm>
+            <a:off x="838200" y="2075954"/>
+            <a:ext cx="10515600" cy="1325563"/>
+          </a:xfrm>
+        </p:spPr>
+        <p:txBody>
+          <a:bodyPr/>
+          <a:lstStyle/>
+          <a:p>
+            <a:r>
+              <a:rPr lang="es-ES" dirty="0"/>
+              <a:t>More </a:t>
+            </a:r>
+            <a:r>
+              <a:rPr lang="es-ES" dirty="0" err="1"/>
+              <a:t>shell</a:t>
+            </a:r>
+            <a:r>
+              <a:rPr lang="es-ES" dirty="0"/>
+              <a:t>, </a:t>
+            </a:r>
+            <a:r>
+              <a:rPr lang="es-ES" dirty="0" err="1"/>
+              <a:t>less</a:t>
+            </a:r>
+            <a:r>
+              <a:rPr lang="es-ES" dirty="0"/>
+              <a:t> </a:t>
+            </a:r>
+            <a:r>
+              <a:rPr lang="es-ES" dirty="0" err="1"/>
+              <a:t>eggs</a:t>
+            </a:r>
             <a:endParaRPr lang="es-ES" dirty="0"/>
           </a:p>
         </p:txBody>
@@ -24502,7 +24512,7 @@
           <p:cNvPr id="3" name="Marcador de contenido 2">
             <a:extLst>
               <a:ext uri="{FF2B5EF4-FFF2-40B4-BE49-F238E27FC236}">
-                <a16:creationId xmlns:a16="http://schemas.microsoft.com/office/drawing/2014/main" id="{E3E385AA-9547-7469-2C09-A10245608B42}"/>
+                <a16:creationId xmlns:a16="http://schemas.microsoft.com/office/drawing/2014/main" id="{99151467-3DAD-7973-62B6-D657F0824FB1}"/>
               </a:ext>
             </a:extLst>
           </p:cNvPr>
@@ -24513,12 +24523,45 @@
             <p:ph idx="1"/>
           </p:nvPr>
         </p:nvSpPr>
-        <p:spPr/>
-        <p:txBody>
-          <a:bodyPr/>
-          <a:lstStyle/>
-          <a:p>
-            <a:endParaRPr lang="es-ES"/>
+        <p:spPr>
+          <a:xfrm>
+            <a:off x="838200" y="3651705"/>
+            <a:ext cx="10515600" cy="1442544"/>
+          </a:xfrm>
+        </p:spPr>
+        <p:txBody>
+          <a:bodyPr/>
+          <a:lstStyle/>
+          <a:p>
+            <a:pPr marL="0" indent="0">
+              <a:buNone/>
+            </a:pPr>
+            <a:r>
+              <a:rPr lang="es-ES" dirty="0"/>
+              <a:t>A veces perdemos el foco del problema para centrarnos en divagaciones…</a:t>
+            </a:r>
+          </a:p>
+          <a:p>
+            <a:pPr marL="0" indent="0">
+              <a:buNone/>
+            </a:pPr>
+            <a:endParaRPr lang="es-ES" dirty="0"/>
+          </a:p>
+          <a:p>
+            <a:pPr marL="0" indent="0">
+              <a:buNone/>
+            </a:pPr>
+            <a:r>
+              <a:rPr lang="es-ES" dirty="0"/>
+              <a:t>Artículo: </a:t>
+            </a:r>
+            <a:r>
+              <a:rPr lang="es-ES" dirty="0">
+                <a:hlinkClick r:id="rId2"/>
+              </a:rPr>
+              <a:t>https://leancrew.com/all-this/2011/12/more-shell-less-egg/</a:t>
+            </a:r>
+            <a:endParaRPr lang="es-ES" dirty="0"/>
           </a:p>
         </p:txBody>
       </p:sp>
@@ -24527,7 +24570,7 @@
           <p:cNvPr id="4" name="Marcador de fecha 3">
             <a:extLst>
               <a:ext uri="{FF2B5EF4-FFF2-40B4-BE49-F238E27FC236}">
-                <a16:creationId xmlns:a16="http://schemas.microsoft.com/office/drawing/2014/main" id="{1FAACD04-D01C-91D4-4B9D-458842DA2FE6}"/>
+                <a16:creationId xmlns:a16="http://schemas.microsoft.com/office/drawing/2014/main" id="{A4F48DDE-5465-0C6C-BD2B-ADDAFD05BB9E}"/>
               </a:ext>
             </a:extLst>
           </p:cNvPr>
@@ -24556,7 +24599,7 @@
           <p:cNvPr id="5" name="Marcador de pie de página 4">
             <a:extLst>
               <a:ext uri="{FF2B5EF4-FFF2-40B4-BE49-F238E27FC236}">
-                <a16:creationId xmlns:a16="http://schemas.microsoft.com/office/drawing/2014/main" id="{6D28BC3B-1B2C-117E-6911-B6B2BD1A8F43}"/>
+                <a16:creationId xmlns:a16="http://schemas.microsoft.com/office/drawing/2014/main" id="{B23FADE1-9E8C-1134-2C1C-F1CCC4CD239C}"/>
               </a:ext>
             </a:extLst>
           </p:cNvPr>
@@ -24585,7 +24628,7 @@
           <p:cNvPr id="6" name="Marcador de número de diapositiva 5">
             <a:extLst>
               <a:ext uri="{FF2B5EF4-FFF2-40B4-BE49-F238E27FC236}">
-                <a16:creationId xmlns:a16="http://schemas.microsoft.com/office/drawing/2014/main" id="{8C9D1520-DC29-A0D5-D441-9154BF182D1F}"/>
+                <a16:creationId xmlns:a16="http://schemas.microsoft.com/office/drawing/2014/main" id="{F0C2F070-CAA8-B335-31AF-ACA9A092AD23}"/>
               </a:ext>
             </a:extLst>
           </p:cNvPr>
@@ -24605,6 +24648,345 @@
               <a:rPr lang="en-US" smtClean="0"/>
               <a:pPr/>
               <a:t>172</a:t>
+            </a:fld>
+            <a:endParaRPr lang="en-US"/>
+          </a:p>
+        </p:txBody>
+      </p:sp>
+    </p:spTree>
+    <p:extLst>
+      <p:ext uri="{BB962C8B-B14F-4D97-AF65-F5344CB8AC3E}">
+        <p14:creationId xmlns:p14="http://schemas.microsoft.com/office/powerpoint/2010/main" val="14704646"/>
+      </p:ext>
+    </p:extLst>
+  </p:cSld>
+  <p:clrMapOvr>
+    <a:masterClrMapping/>
+  </p:clrMapOvr>
+</p:sld>
+</file>
+
+<file path=ppt/slides/slide173.xml><?xml version="1.0" encoding="utf-8"?>
+<p:sld xmlns:a="http://schemas.openxmlformats.org/drawingml/2006/main" xmlns:r="http://schemas.openxmlformats.org/officeDocument/2006/relationships" xmlns:p="http://schemas.openxmlformats.org/presentationml/2006/main">
+  <p:cSld>
+    <p:spTree>
+      <p:nvGrpSpPr>
+        <p:cNvPr id="1" name=""/>
+        <p:cNvGrpSpPr/>
+        <p:nvPr/>
+      </p:nvGrpSpPr>
+      <p:grpSpPr>
+        <a:xfrm>
+          <a:off x="0" y="0"/>
+          <a:ext cx="0" cy="0"/>
+          <a:chOff x="0" y="0"/>
+          <a:chExt cx="0" cy="0"/>
+        </a:xfrm>
+      </p:grpSpPr>
+      <p:sp>
+        <p:nvSpPr>
+          <p:cNvPr id="2" name="Título 1">
+            <a:extLst>
+              <a:ext uri="{FF2B5EF4-FFF2-40B4-BE49-F238E27FC236}">
+                <a16:creationId xmlns:a16="http://schemas.microsoft.com/office/drawing/2014/main" id="{D0F0CFF0-FC38-802F-09B7-7747435AB2CC}"/>
+              </a:ext>
+            </a:extLst>
+          </p:cNvPr>
+          <p:cNvSpPr>
+            <a:spLocks noGrp="1"/>
+          </p:cNvSpPr>
+          <p:nvPr>
+            <p:ph type="title"/>
+          </p:nvPr>
+        </p:nvSpPr>
+        <p:spPr/>
+        <p:txBody>
+          <a:bodyPr/>
+          <a:lstStyle/>
+          <a:p>
+            <a:r>
+              <a:rPr lang="es-ES" dirty="0"/>
+              <a:t>Bibliografía</a:t>
+            </a:r>
+          </a:p>
+        </p:txBody>
+      </p:sp>
+      <p:sp>
+        <p:nvSpPr>
+          <p:cNvPr id="3" name="Marcador de texto 2">
+            <a:extLst>
+              <a:ext uri="{FF2B5EF4-FFF2-40B4-BE49-F238E27FC236}">
+                <a16:creationId xmlns:a16="http://schemas.microsoft.com/office/drawing/2014/main" id="{F59296CF-E710-5A45-49F0-BD25DA8A1C29}"/>
+              </a:ext>
+            </a:extLst>
+          </p:cNvPr>
+          <p:cNvSpPr>
+            <a:spLocks noGrp="1"/>
+          </p:cNvSpPr>
+          <p:nvPr>
+            <p:ph type="body" idx="1"/>
+          </p:nvPr>
+        </p:nvSpPr>
+        <p:spPr/>
+        <p:txBody>
+          <a:bodyPr/>
+          <a:lstStyle/>
+          <a:p>
+            <a:endParaRPr lang="es-ES"/>
+          </a:p>
+        </p:txBody>
+      </p:sp>
+      <p:sp>
+        <p:nvSpPr>
+          <p:cNvPr id="4" name="Marcador de fecha 3">
+            <a:extLst>
+              <a:ext uri="{FF2B5EF4-FFF2-40B4-BE49-F238E27FC236}">
+                <a16:creationId xmlns:a16="http://schemas.microsoft.com/office/drawing/2014/main" id="{8B786278-7951-57E0-DF78-765B84DB1FF3}"/>
+              </a:ext>
+            </a:extLst>
+          </p:cNvPr>
+          <p:cNvSpPr>
+            <a:spLocks noGrp="1"/>
+          </p:cNvSpPr>
+          <p:nvPr>
+            <p:ph type="dt" sz="half" idx="10"/>
+          </p:nvPr>
+        </p:nvSpPr>
+        <p:spPr/>
+        <p:txBody>
+          <a:bodyPr/>
+          <a:lstStyle/>
+          <a:p>
+            <a:r>
+              <a:rPr lang="es-ES"/>
+              <a:t>05/12/2024</a:t>
+            </a:r>
+            <a:endParaRPr lang="en-US"/>
+          </a:p>
+        </p:txBody>
+      </p:sp>
+      <p:sp>
+        <p:nvSpPr>
+          <p:cNvPr id="5" name="Marcador de pie de página 4">
+            <a:extLst>
+              <a:ext uri="{FF2B5EF4-FFF2-40B4-BE49-F238E27FC236}">
+                <a16:creationId xmlns:a16="http://schemas.microsoft.com/office/drawing/2014/main" id="{00E5E449-7284-B021-2969-F3CAD4C2C822}"/>
+              </a:ext>
+            </a:extLst>
+          </p:cNvPr>
+          <p:cNvSpPr>
+            <a:spLocks noGrp="1"/>
+          </p:cNvSpPr>
+          <p:nvPr>
+            <p:ph type="ftr" sz="quarter" idx="11"/>
+          </p:nvPr>
+        </p:nvSpPr>
+        <p:spPr/>
+        <p:txBody>
+          <a:bodyPr/>
+          <a:lstStyle/>
+          <a:p>
+            <a:r>
+              <a:rPr lang="es-ES"/>
+              <a:t>Programación Funcional - Pepe Fabra Valverde</a:t>
+            </a:r>
+            <a:endParaRPr lang="en-US"/>
+          </a:p>
+        </p:txBody>
+      </p:sp>
+      <p:sp>
+        <p:nvSpPr>
+          <p:cNvPr id="6" name="Marcador de número de diapositiva 5">
+            <a:extLst>
+              <a:ext uri="{FF2B5EF4-FFF2-40B4-BE49-F238E27FC236}">
+                <a16:creationId xmlns:a16="http://schemas.microsoft.com/office/drawing/2014/main" id="{F9A3D3D0-A80E-3278-3B8F-ADCCFC0A5E3A}"/>
+              </a:ext>
+            </a:extLst>
+          </p:cNvPr>
+          <p:cNvSpPr>
+            <a:spLocks noGrp="1"/>
+          </p:cNvSpPr>
+          <p:nvPr>
+            <p:ph type="sldNum" sz="quarter" idx="12"/>
+          </p:nvPr>
+        </p:nvSpPr>
+        <p:spPr/>
+        <p:txBody>
+          <a:bodyPr/>
+          <a:lstStyle/>
+          <a:p>
+            <a:fld id="{D3060201-1C40-4B39-813D-5CD9493BAEED}" type="slidenum">
+              <a:rPr lang="en-US" smtClean="0"/>
+              <a:pPr/>
+              <a:t>173</a:t>
+            </a:fld>
+            <a:endParaRPr lang="en-US"/>
+          </a:p>
+        </p:txBody>
+      </p:sp>
+    </p:spTree>
+    <p:extLst>
+      <p:ext uri="{BB962C8B-B14F-4D97-AF65-F5344CB8AC3E}">
+        <p14:creationId xmlns:p14="http://schemas.microsoft.com/office/powerpoint/2010/main" val="3759809549"/>
+      </p:ext>
+    </p:extLst>
+  </p:cSld>
+  <p:clrMapOvr>
+    <a:masterClrMapping/>
+  </p:clrMapOvr>
+</p:sld>
+</file>
+
+<file path=ppt/slides/slide174.xml><?xml version="1.0" encoding="utf-8"?>
+<p:sld xmlns:a="http://schemas.openxmlformats.org/drawingml/2006/main" xmlns:r="http://schemas.openxmlformats.org/officeDocument/2006/relationships" xmlns:p="http://schemas.openxmlformats.org/presentationml/2006/main">
+  <p:cSld>
+    <p:spTree>
+      <p:nvGrpSpPr>
+        <p:cNvPr id="1" name=""/>
+        <p:cNvGrpSpPr/>
+        <p:nvPr/>
+      </p:nvGrpSpPr>
+      <p:grpSpPr>
+        <a:xfrm>
+          <a:off x="0" y="0"/>
+          <a:ext cx="0" cy="0"/>
+          <a:chOff x="0" y="0"/>
+          <a:chExt cx="0" cy="0"/>
+        </a:xfrm>
+      </p:grpSpPr>
+      <p:sp>
+        <p:nvSpPr>
+          <p:cNvPr id="2" name="Título 1">
+            <a:extLst>
+              <a:ext uri="{FF2B5EF4-FFF2-40B4-BE49-F238E27FC236}">
+                <a16:creationId xmlns:a16="http://schemas.microsoft.com/office/drawing/2014/main" id="{6BE97F9D-4705-7DE7-7CDF-7798BB67FCC7}"/>
+              </a:ext>
+            </a:extLst>
+          </p:cNvPr>
+          <p:cNvSpPr>
+            <a:spLocks noGrp="1"/>
+          </p:cNvSpPr>
+          <p:nvPr>
+            <p:ph type="title"/>
+          </p:nvPr>
+        </p:nvSpPr>
+        <p:spPr/>
+        <p:txBody>
+          <a:bodyPr/>
+          <a:lstStyle/>
+          <a:p>
+            <a:endParaRPr lang="es-ES" dirty="0"/>
+          </a:p>
+        </p:txBody>
+      </p:sp>
+      <p:sp>
+        <p:nvSpPr>
+          <p:cNvPr id="3" name="Marcador de contenido 2">
+            <a:extLst>
+              <a:ext uri="{FF2B5EF4-FFF2-40B4-BE49-F238E27FC236}">
+                <a16:creationId xmlns:a16="http://schemas.microsoft.com/office/drawing/2014/main" id="{E3E385AA-9547-7469-2C09-A10245608B42}"/>
+              </a:ext>
+            </a:extLst>
+          </p:cNvPr>
+          <p:cNvSpPr>
+            <a:spLocks noGrp="1"/>
+          </p:cNvSpPr>
+          <p:nvPr>
+            <p:ph idx="1"/>
+          </p:nvPr>
+        </p:nvSpPr>
+        <p:spPr/>
+        <p:txBody>
+          <a:bodyPr/>
+          <a:lstStyle/>
+          <a:p>
+            <a:endParaRPr lang="es-ES"/>
+          </a:p>
+        </p:txBody>
+      </p:sp>
+      <p:sp>
+        <p:nvSpPr>
+          <p:cNvPr id="4" name="Marcador de fecha 3">
+            <a:extLst>
+              <a:ext uri="{FF2B5EF4-FFF2-40B4-BE49-F238E27FC236}">
+                <a16:creationId xmlns:a16="http://schemas.microsoft.com/office/drawing/2014/main" id="{1FAACD04-D01C-91D4-4B9D-458842DA2FE6}"/>
+              </a:ext>
+            </a:extLst>
+          </p:cNvPr>
+          <p:cNvSpPr>
+            <a:spLocks noGrp="1"/>
+          </p:cNvSpPr>
+          <p:nvPr>
+            <p:ph type="dt" sz="half" idx="10"/>
+          </p:nvPr>
+        </p:nvSpPr>
+        <p:spPr/>
+        <p:txBody>
+          <a:bodyPr/>
+          <a:lstStyle/>
+          <a:p>
+            <a:r>
+              <a:rPr lang="es-ES"/>
+              <a:t>05/12/2024</a:t>
+            </a:r>
+            <a:endParaRPr lang="en-US"/>
+          </a:p>
+        </p:txBody>
+      </p:sp>
+      <p:sp>
+        <p:nvSpPr>
+          <p:cNvPr id="5" name="Marcador de pie de página 4">
+            <a:extLst>
+              <a:ext uri="{FF2B5EF4-FFF2-40B4-BE49-F238E27FC236}">
+                <a16:creationId xmlns:a16="http://schemas.microsoft.com/office/drawing/2014/main" id="{6D28BC3B-1B2C-117E-6911-B6B2BD1A8F43}"/>
+              </a:ext>
+            </a:extLst>
+          </p:cNvPr>
+          <p:cNvSpPr>
+            <a:spLocks noGrp="1"/>
+          </p:cNvSpPr>
+          <p:nvPr>
+            <p:ph type="ftr" sz="quarter" idx="11"/>
+          </p:nvPr>
+        </p:nvSpPr>
+        <p:spPr/>
+        <p:txBody>
+          <a:bodyPr/>
+          <a:lstStyle/>
+          <a:p>
+            <a:r>
+              <a:rPr lang="es-ES"/>
+              <a:t>Programación Funcional - Pepe Fabra Valverde</a:t>
+            </a:r>
+            <a:endParaRPr lang="en-US"/>
+          </a:p>
+        </p:txBody>
+      </p:sp>
+      <p:sp>
+        <p:nvSpPr>
+          <p:cNvPr id="6" name="Marcador de número de diapositiva 5">
+            <a:extLst>
+              <a:ext uri="{FF2B5EF4-FFF2-40B4-BE49-F238E27FC236}">
+                <a16:creationId xmlns:a16="http://schemas.microsoft.com/office/drawing/2014/main" id="{8C9D1520-DC29-A0D5-D441-9154BF182D1F}"/>
+              </a:ext>
+            </a:extLst>
+          </p:cNvPr>
+          <p:cNvSpPr>
+            <a:spLocks noGrp="1"/>
+          </p:cNvSpPr>
+          <p:nvPr>
+            <p:ph type="sldNum" sz="quarter" idx="12"/>
+          </p:nvPr>
+        </p:nvSpPr>
+        <p:spPr/>
+        <p:txBody>
+          <a:bodyPr/>
+          <a:lstStyle/>
+          <a:p>
+            <a:fld id="{D3060201-1C40-4B39-813D-5CD9493BAEED}" type="slidenum">
+              <a:rPr lang="en-US" smtClean="0"/>
+              <a:pPr/>
+              <a:t>174</a:t>
             </a:fld>
             <a:endParaRPr lang="en-US"/>
           </a:p>
@@ -24670,7 +25052,7 @@
 </p:sld>
 </file>
 
-<file path=ppt/slides/slide173.xml><?xml version="1.0" encoding="utf-8"?>
+<file path=ppt/slides/slide175.xml><?xml version="1.0" encoding="utf-8"?>
 <p:sld xmlns:a="http://schemas.openxmlformats.org/drawingml/2006/main" xmlns:r="http://schemas.openxmlformats.org/officeDocument/2006/relationships" xmlns:p="http://schemas.openxmlformats.org/presentationml/2006/main">
   <p:cSld>
     <p:spTree>
@@ -24825,7 +25207,7 @@
             <a:fld id="{D3060201-1C40-4B39-813D-5CD9493BAEED}" type="slidenum">
               <a:rPr lang="en-US" smtClean="0"/>
               <a:pPr/>
-              <a:t>173</a:t>
+              <a:t>175</a:t>
             </a:fld>
             <a:endParaRPr lang="en-US"/>
           </a:p>
@@ -24844,7 +25226,7 @@
 </p:sld>
 </file>
 
-<file path=ppt/slides/slide174.xml><?xml version="1.0" encoding="utf-8"?>
+<file path=ppt/slides/slide176.xml><?xml version="1.0" encoding="utf-8"?>
 <p:sld xmlns:a="http://schemas.openxmlformats.org/drawingml/2006/main" xmlns:r="http://schemas.openxmlformats.org/officeDocument/2006/relationships" xmlns:p="http://schemas.openxmlformats.org/presentationml/2006/main">
   <p:cSld>
     <p:spTree>
@@ -24921,25 +25303,7 @@
               <a:rPr lang="es-ES" sz="1400" b="1" i="0" dirty="0">
                 <a:hlinkClick r:id="rId2"/>
               </a:rPr>
-              <a:t>https://</a:t>
-            </a:r>
-            <a:r>
-              <a:rPr lang="es-ES" sz="1400" b="1" i="0" dirty="0">
-                <a:hlinkClick r:id="rId2"/>
-              </a:rPr>
-              <a:t>github.com/jofaval/talks-about/</a:t>
-            </a:r>
-            <a:r>
-              <a:rPr lang="es-ES" sz="1400" b="1" i="0" dirty="0">
-                <a:hlinkClick r:id="rId2"/>
-              </a:rPr>
-              <a:t>tree/master</a:t>
-            </a:r>
-            <a:r>
-              <a:rPr lang="es-ES" sz="1400" b="1" i="0" dirty="0">
-                <a:hlinkClick r:id="rId2"/>
-              </a:rPr>
-              <a:t>/tech-talks/valencia-js/programacion-funcional</a:t>
+              <a:t>https://github.com/jofaval/talks-about/tree/master/tech-talks/valencia-js/programacion-funcional</a:t>
             </a:r>
             <a:endParaRPr lang="es-ES" sz="1400" b="1" i="0" dirty="0"/>
           </a:p>
@@ -25042,7 +25406,7 @@
             <a:fld id="{D3060201-1C40-4B39-813D-5CD9493BAEED}" type="slidenum">
               <a:rPr lang="en-US" smtClean="0"/>
               <a:pPr/>
-              <a:t>174</a:t>
+              <a:t>176</a:t>
             </a:fld>
             <a:endParaRPr lang="en-US"/>
           </a:p>
@@ -25097,7 +25461,7 @@
 </p:sld>
 </file>
 
-<file path=ppt/slides/slide175.xml><?xml version="1.0" encoding="utf-8"?>
+<file path=ppt/slides/slide177.xml><?xml version="1.0" encoding="utf-8"?>
 <p:sld xmlns:a="http://schemas.openxmlformats.org/drawingml/2006/main" xmlns:r="http://schemas.openxmlformats.org/officeDocument/2006/relationships" xmlns:p="http://schemas.openxmlformats.org/presentationml/2006/main">
   <p:cSld>
     <p:spTree>
@@ -25316,7 +25680,7 @@
             <a:fld id="{D3060201-1C40-4B39-813D-5CD9493BAEED}" type="slidenum">
               <a:rPr lang="en-US" smtClean="0"/>
               <a:pPr/>
-              <a:t>175</a:t>
+              <a:t>177</a:t>
             </a:fld>
             <a:endParaRPr lang="en-US"/>
           </a:p>
@@ -25335,7 +25699,7 @@
 </p:sld>
 </file>
 
-<file path=ppt/slides/slide176.xml><?xml version="1.0" encoding="utf-8"?>
+<file path=ppt/slides/slide178.xml><?xml version="1.0" encoding="utf-8"?>
 <p:sld xmlns:a="http://schemas.openxmlformats.org/drawingml/2006/main" xmlns:r="http://schemas.openxmlformats.org/officeDocument/2006/relationships" xmlns:p="http://schemas.openxmlformats.org/presentationml/2006/main">
   <p:cSld>
     <p:spTree>
@@ -25496,7 +25860,7 @@
 </p:sld>
 </file>
 
-<file path=ppt/slides/slide177.xml><?xml version="1.0" encoding="utf-8"?>
+<file path=ppt/slides/slide179.xml><?xml version="1.0" encoding="utf-8"?>
 <p:sld xmlns:a="http://schemas.openxmlformats.org/drawingml/2006/main" xmlns:r="http://schemas.openxmlformats.org/officeDocument/2006/relationships" xmlns:p="http://schemas.openxmlformats.org/presentationml/2006/main">
   <p:cSld>
     <p:spTree>
@@ -25626,7 +25990,7 @@
             <a:fld id="{D3060201-1C40-4B39-813D-5CD9493BAEED}" type="slidenum">
               <a:rPr lang="en-US" smtClean="0"/>
               <a:pPr/>
-              <a:t>177</a:t>
+              <a:t>179</a:t>
             </a:fld>
             <a:endParaRPr lang="en-US"/>
           </a:p>
@@ -25636,155 +26000,6 @@
     <p:extLst>
       <p:ext uri="{BB962C8B-B14F-4D97-AF65-F5344CB8AC3E}">
         <p14:creationId xmlns:p14="http://schemas.microsoft.com/office/powerpoint/2010/main" val="1219438065"/>
-      </p:ext>
-    </p:extLst>
-  </p:cSld>
-  <p:clrMapOvr>
-    <a:masterClrMapping/>
-  </p:clrMapOvr>
-</p:sld>
-</file>
-
-<file path=ppt/slides/slide178.xml><?xml version="1.0" encoding="utf-8"?>
-<p:sld xmlns:a="http://schemas.openxmlformats.org/drawingml/2006/main" xmlns:r="http://schemas.openxmlformats.org/officeDocument/2006/relationships" xmlns:p="http://schemas.openxmlformats.org/presentationml/2006/main">
-  <p:cSld>
-    <p:spTree>
-      <p:nvGrpSpPr>
-        <p:cNvPr id="1" name=""/>
-        <p:cNvGrpSpPr/>
-        <p:nvPr/>
-      </p:nvGrpSpPr>
-      <p:grpSpPr>
-        <a:xfrm>
-          <a:off x="0" y="0"/>
-          <a:ext cx="0" cy="0"/>
-          <a:chOff x="0" y="0"/>
-          <a:chExt cx="0" cy="0"/>
-        </a:xfrm>
-      </p:grpSpPr>
-      <p:sp>
-        <p:nvSpPr>
-          <p:cNvPr id="2" name="Título 1">
-            <a:extLst>
-              <a:ext uri="{FF2B5EF4-FFF2-40B4-BE49-F238E27FC236}">
-                <a16:creationId xmlns:a16="http://schemas.microsoft.com/office/drawing/2014/main" id="{C1465F82-28A4-429C-28CD-9CBC0378BB42}"/>
-              </a:ext>
-            </a:extLst>
-          </p:cNvPr>
-          <p:cNvSpPr>
-            <a:spLocks noGrp="1"/>
-          </p:cNvSpPr>
-          <p:nvPr>
-            <p:ph type="title"/>
-          </p:nvPr>
-        </p:nvSpPr>
-        <p:spPr/>
-        <p:txBody>
-          <a:bodyPr>
-            <a:normAutofit/>
-          </a:bodyPr>
-          <a:lstStyle/>
-          <a:p>
-            <a:pPr algn="ctr"/>
-            <a:r>
-              <a:rPr lang="es-ES" sz="6000" dirty="0"/>
-              <a:t>Preguntas</a:t>
-            </a:r>
-          </a:p>
-        </p:txBody>
-      </p:sp>
-      <p:sp>
-        <p:nvSpPr>
-          <p:cNvPr id="10" name="Marcador de fecha 3">
-            <a:extLst>
-              <a:ext uri="{FF2B5EF4-FFF2-40B4-BE49-F238E27FC236}">
-                <a16:creationId xmlns:a16="http://schemas.microsoft.com/office/drawing/2014/main" id="{3F391E5C-6FF5-1D21-DBC7-7E8A88F82771}"/>
-              </a:ext>
-            </a:extLst>
-          </p:cNvPr>
-          <p:cNvSpPr>
-            <a:spLocks noGrp="1"/>
-          </p:cNvSpPr>
-          <p:nvPr>
-            <p:ph type="dt" sz="half" idx="10"/>
-          </p:nvPr>
-        </p:nvSpPr>
-        <p:spPr/>
-        <p:txBody>
-          <a:bodyPr/>
-          <a:lstStyle/>
-          <a:p>
-            <a:r>
-              <a:rPr lang="es-ES"/>
-              <a:t>05/12/2024</a:t>
-            </a:r>
-            <a:endParaRPr lang="en-US"/>
-          </a:p>
-        </p:txBody>
-      </p:sp>
-      <p:sp>
-        <p:nvSpPr>
-          <p:cNvPr id="11" name="Marcador de pie de página 4">
-            <a:extLst>
-              <a:ext uri="{FF2B5EF4-FFF2-40B4-BE49-F238E27FC236}">
-                <a16:creationId xmlns:a16="http://schemas.microsoft.com/office/drawing/2014/main" id="{9F8C4E05-82DD-265E-8DB9-F4A08386CE09}"/>
-              </a:ext>
-            </a:extLst>
-          </p:cNvPr>
-          <p:cNvSpPr>
-            <a:spLocks noGrp="1"/>
-          </p:cNvSpPr>
-          <p:nvPr>
-            <p:ph type="ftr" sz="quarter" idx="11"/>
-          </p:nvPr>
-        </p:nvSpPr>
-        <p:spPr/>
-        <p:txBody>
-          <a:bodyPr/>
-          <a:lstStyle/>
-          <a:p>
-            <a:r>
-              <a:rPr lang="es-ES"/>
-              <a:t>Programación Funcional - Pepe Fabra Valverde</a:t>
-            </a:r>
-            <a:endParaRPr lang="en-US"/>
-          </a:p>
-        </p:txBody>
-      </p:sp>
-      <p:sp>
-        <p:nvSpPr>
-          <p:cNvPr id="12" name="Marcador de número de diapositiva 5">
-            <a:extLst>
-              <a:ext uri="{FF2B5EF4-FFF2-40B4-BE49-F238E27FC236}">
-                <a16:creationId xmlns:a16="http://schemas.microsoft.com/office/drawing/2014/main" id="{CAB744F0-EC21-21C2-3DEE-69002518C6E7}"/>
-              </a:ext>
-            </a:extLst>
-          </p:cNvPr>
-          <p:cNvSpPr>
-            <a:spLocks noGrp="1"/>
-          </p:cNvSpPr>
-          <p:nvPr>
-            <p:ph type="sldNum" sz="quarter" idx="12"/>
-          </p:nvPr>
-        </p:nvSpPr>
-        <p:spPr/>
-        <p:txBody>
-          <a:bodyPr/>
-          <a:lstStyle/>
-          <a:p>
-            <a:fld id="{D3060201-1C40-4B39-813D-5CD9493BAEED}" type="slidenum">
-              <a:rPr lang="en-US" smtClean="0"/>
-              <a:pPr/>
-              <a:t>178</a:t>
-            </a:fld>
-            <a:endParaRPr lang="en-US"/>
-          </a:p>
-        </p:txBody>
-      </p:sp>
-    </p:spTree>
-    <p:extLst>
-      <p:ext uri="{BB962C8B-B14F-4D97-AF65-F5344CB8AC3E}">
-        <p14:creationId xmlns:p14="http://schemas.microsoft.com/office/powerpoint/2010/main" val="1351941224"/>
       </p:ext>
     </p:extLst>
   </p:cSld>
@@ -25993,6 +26208,155 @@
     <p:extLst>
       <p:ext uri="{BB962C8B-B14F-4D97-AF65-F5344CB8AC3E}">
         <p14:creationId xmlns:p14="http://schemas.microsoft.com/office/powerpoint/2010/main" val="3461523755"/>
+      </p:ext>
+    </p:extLst>
+  </p:cSld>
+  <p:clrMapOvr>
+    <a:masterClrMapping/>
+  </p:clrMapOvr>
+</p:sld>
+</file>
+
+<file path=ppt/slides/slide180.xml><?xml version="1.0" encoding="utf-8"?>
+<p:sld xmlns:a="http://schemas.openxmlformats.org/drawingml/2006/main" xmlns:r="http://schemas.openxmlformats.org/officeDocument/2006/relationships" xmlns:p="http://schemas.openxmlformats.org/presentationml/2006/main">
+  <p:cSld>
+    <p:spTree>
+      <p:nvGrpSpPr>
+        <p:cNvPr id="1" name=""/>
+        <p:cNvGrpSpPr/>
+        <p:nvPr/>
+      </p:nvGrpSpPr>
+      <p:grpSpPr>
+        <a:xfrm>
+          <a:off x="0" y="0"/>
+          <a:ext cx="0" cy="0"/>
+          <a:chOff x="0" y="0"/>
+          <a:chExt cx="0" cy="0"/>
+        </a:xfrm>
+      </p:grpSpPr>
+      <p:sp>
+        <p:nvSpPr>
+          <p:cNvPr id="2" name="Título 1">
+            <a:extLst>
+              <a:ext uri="{FF2B5EF4-FFF2-40B4-BE49-F238E27FC236}">
+                <a16:creationId xmlns:a16="http://schemas.microsoft.com/office/drawing/2014/main" id="{C1465F82-28A4-429C-28CD-9CBC0378BB42}"/>
+              </a:ext>
+            </a:extLst>
+          </p:cNvPr>
+          <p:cNvSpPr>
+            <a:spLocks noGrp="1"/>
+          </p:cNvSpPr>
+          <p:nvPr>
+            <p:ph type="title"/>
+          </p:nvPr>
+        </p:nvSpPr>
+        <p:spPr/>
+        <p:txBody>
+          <a:bodyPr>
+            <a:normAutofit/>
+          </a:bodyPr>
+          <a:lstStyle/>
+          <a:p>
+            <a:pPr algn="ctr"/>
+            <a:r>
+              <a:rPr lang="es-ES" sz="6000" dirty="0"/>
+              <a:t>Preguntas</a:t>
+            </a:r>
+          </a:p>
+        </p:txBody>
+      </p:sp>
+      <p:sp>
+        <p:nvSpPr>
+          <p:cNvPr id="10" name="Marcador de fecha 3">
+            <a:extLst>
+              <a:ext uri="{FF2B5EF4-FFF2-40B4-BE49-F238E27FC236}">
+                <a16:creationId xmlns:a16="http://schemas.microsoft.com/office/drawing/2014/main" id="{3F391E5C-6FF5-1D21-DBC7-7E8A88F82771}"/>
+              </a:ext>
+            </a:extLst>
+          </p:cNvPr>
+          <p:cNvSpPr>
+            <a:spLocks noGrp="1"/>
+          </p:cNvSpPr>
+          <p:nvPr>
+            <p:ph type="dt" sz="half" idx="10"/>
+          </p:nvPr>
+        </p:nvSpPr>
+        <p:spPr/>
+        <p:txBody>
+          <a:bodyPr/>
+          <a:lstStyle/>
+          <a:p>
+            <a:r>
+              <a:rPr lang="es-ES"/>
+              <a:t>05/12/2024</a:t>
+            </a:r>
+            <a:endParaRPr lang="en-US"/>
+          </a:p>
+        </p:txBody>
+      </p:sp>
+      <p:sp>
+        <p:nvSpPr>
+          <p:cNvPr id="11" name="Marcador de pie de página 4">
+            <a:extLst>
+              <a:ext uri="{FF2B5EF4-FFF2-40B4-BE49-F238E27FC236}">
+                <a16:creationId xmlns:a16="http://schemas.microsoft.com/office/drawing/2014/main" id="{9F8C4E05-82DD-265E-8DB9-F4A08386CE09}"/>
+              </a:ext>
+            </a:extLst>
+          </p:cNvPr>
+          <p:cNvSpPr>
+            <a:spLocks noGrp="1"/>
+          </p:cNvSpPr>
+          <p:nvPr>
+            <p:ph type="ftr" sz="quarter" idx="11"/>
+          </p:nvPr>
+        </p:nvSpPr>
+        <p:spPr/>
+        <p:txBody>
+          <a:bodyPr/>
+          <a:lstStyle/>
+          <a:p>
+            <a:r>
+              <a:rPr lang="es-ES"/>
+              <a:t>Programación Funcional - Pepe Fabra Valverde</a:t>
+            </a:r>
+            <a:endParaRPr lang="en-US"/>
+          </a:p>
+        </p:txBody>
+      </p:sp>
+      <p:sp>
+        <p:nvSpPr>
+          <p:cNvPr id="12" name="Marcador de número de diapositiva 5">
+            <a:extLst>
+              <a:ext uri="{FF2B5EF4-FFF2-40B4-BE49-F238E27FC236}">
+                <a16:creationId xmlns:a16="http://schemas.microsoft.com/office/drawing/2014/main" id="{CAB744F0-EC21-21C2-3DEE-69002518C6E7}"/>
+              </a:ext>
+            </a:extLst>
+          </p:cNvPr>
+          <p:cNvSpPr>
+            <a:spLocks noGrp="1"/>
+          </p:cNvSpPr>
+          <p:nvPr>
+            <p:ph type="sldNum" sz="quarter" idx="12"/>
+          </p:nvPr>
+        </p:nvSpPr>
+        <p:spPr/>
+        <p:txBody>
+          <a:bodyPr/>
+          <a:lstStyle/>
+          <a:p>
+            <a:fld id="{D3060201-1C40-4B39-813D-5CD9493BAEED}" type="slidenum">
+              <a:rPr lang="en-US" smtClean="0"/>
+              <a:pPr/>
+              <a:t>180</a:t>
+            </a:fld>
+            <a:endParaRPr lang="en-US"/>
+          </a:p>
+        </p:txBody>
+      </p:sp>
+    </p:spTree>
+    <p:extLst>
+      <p:ext uri="{BB962C8B-B14F-4D97-AF65-F5344CB8AC3E}">
+        <p14:creationId xmlns:p14="http://schemas.microsoft.com/office/powerpoint/2010/main" val="1351941224"/>
       </p:ext>
     </p:extLst>
   </p:cSld>
@@ -29560,13 +29924,13 @@
   <p:clrMapOvr>
     <a:masterClrMapping/>
   </p:clrMapOvr>
-  <mc:AlternateContent xmlns:mc="http://schemas.openxmlformats.org/markup-compatibility/2006">
-    <mc:Choice xmlns:p159="http://schemas.microsoft.com/office/powerpoint/2015/09/main" Requires="p159">
+  <mc:AlternateContent xmlns:mc="http://schemas.openxmlformats.org/markup-compatibility/2006" xmlns:p159="http://schemas.microsoft.com/office/powerpoint/2015/09/main">
+    <mc:Choice Requires="p159">
       <p:transition xmlns:p14="http://schemas.microsoft.com/office/powerpoint/2010/main" spd="slow" p14:dur="2000">
         <p159:morph option="byWord"/>
       </p:transition>
     </mc:Choice>
-    <mc:Fallback>
+    <mc:Fallback xmlns="">
       <p:transition spd="slow">
         <p:fade/>
       </p:transition>
@@ -29988,13 +30352,13 @@
   <p:clrMapOvr>
     <a:masterClrMapping/>
   </p:clrMapOvr>
-  <mc:AlternateContent xmlns:mc="http://schemas.openxmlformats.org/markup-compatibility/2006">
-    <mc:Choice xmlns:p159="http://schemas.microsoft.com/office/powerpoint/2015/09/main" Requires="p159">
+  <mc:AlternateContent xmlns:mc="http://schemas.openxmlformats.org/markup-compatibility/2006" xmlns:p159="http://schemas.microsoft.com/office/powerpoint/2015/09/main">
+    <mc:Choice Requires="p159">
       <p:transition xmlns:p14="http://schemas.microsoft.com/office/powerpoint/2010/main" spd="slow" p14:dur="2000">
         <p159:morph option="byWord"/>
       </p:transition>
     </mc:Choice>
-    <mc:Fallback>
+    <mc:Fallback xmlns="">
       <p:transition spd="slow">
         <p:fade/>
       </p:transition>
@@ -31490,13 +31854,13 @@
   <p:clrMapOvr>
     <a:masterClrMapping/>
   </p:clrMapOvr>
-  <mc:AlternateContent xmlns:mc="http://schemas.openxmlformats.org/markup-compatibility/2006">
-    <mc:Choice xmlns:p159="http://schemas.microsoft.com/office/powerpoint/2015/09/main" Requires="p159">
+  <mc:AlternateContent xmlns:mc="http://schemas.openxmlformats.org/markup-compatibility/2006" xmlns:p159="http://schemas.microsoft.com/office/powerpoint/2015/09/main">
+    <mc:Choice Requires="p159">
       <p:transition xmlns:p14="http://schemas.microsoft.com/office/powerpoint/2010/main" spd="slow" p14:dur="2000">
         <p159:morph option="byWord"/>
       </p:transition>
     </mc:Choice>
-    <mc:Fallback>
+    <mc:Fallback xmlns="">
       <p:transition spd="slow">
         <p:fade/>
       </p:transition>
@@ -34898,13 +35262,13 @@
   <p:clrMapOvr>
     <a:masterClrMapping/>
   </p:clrMapOvr>
-  <mc:AlternateContent xmlns:mc="http://schemas.openxmlformats.org/markup-compatibility/2006">
-    <mc:Choice xmlns:p159="http://schemas.microsoft.com/office/powerpoint/2015/09/main" Requires="p159">
+  <mc:AlternateContent xmlns:mc="http://schemas.openxmlformats.org/markup-compatibility/2006" xmlns:p159="http://schemas.microsoft.com/office/powerpoint/2015/09/main">
+    <mc:Choice Requires="p159">
       <p:transition xmlns:p14="http://schemas.microsoft.com/office/powerpoint/2010/main" spd="slow" p14:dur="2000">
         <p159:morph option="byChar"/>
       </p:transition>
     </mc:Choice>
-    <mc:Fallback>
+    <mc:Fallback xmlns="">
       <p:transition spd="slow">
         <p:fade/>
       </p:transition>

--- a/tech-talks/valencia-js/programacion-funcional/programacion-funcional.pptx
+++ b/tech-talks/valencia-js/programacion-funcional/programacion-funcional.pptx
@@ -5,7 +5,7 @@
     <p:sldMasterId id="2147483712" r:id="rId1"/>
   </p:sldMasterIdLst>
   <p:notesMasterIdLst>
-    <p:notesMasterId r:id="rId182"/>
+    <p:notesMasterId r:id="rId183"/>
   </p:notesMasterIdLst>
   <p:sldIdLst>
     <p:sldId id="256" r:id="rId2"/>
@@ -156,38 +156,39 @@
     <p:sldId id="545" r:id="rId147"/>
     <p:sldId id="398" r:id="rId148"/>
     <p:sldId id="517" r:id="rId149"/>
-    <p:sldId id="535" r:id="rId150"/>
-    <p:sldId id="570" r:id="rId151"/>
-    <p:sldId id="437" r:id="rId152"/>
-    <p:sldId id="516" r:id="rId153"/>
-    <p:sldId id="569" r:id="rId154"/>
-    <p:sldId id="526" r:id="rId155"/>
-    <p:sldId id="527" r:id="rId156"/>
-    <p:sldId id="436" r:id="rId157"/>
-    <p:sldId id="515" r:id="rId158"/>
-    <p:sldId id="532" r:id="rId159"/>
-    <p:sldId id="530" r:id="rId160"/>
-    <p:sldId id="531" r:id="rId161"/>
-    <p:sldId id="514" r:id="rId162"/>
-    <p:sldId id="522" r:id="rId163"/>
-    <p:sldId id="520" r:id="rId164"/>
-    <p:sldId id="424" r:id="rId165"/>
-    <p:sldId id="513" r:id="rId166"/>
-    <p:sldId id="528" r:id="rId167"/>
-    <p:sldId id="529" r:id="rId168"/>
-    <p:sldId id="534" r:id="rId169"/>
-    <p:sldId id="425" r:id="rId170"/>
-    <p:sldId id="426" r:id="rId171"/>
-    <p:sldId id="427" r:id="rId172"/>
-    <p:sldId id="480" r:id="rId173"/>
-    <p:sldId id="524" r:id="rId174"/>
-    <p:sldId id="523" r:id="rId175"/>
-    <p:sldId id="525" r:id="rId176"/>
-    <p:sldId id="260" r:id="rId177"/>
-    <p:sldId id="261" r:id="rId178"/>
-    <p:sldId id="265" r:id="rId179"/>
-    <p:sldId id="264" r:id="rId180"/>
-    <p:sldId id="382" r:id="rId181"/>
+    <p:sldId id="571" r:id="rId150"/>
+    <p:sldId id="535" r:id="rId151"/>
+    <p:sldId id="570" r:id="rId152"/>
+    <p:sldId id="437" r:id="rId153"/>
+    <p:sldId id="516" r:id="rId154"/>
+    <p:sldId id="569" r:id="rId155"/>
+    <p:sldId id="526" r:id="rId156"/>
+    <p:sldId id="527" r:id="rId157"/>
+    <p:sldId id="436" r:id="rId158"/>
+    <p:sldId id="515" r:id="rId159"/>
+    <p:sldId id="532" r:id="rId160"/>
+    <p:sldId id="530" r:id="rId161"/>
+    <p:sldId id="531" r:id="rId162"/>
+    <p:sldId id="514" r:id="rId163"/>
+    <p:sldId id="522" r:id="rId164"/>
+    <p:sldId id="520" r:id="rId165"/>
+    <p:sldId id="424" r:id="rId166"/>
+    <p:sldId id="513" r:id="rId167"/>
+    <p:sldId id="528" r:id="rId168"/>
+    <p:sldId id="529" r:id="rId169"/>
+    <p:sldId id="534" r:id="rId170"/>
+    <p:sldId id="425" r:id="rId171"/>
+    <p:sldId id="426" r:id="rId172"/>
+    <p:sldId id="427" r:id="rId173"/>
+    <p:sldId id="480" r:id="rId174"/>
+    <p:sldId id="524" r:id="rId175"/>
+    <p:sldId id="523" r:id="rId176"/>
+    <p:sldId id="525" r:id="rId177"/>
+    <p:sldId id="260" r:id="rId178"/>
+    <p:sldId id="261" r:id="rId179"/>
+    <p:sldId id="265" r:id="rId180"/>
+    <p:sldId id="264" r:id="rId181"/>
+    <p:sldId id="382" r:id="rId182"/>
   </p:sldIdLst>
   <p:sldSz cx="12192000" cy="6858000"/>
   <p:notesSz cx="6858000" cy="9144000"/>
@@ -527,6 +528,7 @@
           <p14:sldIdLst>
             <p14:sldId id="398"/>
             <p14:sldId id="517"/>
+            <p14:sldId id="571"/>
             <p14:sldId id="535"/>
             <p14:sldId id="570"/>
           </p14:sldIdLst>
@@ -676,7 +678,7 @@
           <a:p>
             <a:fld id="{22DF889A-F80D-49C0-AC58-8B1F3283A65E}" type="datetimeFigureOut">
               <a:rPr lang="es-ES" smtClean="0"/>
-              <a:t>5/12/24</a:t>
+              <a:t>9/12/24</a:t>
             </a:fld>
             <a:endParaRPr lang="es-ES"/>
           </a:p>
@@ -19054,7 +19056,7 @@
           <p:cNvPr id="2" name="Título 1">
             <a:extLst>
               <a:ext uri="{FF2B5EF4-FFF2-40B4-BE49-F238E27FC236}">
-                <a16:creationId xmlns:a16="http://schemas.microsoft.com/office/drawing/2014/main" id="{39659B9F-C485-ED90-9950-2A28B4D5D528}"/>
+                <a16:creationId xmlns:a16="http://schemas.microsoft.com/office/drawing/2014/main" id="{3564AE8B-17B5-9F66-D280-40AD63C97429}"/>
               </a:ext>
             </a:extLst>
           </p:cNvPr>
@@ -19067,102 +19069,155 @@
         </p:nvSpPr>
         <p:spPr>
           <a:xfrm>
-            <a:off x="838200" y="1333363"/>
+            <a:off x="838200" y="2401093"/>
             <a:ext cx="10515600" cy="1325563"/>
           </a:xfrm>
         </p:spPr>
         <p:txBody>
-          <a:bodyPr/>
-          <a:lstStyle/>
-          <a:p>
-            <a:r>
-              <a:rPr lang="es-ES" dirty="0"/>
-              <a:t>Mutaciones de estado</a:t>
-            </a:r>
-          </a:p>
-        </p:txBody>
-      </p:sp>
-      <p:sp>
-        <p:nvSpPr>
-          <p:cNvPr id="3" name="Marcador de contenido 2">
-            <a:extLst>
-              <a:ext uri="{FF2B5EF4-FFF2-40B4-BE49-F238E27FC236}">
-                <a16:creationId xmlns:a16="http://schemas.microsoft.com/office/drawing/2014/main" id="{3352FF4A-F0DE-5B88-556E-A397AF4C95AD}"/>
-              </a:ext>
-            </a:extLst>
-          </p:cNvPr>
-          <p:cNvSpPr>
-            <a:spLocks noGrp="1"/>
-          </p:cNvSpPr>
-          <p:nvPr>
-            <p:ph idx="1"/>
-          </p:nvPr>
-        </p:nvSpPr>
-        <p:spPr>
-          <a:xfrm>
-            <a:off x="838200" y="2909114"/>
-            <a:ext cx="10515600" cy="3160126"/>
-          </a:xfrm>
-        </p:spPr>
-        <p:txBody>
           <a:bodyPr>
             <a:normAutofit/>
           </a:bodyPr>
           <a:lstStyle/>
           <a:p>
+            <a:r>
+              <a:rPr lang="es-ES" dirty="0"/>
+              <a:t>Concepto de estado</a:t>
+            </a:r>
+            <a:endParaRPr lang="es-ES" sz="8000" dirty="0"/>
+          </a:p>
+        </p:txBody>
+      </p:sp>
+      <p:sp>
+        <p:nvSpPr>
+          <p:cNvPr id="3" name="Marcador de contenido 2">
+            <a:extLst>
+              <a:ext uri="{FF2B5EF4-FFF2-40B4-BE49-F238E27FC236}">
+                <a16:creationId xmlns:a16="http://schemas.microsoft.com/office/drawing/2014/main" id="{3D754911-4803-3CC9-51C7-826CB2620CBB}"/>
+              </a:ext>
+            </a:extLst>
+          </p:cNvPr>
+          <p:cNvSpPr>
+            <a:spLocks noGrp="1"/>
+          </p:cNvSpPr>
+          <p:nvPr>
+            <p:ph idx="1"/>
+          </p:nvPr>
+        </p:nvSpPr>
+        <p:spPr>
+          <a:xfrm>
+            <a:off x="838200" y="3976843"/>
+            <a:ext cx="10515600" cy="854715"/>
+          </a:xfrm>
+        </p:spPr>
+        <p:txBody>
+          <a:bodyPr/>
+          <a:lstStyle/>
+          <a:p>
             <a:pPr marL="0" indent="0">
               <a:buNone/>
             </a:pPr>
             <a:r>
               <a:rPr lang="es-ES" dirty="0"/>
-              <a:t>Las mutaciones de estado no están muy bien vistas en un contexto funcional.</a:t>
-            </a:r>
-          </a:p>
-          <a:p>
-            <a:pPr marL="0" indent="0">
-              <a:buNone/>
-            </a:pPr>
+              <a:t>Artículo: </a:t>
+            </a:r>
+            <a:r>
+              <a:rPr lang="es-ES" dirty="0">
+                <a:hlinkClick r:id="rId2"/>
+              </a:rPr>
+              <a:t>https://</a:t>
+            </a:r>
+            <a:r>
+              <a:rPr lang="es-ES" dirty="0" err="1">
+                <a:hlinkClick r:id="rId2"/>
+              </a:rPr>
+              <a:t>www.quora.com</a:t>
+            </a:r>
+            <a:r>
+              <a:rPr lang="es-ES" dirty="0">
+                <a:hlinkClick r:id="rId2"/>
+              </a:rPr>
+              <a:t>/</a:t>
+            </a:r>
+            <a:r>
+              <a:rPr lang="es-ES" dirty="0" err="1">
+                <a:hlinkClick r:id="rId2"/>
+              </a:rPr>
+              <a:t>What</a:t>
+            </a:r>
+            <a:r>
+              <a:rPr lang="es-ES" dirty="0">
+                <a:hlinkClick r:id="rId2"/>
+              </a:rPr>
+              <a:t>-</a:t>
+            </a:r>
+            <a:r>
+              <a:rPr lang="es-ES" dirty="0" err="1">
+                <a:hlinkClick r:id="rId2"/>
+              </a:rPr>
+              <a:t>is</a:t>
+            </a:r>
+            <a:r>
+              <a:rPr lang="es-ES" dirty="0">
+                <a:hlinkClick r:id="rId2"/>
+              </a:rPr>
+              <a:t>-</a:t>
+            </a:r>
+            <a:r>
+              <a:rPr lang="es-ES" dirty="0" err="1">
+                <a:hlinkClick r:id="rId2"/>
+              </a:rPr>
+              <a:t>the</a:t>
+            </a:r>
+            <a:r>
+              <a:rPr lang="es-ES" dirty="0">
+                <a:hlinkClick r:id="rId2"/>
+              </a:rPr>
+              <a:t>-concept-</a:t>
+            </a:r>
+            <a:r>
+              <a:rPr lang="es-ES" dirty="0" err="1">
+                <a:hlinkClick r:id="rId2"/>
+              </a:rPr>
+              <a:t>of</a:t>
+            </a:r>
+            <a:r>
+              <a:rPr lang="es-ES" dirty="0">
+                <a:hlinkClick r:id="rId2"/>
+              </a:rPr>
+              <a:t>-</a:t>
+            </a:r>
+            <a:r>
+              <a:rPr lang="es-ES" dirty="0" err="1">
+                <a:hlinkClick r:id="rId2"/>
+              </a:rPr>
+              <a:t>state</a:t>
+            </a:r>
+            <a:r>
+              <a:rPr lang="es-ES" dirty="0">
+                <a:hlinkClick r:id="rId2"/>
+              </a:rPr>
+              <a:t>-in-</a:t>
+            </a:r>
+            <a:r>
+              <a:rPr lang="es-ES" dirty="0" err="1">
+                <a:hlinkClick r:id="rId2"/>
+              </a:rPr>
+              <a:t>functional</a:t>
+            </a:r>
+            <a:r>
+              <a:rPr lang="es-ES" dirty="0">
+                <a:hlinkClick r:id="rId2"/>
+              </a:rPr>
+              <a:t>-</a:t>
+            </a:r>
+            <a:r>
+              <a:rPr lang="es-ES" dirty="0" err="1">
+                <a:hlinkClick r:id="rId2"/>
+              </a:rPr>
+              <a:t>programming</a:t>
+            </a:r>
             <a:endParaRPr lang="es-ES" dirty="0"/>
           </a:p>
-          <a:p>
-            <a:pPr marL="0" indent="0">
-              <a:buNone/>
-            </a:pPr>
-            <a:r>
-              <a:rPr lang="es-ES" dirty="0"/>
-              <a:t>Se prefieren estructuras de datos inmutables </a:t>
-            </a:r>
-          </a:p>
-          <a:p>
-            <a:r>
-              <a:rPr lang="es-ES" dirty="0"/>
-              <a:t>Acordémonos de la </a:t>
-            </a:r>
-            <a:r>
-              <a:rPr lang="es-ES" b="1" dirty="0"/>
-              <a:t>transparencia referencial</a:t>
-            </a:r>
-            <a:endParaRPr lang="es-ES" dirty="0"/>
-          </a:p>
-          <a:p>
-            <a:pPr marL="0" indent="0">
-              <a:buNone/>
-            </a:pPr>
-            <a:endParaRPr lang="es-ES" dirty="0"/>
-          </a:p>
-          <a:p>
-            <a:pPr marL="0" indent="0">
-              <a:buNone/>
-            </a:pPr>
-            <a:r>
-              <a:rPr lang="es-ES" dirty="0" err="1"/>
-              <a:t>Peeeeeero</a:t>
-            </a:r>
-            <a:r>
-              <a:rPr lang="es-ES" dirty="0"/>
-              <a:t>, son el punto justo de corrupción para que el paradigma nos siga siendo cómodo</a:t>
-            </a:r>
-          </a:p>
         </p:txBody>
       </p:sp>
       <p:sp>
@@ -19170,7 +19225,7 @@
           <p:cNvPr id="4" name="Marcador de fecha 3">
             <a:extLst>
               <a:ext uri="{FF2B5EF4-FFF2-40B4-BE49-F238E27FC236}">
-                <a16:creationId xmlns:a16="http://schemas.microsoft.com/office/drawing/2014/main" id="{9DC91DC1-4E68-DFA0-722E-CC46BC4933EB}"/>
+                <a16:creationId xmlns:a16="http://schemas.microsoft.com/office/drawing/2014/main" id="{A9A53826-81B4-54BD-98B3-96735797EBF6}"/>
               </a:ext>
             </a:extLst>
           </p:cNvPr>
@@ -19199,7 +19254,7 @@
           <p:cNvPr id="5" name="Marcador de pie de página 4">
             <a:extLst>
               <a:ext uri="{FF2B5EF4-FFF2-40B4-BE49-F238E27FC236}">
-                <a16:creationId xmlns:a16="http://schemas.microsoft.com/office/drawing/2014/main" id="{FD9109A7-100D-8F5B-32F6-6FA4B71CF9DC}"/>
+                <a16:creationId xmlns:a16="http://schemas.microsoft.com/office/drawing/2014/main" id="{98388295-D5FA-8E44-4055-93A64F2319BB}"/>
               </a:ext>
             </a:extLst>
           </p:cNvPr>
@@ -19228,7 +19283,7 @@
           <p:cNvPr id="6" name="Marcador de número de diapositiva 5">
             <a:extLst>
               <a:ext uri="{FF2B5EF4-FFF2-40B4-BE49-F238E27FC236}">
-                <a16:creationId xmlns:a16="http://schemas.microsoft.com/office/drawing/2014/main" id="{FA0DCF4F-3EAB-BACB-0976-3CCC7F3921F2}"/>
+                <a16:creationId xmlns:a16="http://schemas.microsoft.com/office/drawing/2014/main" id="{CC916651-7134-79EC-B2DB-6AF3AC1772F9}"/>
               </a:ext>
             </a:extLst>
           </p:cNvPr>
@@ -19256,7 +19311,7 @@
     </p:spTree>
     <p:extLst>
       <p:ext uri="{BB962C8B-B14F-4D97-AF65-F5344CB8AC3E}">
-        <p14:creationId xmlns:p14="http://schemas.microsoft.com/office/powerpoint/2010/main" val="3930413135"/>
+        <p14:creationId xmlns:p14="http://schemas.microsoft.com/office/powerpoint/2010/main" val="297187332"/>
       </p:ext>
     </p:extLst>
   </p:cSld>
@@ -19451,10 +19506,10 @@
       </p:grpSpPr>
       <p:sp>
         <p:nvSpPr>
-          <p:cNvPr id="7" name="Título 6">
-            <a:extLst>
-              <a:ext uri="{FF2B5EF4-FFF2-40B4-BE49-F238E27FC236}">
-                <a16:creationId xmlns:a16="http://schemas.microsoft.com/office/drawing/2014/main" id="{4B57B8B0-23FC-40DD-EC8A-3A4D0CC08F6C}"/>
+          <p:cNvPr id="2" name="Título 1">
+            <a:extLst>
+              <a:ext uri="{FF2B5EF4-FFF2-40B4-BE49-F238E27FC236}">
+                <a16:creationId xmlns:a16="http://schemas.microsoft.com/office/drawing/2014/main" id="{39659B9F-C485-ED90-9950-2A28B4D5D528}"/>
               </a:ext>
             </a:extLst>
           </p:cNvPr>
@@ -19465,14 +19520,102 @@
             <p:ph type="title"/>
           </p:nvPr>
         </p:nvSpPr>
-        <p:spPr/>
-        <p:txBody>
-          <a:bodyPr/>
-          <a:lstStyle/>
-          <a:p>
-            <a:r>
-              <a:rPr lang="es-ES" dirty="0"/>
-              <a:t>Valores continuos y discretos</a:t>
+        <p:spPr>
+          <a:xfrm>
+            <a:off x="838200" y="1333363"/>
+            <a:ext cx="10515600" cy="1325563"/>
+          </a:xfrm>
+        </p:spPr>
+        <p:txBody>
+          <a:bodyPr/>
+          <a:lstStyle/>
+          <a:p>
+            <a:r>
+              <a:rPr lang="es-ES" dirty="0"/>
+              <a:t>Mutaciones de estado</a:t>
+            </a:r>
+          </a:p>
+        </p:txBody>
+      </p:sp>
+      <p:sp>
+        <p:nvSpPr>
+          <p:cNvPr id="3" name="Marcador de contenido 2">
+            <a:extLst>
+              <a:ext uri="{FF2B5EF4-FFF2-40B4-BE49-F238E27FC236}">
+                <a16:creationId xmlns:a16="http://schemas.microsoft.com/office/drawing/2014/main" id="{3352FF4A-F0DE-5B88-556E-A397AF4C95AD}"/>
+              </a:ext>
+            </a:extLst>
+          </p:cNvPr>
+          <p:cNvSpPr>
+            <a:spLocks noGrp="1"/>
+          </p:cNvSpPr>
+          <p:nvPr>
+            <p:ph idx="1"/>
+          </p:nvPr>
+        </p:nvSpPr>
+        <p:spPr>
+          <a:xfrm>
+            <a:off x="838200" y="2909114"/>
+            <a:ext cx="10515600" cy="3160126"/>
+          </a:xfrm>
+        </p:spPr>
+        <p:txBody>
+          <a:bodyPr>
+            <a:normAutofit/>
+          </a:bodyPr>
+          <a:lstStyle/>
+          <a:p>
+            <a:pPr marL="0" indent="0">
+              <a:buNone/>
+            </a:pPr>
+            <a:r>
+              <a:rPr lang="es-ES" dirty="0"/>
+              <a:t>Las mutaciones de estado no están muy bien vistas en un contexto funcional.</a:t>
+            </a:r>
+          </a:p>
+          <a:p>
+            <a:pPr marL="0" indent="0">
+              <a:buNone/>
+            </a:pPr>
+            <a:endParaRPr lang="es-ES" dirty="0"/>
+          </a:p>
+          <a:p>
+            <a:pPr marL="0" indent="0">
+              <a:buNone/>
+            </a:pPr>
+            <a:r>
+              <a:rPr lang="es-ES" dirty="0"/>
+              <a:t>Se prefieren estructuras de datos inmutables </a:t>
+            </a:r>
+          </a:p>
+          <a:p>
+            <a:r>
+              <a:rPr lang="es-ES" dirty="0"/>
+              <a:t>Acordémonos de la </a:t>
+            </a:r>
+            <a:r>
+              <a:rPr lang="es-ES" b="1" dirty="0"/>
+              <a:t>transparencia referencial</a:t>
+            </a:r>
+            <a:endParaRPr lang="es-ES" dirty="0"/>
+          </a:p>
+          <a:p>
+            <a:pPr marL="0" indent="0">
+              <a:buNone/>
+            </a:pPr>
+            <a:endParaRPr lang="es-ES" dirty="0"/>
+          </a:p>
+          <a:p>
+            <a:pPr marL="0" indent="0">
+              <a:buNone/>
+            </a:pPr>
+            <a:r>
+              <a:rPr lang="es-ES" dirty="0" err="1"/>
+              <a:t>Peeeeeero</a:t>
+            </a:r>
+            <a:r>
+              <a:rPr lang="es-ES" dirty="0"/>
+              <a:t>, son el punto justo de corrupción para que el paradigma nos siga siendo cómodo</a:t>
             </a:r>
           </a:p>
         </p:txBody>
@@ -19482,7 +19625,7 @@
           <p:cNvPr id="4" name="Marcador de fecha 3">
             <a:extLst>
               <a:ext uri="{FF2B5EF4-FFF2-40B4-BE49-F238E27FC236}">
-                <a16:creationId xmlns:a16="http://schemas.microsoft.com/office/drawing/2014/main" id="{39BAFFFB-FB26-12BE-D9DC-B1BDB90A6D12}"/>
+                <a16:creationId xmlns:a16="http://schemas.microsoft.com/office/drawing/2014/main" id="{9DC91DC1-4E68-DFA0-722E-CC46BC4933EB}"/>
               </a:ext>
             </a:extLst>
           </p:cNvPr>
@@ -19511,7 +19654,7 @@
           <p:cNvPr id="5" name="Marcador de pie de página 4">
             <a:extLst>
               <a:ext uri="{FF2B5EF4-FFF2-40B4-BE49-F238E27FC236}">
-                <a16:creationId xmlns:a16="http://schemas.microsoft.com/office/drawing/2014/main" id="{3A5959F0-88C1-23B4-1B50-20000D4BA92C}"/>
+                <a16:creationId xmlns:a16="http://schemas.microsoft.com/office/drawing/2014/main" id="{FD9109A7-100D-8F5B-32F6-6FA4B71CF9DC}"/>
               </a:ext>
             </a:extLst>
           </p:cNvPr>
@@ -19540,7 +19683,7 @@
           <p:cNvPr id="6" name="Marcador de número de diapositiva 5">
             <a:extLst>
               <a:ext uri="{FF2B5EF4-FFF2-40B4-BE49-F238E27FC236}">
-                <a16:creationId xmlns:a16="http://schemas.microsoft.com/office/drawing/2014/main" id="{E6333CB0-AC5E-99F7-5F79-57159D1923C0}"/>
+                <a16:creationId xmlns:a16="http://schemas.microsoft.com/office/drawing/2014/main" id="{FA0DCF4F-3EAB-BACB-0976-3CCC7F3921F2}"/>
               </a:ext>
             </a:extLst>
           </p:cNvPr>
@@ -19568,7 +19711,7 @@
     </p:spTree>
     <p:extLst>
       <p:ext uri="{BB962C8B-B14F-4D97-AF65-F5344CB8AC3E}">
-        <p14:creationId xmlns:p14="http://schemas.microsoft.com/office/powerpoint/2010/main" val="3319948575"/>
+        <p14:creationId xmlns:p14="http://schemas.microsoft.com/office/powerpoint/2010/main" val="3930413135"/>
       </p:ext>
     </p:extLst>
   </p:cSld>
@@ -19597,10 +19740,10 @@
       </p:grpSpPr>
       <p:sp>
         <p:nvSpPr>
-          <p:cNvPr id="2" name="Título 1">
-            <a:extLst>
-              <a:ext uri="{FF2B5EF4-FFF2-40B4-BE49-F238E27FC236}">
-                <a16:creationId xmlns:a16="http://schemas.microsoft.com/office/drawing/2014/main" id="{D2A6283C-73D8-D630-31F3-362B7CC5D8BA}"/>
+          <p:cNvPr id="7" name="Título 6">
+            <a:extLst>
+              <a:ext uri="{FF2B5EF4-FFF2-40B4-BE49-F238E27FC236}">
+                <a16:creationId xmlns:a16="http://schemas.microsoft.com/office/drawing/2014/main" id="{4B57B8B0-23FC-40DD-EC8A-3A4D0CC08F6C}"/>
               </a:ext>
             </a:extLst>
           </p:cNvPr>
@@ -19617,38 +19760,9 @@
           <a:lstStyle/>
           <a:p>
             <a:r>
-              <a:rPr lang="es-ES" dirty="0" err="1"/>
-              <a:t>State</a:t>
-            </a:r>
-            <a:r>
-              <a:rPr lang="es-ES" dirty="0"/>
-              <a:t> Machines</a:t>
-            </a:r>
-          </a:p>
-        </p:txBody>
-      </p:sp>
-      <p:sp>
-        <p:nvSpPr>
-          <p:cNvPr id="3" name="Marcador de texto 2">
-            <a:extLst>
-              <a:ext uri="{FF2B5EF4-FFF2-40B4-BE49-F238E27FC236}">
-                <a16:creationId xmlns:a16="http://schemas.microsoft.com/office/drawing/2014/main" id="{654F171B-FDC7-9F1D-2535-7DF7B0196113}"/>
-              </a:ext>
-            </a:extLst>
-          </p:cNvPr>
-          <p:cNvSpPr>
-            <a:spLocks noGrp="1"/>
-          </p:cNvSpPr>
-          <p:nvPr>
-            <p:ph type="body" idx="1"/>
-          </p:nvPr>
-        </p:nvSpPr>
-        <p:spPr/>
-        <p:txBody>
-          <a:bodyPr/>
-          <a:lstStyle/>
-          <a:p>
-            <a:endParaRPr lang="es-ES"/>
+              <a:rPr lang="es-ES" dirty="0"/>
+              <a:t>Valores continuos y discretos</a:t>
+            </a:r>
           </a:p>
         </p:txBody>
       </p:sp>
@@ -19657,7 +19771,7 @@
           <p:cNvPr id="4" name="Marcador de fecha 3">
             <a:extLst>
               <a:ext uri="{FF2B5EF4-FFF2-40B4-BE49-F238E27FC236}">
-                <a16:creationId xmlns:a16="http://schemas.microsoft.com/office/drawing/2014/main" id="{44050FB5-5015-C211-CB9D-BD4F603A621B}"/>
+                <a16:creationId xmlns:a16="http://schemas.microsoft.com/office/drawing/2014/main" id="{39BAFFFB-FB26-12BE-D9DC-B1BDB90A6D12}"/>
               </a:ext>
             </a:extLst>
           </p:cNvPr>
@@ -19686,7 +19800,7 @@
           <p:cNvPr id="5" name="Marcador de pie de página 4">
             <a:extLst>
               <a:ext uri="{FF2B5EF4-FFF2-40B4-BE49-F238E27FC236}">
-                <a16:creationId xmlns:a16="http://schemas.microsoft.com/office/drawing/2014/main" id="{29463D9A-6C4F-0826-AD58-3A44239B1C10}"/>
+                <a16:creationId xmlns:a16="http://schemas.microsoft.com/office/drawing/2014/main" id="{3A5959F0-88C1-23B4-1B50-20000D4BA92C}"/>
               </a:ext>
             </a:extLst>
           </p:cNvPr>
@@ -19715,7 +19829,7 @@
           <p:cNvPr id="6" name="Marcador de número de diapositiva 5">
             <a:extLst>
               <a:ext uri="{FF2B5EF4-FFF2-40B4-BE49-F238E27FC236}">
-                <a16:creationId xmlns:a16="http://schemas.microsoft.com/office/drawing/2014/main" id="{9E771D78-F359-8794-A3BF-28963CBD5E17}"/>
+                <a16:creationId xmlns:a16="http://schemas.microsoft.com/office/drawing/2014/main" id="{E6333CB0-AC5E-99F7-5F79-57159D1923C0}"/>
               </a:ext>
             </a:extLst>
           </p:cNvPr>
@@ -19743,7 +19857,7 @@
     </p:spTree>
     <p:extLst>
       <p:ext uri="{BB962C8B-B14F-4D97-AF65-F5344CB8AC3E}">
-        <p14:creationId xmlns:p14="http://schemas.microsoft.com/office/powerpoint/2010/main" val="2860092730"/>
+        <p14:creationId xmlns:p14="http://schemas.microsoft.com/office/powerpoint/2010/main" val="3319948575"/>
       </p:ext>
     </p:extLst>
   </p:cSld>
@@ -19775,7 +19889,7 @@
           <p:cNvPr id="2" name="Título 1">
             <a:extLst>
               <a:ext uri="{FF2B5EF4-FFF2-40B4-BE49-F238E27FC236}">
-                <a16:creationId xmlns:a16="http://schemas.microsoft.com/office/drawing/2014/main" id="{E991CB3D-8BC3-55FB-FDE0-F154B550F926}"/>
+                <a16:creationId xmlns:a16="http://schemas.microsoft.com/office/drawing/2014/main" id="{D2A6283C-73D8-D630-31F3-362B7CC5D8BA}"/>
               </a:ext>
             </a:extLst>
           </p:cNvPr>
@@ -19786,12 +19900,7 @@
             <p:ph type="title"/>
           </p:nvPr>
         </p:nvSpPr>
-        <p:spPr>
-          <a:xfrm>
-            <a:off x="838200" y="1853250"/>
-            <a:ext cx="10515600" cy="1325563"/>
-          </a:xfrm>
-        </p:spPr>
+        <p:spPr/>
         <p:txBody>
           <a:bodyPr/>
           <a:lstStyle/>
@@ -19802,68 +19911,33 @@
             </a:r>
             <a:r>
               <a:rPr lang="es-ES" dirty="0"/>
-              <a:t> machines</a:t>
-            </a:r>
-          </a:p>
-        </p:txBody>
-      </p:sp>
-      <p:sp>
-        <p:nvSpPr>
-          <p:cNvPr id="3" name="Marcador de contenido 2">
-            <a:extLst>
-              <a:ext uri="{FF2B5EF4-FFF2-40B4-BE49-F238E27FC236}">
-                <a16:creationId xmlns:a16="http://schemas.microsoft.com/office/drawing/2014/main" id="{A85753FB-4F5A-0742-C58B-3C56985DAB46}"/>
-              </a:ext>
-            </a:extLst>
-          </p:cNvPr>
-          <p:cNvSpPr>
-            <a:spLocks noGrp="1"/>
-          </p:cNvSpPr>
-          <p:nvPr>
-            <p:ph idx="1"/>
-          </p:nvPr>
-        </p:nvSpPr>
-        <p:spPr>
-          <a:xfrm>
-            <a:off x="838200" y="3429000"/>
-            <a:ext cx="10515600" cy="2215429"/>
-          </a:xfrm>
-        </p:spPr>
-        <p:txBody>
-          <a:bodyPr/>
-          <a:lstStyle/>
-          <a:p>
-            <a:pPr marL="0" indent="0">
-              <a:buNone/>
-            </a:pPr>
-            <a:r>
-              <a:rPr lang="es-ES" dirty="0"/>
-              <a:t>También llamadas Máquinas de Estado Finitas (porque tienen un número concreto y definido de posibles acciones) y abreviadas como FSM (en inglés)</a:t>
-            </a:r>
-          </a:p>
-          <a:p>
-            <a:pPr marL="0" indent="0">
-              <a:buNone/>
-            </a:pPr>
-            <a:endParaRPr lang="es-ES" dirty="0"/>
-          </a:p>
-          <a:p>
-            <a:pPr marL="0" indent="0">
-              <a:buNone/>
-            </a:pPr>
-            <a:r>
-              <a:rPr lang="es-ES" dirty="0"/>
-              <a:t>En vez de resolver problemas, resuelves comportamientos.</a:t>
-            </a:r>
-          </a:p>
-          <a:p>
-            <a:pPr marL="0" indent="0">
-              <a:buNone/>
-            </a:pPr>
-            <a:r>
-              <a:rPr lang="es-ES" dirty="0"/>
-              <a:t>Cuando las entidades se encuentran en estados, podemos realizar acciones concretas</a:t>
-            </a:r>
+              <a:t> Machines</a:t>
+            </a:r>
+          </a:p>
+        </p:txBody>
+      </p:sp>
+      <p:sp>
+        <p:nvSpPr>
+          <p:cNvPr id="3" name="Marcador de texto 2">
+            <a:extLst>
+              <a:ext uri="{FF2B5EF4-FFF2-40B4-BE49-F238E27FC236}">
+                <a16:creationId xmlns:a16="http://schemas.microsoft.com/office/drawing/2014/main" id="{654F171B-FDC7-9F1D-2535-7DF7B0196113}"/>
+              </a:ext>
+            </a:extLst>
+          </p:cNvPr>
+          <p:cNvSpPr>
+            <a:spLocks noGrp="1"/>
+          </p:cNvSpPr>
+          <p:nvPr>
+            <p:ph type="body" idx="1"/>
+          </p:nvPr>
+        </p:nvSpPr>
+        <p:spPr/>
+        <p:txBody>
+          <a:bodyPr/>
+          <a:lstStyle/>
+          <a:p>
+            <a:endParaRPr lang="es-ES"/>
           </a:p>
         </p:txBody>
       </p:sp>
@@ -19872,7 +19946,7 @@
           <p:cNvPr id="4" name="Marcador de fecha 3">
             <a:extLst>
               <a:ext uri="{FF2B5EF4-FFF2-40B4-BE49-F238E27FC236}">
-                <a16:creationId xmlns:a16="http://schemas.microsoft.com/office/drawing/2014/main" id="{FF189886-12B2-4B89-F691-8AA326098510}"/>
+                <a16:creationId xmlns:a16="http://schemas.microsoft.com/office/drawing/2014/main" id="{44050FB5-5015-C211-CB9D-BD4F603A621B}"/>
               </a:ext>
             </a:extLst>
           </p:cNvPr>
@@ -19901,7 +19975,7 @@
           <p:cNvPr id="5" name="Marcador de pie de página 4">
             <a:extLst>
               <a:ext uri="{FF2B5EF4-FFF2-40B4-BE49-F238E27FC236}">
-                <a16:creationId xmlns:a16="http://schemas.microsoft.com/office/drawing/2014/main" id="{83F2917D-6ED9-E699-CF0E-3E885CC23BA9}"/>
+                <a16:creationId xmlns:a16="http://schemas.microsoft.com/office/drawing/2014/main" id="{29463D9A-6C4F-0826-AD58-3A44239B1C10}"/>
               </a:ext>
             </a:extLst>
           </p:cNvPr>
@@ -19930,7 +20004,7 @@
           <p:cNvPr id="6" name="Marcador de número de diapositiva 5">
             <a:extLst>
               <a:ext uri="{FF2B5EF4-FFF2-40B4-BE49-F238E27FC236}">
-                <a16:creationId xmlns:a16="http://schemas.microsoft.com/office/drawing/2014/main" id="{8925CACD-7585-67E8-1B50-22984A18DCD2}"/>
+                <a16:creationId xmlns:a16="http://schemas.microsoft.com/office/drawing/2014/main" id="{9E771D78-F359-8794-A3BF-28963CBD5E17}"/>
               </a:ext>
             </a:extLst>
           </p:cNvPr>
@@ -19958,7 +20032,7 @@
     </p:spTree>
     <p:extLst>
       <p:ext uri="{BB962C8B-B14F-4D97-AF65-F5344CB8AC3E}">
-        <p14:creationId xmlns:p14="http://schemas.microsoft.com/office/powerpoint/2010/main" val="2984471104"/>
+        <p14:creationId xmlns:p14="http://schemas.microsoft.com/office/powerpoint/2010/main" val="2860092730"/>
       </p:ext>
     </p:extLst>
   </p:cSld>
@@ -19990,7 +20064,7 @@
           <p:cNvPr id="2" name="Título 1">
             <a:extLst>
               <a:ext uri="{FF2B5EF4-FFF2-40B4-BE49-F238E27FC236}">
-                <a16:creationId xmlns:a16="http://schemas.microsoft.com/office/drawing/2014/main" id="{13F38957-B25D-DB3E-CB9E-F8DB10C66BAC}"/>
+                <a16:creationId xmlns:a16="http://schemas.microsoft.com/office/drawing/2014/main" id="{E991CB3D-8BC3-55FB-FDE0-F154B550F926}"/>
               </a:ext>
             </a:extLst>
           </p:cNvPr>
@@ -20003,7 +20077,7 @@
         </p:nvSpPr>
         <p:spPr>
           <a:xfrm>
-            <a:off x="838200" y="1363660"/>
+            <a:off x="838200" y="1853250"/>
             <a:ext cx="10515600" cy="1325563"/>
           </a:xfrm>
         </p:spPr>
@@ -20017,7 +20091,7 @@
             </a:r>
             <a:r>
               <a:rPr lang="es-ES" dirty="0"/>
-              <a:t> Machines</a:t>
+              <a:t> machines</a:t>
             </a:r>
           </a:p>
         </p:txBody>
@@ -20027,7 +20101,7 @@
           <p:cNvPr id="3" name="Marcador de contenido 2">
             <a:extLst>
               <a:ext uri="{FF2B5EF4-FFF2-40B4-BE49-F238E27FC236}">
-                <a16:creationId xmlns:a16="http://schemas.microsoft.com/office/drawing/2014/main" id="{40E4DD5D-8DF4-AF13-459A-E2DE27CFA9B7}"/>
+                <a16:creationId xmlns:a16="http://schemas.microsoft.com/office/drawing/2014/main" id="{A85753FB-4F5A-0742-C58B-3C56985DAB46}"/>
               </a:ext>
             </a:extLst>
           </p:cNvPr>
@@ -20040,8 +20114,8 @@
         </p:nvSpPr>
         <p:spPr>
           <a:xfrm>
-            <a:off x="838200" y="2939411"/>
-            <a:ext cx="10515600" cy="2825488"/>
+            <a:off x="838200" y="3429000"/>
+            <a:ext cx="10515600" cy="2215429"/>
           </a:xfrm>
         </p:spPr>
         <p:txBody>
@@ -20053,7 +20127,7 @@
             </a:pPr>
             <a:r>
               <a:rPr lang="es-ES" dirty="0"/>
-              <a:t>Orquestamos lógica asociada a cambios de estados concretos</a:t>
+              <a:t>También llamadas Máquinas de Estado Finitas (porque tienen un número concreto y definido de posibles acciones) y abreviadas como FSM (en inglés)</a:t>
             </a:r>
           </a:p>
           <a:p>
@@ -20068,33 +20142,16 @@
             </a:pPr>
             <a:r>
               <a:rPr lang="es-ES" dirty="0"/>
-              <a:t>Semáforo (el estado del paso de peatones):</a:t>
-            </a:r>
-          </a:p>
-          <a:p>
-            <a:r>
-              <a:rPr lang="es-ES" dirty="0"/>
-              <a:t>Cambio a rojo -&gt; coches pasan, peatones no</a:t>
-            </a:r>
-          </a:p>
-          <a:p>
-            <a:r>
-              <a:rPr lang="es-ES" dirty="0"/>
-              <a:t>Cambio a verde -&gt; coches paran, peatones no</a:t>
-            </a:r>
-          </a:p>
-          <a:p>
-            <a:r>
-              <a:rPr lang="es-ES" dirty="0"/>
-              <a:t>Cambio a </a:t>
-            </a:r>
-            <a:r>
-              <a:rPr lang="es-ES" dirty="0" err="1"/>
-              <a:t>ambar</a:t>
-            </a:r>
-            <a:r>
-              <a:rPr lang="es-ES" dirty="0"/>
-              <a:t> -&gt; peatones pasan, si no peatones, coches pasan</a:t>
+              <a:t>En vez de resolver problemas, resuelves comportamientos.</a:t>
+            </a:r>
+          </a:p>
+          <a:p>
+            <a:pPr marL="0" indent="0">
+              <a:buNone/>
+            </a:pPr>
+            <a:r>
+              <a:rPr lang="es-ES" dirty="0"/>
+              <a:t>Cuando las entidades se encuentran en estados, podemos realizar acciones concretas</a:t>
             </a:r>
           </a:p>
         </p:txBody>
@@ -20104,7 +20161,7 @@
           <p:cNvPr id="4" name="Marcador de fecha 3">
             <a:extLst>
               <a:ext uri="{FF2B5EF4-FFF2-40B4-BE49-F238E27FC236}">
-                <a16:creationId xmlns:a16="http://schemas.microsoft.com/office/drawing/2014/main" id="{34524BE5-8134-EC00-0927-0C02B21B6873}"/>
+                <a16:creationId xmlns:a16="http://schemas.microsoft.com/office/drawing/2014/main" id="{FF189886-12B2-4B89-F691-8AA326098510}"/>
               </a:ext>
             </a:extLst>
           </p:cNvPr>
@@ -20133,7 +20190,7 @@
           <p:cNvPr id="5" name="Marcador de pie de página 4">
             <a:extLst>
               <a:ext uri="{FF2B5EF4-FFF2-40B4-BE49-F238E27FC236}">
-                <a16:creationId xmlns:a16="http://schemas.microsoft.com/office/drawing/2014/main" id="{8D507969-5122-AF9B-CE08-57776D57F43A}"/>
+                <a16:creationId xmlns:a16="http://schemas.microsoft.com/office/drawing/2014/main" id="{83F2917D-6ED9-E699-CF0E-3E885CC23BA9}"/>
               </a:ext>
             </a:extLst>
           </p:cNvPr>
@@ -20162,7 +20219,7 @@
           <p:cNvPr id="6" name="Marcador de número de diapositiva 5">
             <a:extLst>
               <a:ext uri="{FF2B5EF4-FFF2-40B4-BE49-F238E27FC236}">
-                <a16:creationId xmlns:a16="http://schemas.microsoft.com/office/drawing/2014/main" id="{DFAF2203-5D68-2AA4-FEB5-DB8F6D2FECEE}"/>
+                <a16:creationId xmlns:a16="http://schemas.microsoft.com/office/drawing/2014/main" id="{8925CACD-7585-67E8-1B50-22984A18DCD2}"/>
               </a:ext>
             </a:extLst>
           </p:cNvPr>
@@ -20190,7 +20247,7 @@
     </p:spTree>
     <p:extLst>
       <p:ext uri="{BB962C8B-B14F-4D97-AF65-F5344CB8AC3E}">
-        <p14:creationId xmlns:p14="http://schemas.microsoft.com/office/powerpoint/2010/main" val="376931693"/>
+        <p14:creationId xmlns:p14="http://schemas.microsoft.com/office/powerpoint/2010/main" val="2984471104"/>
       </p:ext>
     </p:extLst>
   </p:cSld>
@@ -20222,7 +20279,7 @@
           <p:cNvPr id="2" name="Título 1">
             <a:extLst>
               <a:ext uri="{FF2B5EF4-FFF2-40B4-BE49-F238E27FC236}">
-                <a16:creationId xmlns:a16="http://schemas.microsoft.com/office/drawing/2014/main" id="{0016F7D4-1479-3756-B303-0CEB4908DF91}"/>
+                <a16:creationId xmlns:a16="http://schemas.microsoft.com/office/drawing/2014/main" id="{13F38957-B25D-DB3E-CB9E-F8DB10C66BAC}"/>
               </a:ext>
             </a:extLst>
           </p:cNvPr>
@@ -20235,7 +20292,7 @@
         </p:nvSpPr>
         <p:spPr>
           <a:xfrm>
-            <a:off x="838200" y="1853249"/>
+            <a:off x="838200" y="1363660"/>
             <a:ext cx="10515600" cy="1325563"/>
           </a:xfrm>
         </p:spPr>
@@ -20245,9 +20302,12 @@
           <a:p>
             <a:r>
               <a:rPr lang="es-ES" dirty="0" err="1"/>
-              <a:t>XState</a:t>
-            </a:r>
-            <a:endParaRPr lang="es-ES" dirty="0"/>
+              <a:t>State</a:t>
+            </a:r>
+            <a:r>
+              <a:rPr lang="es-ES" dirty="0"/>
+              <a:t> Machines</a:t>
+            </a:r>
           </a:p>
         </p:txBody>
       </p:sp>
@@ -20256,7 +20316,7 @@
           <p:cNvPr id="3" name="Marcador de contenido 2">
             <a:extLst>
               <a:ext uri="{FF2B5EF4-FFF2-40B4-BE49-F238E27FC236}">
-                <a16:creationId xmlns:a16="http://schemas.microsoft.com/office/drawing/2014/main" id="{B4486FD4-654B-1A33-7F26-8FDA9F9E6C9E}"/>
+                <a16:creationId xmlns:a16="http://schemas.microsoft.com/office/drawing/2014/main" id="{40E4DD5D-8DF4-AF13-459A-E2DE27CFA9B7}"/>
               </a:ext>
             </a:extLst>
           </p:cNvPr>
@@ -20269,14 +20329,12 @@
         </p:nvSpPr>
         <p:spPr>
           <a:xfrm>
-            <a:off x="838200" y="3429000"/>
-            <a:ext cx="10515600" cy="1981200"/>
+            <a:off x="838200" y="2939411"/>
+            <a:ext cx="10515600" cy="2825488"/>
           </a:xfrm>
         </p:spPr>
         <p:txBody>
-          <a:bodyPr>
-            <a:normAutofit/>
-          </a:bodyPr>
+          <a:bodyPr/>
           <a:lstStyle/>
           <a:p>
             <a:pPr marL="0" indent="0">
@@ -20284,21 +20342,8 @@
             </a:pPr>
             <a:r>
               <a:rPr lang="es-ES" dirty="0"/>
-              <a:t>Creado por David </a:t>
-            </a:r>
-            <a:r>
-              <a:rPr lang="es-ES" dirty="0" err="1"/>
-              <a:t>Khourshid</a:t>
-            </a:r>
-            <a:r>
-              <a:rPr lang="es-ES" dirty="0"/>
-              <a:t>, tipado por Matt </a:t>
-            </a:r>
-            <a:r>
-              <a:rPr lang="es-ES" dirty="0" err="1"/>
-              <a:t>Pocock</a:t>
-            </a:r>
-            <a:endParaRPr lang="es-ES" dirty="0"/>
+              <a:t>Orquestamos lógica asociada a cambios de estados concretos</a:t>
+            </a:r>
           </a:p>
           <a:p>
             <a:pPr marL="0" indent="0">
@@ -20312,35 +20357,34 @@
             </a:pPr>
             <a:r>
               <a:rPr lang="es-ES" dirty="0"/>
-              <a:t>Máquinas de estado finitas en JavaScript</a:t>
-            </a:r>
-          </a:p>
-          <a:p>
-            <a:r>
-              <a:rPr lang="es-ES" dirty="0"/>
-              <a:t>con integraciones para </a:t>
+              <a:t>Semáforo (el estado del paso de peatones):</a:t>
+            </a:r>
+          </a:p>
+          <a:p>
+            <a:r>
+              <a:rPr lang="es-ES" dirty="0"/>
+              <a:t>Cambio a rojo -&gt; coches pasan, peatones no</a:t>
+            </a:r>
+          </a:p>
+          <a:p>
+            <a:r>
+              <a:rPr lang="es-ES" dirty="0"/>
+              <a:t>Cambio a verde -&gt; coches paran, peatones no</a:t>
+            </a:r>
+          </a:p>
+          <a:p>
+            <a:r>
+              <a:rPr lang="es-ES" dirty="0"/>
+              <a:t>Cambio a </a:t>
             </a:r>
             <a:r>
               <a:rPr lang="es-ES" dirty="0" err="1"/>
-              <a:t>React</a:t>
-            </a:r>
-            <a:r>
-              <a:rPr lang="es-ES" dirty="0"/>
-              <a:t>, </a:t>
-            </a:r>
-            <a:r>
-              <a:rPr lang="es-ES" dirty="0" err="1"/>
-              <a:t>Vue</a:t>
-            </a:r>
-            <a:r>
-              <a:rPr lang="es-ES" dirty="0"/>
-              <a:t> y </a:t>
-            </a:r>
-            <a:r>
-              <a:rPr lang="es-ES" dirty="0" err="1"/>
-              <a:t>Svelte</a:t>
-            </a:r>
-            <a:endParaRPr lang="es-ES" dirty="0"/>
+              <a:t>ambar</a:t>
+            </a:r>
+            <a:r>
+              <a:rPr lang="es-ES" dirty="0"/>
+              <a:t> -&gt; peatones pasan, si no peatones, coches pasan</a:t>
+            </a:r>
           </a:p>
         </p:txBody>
       </p:sp>
@@ -20349,7 +20393,7 @@
           <p:cNvPr id="4" name="Marcador de fecha 3">
             <a:extLst>
               <a:ext uri="{FF2B5EF4-FFF2-40B4-BE49-F238E27FC236}">
-                <a16:creationId xmlns:a16="http://schemas.microsoft.com/office/drawing/2014/main" id="{73486292-5710-A90B-496A-A46295B34BF3}"/>
+                <a16:creationId xmlns:a16="http://schemas.microsoft.com/office/drawing/2014/main" id="{34524BE5-8134-EC00-0927-0C02B21B6873}"/>
               </a:ext>
             </a:extLst>
           </p:cNvPr>
@@ -20378,7 +20422,7 @@
           <p:cNvPr id="5" name="Marcador de pie de página 4">
             <a:extLst>
               <a:ext uri="{FF2B5EF4-FFF2-40B4-BE49-F238E27FC236}">
-                <a16:creationId xmlns:a16="http://schemas.microsoft.com/office/drawing/2014/main" id="{2ADA38D0-3D7D-3474-F0A9-4165C206F886}"/>
+                <a16:creationId xmlns:a16="http://schemas.microsoft.com/office/drawing/2014/main" id="{8D507969-5122-AF9B-CE08-57776D57F43A}"/>
               </a:ext>
             </a:extLst>
           </p:cNvPr>
@@ -20407,7 +20451,7 @@
           <p:cNvPr id="6" name="Marcador de número de diapositiva 5">
             <a:extLst>
               <a:ext uri="{FF2B5EF4-FFF2-40B4-BE49-F238E27FC236}">
-                <a16:creationId xmlns:a16="http://schemas.microsoft.com/office/drawing/2014/main" id="{6F124195-EE09-4C06-AF7D-081A97FD17A5}"/>
+                <a16:creationId xmlns:a16="http://schemas.microsoft.com/office/drawing/2014/main" id="{DFAF2203-5D68-2AA4-FEB5-DB8F6D2FECEE}"/>
               </a:ext>
             </a:extLst>
           </p:cNvPr>
@@ -20435,7 +20479,7 @@
     </p:spTree>
     <p:extLst>
       <p:ext uri="{BB962C8B-B14F-4D97-AF65-F5344CB8AC3E}">
-        <p14:creationId xmlns:p14="http://schemas.microsoft.com/office/powerpoint/2010/main" val="1092890062"/>
+        <p14:creationId xmlns:p14="http://schemas.microsoft.com/office/powerpoint/2010/main" val="376931693"/>
       </p:ext>
     </p:extLst>
   </p:cSld>
@@ -20467,7 +20511,7 @@
           <p:cNvPr id="2" name="Título 1">
             <a:extLst>
               <a:ext uri="{FF2B5EF4-FFF2-40B4-BE49-F238E27FC236}">
-                <a16:creationId xmlns:a16="http://schemas.microsoft.com/office/drawing/2014/main" id="{C187A8A8-C6A3-62C4-7BFB-D1E1AF8CF4D9}"/>
+                <a16:creationId xmlns:a16="http://schemas.microsoft.com/office/drawing/2014/main" id="{0016F7D4-1479-3756-B303-0CEB4908DF91}"/>
               </a:ext>
             </a:extLst>
           </p:cNvPr>
@@ -20478,12 +20522,21 @@
             <p:ph type="title"/>
           </p:nvPr>
         </p:nvSpPr>
-        <p:spPr/>
-        <p:txBody>
-          <a:bodyPr/>
-          <a:lstStyle/>
-          <a:p>
-            <a:endParaRPr lang="es-ES"/>
+        <p:spPr>
+          <a:xfrm>
+            <a:off x="838200" y="1853249"/>
+            <a:ext cx="10515600" cy="1325563"/>
+          </a:xfrm>
+        </p:spPr>
+        <p:txBody>
+          <a:bodyPr/>
+          <a:lstStyle/>
+          <a:p>
+            <a:r>
+              <a:rPr lang="es-ES" dirty="0" err="1"/>
+              <a:t>XState</a:t>
+            </a:r>
+            <a:endParaRPr lang="es-ES" dirty="0"/>
           </a:p>
         </p:txBody>
       </p:sp>
@@ -20492,7 +20545,7 @@
           <p:cNvPr id="3" name="Marcador de contenido 2">
             <a:extLst>
               <a:ext uri="{FF2B5EF4-FFF2-40B4-BE49-F238E27FC236}">
-                <a16:creationId xmlns:a16="http://schemas.microsoft.com/office/drawing/2014/main" id="{6F47F10A-3B40-D8DC-BF63-499218BA673E}"/>
+                <a16:creationId xmlns:a16="http://schemas.microsoft.com/office/drawing/2014/main" id="{B4486FD4-654B-1A33-7F26-8FDA9F9E6C9E}"/>
               </a:ext>
             </a:extLst>
           </p:cNvPr>
@@ -20503,12 +20556,80 @@
             <p:ph idx="1"/>
           </p:nvPr>
         </p:nvSpPr>
-        <p:spPr/>
-        <p:txBody>
-          <a:bodyPr/>
-          <a:lstStyle/>
-          <a:p>
-            <a:endParaRPr lang="es-ES"/>
+        <p:spPr>
+          <a:xfrm>
+            <a:off x="838200" y="3429000"/>
+            <a:ext cx="10515600" cy="1981200"/>
+          </a:xfrm>
+        </p:spPr>
+        <p:txBody>
+          <a:bodyPr>
+            <a:normAutofit/>
+          </a:bodyPr>
+          <a:lstStyle/>
+          <a:p>
+            <a:pPr marL="0" indent="0">
+              <a:buNone/>
+            </a:pPr>
+            <a:r>
+              <a:rPr lang="es-ES" dirty="0"/>
+              <a:t>Creado por David </a:t>
+            </a:r>
+            <a:r>
+              <a:rPr lang="es-ES" dirty="0" err="1"/>
+              <a:t>Khourshid</a:t>
+            </a:r>
+            <a:r>
+              <a:rPr lang="es-ES" dirty="0"/>
+              <a:t>, tipado por Matt </a:t>
+            </a:r>
+            <a:r>
+              <a:rPr lang="es-ES" dirty="0" err="1"/>
+              <a:t>Pocock</a:t>
+            </a:r>
+            <a:endParaRPr lang="es-ES" dirty="0"/>
+          </a:p>
+          <a:p>
+            <a:pPr marL="0" indent="0">
+              <a:buNone/>
+            </a:pPr>
+            <a:endParaRPr lang="es-ES" dirty="0"/>
+          </a:p>
+          <a:p>
+            <a:pPr marL="0" indent="0">
+              <a:buNone/>
+            </a:pPr>
+            <a:r>
+              <a:rPr lang="es-ES" dirty="0"/>
+              <a:t>Máquinas de estado finitas en JavaScript</a:t>
+            </a:r>
+          </a:p>
+          <a:p>
+            <a:r>
+              <a:rPr lang="es-ES" dirty="0"/>
+              <a:t>con integraciones para </a:t>
+            </a:r>
+            <a:r>
+              <a:rPr lang="es-ES" dirty="0" err="1"/>
+              <a:t>React</a:t>
+            </a:r>
+            <a:r>
+              <a:rPr lang="es-ES" dirty="0"/>
+              <a:t>, </a:t>
+            </a:r>
+            <a:r>
+              <a:rPr lang="es-ES" dirty="0" err="1"/>
+              <a:t>Vue</a:t>
+            </a:r>
+            <a:r>
+              <a:rPr lang="es-ES" dirty="0"/>
+              <a:t> y </a:t>
+            </a:r>
+            <a:r>
+              <a:rPr lang="es-ES" dirty="0" err="1"/>
+              <a:t>Svelte</a:t>
+            </a:r>
+            <a:endParaRPr lang="es-ES" dirty="0"/>
           </a:p>
         </p:txBody>
       </p:sp>
@@ -20517,7 +20638,7 @@
           <p:cNvPr id="4" name="Marcador de fecha 3">
             <a:extLst>
               <a:ext uri="{FF2B5EF4-FFF2-40B4-BE49-F238E27FC236}">
-                <a16:creationId xmlns:a16="http://schemas.microsoft.com/office/drawing/2014/main" id="{3CF64780-5656-C786-A1FF-0FF057B27BCB}"/>
+                <a16:creationId xmlns:a16="http://schemas.microsoft.com/office/drawing/2014/main" id="{73486292-5710-A90B-496A-A46295B34BF3}"/>
               </a:ext>
             </a:extLst>
           </p:cNvPr>
@@ -20546,7 +20667,7 @@
           <p:cNvPr id="5" name="Marcador de pie de página 4">
             <a:extLst>
               <a:ext uri="{FF2B5EF4-FFF2-40B4-BE49-F238E27FC236}">
-                <a16:creationId xmlns:a16="http://schemas.microsoft.com/office/drawing/2014/main" id="{3F52EB3A-BD8D-4E68-2958-83E22A9CF7C3}"/>
+                <a16:creationId xmlns:a16="http://schemas.microsoft.com/office/drawing/2014/main" id="{2ADA38D0-3D7D-3474-F0A9-4165C206F886}"/>
               </a:ext>
             </a:extLst>
           </p:cNvPr>
@@ -20575,7 +20696,7 @@
           <p:cNvPr id="6" name="Marcador de número de diapositiva 5">
             <a:extLst>
               <a:ext uri="{FF2B5EF4-FFF2-40B4-BE49-F238E27FC236}">
-                <a16:creationId xmlns:a16="http://schemas.microsoft.com/office/drawing/2014/main" id="{9BEFFDF6-67D3-2CCC-C6FD-667197C7C45F}"/>
+                <a16:creationId xmlns:a16="http://schemas.microsoft.com/office/drawing/2014/main" id="{6F124195-EE09-4C06-AF7D-081A97FD17A5}"/>
               </a:ext>
             </a:extLst>
           </p:cNvPr>
@@ -20595,6 +20716,174 @@
               <a:rPr lang="en-US" smtClean="0"/>
               <a:pPr/>
               <a:t>155</a:t>
+            </a:fld>
+            <a:endParaRPr lang="en-US"/>
+          </a:p>
+        </p:txBody>
+      </p:sp>
+    </p:spTree>
+    <p:extLst>
+      <p:ext uri="{BB962C8B-B14F-4D97-AF65-F5344CB8AC3E}">
+        <p14:creationId xmlns:p14="http://schemas.microsoft.com/office/powerpoint/2010/main" val="1092890062"/>
+      </p:ext>
+    </p:extLst>
+  </p:cSld>
+  <p:clrMapOvr>
+    <a:masterClrMapping/>
+  </p:clrMapOvr>
+</p:sld>
+</file>
+
+<file path=ppt/slides/slide156.xml><?xml version="1.0" encoding="utf-8"?>
+<p:sld xmlns:a="http://schemas.openxmlformats.org/drawingml/2006/main" xmlns:r="http://schemas.openxmlformats.org/officeDocument/2006/relationships" xmlns:p="http://schemas.openxmlformats.org/presentationml/2006/main">
+  <p:cSld>
+    <p:spTree>
+      <p:nvGrpSpPr>
+        <p:cNvPr id="1" name=""/>
+        <p:cNvGrpSpPr/>
+        <p:nvPr/>
+      </p:nvGrpSpPr>
+      <p:grpSpPr>
+        <a:xfrm>
+          <a:off x="0" y="0"/>
+          <a:ext cx="0" cy="0"/>
+          <a:chOff x="0" y="0"/>
+          <a:chExt cx="0" cy="0"/>
+        </a:xfrm>
+      </p:grpSpPr>
+      <p:sp>
+        <p:nvSpPr>
+          <p:cNvPr id="2" name="Título 1">
+            <a:extLst>
+              <a:ext uri="{FF2B5EF4-FFF2-40B4-BE49-F238E27FC236}">
+                <a16:creationId xmlns:a16="http://schemas.microsoft.com/office/drawing/2014/main" id="{C187A8A8-C6A3-62C4-7BFB-D1E1AF8CF4D9}"/>
+              </a:ext>
+            </a:extLst>
+          </p:cNvPr>
+          <p:cNvSpPr>
+            <a:spLocks noGrp="1"/>
+          </p:cNvSpPr>
+          <p:nvPr>
+            <p:ph type="title"/>
+          </p:nvPr>
+        </p:nvSpPr>
+        <p:spPr/>
+        <p:txBody>
+          <a:bodyPr/>
+          <a:lstStyle/>
+          <a:p>
+            <a:endParaRPr lang="es-ES"/>
+          </a:p>
+        </p:txBody>
+      </p:sp>
+      <p:sp>
+        <p:nvSpPr>
+          <p:cNvPr id="3" name="Marcador de contenido 2">
+            <a:extLst>
+              <a:ext uri="{FF2B5EF4-FFF2-40B4-BE49-F238E27FC236}">
+                <a16:creationId xmlns:a16="http://schemas.microsoft.com/office/drawing/2014/main" id="{6F47F10A-3B40-D8DC-BF63-499218BA673E}"/>
+              </a:ext>
+            </a:extLst>
+          </p:cNvPr>
+          <p:cNvSpPr>
+            <a:spLocks noGrp="1"/>
+          </p:cNvSpPr>
+          <p:nvPr>
+            <p:ph idx="1"/>
+          </p:nvPr>
+        </p:nvSpPr>
+        <p:spPr/>
+        <p:txBody>
+          <a:bodyPr/>
+          <a:lstStyle/>
+          <a:p>
+            <a:endParaRPr lang="es-ES"/>
+          </a:p>
+        </p:txBody>
+      </p:sp>
+      <p:sp>
+        <p:nvSpPr>
+          <p:cNvPr id="4" name="Marcador de fecha 3">
+            <a:extLst>
+              <a:ext uri="{FF2B5EF4-FFF2-40B4-BE49-F238E27FC236}">
+                <a16:creationId xmlns:a16="http://schemas.microsoft.com/office/drawing/2014/main" id="{3CF64780-5656-C786-A1FF-0FF057B27BCB}"/>
+              </a:ext>
+            </a:extLst>
+          </p:cNvPr>
+          <p:cNvSpPr>
+            <a:spLocks noGrp="1"/>
+          </p:cNvSpPr>
+          <p:nvPr>
+            <p:ph type="dt" sz="half" idx="10"/>
+          </p:nvPr>
+        </p:nvSpPr>
+        <p:spPr/>
+        <p:txBody>
+          <a:bodyPr/>
+          <a:lstStyle/>
+          <a:p>
+            <a:r>
+              <a:rPr lang="es-ES"/>
+              <a:t>05/12/2024</a:t>
+            </a:r>
+            <a:endParaRPr lang="en-US"/>
+          </a:p>
+        </p:txBody>
+      </p:sp>
+      <p:sp>
+        <p:nvSpPr>
+          <p:cNvPr id="5" name="Marcador de pie de página 4">
+            <a:extLst>
+              <a:ext uri="{FF2B5EF4-FFF2-40B4-BE49-F238E27FC236}">
+                <a16:creationId xmlns:a16="http://schemas.microsoft.com/office/drawing/2014/main" id="{3F52EB3A-BD8D-4E68-2958-83E22A9CF7C3}"/>
+              </a:ext>
+            </a:extLst>
+          </p:cNvPr>
+          <p:cNvSpPr>
+            <a:spLocks noGrp="1"/>
+          </p:cNvSpPr>
+          <p:nvPr>
+            <p:ph type="ftr" sz="quarter" idx="11"/>
+          </p:nvPr>
+        </p:nvSpPr>
+        <p:spPr/>
+        <p:txBody>
+          <a:bodyPr/>
+          <a:lstStyle/>
+          <a:p>
+            <a:r>
+              <a:rPr lang="es-ES"/>
+              <a:t>Programación Funcional - Pepe Fabra Valverde</a:t>
+            </a:r>
+            <a:endParaRPr lang="en-US"/>
+          </a:p>
+        </p:txBody>
+      </p:sp>
+      <p:sp>
+        <p:nvSpPr>
+          <p:cNvPr id="6" name="Marcador de número de diapositiva 5">
+            <a:extLst>
+              <a:ext uri="{FF2B5EF4-FFF2-40B4-BE49-F238E27FC236}">
+                <a16:creationId xmlns:a16="http://schemas.microsoft.com/office/drawing/2014/main" id="{9BEFFDF6-67D3-2CCC-C6FD-667197C7C45F}"/>
+              </a:ext>
+            </a:extLst>
+          </p:cNvPr>
+          <p:cNvSpPr>
+            <a:spLocks noGrp="1"/>
+          </p:cNvSpPr>
+          <p:nvPr>
+            <p:ph type="sldNum" sz="quarter" idx="12"/>
+          </p:nvPr>
+        </p:nvSpPr>
+        <p:spPr/>
+        <p:txBody>
+          <a:bodyPr/>
+          <a:lstStyle/>
+          <a:p>
+            <a:fld id="{D3060201-1C40-4B39-813D-5CD9493BAEED}" type="slidenum">
+              <a:rPr lang="en-US" smtClean="0"/>
+              <a:pPr/>
+              <a:t>156</a:t>
             </a:fld>
             <a:endParaRPr lang="en-US"/>
           </a:p>
@@ -20660,178 +20949,6 @@
 </p:sld>
 </file>
 
-<file path=ppt/slides/slide156.xml><?xml version="1.0" encoding="utf-8"?>
-<p:sld xmlns:a="http://schemas.openxmlformats.org/drawingml/2006/main" xmlns:r="http://schemas.openxmlformats.org/officeDocument/2006/relationships" xmlns:p="http://schemas.openxmlformats.org/presentationml/2006/main">
-  <p:cSld>
-    <p:spTree>
-      <p:nvGrpSpPr>
-        <p:cNvPr id="1" name=""/>
-        <p:cNvGrpSpPr/>
-        <p:nvPr/>
-      </p:nvGrpSpPr>
-      <p:grpSpPr>
-        <a:xfrm>
-          <a:off x="0" y="0"/>
-          <a:ext cx="0" cy="0"/>
-          <a:chOff x="0" y="0"/>
-          <a:chExt cx="0" cy="0"/>
-        </a:xfrm>
-      </p:grpSpPr>
-      <p:sp>
-        <p:nvSpPr>
-          <p:cNvPr id="2" name="Título 1">
-            <a:extLst>
-              <a:ext uri="{FF2B5EF4-FFF2-40B4-BE49-F238E27FC236}">
-                <a16:creationId xmlns:a16="http://schemas.microsoft.com/office/drawing/2014/main" id="{DCDC2CC5-85AB-71DE-C805-343EC60F9D72}"/>
-              </a:ext>
-            </a:extLst>
-          </p:cNvPr>
-          <p:cNvSpPr>
-            <a:spLocks noGrp="1"/>
-          </p:cNvSpPr>
-          <p:nvPr>
-            <p:ph type="title"/>
-          </p:nvPr>
-        </p:nvSpPr>
-        <p:spPr/>
-        <p:txBody>
-          <a:bodyPr/>
-          <a:lstStyle/>
-          <a:p>
-            <a:r>
-              <a:rPr lang="es-ES" dirty="0" err="1"/>
-              <a:t>Statecharts</a:t>
-            </a:r>
-            <a:endParaRPr lang="es-ES" dirty="0"/>
-          </a:p>
-        </p:txBody>
-      </p:sp>
-      <p:sp>
-        <p:nvSpPr>
-          <p:cNvPr id="3" name="Marcador de texto 2">
-            <a:extLst>
-              <a:ext uri="{FF2B5EF4-FFF2-40B4-BE49-F238E27FC236}">
-                <a16:creationId xmlns:a16="http://schemas.microsoft.com/office/drawing/2014/main" id="{527B4570-7A51-0953-B0F2-FE3C83DC0020}"/>
-              </a:ext>
-            </a:extLst>
-          </p:cNvPr>
-          <p:cNvSpPr>
-            <a:spLocks noGrp="1"/>
-          </p:cNvSpPr>
-          <p:nvPr>
-            <p:ph type="body" idx="1"/>
-          </p:nvPr>
-        </p:nvSpPr>
-        <p:spPr/>
-        <p:txBody>
-          <a:bodyPr/>
-          <a:lstStyle/>
-          <a:p>
-            <a:endParaRPr lang="es-ES"/>
-          </a:p>
-        </p:txBody>
-      </p:sp>
-      <p:sp>
-        <p:nvSpPr>
-          <p:cNvPr id="4" name="Marcador de fecha 3">
-            <a:extLst>
-              <a:ext uri="{FF2B5EF4-FFF2-40B4-BE49-F238E27FC236}">
-                <a16:creationId xmlns:a16="http://schemas.microsoft.com/office/drawing/2014/main" id="{28D9CE70-49B1-CE82-11CC-703081647563}"/>
-              </a:ext>
-            </a:extLst>
-          </p:cNvPr>
-          <p:cNvSpPr>
-            <a:spLocks noGrp="1"/>
-          </p:cNvSpPr>
-          <p:nvPr>
-            <p:ph type="dt" sz="half" idx="10"/>
-          </p:nvPr>
-        </p:nvSpPr>
-        <p:spPr/>
-        <p:txBody>
-          <a:bodyPr/>
-          <a:lstStyle/>
-          <a:p>
-            <a:r>
-              <a:rPr lang="es-ES"/>
-              <a:t>05/12/2024</a:t>
-            </a:r>
-            <a:endParaRPr lang="en-US"/>
-          </a:p>
-        </p:txBody>
-      </p:sp>
-      <p:sp>
-        <p:nvSpPr>
-          <p:cNvPr id="5" name="Marcador de pie de página 4">
-            <a:extLst>
-              <a:ext uri="{FF2B5EF4-FFF2-40B4-BE49-F238E27FC236}">
-                <a16:creationId xmlns:a16="http://schemas.microsoft.com/office/drawing/2014/main" id="{30DE97C7-15B5-D240-4622-0E7AC7E3C27C}"/>
-              </a:ext>
-            </a:extLst>
-          </p:cNvPr>
-          <p:cNvSpPr>
-            <a:spLocks noGrp="1"/>
-          </p:cNvSpPr>
-          <p:nvPr>
-            <p:ph type="ftr" sz="quarter" idx="11"/>
-          </p:nvPr>
-        </p:nvSpPr>
-        <p:spPr/>
-        <p:txBody>
-          <a:bodyPr/>
-          <a:lstStyle/>
-          <a:p>
-            <a:r>
-              <a:rPr lang="es-ES"/>
-              <a:t>Programación Funcional - Pepe Fabra Valverde</a:t>
-            </a:r>
-            <a:endParaRPr lang="en-US"/>
-          </a:p>
-        </p:txBody>
-      </p:sp>
-      <p:sp>
-        <p:nvSpPr>
-          <p:cNvPr id="6" name="Marcador de número de diapositiva 5">
-            <a:extLst>
-              <a:ext uri="{FF2B5EF4-FFF2-40B4-BE49-F238E27FC236}">
-                <a16:creationId xmlns:a16="http://schemas.microsoft.com/office/drawing/2014/main" id="{C50FBF5C-260A-5956-D76B-E17EB204696A}"/>
-              </a:ext>
-            </a:extLst>
-          </p:cNvPr>
-          <p:cNvSpPr>
-            <a:spLocks noGrp="1"/>
-          </p:cNvSpPr>
-          <p:nvPr>
-            <p:ph type="sldNum" sz="quarter" idx="12"/>
-          </p:nvPr>
-        </p:nvSpPr>
-        <p:spPr/>
-        <p:txBody>
-          <a:bodyPr/>
-          <a:lstStyle/>
-          <a:p>
-            <a:fld id="{D3060201-1C40-4B39-813D-5CD9493BAEED}" type="slidenum">
-              <a:rPr lang="en-US" smtClean="0"/>
-              <a:pPr/>
-              <a:t>156</a:t>
-            </a:fld>
-            <a:endParaRPr lang="en-US"/>
-          </a:p>
-        </p:txBody>
-      </p:sp>
-    </p:spTree>
-    <p:extLst>
-      <p:ext uri="{BB962C8B-B14F-4D97-AF65-F5344CB8AC3E}">
-        <p14:creationId xmlns:p14="http://schemas.microsoft.com/office/powerpoint/2010/main" val="3939870245"/>
-      </p:ext>
-    </p:extLst>
-  </p:cSld>
-  <p:clrMapOvr>
-    <a:masterClrMapping/>
-  </p:clrMapOvr>
-</p:sld>
-</file>
-
 <file path=ppt/slides/slide157.xml><?xml version="1.0" encoding="utf-8"?>
 <p:sld xmlns:a="http://schemas.openxmlformats.org/drawingml/2006/main" xmlns:r="http://schemas.openxmlformats.org/officeDocument/2006/relationships" xmlns:p="http://schemas.openxmlformats.org/presentationml/2006/main">
   <p:cSld>
@@ -20854,6 +20971,178 @@
           <p:cNvPr id="2" name="Título 1">
             <a:extLst>
               <a:ext uri="{FF2B5EF4-FFF2-40B4-BE49-F238E27FC236}">
+                <a16:creationId xmlns:a16="http://schemas.microsoft.com/office/drawing/2014/main" id="{DCDC2CC5-85AB-71DE-C805-343EC60F9D72}"/>
+              </a:ext>
+            </a:extLst>
+          </p:cNvPr>
+          <p:cNvSpPr>
+            <a:spLocks noGrp="1"/>
+          </p:cNvSpPr>
+          <p:nvPr>
+            <p:ph type="title"/>
+          </p:nvPr>
+        </p:nvSpPr>
+        <p:spPr/>
+        <p:txBody>
+          <a:bodyPr/>
+          <a:lstStyle/>
+          <a:p>
+            <a:r>
+              <a:rPr lang="es-ES" dirty="0" err="1"/>
+              <a:t>Statecharts</a:t>
+            </a:r>
+            <a:endParaRPr lang="es-ES" dirty="0"/>
+          </a:p>
+        </p:txBody>
+      </p:sp>
+      <p:sp>
+        <p:nvSpPr>
+          <p:cNvPr id="3" name="Marcador de texto 2">
+            <a:extLst>
+              <a:ext uri="{FF2B5EF4-FFF2-40B4-BE49-F238E27FC236}">
+                <a16:creationId xmlns:a16="http://schemas.microsoft.com/office/drawing/2014/main" id="{527B4570-7A51-0953-B0F2-FE3C83DC0020}"/>
+              </a:ext>
+            </a:extLst>
+          </p:cNvPr>
+          <p:cNvSpPr>
+            <a:spLocks noGrp="1"/>
+          </p:cNvSpPr>
+          <p:nvPr>
+            <p:ph type="body" idx="1"/>
+          </p:nvPr>
+        </p:nvSpPr>
+        <p:spPr/>
+        <p:txBody>
+          <a:bodyPr/>
+          <a:lstStyle/>
+          <a:p>
+            <a:endParaRPr lang="es-ES"/>
+          </a:p>
+        </p:txBody>
+      </p:sp>
+      <p:sp>
+        <p:nvSpPr>
+          <p:cNvPr id="4" name="Marcador de fecha 3">
+            <a:extLst>
+              <a:ext uri="{FF2B5EF4-FFF2-40B4-BE49-F238E27FC236}">
+                <a16:creationId xmlns:a16="http://schemas.microsoft.com/office/drawing/2014/main" id="{28D9CE70-49B1-CE82-11CC-703081647563}"/>
+              </a:ext>
+            </a:extLst>
+          </p:cNvPr>
+          <p:cNvSpPr>
+            <a:spLocks noGrp="1"/>
+          </p:cNvSpPr>
+          <p:nvPr>
+            <p:ph type="dt" sz="half" idx="10"/>
+          </p:nvPr>
+        </p:nvSpPr>
+        <p:spPr/>
+        <p:txBody>
+          <a:bodyPr/>
+          <a:lstStyle/>
+          <a:p>
+            <a:r>
+              <a:rPr lang="es-ES"/>
+              <a:t>05/12/2024</a:t>
+            </a:r>
+            <a:endParaRPr lang="en-US"/>
+          </a:p>
+        </p:txBody>
+      </p:sp>
+      <p:sp>
+        <p:nvSpPr>
+          <p:cNvPr id="5" name="Marcador de pie de página 4">
+            <a:extLst>
+              <a:ext uri="{FF2B5EF4-FFF2-40B4-BE49-F238E27FC236}">
+                <a16:creationId xmlns:a16="http://schemas.microsoft.com/office/drawing/2014/main" id="{30DE97C7-15B5-D240-4622-0E7AC7E3C27C}"/>
+              </a:ext>
+            </a:extLst>
+          </p:cNvPr>
+          <p:cNvSpPr>
+            <a:spLocks noGrp="1"/>
+          </p:cNvSpPr>
+          <p:nvPr>
+            <p:ph type="ftr" sz="quarter" idx="11"/>
+          </p:nvPr>
+        </p:nvSpPr>
+        <p:spPr/>
+        <p:txBody>
+          <a:bodyPr/>
+          <a:lstStyle/>
+          <a:p>
+            <a:r>
+              <a:rPr lang="es-ES"/>
+              <a:t>Programación Funcional - Pepe Fabra Valverde</a:t>
+            </a:r>
+            <a:endParaRPr lang="en-US"/>
+          </a:p>
+        </p:txBody>
+      </p:sp>
+      <p:sp>
+        <p:nvSpPr>
+          <p:cNvPr id="6" name="Marcador de número de diapositiva 5">
+            <a:extLst>
+              <a:ext uri="{FF2B5EF4-FFF2-40B4-BE49-F238E27FC236}">
+                <a16:creationId xmlns:a16="http://schemas.microsoft.com/office/drawing/2014/main" id="{C50FBF5C-260A-5956-D76B-E17EB204696A}"/>
+              </a:ext>
+            </a:extLst>
+          </p:cNvPr>
+          <p:cNvSpPr>
+            <a:spLocks noGrp="1"/>
+          </p:cNvSpPr>
+          <p:nvPr>
+            <p:ph type="sldNum" sz="quarter" idx="12"/>
+          </p:nvPr>
+        </p:nvSpPr>
+        <p:spPr/>
+        <p:txBody>
+          <a:bodyPr/>
+          <a:lstStyle/>
+          <a:p>
+            <a:fld id="{D3060201-1C40-4B39-813D-5CD9493BAEED}" type="slidenum">
+              <a:rPr lang="en-US" smtClean="0"/>
+              <a:pPr/>
+              <a:t>157</a:t>
+            </a:fld>
+            <a:endParaRPr lang="en-US"/>
+          </a:p>
+        </p:txBody>
+      </p:sp>
+    </p:spTree>
+    <p:extLst>
+      <p:ext uri="{BB962C8B-B14F-4D97-AF65-F5344CB8AC3E}">
+        <p14:creationId xmlns:p14="http://schemas.microsoft.com/office/powerpoint/2010/main" val="3939870245"/>
+      </p:ext>
+    </p:extLst>
+  </p:cSld>
+  <p:clrMapOvr>
+    <a:masterClrMapping/>
+  </p:clrMapOvr>
+</p:sld>
+</file>
+
+<file path=ppt/slides/slide158.xml><?xml version="1.0" encoding="utf-8"?>
+<p:sld xmlns:a="http://schemas.openxmlformats.org/drawingml/2006/main" xmlns:r="http://schemas.openxmlformats.org/officeDocument/2006/relationships" xmlns:p="http://schemas.openxmlformats.org/presentationml/2006/main">
+  <p:cSld>
+    <p:spTree>
+      <p:nvGrpSpPr>
+        <p:cNvPr id="1" name=""/>
+        <p:cNvGrpSpPr/>
+        <p:nvPr/>
+      </p:nvGrpSpPr>
+      <p:grpSpPr>
+        <a:xfrm>
+          <a:off x="0" y="0"/>
+          <a:ext cx="0" cy="0"/>
+          <a:chOff x="0" y="0"/>
+          <a:chExt cx="0" cy="0"/>
+        </a:xfrm>
+      </p:grpSpPr>
+      <p:sp>
+        <p:nvSpPr>
+          <p:cNvPr id="2" name="Título 1">
+            <a:extLst>
+              <a:ext uri="{FF2B5EF4-FFF2-40B4-BE49-F238E27FC236}">
                 <a16:creationId xmlns:a16="http://schemas.microsoft.com/office/drawing/2014/main" id="{88A35644-95A0-205A-C831-5B63320F2C89}"/>
               </a:ext>
             </a:extLst>
@@ -21030,7 +21319,7 @@
             <a:fld id="{D3060201-1C40-4B39-813D-5CD9493BAEED}" type="slidenum">
               <a:rPr lang="en-US" smtClean="0"/>
               <a:pPr/>
-              <a:t>157</a:t>
+              <a:t>158</a:t>
             </a:fld>
             <a:endParaRPr lang="en-US"/>
           </a:p>
@@ -21049,7 +21338,7 @@
 </p:sld>
 </file>
 
-<file path=ppt/slides/slide158.xml><?xml version="1.0" encoding="utf-8"?>
+<file path=ppt/slides/slide159.xml><?xml version="1.0" encoding="utf-8"?>
 <p:sld xmlns:a="http://schemas.openxmlformats.org/drawingml/2006/main" xmlns:r="http://schemas.openxmlformats.org/officeDocument/2006/relationships" xmlns:p="http://schemas.openxmlformats.org/presentationml/2006/main">
   <p:cSld>
     <p:spTree>
@@ -21295,7 +21584,7 @@
             <a:fld id="{D3060201-1C40-4B39-813D-5CD9493BAEED}" type="slidenum">
               <a:rPr lang="en-US" smtClean="0"/>
               <a:pPr/>
-              <a:t>158</a:t>
+              <a:t>159</a:t>
             </a:fld>
             <a:endParaRPr lang="en-US"/>
           </a:p>
@@ -21305,242 +21594,6 @@
     <p:extLst>
       <p:ext uri="{BB962C8B-B14F-4D97-AF65-F5344CB8AC3E}">
         <p14:creationId xmlns:p14="http://schemas.microsoft.com/office/powerpoint/2010/main" val="1247300823"/>
-      </p:ext>
-    </p:extLst>
-  </p:cSld>
-  <p:clrMapOvr>
-    <a:masterClrMapping/>
-  </p:clrMapOvr>
-</p:sld>
-</file>
-
-<file path=ppt/slides/slide159.xml><?xml version="1.0" encoding="utf-8"?>
-<p:sld xmlns:a="http://schemas.openxmlformats.org/drawingml/2006/main" xmlns:r="http://schemas.openxmlformats.org/officeDocument/2006/relationships" xmlns:p="http://schemas.openxmlformats.org/presentationml/2006/main">
-  <p:cSld>
-    <p:spTree>
-      <p:nvGrpSpPr>
-        <p:cNvPr id="1" name=""/>
-        <p:cNvGrpSpPr/>
-        <p:nvPr/>
-      </p:nvGrpSpPr>
-      <p:grpSpPr>
-        <a:xfrm>
-          <a:off x="0" y="0"/>
-          <a:ext cx="0" cy="0"/>
-          <a:chOff x="0" y="0"/>
-          <a:chExt cx="0" cy="0"/>
-        </a:xfrm>
-      </p:grpSpPr>
-      <p:sp>
-        <p:nvSpPr>
-          <p:cNvPr id="2" name="Título 1">
-            <a:extLst>
-              <a:ext uri="{FF2B5EF4-FFF2-40B4-BE49-F238E27FC236}">
-                <a16:creationId xmlns:a16="http://schemas.microsoft.com/office/drawing/2014/main" id="{4F7761B9-3A04-C7B7-7A4C-EE1B1D8A5E1A}"/>
-              </a:ext>
-            </a:extLst>
-          </p:cNvPr>
-          <p:cNvSpPr>
-            <a:spLocks noGrp="1"/>
-          </p:cNvSpPr>
-          <p:nvPr>
-            <p:ph type="title"/>
-          </p:nvPr>
-        </p:nvSpPr>
-        <p:spPr>
-          <a:xfrm>
-            <a:off x="838200" y="2103437"/>
-            <a:ext cx="10515600" cy="1325563"/>
-          </a:xfrm>
-        </p:spPr>
-        <p:txBody>
-          <a:bodyPr/>
-          <a:lstStyle/>
-          <a:p>
-            <a:r>
-              <a:rPr lang="es-ES" dirty="0" err="1"/>
-              <a:t>XState</a:t>
-            </a:r>
-            <a:r>
-              <a:rPr lang="es-ES" dirty="0"/>
-              <a:t> </a:t>
-            </a:r>
-            <a:r>
-              <a:rPr lang="es-ES" dirty="0" err="1"/>
-              <a:t>Visualizer</a:t>
-            </a:r>
-            <a:endParaRPr lang="es-ES" dirty="0"/>
-          </a:p>
-        </p:txBody>
-      </p:sp>
-      <p:sp>
-        <p:nvSpPr>
-          <p:cNvPr id="3" name="Marcador de contenido 2">
-            <a:extLst>
-              <a:ext uri="{FF2B5EF4-FFF2-40B4-BE49-F238E27FC236}">
-                <a16:creationId xmlns:a16="http://schemas.microsoft.com/office/drawing/2014/main" id="{78906319-8F4A-287C-F7B7-602980270EE5}"/>
-              </a:ext>
-            </a:extLst>
-          </p:cNvPr>
-          <p:cNvSpPr>
-            <a:spLocks noGrp="1"/>
-          </p:cNvSpPr>
-          <p:nvPr>
-            <p:ph idx="1"/>
-          </p:nvPr>
-        </p:nvSpPr>
-        <p:spPr>
-          <a:xfrm>
-            <a:off x="838200" y="3679188"/>
-            <a:ext cx="10515600" cy="999094"/>
-          </a:xfrm>
-        </p:spPr>
-        <p:txBody>
-          <a:bodyPr/>
-          <a:lstStyle/>
-          <a:p>
-            <a:pPr marL="0" indent="0">
-              <a:buNone/>
-            </a:pPr>
-            <a:r>
-              <a:rPr lang="es-ES" dirty="0" err="1"/>
-              <a:t>StateCharts</a:t>
-            </a:r>
-            <a:r>
-              <a:rPr lang="es-ES" dirty="0"/>
-              <a:t> usando </a:t>
-            </a:r>
-            <a:r>
-              <a:rPr lang="es-ES" dirty="0" err="1"/>
-              <a:t>Diagram</a:t>
-            </a:r>
-            <a:r>
-              <a:rPr lang="es-ES" dirty="0"/>
-              <a:t> as </a:t>
-            </a:r>
-            <a:r>
-              <a:rPr lang="es-ES" dirty="0" err="1"/>
-              <a:t>Code</a:t>
-            </a:r>
-            <a:r>
-              <a:rPr lang="es-ES" dirty="0"/>
-              <a:t>  (JavaScript con </a:t>
-            </a:r>
-            <a:r>
-              <a:rPr lang="es-ES" dirty="0" err="1"/>
-              <a:t>XState</a:t>
-            </a:r>
-            <a:r>
-              <a:rPr lang="es-ES" dirty="0"/>
-              <a:t>)</a:t>
-            </a:r>
-          </a:p>
-          <a:p>
-            <a:pPr marL="0" indent="0">
-              <a:buNone/>
-            </a:pPr>
-            <a:r>
-              <a:rPr lang="es-ES" dirty="0">
-                <a:hlinkClick r:id="rId2"/>
-              </a:rPr>
-              <a:t>https://stately.ai/viz</a:t>
-            </a:r>
-            <a:endParaRPr lang="es-ES" dirty="0"/>
-          </a:p>
-        </p:txBody>
-      </p:sp>
-      <p:sp>
-        <p:nvSpPr>
-          <p:cNvPr id="4" name="Marcador de fecha 3">
-            <a:extLst>
-              <a:ext uri="{FF2B5EF4-FFF2-40B4-BE49-F238E27FC236}">
-                <a16:creationId xmlns:a16="http://schemas.microsoft.com/office/drawing/2014/main" id="{539347AF-DAD0-2AE6-0E5D-403260A5F50B}"/>
-              </a:ext>
-            </a:extLst>
-          </p:cNvPr>
-          <p:cNvSpPr>
-            <a:spLocks noGrp="1"/>
-          </p:cNvSpPr>
-          <p:nvPr>
-            <p:ph type="dt" sz="half" idx="10"/>
-          </p:nvPr>
-        </p:nvSpPr>
-        <p:spPr/>
-        <p:txBody>
-          <a:bodyPr/>
-          <a:lstStyle/>
-          <a:p>
-            <a:r>
-              <a:rPr lang="es-ES"/>
-              <a:t>05/12/2024</a:t>
-            </a:r>
-            <a:endParaRPr lang="en-US"/>
-          </a:p>
-        </p:txBody>
-      </p:sp>
-      <p:sp>
-        <p:nvSpPr>
-          <p:cNvPr id="5" name="Marcador de pie de página 4">
-            <a:extLst>
-              <a:ext uri="{FF2B5EF4-FFF2-40B4-BE49-F238E27FC236}">
-                <a16:creationId xmlns:a16="http://schemas.microsoft.com/office/drawing/2014/main" id="{13B7C953-E33D-9C85-B09E-45C2550E7B15}"/>
-              </a:ext>
-            </a:extLst>
-          </p:cNvPr>
-          <p:cNvSpPr>
-            <a:spLocks noGrp="1"/>
-          </p:cNvSpPr>
-          <p:nvPr>
-            <p:ph type="ftr" sz="quarter" idx="11"/>
-          </p:nvPr>
-        </p:nvSpPr>
-        <p:spPr/>
-        <p:txBody>
-          <a:bodyPr/>
-          <a:lstStyle/>
-          <a:p>
-            <a:r>
-              <a:rPr lang="es-ES"/>
-              <a:t>Programación Funcional - Pepe Fabra Valverde</a:t>
-            </a:r>
-            <a:endParaRPr lang="en-US"/>
-          </a:p>
-        </p:txBody>
-      </p:sp>
-      <p:sp>
-        <p:nvSpPr>
-          <p:cNvPr id="6" name="Marcador de número de diapositiva 5">
-            <a:extLst>
-              <a:ext uri="{FF2B5EF4-FFF2-40B4-BE49-F238E27FC236}">
-                <a16:creationId xmlns:a16="http://schemas.microsoft.com/office/drawing/2014/main" id="{498429BB-5EB4-A6A3-BA49-5D7F7DBCB4A8}"/>
-              </a:ext>
-            </a:extLst>
-          </p:cNvPr>
-          <p:cNvSpPr>
-            <a:spLocks noGrp="1"/>
-          </p:cNvSpPr>
-          <p:nvPr>
-            <p:ph type="sldNum" sz="quarter" idx="12"/>
-          </p:nvPr>
-        </p:nvSpPr>
-        <p:spPr/>
-        <p:txBody>
-          <a:bodyPr/>
-          <a:lstStyle/>
-          <a:p>
-            <a:fld id="{D3060201-1C40-4B39-813D-5CD9493BAEED}" type="slidenum">
-              <a:rPr lang="en-US" smtClean="0"/>
-              <a:pPr/>
-              <a:t>159</a:t>
-            </a:fld>
-            <a:endParaRPr lang="en-US"/>
-          </a:p>
-        </p:txBody>
-      </p:sp>
-    </p:spTree>
-    <p:extLst>
-      <p:ext uri="{BB962C8B-B14F-4D97-AF65-F5344CB8AC3E}">
-        <p14:creationId xmlns:p14="http://schemas.microsoft.com/office/powerpoint/2010/main" val="1434727040"/>
       </p:ext>
     </p:extLst>
   </p:cSld>
@@ -21743,7 +21796,7 @@
           <p:cNvPr id="2" name="Título 1">
             <a:extLst>
               <a:ext uri="{FF2B5EF4-FFF2-40B4-BE49-F238E27FC236}">
-                <a16:creationId xmlns:a16="http://schemas.microsoft.com/office/drawing/2014/main" id="{5FE5D9E7-D37C-7FEF-B09B-2072DA593551}"/>
+                <a16:creationId xmlns:a16="http://schemas.microsoft.com/office/drawing/2014/main" id="{4F7761B9-3A04-C7B7-7A4C-EE1B1D8A5E1A}"/>
               </a:ext>
             </a:extLst>
           </p:cNvPr>
@@ -21754,12 +21807,29 @@
             <p:ph type="title"/>
           </p:nvPr>
         </p:nvSpPr>
-        <p:spPr/>
-        <p:txBody>
-          <a:bodyPr/>
-          <a:lstStyle/>
-          <a:p>
-            <a:endParaRPr lang="es-ES"/>
+        <p:spPr>
+          <a:xfrm>
+            <a:off x="838200" y="2103437"/>
+            <a:ext cx="10515600" cy="1325563"/>
+          </a:xfrm>
+        </p:spPr>
+        <p:txBody>
+          <a:bodyPr/>
+          <a:lstStyle/>
+          <a:p>
+            <a:r>
+              <a:rPr lang="es-ES" dirty="0" err="1"/>
+              <a:t>XState</a:t>
+            </a:r>
+            <a:r>
+              <a:rPr lang="es-ES" dirty="0"/>
+              <a:t> </a:t>
+            </a:r>
+            <a:r>
+              <a:rPr lang="es-ES" dirty="0" err="1"/>
+              <a:t>Visualizer</a:t>
+            </a:r>
+            <a:endParaRPr lang="es-ES" dirty="0"/>
           </a:p>
         </p:txBody>
       </p:sp>
@@ -21768,7 +21838,7 @@
           <p:cNvPr id="3" name="Marcador de contenido 2">
             <a:extLst>
               <a:ext uri="{FF2B5EF4-FFF2-40B4-BE49-F238E27FC236}">
-                <a16:creationId xmlns:a16="http://schemas.microsoft.com/office/drawing/2014/main" id="{B353CAF7-3FBA-53AB-EB9B-0501029F37CB}"/>
+                <a16:creationId xmlns:a16="http://schemas.microsoft.com/office/drawing/2014/main" id="{78906319-8F4A-287C-F7B7-602980270EE5}"/>
               </a:ext>
             </a:extLst>
           </p:cNvPr>
@@ -21779,12 +21849,63 @@
             <p:ph idx="1"/>
           </p:nvPr>
         </p:nvSpPr>
-        <p:spPr/>
-        <p:txBody>
-          <a:bodyPr/>
-          <a:lstStyle/>
-          <a:p>
-            <a:endParaRPr lang="es-ES"/>
+        <p:spPr>
+          <a:xfrm>
+            <a:off x="838200" y="3679188"/>
+            <a:ext cx="10515600" cy="999094"/>
+          </a:xfrm>
+        </p:spPr>
+        <p:txBody>
+          <a:bodyPr/>
+          <a:lstStyle/>
+          <a:p>
+            <a:pPr marL="0" indent="0">
+              <a:buNone/>
+            </a:pPr>
+            <a:r>
+              <a:rPr lang="es-ES" dirty="0" err="1"/>
+              <a:t>StateCharts</a:t>
+            </a:r>
+            <a:r>
+              <a:rPr lang="es-ES" dirty="0"/>
+              <a:t> usando </a:t>
+            </a:r>
+            <a:r>
+              <a:rPr lang="es-ES" dirty="0" err="1"/>
+              <a:t>Diagram</a:t>
+            </a:r>
+            <a:r>
+              <a:rPr lang="es-ES" dirty="0"/>
+              <a:t> as </a:t>
+            </a:r>
+            <a:r>
+              <a:rPr lang="es-ES" dirty="0" err="1"/>
+              <a:t>Code</a:t>
+            </a:r>
+            <a:r>
+              <a:rPr lang="es-ES" dirty="0"/>
+              <a:t>  (JavaScript con </a:t>
+            </a:r>
+            <a:r>
+              <a:rPr lang="es-ES" dirty="0" err="1"/>
+              <a:t>XState</a:t>
+            </a:r>
+            <a:r>
+              <a:rPr lang="es-ES" dirty="0"/>
+              <a:t>)</a:t>
+            </a:r>
+          </a:p>
+          <a:p>
+            <a:pPr marL="0" indent="0">
+              <a:buNone/>
+            </a:pPr>
+            <a:r>
+              <a:rPr lang="es-ES" dirty="0">
+                <a:hlinkClick r:id="rId2"/>
+              </a:rPr>
+              <a:t>https://stately.ai/viz</a:t>
+            </a:r>
+            <a:endParaRPr lang="es-ES" dirty="0"/>
           </a:p>
         </p:txBody>
       </p:sp>
@@ -21793,7 +21914,7 @@
           <p:cNvPr id="4" name="Marcador de fecha 3">
             <a:extLst>
               <a:ext uri="{FF2B5EF4-FFF2-40B4-BE49-F238E27FC236}">
-                <a16:creationId xmlns:a16="http://schemas.microsoft.com/office/drawing/2014/main" id="{9DE1D4E4-A5A1-E291-EF60-4E57B2F7A584}"/>
+                <a16:creationId xmlns:a16="http://schemas.microsoft.com/office/drawing/2014/main" id="{539347AF-DAD0-2AE6-0E5D-403260A5F50B}"/>
               </a:ext>
             </a:extLst>
           </p:cNvPr>
@@ -21822,7 +21943,7 @@
           <p:cNvPr id="5" name="Marcador de pie de página 4">
             <a:extLst>
               <a:ext uri="{FF2B5EF4-FFF2-40B4-BE49-F238E27FC236}">
-                <a16:creationId xmlns:a16="http://schemas.microsoft.com/office/drawing/2014/main" id="{E2D87667-F85A-25C7-A570-C45AB316333A}"/>
+                <a16:creationId xmlns:a16="http://schemas.microsoft.com/office/drawing/2014/main" id="{13B7C953-E33D-9C85-B09E-45C2550E7B15}"/>
               </a:ext>
             </a:extLst>
           </p:cNvPr>
@@ -21851,7 +21972,7 @@
           <p:cNvPr id="6" name="Marcador de número de diapositiva 5">
             <a:extLst>
               <a:ext uri="{FF2B5EF4-FFF2-40B4-BE49-F238E27FC236}">
-                <a16:creationId xmlns:a16="http://schemas.microsoft.com/office/drawing/2014/main" id="{2AFE86CF-053E-64FE-B4B5-31631190BACD}"/>
+                <a16:creationId xmlns:a16="http://schemas.microsoft.com/office/drawing/2014/main" id="{498429BB-5EB4-A6A3-BA49-5D7F7DBCB4A8}"/>
               </a:ext>
             </a:extLst>
           </p:cNvPr>
@@ -21871,6 +21992,174 @@
               <a:rPr lang="en-US" smtClean="0"/>
               <a:pPr/>
               <a:t>160</a:t>
+            </a:fld>
+            <a:endParaRPr lang="en-US"/>
+          </a:p>
+        </p:txBody>
+      </p:sp>
+    </p:spTree>
+    <p:extLst>
+      <p:ext uri="{BB962C8B-B14F-4D97-AF65-F5344CB8AC3E}">
+        <p14:creationId xmlns:p14="http://schemas.microsoft.com/office/powerpoint/2010/main" val="1434727040"/>
+      </p:ext>
+    </p:extLst>
+  </p:cSld>
+  <p:clrMapOvr>
+    <a:masterClrMapping/>
+  </p:clrMapOvr>
+</p:sld>
+</file>
+
+<file path=ppt/slides/slide161.xml><?xml version="1.0" encoding="utf-8"?>
+<p:sld xmlns:a="http://schemas.openxmlformats.org/drawingml/2006/main" xmlns:r="http://schemas.openxmlformats.org/officeDocument/2006/relationships" xmlns:p="http://schemas.openxmlformats.org/presentationml/2006/main">
+  <p:cSld>
+    <p:spTree>
+      <p:nvGrpSpPr>
+        <p:cNvPr id="1" name=""/>
+        <p:cNvGrpSpPr/>
+        <p:nvPr/>
+      </p:nvGrpSpPr>
+      <p:grpSpPr>
+        <a:xfrm>
+          <a:off x="0" y="0"/>
+          <a:ext cx="0" cy="0"/>
+          <a:chOff x="0" y="0"/>
+          <a:chExt cx="0" cy="0"/>
+        </a:xfrm>
+      </p:grpSpPr>
+      <p:sp>
+        <p:nvSpPr>
+          <p:cNvPr id="2" name="Título 1">
+            <a:extLst>
+              <a:ext uri="{FF2B5EF4-FFF2-40B4-BE49-F238E27FC236}">
+                <a16:creationId xmlns:a16="http://schemas.microsoft.com/office/drawing/2014/main" id="{5FE5D9E7-D37C-7FEF-B09B-2072DA593551}"/>
+              </a:ext>
+            </a:extLst>
+          </p:cNvPr>
+          <p:cNvSpPr>
+            <a:spLocks noGrp="1"/>
+          </p:cNvSpPr>
+          <p:nvPr>
+            <p:ph type="title"/>
+          </p:nvPr>
+        </p:nvSpPr>
+        <p:spPr/>
+        <p:txBody>
+          <a:bodyPr/>
+          <a:lstStyle/>
+          <a:p>
+            <a:endParaRPr lang="es-ES"/>
+          </a:p>
+        </p:txBody>
+      </p:sp>
+      <p:sp>
+        <p:nvSpPr>
+          <p:cNvPr id="3" name="Marcador de contenido 2">
+            <a:extLst>
+              <a:ext uri="{FF2B5EF4-FFF2-40B4-BE49-F238E27FC236}">
+                <a16:creationId xmlns:a16="http://schemas.microsoft.com/office/drawing/2014/main" id="{B353CAF7-3FBA-53AB-EB9B-0501029F37CB}"/>
+              </a:ext>
+            </a:extLst>
+          </p:cNvPr>
+          <p:cNvSpPr>
+            <a:spLocks noGrp="1"/>
+          </p:cNvSpPr>
+          <p:nvPr>
+            <p:ph idx="1"/>
+          </p:nvPr>
+        </p:nvSpPr>
+        <p:spPr/>
+        <p:txBody>
+          <a:bodyPr/>
+          <a:lstStyle/>
+          <a:p>
+            <a:endParaRPr lang="es-ES"/>
+          </a:p>
+        </p:txBody>
+      </p:sp>
+      <p:sp>
+        <p:nvSpPr>
+          <p:cNvPr id="4" name="Marcador de fecha 3">
+            <a:extLst>
+              <a:ext uri="{FF2B5EF4-FFF2-40B4-BE49-F238E27FC236}">
+                <a16:creationId xmlns:a16="http://schemas.microsoft.com/office/drawing/2014/main" id="{9DE1D4E4-A5A1-E291-EF60-4E57B2F7A584}"/>
+              </a:ext>
+            </a:extLst>
+          </p:cNvPr>
+          <p:cNvSpPr>
+            <a:spLocks noGrp="1"/>
+          </p:cNvSpPr>
+          <p:nvPr>
+            <p:ph type="dt" sz="half" idx="10"/>
+          </p:nvPr>
+        </p:nvSpPr>
+        <p:spPr/>
+        <p:txBody>
+          <a:bodyPr/>
+          <a:lstStyle/>
+          <a:p>
+            <a:r>
+              <a:rPr lang="es-ES"/>
+              <a:t>05/12/2024</a:t>
+            </a:r>
+            <a:endParaRPr lang="en-US"/>
+          </a:p>
+        </p:txBody>
+      </p:sp>
+      <p:sp>
+        <p:nvSpPr>
+          <p:cNvPr id="5" name="Marcador de pie de página 4">
+            <a:extLst>
+              <a:ext uri="{FF2B5EF4-FFF2-40B4-BE49-F238E27FC236}">
+                <a16:creationId xmlns:a16="http://schemas.microsoft.com/office/drawing/2014/main" id="{E2D87667-F85A-25C7-A570-C45AB316333A}"/>
+              </a:ext>
+            </a:extLst>
+          </p:cNvPr>
+          <p:cNvSpPr>
+            <a:spLocks noGrp="1"/>
+          </p:cNvSpPr>
+          <p:nvPr>
+            <p:ph type="ftr" sz="quarter" idx="11"/>
+          </p:nvPr>
+        </p:nvSpPr>
+        <p:spPr/>
+        <p:txBody>
+          <a:bodyPr/>
+          <a:lstStyle/>
+          <a:p>
+            <a:r>
+              <a:rPr lang="es-ES"/>
+              <a:t>Programación Funcional - Pepe Fabra Valverde</a:t>
+            </a:r>
+            <a:endParaRPr lang="en-US"/>
+          </a:p>
+        </p:txBody>
+      </p:sp>
+      <p:sp>
+        <p:nvSpPr>
+          <p:cNvPr id="6" name="Marcador de número de diapositiva 5">
+            <a:extLst>
+              <a:ext uri="{FF2B5EF4-FFF2-40B4-BE49-F238E27FC236}">
+                <a16:creationId xmlns:a16="http://schemas.microsoft.com/office/drawing/2014/main" id="{2AFE86CF-053E-64FE-B4B5-31631190BACD}"/>
+              </a:ext>
+            </a:extLst>
+          </p:cNvPr>
+          <p:cNvSpPr>
+            <a:spLocks noGrp="1"/>
+          </p:cNvSpPr>
+          <p:nvPr>
+            <p:ph type="sldNum" sz="quarter" idx="12"/>
+          </p:nvPr>
+        </p:nvSpPr>
+        <p:spPr/>
+        <p:txBody>
+          <a:bodyPr/>
+          <a:lstStyle/>
+          <a:p>
+            <a:fld id="{D3060201-1C40-4B39-813D-5CD9493BAEED}" type="slidenum">
+              <a:rPr lang="en-US" smtClean="0"/>
+              <a:pPr/>
+              <a:t>161</a:t>
             </a:fld>
             <a:endParaRPr lang="en-US"/>
           </a:p>
@@ -21919,7 +22208,7 @@
 </p:sld>
 </file>
 
-<file path=ppt/slides/slide161.xml><?xml version="1.0" encoding="utf-8"?>
+<file path=ppt/slides/slide162.xml><?xml version="1.0" encoding="utf-8"?>
 <p:sld xmlns:a="http://schemas.openxmlformats.org/drawingml/2006/main" xmlns:r="http://schemas.openxmlformats.org/officeDocument/2006/relationships" xmlns:p="http://schemas.openxmlformats.org/presentationml/2006/main">
   <p:cSld>
     <p:spTree>
@@ -22145,7 +22434,7 @@
             <a:fld id="{D3060201-1C40-4B39-813D-5CD9493BAEED}" type="slidenum">
               <a:rPr lang="en-US" smtClean="0"/>
               <a:pPr/>
-              <a:t>161</a:t>
+              <a:t>162</a:t>
             </a:fld>
             <a:endParaRPr lang="en-US"/>
           </a:p>
@@ -22211,177 +22500,6 @@
 </p:sld>
 </file>
 
-<file path=ppt/slides/slide162.xml><?xml version="1.0" encoding="utf-8"?>
-<p:sld xmlns:a="http://schemas.openxmlformats.org/drawingml/2006/main" xmlns:r="http://schemas.openxmlformats.org/officeDocument/2006/relationships" xmlns:p="http://schemas.openxmlformats.org/presentationml/2006/main">
-  <p:cSld>
-    <p:spTree>
-      <p:nvGrpSpPr>
-        <p:cNvPr id="1" name=""/>
-        <p:cNvGrpSpPr/>
-        <p:nvPr/>
-      </p:nvGrpSpPr>
-      <p:grpSpPr>
-        <a:xfrm>
-          <a:off x="0" y="0"/>
-          <a:ext cx="0" cy="0"/>
-          <a:chOff x="0" y="0"/>
-          <a:chExt cx="0" cy="0"/>
-        </a:xfrm>
-      </p:grpSpPr>
-      <p:sp>
-        <p:nvSpPr>
-          <p:cNvPr id="2" name="Título 1">
-            <a:extLst>
-              <a:ext uri="{FF2B5EF4-FFF2-40B4-BE49-F238E27FC236}">
-                <a16:creationId xmlns:a16="http://schemas.microsoft.com/office/drawing/2014/main" id="{F97F6C89-08D6-6EDD-BEED-641653A1FDCB}"/>
-              </a:ext>
-            </a:extLst>
-          </p:cNvPr>
-          <p:cNvSpPr>
-            <a:spLocks noGrp="1"/>
-          </p:cNvSpPr>
-          <p:nvPr>
-            <p:ph type="title"/>
-          </p:nvPr>
-        </p:nvSpPr>
-        <p:spPr/>
-        <p:txBody>
-          <a:bodyPr/>
-          <a:lstStyle/>
-          <a:p>
-            <a:r>
-              <a:rPr lang="es-ES" dirty="0"/>
-              <a:t>Lo que no te he contado</a:t>
-            </a:r>
-          </a:p>
-        </p:txBody>
-      </p:sp>
-      <p:sp>
-        <p:nvSpPr>
-          <p:cNvPr id="3" name="Marcador de texto 2">
-            <a:extLst>
-              <a:ext uri="{FF2B5EF4-FFF2-40B4-BE49-F238E27FC236}">
-                <a16:creationId xmlns:a16="http://schemas.microsoft.com/office/drawing/2014/main" id="{ED4C2266-5E12-E9F8-9C8B-CA395BA73133}"/>
-              </a:ext>
-            </a:extLst>
-          </p:cNvPr>
-          <p:cNvSpPr>
-            <a:spLocks noGrp="1"/>
-          </p:cNvSpPr>
-          <p:nvPr>
-            <p:ph type="body" idx="1"/>
-          </p:nvPr>
-        </p:nvSpPr>
-        <p:spPr/>
-        <p:txBody>
-          <a:bodyPr/>
-          <a:lstStyle/>
-          <a:p>
-            <a:endParaRPr lang="es-ES"/>
-          </a:p>
-        </p:txBody>
-      </p:sp>
-      <p:sp>
-        <p:nvSpPr>
-          <p:cNvPr id="4" name="Marcador de fecha 3">
-            <a:extLst>
-              <a:ext uri="{FF2B5EF4-FFF2-40B4-BE49-F238E27FC236}">
-                <a16:creationId xmlns:a16="http://schemas.microsoft.com/office/drawing/2014/main" id="{9641A241-CBE8-39BD-E80C-B910662F36AD}"/>
-              </a:ext>
-            </a:extLst>
-          </p:cNvPr>
-          <p:cNvSpPr>
-            <a:spLocks noGrp="1"/>
-          </p:cNvSpPr>
-          <p:nvPr>
-            <p:ph type="dt" sz="half" idx="10"/>
-          </p:nvPr>
-        </p:nvSpPr>
-        <p:spPr/>
-        <p:txBody>
-          <a:bodyPr/>
-          <a:lstStyle/>
-          <a:p>
-            <a:r>
-              <a:rPr lang="es-ES"/>
-              <a:t>05/12/2024</a:t>
-            </a:r>
-            <a:endParaRPr lang="en-US"/>
-          </a:p>
-        </p:txBody>
-      </p:sp>
-      <p:sp>
-        <p:nvSpPr>
-          <p:cNvPr id="5" name="Marcador de pie de página 4">
-            <a:extLst>
-              <a:ext uri="{FF2B5EF4-FFF2-40B4-BE49-F238E27FC236}">
-                <a16:creationId xmlns:a16="http://schemas.microsoft.com/office/drawing/2014/main" id="{8E464602-BDD3-3B7C-642D-C52A2464CC79}"/>
-              </a:ext>
-            </a:extLst>
-          </p:cNvPr>
-          <p:cNvSpPr>
-            <a:spLocks noGrp="1"/>
-          </p:cNvSpPr>
-          <p:nvPr>
-            <p:ph type="ftr" sz="quarter" idx="11"/>
-          </p:nvPr>
-        </p:nvSpPr>
-        <p:spPr/>
-        <p:txBody>
-          <a:bodyPr/>
-          <a:lstStyle/>
-          <a:p>
-            <a:r>
-              <a:rPr lang="es-ES"/>
-              <a:t>Programación Funcional - Pepe Fabra Valverde</a:t>
-            </a:r>
-            <a:endParaRPr lang="en-US"/>
-          </a:p>
-        </p:txBody>
-      </p:sp>
-      <p:sp>
-        <p:nvSpPr>
-          <p:cNvPr id="6" name="Marcador de número de diapositiva 5">
-            <a:extLst>
-              <a:ext uri="{FF2B5EF4-FFF2-40B4-BE49-F238E27FC236}">
-                <a16:creationId xmlns:a16="http://schemas.microsoft.com/office/drawing/2014/main" id="{1AB18853-E70F-4216-9CBB-D056D3541C06}"/>
-              </a:ext>
-            </a:extLst>
-          </p:cNvPr>
-          <p:cNvSpPr>
-            <a:spLocks noGrp="1"/>
-          </p:cNvSpPr>
-          <p:nvPr>
-            <p:ph type="sldNum" sz="quarter" idx="12"/>
-          </p:nvPr>
-        </p:nvSpPr>
-        <p:spPr/>
-        <p:txBody>
-          <a:bodyPr/>
-          <a:lstStyle/>
-          <a:p>
-            <a:fld id="{D3060201-1C40-4B39-813D-5CD9493BAEED}" type="slidenum">
-              <a:rPr lang="en-US" smtClean="0"/>
-              <a:pPr/>
-              <a:t>162</a:t>
-            </a:fld>
-            <a:endParaRPr lang="en-US"/>
-          </a:p>
-        </p:txBody>
-      </p:sp>
-    </p:spTree>
-    <p:extLst>
-      <p:ext uri="{BB962C8B-B14F-4D97-AF65-F5344CB8AC3E}">
-        <p14:creationId xmlns:p14="http://schemas.microsoft.com/office/powerpoint/2010/main" val="778671224"/>
-      </p:ext>
-    </p:extLst>
-  </p:cSld>
-  <p:clrMapOvr>
-    <a:masterClrMapping/>
-  </p:clrMapOvr>
-</p:sld>
-</file>
-
 <file path=ppt/slides/slide163.xml><?xml version="1.0" encoding="utf-8"?>
 <p:sld xmlns:a="http://schemas.openxmlformats.org/drawingml/2006/main" xmlns:r="http://schemas.openxmlformats.org/officeDocument/2006/relationships" xmlns:p="http://schemas.openxmlformats.org/presentationml/2006/main">
   <p:cSld>
@@ -22404,7 +22522,7 @@
           <p:cNvPr id="2" name="Título 1">
             <a:extLst>
               <a:ext uri="{FF2B5EF4-FFF2-40B4-BE49-F238E27FC236}">
-                <a16:creationId xmlns:a16="http://schemas.microsoft.com/office/drawing/2014/main" id="{0EDC64C0-068D-E019-FE5B-6A3D74F85C53}"/>
+                <a16:creationId xmlns:a16="http://schemas.microsoft.com/office/drawing/2014/main" id="{F97F6C89-08D6-6EDD-BEED-641653A1FDCB}"/>
               </a:ext>
             </a:extLst>
           </p:cNvPr>
@@ -22415,105 +22533,40 @@
             <p:ph type="title"/>
           </p:nvPr>
         </p:nvSpPr>
-        <p:spPr>
-          <a:xfrm>
-            <a:off x="838200" y="1805780"/>
-            <a:ext cx="10515600" cy="1325563"/>
-          </a:xfrm>
-        </p:spPr>
-        <p:txBody>
-          <a:bodyPr/>
-          <a:lstStyle/>
-          <a:p>
-            <a:r>
-              <a:rPr lang="es-ES" dirty="0"/>
-              <a:t>Eran demasiadas cosas</a:t>
-            </a:r>
-          </a:p>
-        </p:txBody>
-      </p:sp>
-      <p:sp>
-        <p:nvSpPr>
-          <p:cNvPr id="3" name="Marcador de contenido 2">
-            <a:extLst>
-              <a:ext uri="{FF2B5EF4-FFF2-40B4-BE49-F238E27FC236}">
-                <a16:creationId xmlns:a16="http://schemas.microsoft.com/office/drawing/2014/main" id="{0E906C68-C26D-0934-9C98-D44468B84A9E}"/>
-              </a:ext>
-            </a:extLst>
-          </p:cNvPr>
-          <p:cNvSpPr>
-            <a:spLocks noGrp="1"/>
-          </p:cNvSpPr>
-          <p:nvPr>
-            <p:ph idx="1"/>
-          </p:nvPr>
-        </p:nvSpPr>
-        <p:spPr>
-          <a:xfrm>
-            <a:off x="838200" y="3381531"/>
-            <a:ext cx="10515600" cy="1839869"/>
-          </a:xfrm>
-        </p:spPr>
-        <p:txBody>
-          <a:bodyPr>
-            <a:normAutofit/>
-          </a:bodyPr>
-          <a:lstStyle/>
-          <a:p>
-            <a:r>
-              <a:rPr lang="es-ES" dirty="0"/>
-              <a:t>Actor </a:t>
-            </a:r>
-            <a:r>
-              <a:rPr lang="es-ES" dirty="0" err="1"/>
-              <a:t>model</a:t>
-            </a:r>
-            <a:r>
-              <a:rPr lang="es-ES" dirty="0"/>
-              <a:t> -&gt; modelo mental para concurrencia</a:t>
-            </a:r>
-          </a:p>
-          <a:p>
-            <a:pPr lvl="1"/>
-            <a:r>
-              <a:rPr lang="es-ES" dirty="0">
-                <a:hlinkClick r:id="rId2"/>
-              </a:rPr>
-              <a:t>https://stately.ai/docs/actor-model</a:t>
-            </a:r>
-            <a:endParaRPr lang="es-ES" dirty="0"/>
-          </a:p>
-          <a:p>
-            <a:r>
-              <a:rPr lang="es-ES" dirty="0" err="1"/>
-              <a:t>Functors</a:t>
-            </a:r>
-            <a:r>
-              <a:rPr lang="es-ES" dirty="0"/>
-              <a:t>, </a:t>
-            </a:r>
-            <a:r>
-              <a:rPr lang="es-ES" dirty="0" err="1"/>
-              <a:t>Monads</a:t>
-            </a:r>
-            <a:r>
-              <a:rPr lang="es-ES" dirty="0"/>
-              <a:t>, </a:t>
-            </a:r>
-            <a:r>
-              <a:rPr lang="es-ES" dirty="0" err="1"/>
-              <a:t>MonadTransformers</a:t>
-            </a:r>
-            <a:r>
-              <a:rPr lang="es-ES" dirty="0"/>
-              <a:t>, etc.</a:t>
-            </a:r>
-          </a:p>
-          <a:p>
-            <a:r>
-              <a:rPr lang="es-ES" dirty="0"/>
-              <a:t>Estructuras de Datos inmutables (casos de uso, cómo funcionan, beneficios)</a:t>
-            </a:r>
+        <p:spPr/>
+        <p:txBody>
+          <a:bodyPr/>
+          <a:lstStyle/>
+          <a:p>
+            <a:r>
+              <a:rPr lang="es-ES" dirty="0"/>
+              <a:t>Lo que no te he contado</a:t>
+            </a:r>
+          </a:p>
+        </p:txBody>
+      </p:sp>
+      <p:sp>
+        <p:nvSpPr>
+          <p:cNvPr id="3" name="Marcador de texto 2">
+            <a:extLst>
+              <a:ext uri="{FF2B5EF4-FFF2-40B4-BE49-F238E27FC236}">
+                <a16:creationId xmlns:a16="http://schemas.microsoft.com/office/drawing/2014/main" id="{ED4C2266-5E12-E9F8-9C8B-CA395BA73133}"/>
+              </a:ext>
+            </a:extLst>
+          </p:cNvPr>
+          <p:cNvSpPr>
+            <a:spLocks noGrp="1"/>
+          </p:cNvSpPr>
+          <p:nvPr>
+            <p:ph type="body" idx="1"/>
+          </p:nvPr>
+        </p:nvSpPr>
+        <p:spPr/>
+        <p:txBody>
+          <a:bodyPr/>
+          <a:lstStyle/>
+          <a:p>
+            <a:endParaRPr lang="es-ES"/>
           </a:p>
         </p:txBody>
       </p:sp>
@@ -22522,7 +22575,7 @@
           <p:cNvPr id="4" name="Marcador de fecha 3">
             <a:extLst>
               <a:ext uri="{FF2B5EF4-FFF2-40B4-BE49-F238E27FC236}">
-                <a16:creationId xmlns:a16="http://schemas.microsoft.com/office/drawing/2014/main" id="{9D884113-E9BA-4F7A-EE49-819534E1C929}"/>
+                <a16:creationId xmlns:a16="http://schemas.microsoft.com/office/drawing/2014/main" id="{9641A241-CBE8-39BD-E80C-B910662F36AD}"/>
               </a:ext>
             </a:extLst>
           </p:cNvPr>
@@ -22551,7 +22604,7 @@
           <p:cNvPr id="5" name="Marcador de pie de página 4">
             <a:extLst>
               <a:ext uri="{FF2B5EF4-FFF2-40B4-BE49-F238E27FC236}">
-                <a16:creationId xmlns:a16="http://schemas.microsoft.com/office/drawing/2014/main" id="{59F3E3B8-8DD4-CC2A-12A1-4EAC872D051A}"/>
+                <a16:creationId xmlns:a16="http://schemas.microsoft.com/office/drawing/2014/main" id="{8E464602-BDD3-3B7C-642D-C52A2464CC79}"/>
               </a:ext>
             </a:extLst>
           </p:cNvPr>
@@ -22580,7 +22633,7 @@
           <p:cNvPr id="6" name="Marcador de número de diapositiva 5">
             <a:extLst>
               <a:ext uri="{FF2B5EF4-FFF2-40B4-BE49-F238E27FC236}">
-                <a16:creationId xmlns:a16="http://schemas.microsoft.com/office/drawing/2014/main" id="{A117B99A-609F-1D37-4AE8-4F192E7C9A67}"/>
+                <a16:creationId xmlns:a16="http://schemas.microsoft.com/office/drawing/2014/main" id="{1AB18853-E70F-4216-9CBB-D056D3541C06}"/>
               </a:ext>
             </a:extLst>
           </p:cNvPr>
@@ -22608,7 +22661,7 @@
     </p:spTree>
     <p:extLst>
       <p:ext uri="{BB962C8B-B14F-4D97-AF65-F5344CB8AC3E}">
-        <p14:creationId xmlns:p14="http://schemas.microsoft.com/office/powerpoint/2010/main" val="1531760710"/>
+        <p14:creationId xmlns:p14="http://schemas.microsoft.com/office/powerpoint/2010/main" val="778671224"/>
       </p:ext>
     </p:extLst>
   </p:cSld>
@@ -22640,7 +22693,7 @@
           <p:cNvPr id="2" name="Título 1">
             <a:extLst>
               <a:ext uri="{FF2B5EF4-FFF2-40B4-BE49-F238E27FC236}">
-                <a16:creationId xmlns:a16="http://schemas.microsoft.com/office/drawing/2014/main" id="{9F50B31C-4863-91F0-D4EB-66310361BFBA}"/>
+                <a16:creationId xmlns:a16="http://schemas.microsoft.com/office/drawing/2014/main" id="{0EDC64C0-068D-E019-FE5B-6A3D74F85C53}"/>
               </a:ext>
             </a:extLst>
           </p:cNvPr>
@@ -22651,40 +22704,105 @@
             <p:ph type="title"/>
           </p:nvPr>
         </p:nvSpPr>
-        <p:spPr/>
-        <p:txBody>
-          <a:bodyPr/>
-          <a:lstStyle/>
-          <a:p>
-            <a:r>
-              <a:rPr lang="es-ES" dirty="0"/>
-              <a:t>Conclusión</a:t>
-            </a:r>
-          </a:p>
-        </p:txBody>
-      </p:sp>
-      <p:sp>
-        <p:nvSpPr>
-          <p:cNvPr id="3" name="Marcador de texto 2">
-            <a:extLst>
-              <a:ext uri="{FF2B5EF4-FFF2-40B4-BE49-F238E27FC236}">
-                <a16:creationId xmlns:a16="http://schemas.microsoft.com/office/drawing/2014/main" id="{8141AB71-A282-1C7C-5222-051E64A6BE4B}"/>
-              </a:ext>
-            </a:extLst>
-          </p:cNvPr>
-          <p:cNvSpPr>
-            <a:spLocks noGrp="1"/>
-          </p:cNvSpPr>
-          <p:nvPr>
-            <p:ph type="body" idx="1"/>
-          </p:nvPr>
-        </p:nvSpPr>
-        <p:spPr/>
-        <p:txBody>
-          <a:bodyPr/>
-          <a:lstStyle/>
-          <a:p>
-            <a:endParaRPr lang="es-ES"/>
+        <p:spPr>
+          <a:xfrm>
+            <a:off x="838200" y="1805780"/>
+            <a:ext cx="10515600" cy="1325563"/>
+          </a:xfrm>
+        </p:spPr>
+        <p:txBody>
+          <a:bodyPr/>
+          <a:lstStyle/>
+          <a:p>
+            <a:r>
+              <a:rPr lang="es-ES" dirty="0"/>
+              <a:t>Eran demasiadas cosas</a:t>
+            </a:r>
+          </a:p>
+        </p:txBody>
+      </p:sp>
+      <p:sp>
+        <p:nvSpPr>
+          <p:cNvPr id="3" name="Marcador de contenido 2">
+            <a:extLst>
+              <a:ext uri="{FF2B5EF4-FFF2-40B4-BE49-F238E27FC236}">
+                <a16:creationId xmlns:a16="http://schemas.microsoft.com/office/drawing/2014/main" id="{0E906C68-C26D-0934-9C98-D44468B84A9E}"/>
+              </a:ext>
+            </a:extLst>
+          </p:cNvPr>
+          <p:cNvSpPr>
+            <a:spLocks noGrp="1"/>
+          </p:cNvSpPr>
+          <p:nvPr>
+            <p:ph idx="1"/>
+          </p:nvPr>
+        </p:nvSpPr>
+        <p:spPr>
+          <a:xfrm>
+            <a:off x="838200" y="3381531"/>
+            <a:ext cx="10515600" cy="1839869"/>
+          </a:xfrm>
+        </p:spPr>
+        <p:txBody>
+          <a:bodyPr>
+            <a:normAutofit/>
+          </a:bodyPr>
+          <a:lstStyle/>
+          <a:p>
+            <a:r>
+              <a:rPr lang="es-ES" dirty="0"/>
+              <a:t>Actor </a:t>
+            </a:r>
+            <a:r>
+              <a:rPr lang="es-ES" dirty="0" err="1"/>
+              <a:t>model</a:t>
+            </a:r>
+            <a:r>
+              <a:rPr lang="es-ES" dirty="0"/>
+              <a:t> -&gt; modelo mental para concurrencia</a:t>
+            </a:r>
+          </a:p>
+          <a:p>
+            <a:pPr lvl="1"/>
+            <a:r>
+              <a:rPr lang="es-ES" dirty="0">
+                <a:hlinkClick r:id="rId2"/>
+              </a:rPr>
+              <a:t>https://stately.ai/docs/actor-model</a:t>
+            </a:r>
+            <a:endParaRPr lang="es-ES" dirty="0"/>
+          </a:p>
+          <a:p>
+            <a:r>
+              <a:rPr lang="es-ES" dirty="0" err="1"/>
+              <a:t>Functors</a:t>
+            </a:r>
+            <a:r>
+              <a:rPr lang="es-ES" dirty="0"/>
+              <a:t>, </a:t>
+            </a:r>
+            <a:r>
+              <a:rPr lang="es-ES" dirty="0" err="1"/>
+              <a:t>Monads</a:t>
+            </a:r>
+            <a:r>
+              <a:rPr lang="es-ES" dirty="0"/>
+              <a:t>, </a:t>
+            </a:r>
+            <a:r>
+              <a:rPr lang="es-ES" dirty="0" err="1"/>
+              <a:t>MonadTransformers</a:t>
+            </a:r>
+            <a:r>
+              <a:rPr lang="es-ES" dirty="0"/>
+              <a:t>, etc.</a:t>
+            </a:r>
+          </a:p>
+          <a:p>
+            <a:r>
+              <a:rPr lang="es-ES" dirty="0"/>
+              <a:t>Estructuras de Datos inmutables (casos de uso, cómo funcionan, beneficios)</a:t>
+            </a:r>
           </a:p>
         </p:txBody>
       </p:sp>
@@ -22693,7 +22811,7 @@
           <p:cNvPr id="4" name="Marcador de fecha 3">
             <a:extLst>
               <a:ext uri="{FF2B5EF4-FFF2-40B4-BE49-F238E27FC236}">
-                <a16:creationId xmlns:a16="http://schemas.microsoft.com/office/drawing/2014/main" id="{9DC9959C-40D6-3A8D-B5F1-0646E2510E67}"/>
+                <a16:creationId xmlns:a16="http://schemas.microsoft.com/office/drawing/2014/main" id="{9D884113-E9BA-4F7A-EE49-819534E1C929}"/>
               </a:ext>
             </a:extLst>
           </p:cNvPr>
@@ -22722,7 +22840,7 @@
           <p:cNvPr id="5" name="Marcador de pie de página 4">
             <a:extLst>
               <a:ext uri="{FF2B5EF4-FFF2-40B4-BE49-F238E27FC236}">
-                <a16:creationId xmlns:a16="http://schemas.microsoft.com/office/drawing/2014/main" id="{D7A5D702-2F44-8BA8-E373-8116FE3A821F}"/>
+                <a16:creationId xmlns:a16="http://schemas.microsoft.com/office/drawing/2014/main" id="{59F3E3B8-8DD4-CC2A-12A1-4EAC872D051A}"/>
               </a:ext>
             </a:extLst>
           </p:cNvPr>
@@ -22751,7 +22869,7 @@
           <p:cNvPr id="6" name="Marcador de número de diapositiva 5">
             <a:extLst>
               <a:ext uri="{FF2B5EF4-FFF2-40B4-BE49-F238E27FC236}">
-                <a16:creationId xmlns:a16="http://schemas.microsoft.com/office/drawing/2014/main" id="{02320FCF-DC7F-F510-AF82-2DB006C0F048}"/>
+                <a16:creationId xmlns:a16="http://schemas.microsoft.com/office/drawing/2014/main" id="{A117B99A-609F-1D37-4AE8-4F192E7C9A67}"/>
               </a:ext>
             </a:extLst>
           </p:cNvPr>
@@ -22771,6 +22889,177 @@
               <a:rPr lang="en-US" smtClean="0"/>
               <a:pPr/>
               <a:t>164</a:t>
+            </a:fld>
+            <a:endParaRPr lang="en-US"/>
+          </a:p>
+        </p:txBody>
+      </p:sp>
+    </p:spTree>
+    <p:extLst>
+      <p:ext uri="{BB962C8B-B14F-4D97-AF65-F5344CB8AC3E}">
+        <p14:creationId xmlns:p14="http://schemas.microsoft.com/office/powerpoint/2010/main" val="1531760710"/>
+      </p:ext>
+    </p:extLst>
+  </p:cSld>
+  <p:clrMapOvr>
+    <a:masterClrMapping/>
+  </p:clrMapOvr>
+</p:sld>
+</file>
+
+<file path=ppt/slides/slide165.xml><?xml version="1.0" encoding="utf-8"?>
+<p:sld xmlns:a="http://schemas.openxmlformats.org/drawingml/2006/main" xmlns:r="http://schemas.openxmlformats.org/officeDocument/2006/relationships" xmlns:p="http://schemas.openxmlformats.org/presentationml/2006/main">
+  <p:cSld>
+    <p:spTree>
+      <p:nvGrpSpPr>
+        <p:cNvPr id="1" name=""/>
+        <p:cNvGrpSpPr/>
+        <p:nvPr/>
+      </p:nvGrpSpPr>
+      <p:grpSpPr>
+        <a:xfrm>
+          <a:off x="0" y="0"/>
+          <a:ext cx="0" cy="0"/>
+          <a:chOff x="0" y="0"/>
+          <a:chExt cx="0" cy="0"/>
+        </a:xfrm>
+      </p:grpSpPr>
+      <p:sp>
+        <p:nvSpPr>
+          <p:cNvPr id="2" name="Título 1">
+            <a:extLst>
+              <a:ext uri="{FF2B5EF4-FFF2-40B4-BE49-F238E27FC236}">
+                <a16:creationId xmlns:a16="http://schemas.microsoft.com/office/drawing/2014/main" id="{9F50B31C-4863-91F0-D4EB-66310361BFBA}"/>
+              </a:ext>
+            </a:extLst>
+          </p:cNvPr>
+          <p:cNvSpPr>
+            <a:spLocks noGrp="1"/>
+          </p:cNvSpPr>
+          <p:nvPr>
+            <p:ph type="title"/>
+          </p:nvPr>
+        </p:nvSpPr>
+        <p:spPr/>
+        <p:txBody>
+          <a:bodyPr/>
+          <a:lstStyle/>
+          <a:p>
+            <a:r>
+              <a:rPr lang="es-ES" dirty="0"/>
+              <a:t>Conclusión</a:t>
+            </a:r>
+          </a:p>
+        </p:txBody>
+      </p:sp>
+      <p:sp>
+        <p:nvSpPr>
+          <p:cNvPr id="3" name="Marcador de texto 2">
+            <a:extLst>
+              <a:ext uri="{FF2B5EF4-FFF2-40B4-BE49-F238E27FC236}">
+                <a16:creationId xmlns:a16="http://schemas.microsoft.com/office/drawing/2014/main" id="{8141AB71-A282-1C7C-5222-051E64A6BE4B}"/>
+              </a:ext>
+            </a:extLst>
+          </p:cNvPr>
+          <p:cNvSpPr>
+            <a:spLocks noGrp="1"/>
+          </p:cNvSpPr>
+          <p:nvPr>
+            <p:ph type="body" idx="1"/>
+          </p:nvPr>
+        </p:nvSpPr>
+        <p:spPr/>
+        <p:txBody>
+          <a:bodyPr/>
+          <a:lstStyle/>
+          <a:p>
+            <a:endParaRPr lang="es-ES"/>
+          </a:p>
+        </p:txBody>
+      </p:sp>
+      <p:sp>
+        <p:nvSpPr>
+          <p:cNvPr id="4" name="Marcador de fecha 3">
+            <a:extLst>
+              <a:ext uri="{FF2B5EF4-FFF2-40B4-BE49-F238E27FC236}">
+                <a16:creationId xmlns:a16="http://schemas.microsoft.com/office/drawing/2014/main" id="{9DC9959C-40D6-3A8D-B5F1-0646E2510E67}"/>
+              </a:ext>
+            </a:extLst>
+          </p:cNvPr>
+          <p:cNvSpPr>
+            <a:spLocks noGrp="1"/>
+          </p:cNvSpPr>
+          <p:nvPr>
+            <p:ph type="dt" sz="half" idx="10"/>
+          </p:nvPr>
+        </p:nvSpPr>
+        <p:spPr/>
+        <p:txBody>
+          <a:bodyPr/>
+          <a:lstStyle/>
+          <a:p>
+            <a:r>
+              <a:rPr lang="es-ES"/>
+              <a:t>05/12/2024</a:t>
+            </a:r>
+            <a:endParaRPr lang="en-US"/>
+          </a:p>
+        </p:txBody>
+      </p:sp>
+      <p:sp>
+        <p:nvSpPr>
+          <p:cNvPr id="5" name="Marcador de pie de página 4">
+            <a:extLst>
+              <a:ext uri="{FF2B5EF4-FFF2-40B4-BE49-F238E27FC236}">
+                <a16:creationId xmlns:a16="http://schemas.microsoft.com/office/drawing/2014/main" id="{D7A5D702-2F44-8BA8-E373-8116FE3A821F}"/>
+              </a:ext>
+            </a:extLst>
+          </p:cNvPr>
+          <p:cNvSpPr>
+            <a:spLocks noGrp="1"/>
+          </p:cNvSpPr>
+          <p:nvPr>
+            <p:ph type="ftr" sz="quarter" idx="11"/>
+          </p:nvPr>
+        </p:nvSpPr>
+        <p:spPr/>
+        <p:txBody>
+          <a:bodyPr/>
+          <a:lstStyle/>
+          <a:p>
+            <a:r>
+              <a:rPr lang="es-ES"/>
+              <a:t>Programación Funcional - Pepe Fabra Valverde</a:t>
+            </a:r>
+            <a:endParaRPr lang="en-US"/>
+          </a:p>
+        </p:txBody>
+      </p:sp>
+      <p:sp>
+        <p:nvSpPr>
+          <p:cNvPr id="6" name="Marcador de número de diapositiva 5">
+            <a:extLst>
+              <a:ext uri="{FF2B5EF4-FFF2-40B4-BE49-F238E27FC236}">
+                <a16:creationId xmlns:a16="http://schemas.microsoft.com/office/drawing/2014/main" id="{02320FCF-DC7F-F510-AF82-2DB006C0F048}"/>
+              </a:ext>
+            </a:extLst>
+          </p:cNvPr>
+          <p:cNvSpPr>
+            <a:spLocks noGrp="1"/>
+          </p:cNvSpPr>
+          <p:nvPr>
+            <p:ph type="sldNum" sz="quarter" idx="12"/>
+          </p:nvPr>
+        </p:nvSpPr>
+        <p:spPr/>
+        <p:txBody>
+          <a:bodyPr/>
+          <a:lstStyle/>
+          <a:p>
+            <a:fld id="{D3060201-1C40-4B39-813D-5CD9493BAEED}" type="slidenum">
+              <a:rPr lang="en-US" smtClean="0"/>
+              <a:pPr/>
+              <a:t>165</a:t>
             </a:fld>
             <a:endParaRPr lang="en-US"/>
           </a:p>
@@ -22789,7 +23078,7 @@
 </p:sld>
 </file>
 
-<file path=ppt/slides/slide165.xml><?xml version="1.0" encoding="utf-8"?>
+<file path=ppt/slides/slide166.xml><?xml version="1.0" encoding="utf-8"?>
 <p:sld xmlns:a="http://schemas.openxmlformats.org/drawingml/2006/main" xmlns:r="http://schemas.openxmlformats.org/officeDocument/2006/relationships" xmlns:p="http://schemas.openxmlformats.org/presentationml/2006/main">
   <p:cSld>
     <p:spTree>
@@ -22967,7 +23256,7 @@
             <a:fld id="{D3060201-1C40-4B39-813D-5CD9493BAEED}" type="slidenum">
               <a:rPr lang="en-US" smtClean="0"/>
               <a:pPr/>
-              <a:t>165</a:t>
+              <a:t>166</a:t>
             </a:fld>
             <a:endParaRPr lang="en-US"/>
           </a:p>
@@ -22986,7 +23275,7 @@
 </p:sld>
 </file>
 
-<file path=ppt/slides/slide166.xml><?xml version="1.0" encoding="utf-8"?>
+<file path=ppt/slides/slide167.xml><?xml version="1.0" encoding="utf-8"?>
 <p:sld xmlns:a="http://schemas.openxmlformats.org/drawingml/2006/main" xmlns:r="http://schemas.openxmlformats.org/officeDocument/2006/relationships" xmlns:p="http://schemas.openxmlformats.org/presentationml/2006/main">
   <p:cSld>
     <p:spTree>
@@ -23173,7 +23462,7 @@
             <a:fld id="{D3060201-1C40-4B39-813D-5CD9493BAEED}" type="slidenum">
               <a:rPr lang="en-US" smtClean="0"/>
               <a:pPr/>
-              <a:t>166</a:t>
+              <a:t>167</a:t>
             </a:fld>
             <a:endParaRPr lang="en-US"/>
           </a:p>
@@ -23246,7 +23535,7 @@
 </p:sld>
 </file>
 
-<file path=ppt/slides/slide167.xml><?xml version="1.0" encoding="utf-8"?>
+<file path=ppt/slides/slide168.xml><?xml version="1.0" encoding="utf-8"?>
 <p:sld xmlns:a="http://schemas.openxmlformats.org/drawingml/2006/main" xmlns:r="http://schemas.openxmlformats.org/officeDocument/2006/relationships" xmlns:p="http://schemas.openxmlformats.org/presentationml/2006/main">
   <p:cSld>
     <p:spTree>
@@ -23439,7 +23728,7 @@
             <a:fld id="{D3060201-1C40-4B39-813D-5CD9493BAEED}" type="slidenum">
               <a:rPr lang="en-US" smtClean="0"/>
               <a:pPr/>
-              <a:t>167</a:t>
+              <a:t>168</a:t>
             </a:fld>
             <a:endParaRPr lang="en-US"/>
           </a:p>
@@ -23512,220 +23801,6 @@
 </p:sld>
 </file>
 
-<file path=ppt/slides/slide168.xml><?xml version="1.0" encoding="utf-8"?>
-<p:sld xmlns:a="http://schemas.openxmlformats.org/drawingml/2006/main" xmlns:r="http://schemas.openxmlformats.org/officeDocument/2006/relationships" xmlns:p="http://schemas.openxmlformats.org/presentationml/2006/main">
-  <p:cSld>
-    <p:spTree>
-      <p:nvGrpSpPr>
-        <p:cNvPr id="1" name=""/>
-        <p:cNvGrpSpPr/>
-        <p:nvPr/>
-      </p:nvGrpSpPr>
-      <p:grpSpPr>
-        <a:xfrm>
-          <a:off x="0" y="0"/>
-          <a:ext cx="0" cy="0"/>
-          <a:chOff x="0" y="0"/>
-          <a:chExt cx="0" cy="0"/>
-        </a:xfrm>
-      </p:grpSpPr>
-      <p:sp>
-        <p:nvSpPr>
-          <p:cNvPr id="2" name="Título 1">
-            <a:extLst>
-              <a:ext uri="{FF2B5EF4-FFF2-40B4-BE49-F238E27FC236}">
-                <a16:creationId xmlns:a16="http://schemas.microsoft.com/office/drawing/2014/main" id="{C6A9BEF2-B1D3-49BB-9AE1-980CC68CDC17}"/>
-              </a:ext>
-            </a:extLst>
-          </p:cNvPr>
-          <p:cNvSpPr>
-            <a:spLocks noGrp="1"/>
-          </p:cNvSpPr>
-          <p:nvPr>
-            <p:ph type="title"/>
-          </p:nvPr>
-        </p:nvSpPr>
-        <p:spPr/>
-        <p:txBody>
-          <a:bodyPr/>
-          <a:lstStyle/>
-          <a:p>
-            <a:r>
-              <a:rPr lang="es-ES" dirty="0"/>
-              <a:t>Lenguajes funcionales</a:t>
-            </a:r>
-          </a:p>
-        </p:txBody>
-      </p:sp>
-      <p:sp>
-        <p:nvSpPr>
-          <p:cNvPr id="3" name="Marcador de contenido 2">
-            <a:extLst>
-              <a:ext uri="{FF2B5EF4-FFF2-40B4-BE49-F238E27FC236}">
-                <a16:creationId xmlns:a16="http://schemas.microsoft.com/office/drawing/2014/main" id="{55901E3E-1927-F2AC-F559-230056098E7E}"/>
-              </a:ext>
-            </a:extLst>
-          </p:cNvPr>
-          <p:cNvSpPr>
-            <a:spLocks noGrp="1"/>
-          </p:cNvSpPr>
-          <p:nvPr>
-            <p:ph idx="1"/>
-          </p:nvPr>
-        </p:nvSpPr>
-        <p:spPr/>
-        <p:txBody>
-          <a:bodyPr/>
-          <a:lstStyle/>
-          <a:p>
-            <a:r>
-              <a:rPr lang="es-ES" dirty="0"/>
-              <a:t>Haskell</a:t>
-            </a:r>
-          </a:p>
-          <a:p>
-            <a:r>
-              <a:rPr lang="es-ES" dirty="0" err="1"/>
-              <a:t>Erlang</a:t>
-            </a:r>
-            <a:endParaRPr lang="es-ES" dirty="0"/>
-          </a:p>
-          <a:p>
-            <a:r>
-              <a:rPr lang="es-ES" dirty="0" err="1"/>
-              <a:t>OCaml</a:t>
-            </a:r>
-            <a:endParaRPr lang="es-ES" dirty="0"/>
-          </a:p>
-          <a:p>
-            <a:pPr marL="0" indent="0">
-              <a:buNone/>
-            </a:pPr>
-            <a:endParaRPr lang="es-ES" dirty="0"/>
-          </a:p>
-          <a:p>
-            <a:pPr marL="0" indent="0">
-              <a:buNone/>
-            </a:pPr>
-            <a:r>
-              <a:rPr lang="es-ES" i="1" dirty="0" err="1"/>
-              <a:t>Flavor</a:t>
-            </a:r>
-            <a:r>
-              <a:rPr lang="es-ES" dirty="0"/>
-              <a:t> de JavaScript funcional</a:t>
-            </a:r>
-          </a:p>
-          <a:p>
-            <a:r>
-              <a:rPr lang="es-ES" b="1" dirty="0" err="1"/>
-              <a:t>PureScript</a:t>
-            </a:r>
-            <a:endParaRPr lang="es-ES" b="1" dirty="0"/>
-          </a:p>
-        </p:txBody>
-      </p:sp>
-      <p:sp>
-        <p:nvSpPr>
-          <p:cNvPr id="4" name="Marcador de fecha 3">
-            <a:extLst>
-              <a:ext uri="{FF2B5EF4-FFF2-40B4-BE49-F238E27FC236}">
-                <a16:creationId xmlns:a16="http://schemas.microsoft.com/office/drawing/2014/main" id="{5812091B-4A11-89AE-1987-B40E28A2CE3A}"/>
-              </a:ext>
-            </a:extLst>
-          </p:cNvPr>
-          <p:cNvSpPr>
-            <a:spLocks noGrp="1"/>
-          </p:cNvSpPr>
-          <p:nvPr>
-            <p:ph type="dt" sz="half" idx="10"/>
-          </p:nvPr>
-        </p:nvSpPr>
-        <p:spPr/>
-        <p:txBody>
-          <a:bodyPr/>
-          <a:lstStyle/>
-          <a:p>
-            <a:r>
-              <a:rPr lang="es-ES"/>
-              <a:t>05/12/2024</a:t>
-            </a:r>
-            <a:endParaRPr lang="en-US"/>
-          </a:p>
-        </p:txBody>
-      </p:sp>
-      <p:sp>
-        <p:nvSpPr>
-          <p:cNvPr id="5" name="Marcador de pie de página 4">
-            <a:extLst>
-              <a:ext uri="{FF2B5EF4-FFF2-40B4-BE49-F238E27FC236}">
-                <a16:creationId xmlns:a16="http://schemas.microsoft.com/office/drawing/2014/main" id="{145B5523-EBBB-C0DF-DDC7-748CB1E972C3}"/>
-              </a:ext>
-            </a:extLst>
-          </p:cNvPr>
-          <p:cNvSpPr>
-            <a:spLocks noGrp="1"/>
-          </p:cNvSpPr>
-          <p:nvPr>
-            <p:ph type="ftr" sz="quarter" idx="11"/>
-          </p:nvPr>
-        </p:nvSpPr>
-        <p:spPr/>
-        <p:txBody>
-          <a:bodyPr/>
-          <a:lstStyle/>
-          <a:p>
-            <a:r>
-              <a:rPr lang="es-ES"/>
-              <a:t>Programación Funcional - Pepe Fabra Valverde</a:t>
-            </a:r>
-            <a:endParaRPr lang="en-US"/>
-          </a:p>
-        </p:txBody>
-      </p:sp>
-      <p:sp>
-        <p:nvSpPr>
-          <p:cNvPr id="6" name="Marcador de número de diapositiva 5">
-            <a:extLst>
-              <a:ext uri="{FF2B5EF4-FFF2-40B4-BE49-F238E27FC236}">
-                <a16:creationId xmlns:a16="http://schemas.microsoft.com/office/drawing/2014/main" id="{88B9958B-E0C3-C677-FCC5-B85965A75490}"/>
-              </a:ext>
-            </a:extLst>
-          </p:cNvPr>
-          <p:cNvSpPr>
-            <a:spLocks noGrp="1"/>
-          </p:cNvSpPr>
-          <p:nvPr>
-            <p:ph type="sldNum" sz="quarter" idx="12"/>
-          </p:nvPr>
-        </p:nvSpPr>
-        <p:spPr/>
-        <p:txBody>
-          <a:bodyPr/>
-          <a:lstStyle/>
-          <a:p>
-            <a:fld id="{D3060201-1C40-4B39-813D-5CD9493BAEED}" type="slidenum">
-              <a:rPr lang="en-US" smtClean="0"/>
-              <a:pPr/>
-              <a:t>168</a:t>
-            </a:fld>
-            <a:endParaRPr lang="en-US"/>
-          </a:p>
-        </p:txBody>
-      </p:sp>
-    </p:spTree>
-    <p:extLst>
-      <p:ext uri="{BB962C8B-B14F-4D97-AF65-F5344CB8AC3E}">
-        <p14:creationId xmlns:p14="http://schemas.microsoft.com/office/powerpoint/2010/main" val="3852525094"/>
-      </p:ext>
-    </p:extLst>
-  </p:cSld>
-  <p:clrMapOvr>
-    <a:masterClrMapping/>
-  </p:clrMapOvr>
-</p:sld>
-</file>
-
 <file path=ppt/slides/slide169.xml><?xml version="1.0" encoding="utf-8"?>
 <p:sld xmlns:a="http://schemas.openxmlformats.org/drawingml/2006/main" xmlns:r="http://schemas.openxmlformats.org/officeDocument/2006/relationships" xmlns:p="http://schemas.openxmlformats.org/presentationml/2006/main">
   <p:cSld>
@@ -23748,7 +23823,7 @@
           <p:cNvPr id="2" name="Título 1">
             <a:extLst>
               <a:ext uri="{FF2B5EF4-FFF2-40B4-BE49-F238E27FC236}">
-                <a16:creationId xmlns:a16="http://schemas.microsoft.com/office/drawing/2014/main" id="{418E1409-58C4-E191-3ADE-7554CE3DAED6}"/>
+                <a16:creationId xmlns:a16="http://schemas.microsoft.com/office/drawing/2014/main" id="{C6A9BEF2-B1D3-49BB-9AE1-980CC68CDC17}"/>
               </a:ext>
             </a:extLst>
           </p:cNvPr>
@@ -23766,36 +23841,76 @@
           <a:p>
             <a:r>
               <a:rPr lang="es-ES" dirty="0"/>
-              <a:t>La buena solución</a:t>
-            </a:r>
-          </a:p>
-        </p:txBody>
-      </p:sp>
-      <p:sp>
-        <p:nvSpPr>
-          <p:cNvPr id="3" name="Marcador de texto 2">
-            <a:extLst>
-              <a:ext uri="{FF2B5EF4-FFF2-40B4-BE49-F238E27FC236}">
-                <a16:creationId xmlns:a16="http://schemas.microsoft.com/office/drawing/2014/main" id="{7448558B-A2CB-C7AC-C846-34106ABD4FBA}"/>
-              </a:ext>
-            </a:extLst>
-          </p:cNvPr>
-          <p:cNvSpPr>
-            <a:spLocks noGrp="1"/>
-          </p:cNvSpPr>
-          <p:nvPr>
-            <p:ph type="body" idx="1"/>
-          </p:nvPr>
-        </p:nvSpPr>
-        <p:spPr/>
-        <p:txBody>
-          <a:bodyPr/>
-          <a:lstStyle/>
-          <a:p>
-            <a:r>
-              <a:rPr lang="es-ES" dirty="0"/>
-              <a:t>La que parece fácil y obvia en retrospectiva</a:t>
-            </a:r>
+              <a:t>Lenguajes funcionales</a:t>
+            </a:r>
+          </a:p>
+        </p:txBody>
+      </p:sp>
+      <p:sp>
+        <p:nvSpPr>
+          <p:cNvPr id="3" name="Marcador de contenido 2">
+            <a:extLst>
+              <a:ext uri="{FF2B5EF4-FFF2-40B4-BE49-F238E27FC236}">
+                <a16:creationId xmlns:a16="http://schemas.microsoft.com/office/drawing/2014/main" id="{55901E3E-1927-F2AC-F559-230056098E7E}"/>
+              </a:ext>
+            </a:extLst>
+          </p:cNvPr>
+          <p:cNvSpPr>
+            <a:spLocks noGrp="1"/>
+          </p:cNvSpPr>
+          <p:nvPr>
+            <p:ph idx="1"/>
+          </p:nvPr>
+        </p:nvSpPr>
+        <p:spPr/>
+        <p:txBody>
+          <a:bodyPr/>
+          <a:lstStyle/>
+          <a:p>
+            <a:r>
+              <a:rPr lang="es-ES" dirty="0"/>
+              <a:t>Haskell</a:t>
+            </a:r>
+          </a:p>
+          <a:p>
+            <a:r>
+              <a:rPr lang="es-ES" dirty="0" err="1"/>
+              <a:t>Erlang</a:t>
+            </a:r>
+            <a:endParaRPr lang="es-ES" dirty="0"/>
+          </a:p>
+          <a:p>
+            <a:r>
+              <a:rPr lang="es-ES" dirty="0" err="1"/>
+              <a:t>OCaml</a:t>
+            </a:r>
+            <a:endParaRPr lang="es-ES" dirty="0"/>
+          </a:p>
+          <a:p>
+            <a:pPr marL="0" indent="0">
+              <a:buNone/>
+            </a:pPr>
+            <a:endParaRPr lang="es-ES" dirty="0"/>
+          </a:p>
+          <a:p>
+            <a:pPr marL="0" indent="0">
+              <a:buNone/>
+            </a:pPr>
+            <a:r>
+              <a:rPr lang="es-ES" i="1" dirty="0" err="1"/>
+              <a:t>Flavor</a:t>
+            </a:r>
+            <a:r>
+              <a:rPr lang="es-ES" dirty="0"/>
+              <a:t> de JavaScript funcional</a:t>
+            </a:r>
+          </a:p>
+          <a:p>
+            <a:r>
+              <a:rPr lang="es-ES" b="1" dirty="0" err="1"/>
+              <a:t>PureScript</a:t>
+            </a:r>
+            <a:endParaRPr lang="es-ES" b="1" dirty="0"/>
           </a:p>
         </p:txBody>
       </p:sp>
@@ -23804,7 +23919,7 @@
           <p:cNvPr id="4" name="Marcador de fecha 3">
             <a:extLst>
               <a:ext uri="{FF2B5EF4-FFF2-40B4-BE49-F238E27FC236}">
-                <a16:creationId xmlns:a16="http://schemas.microsoft.com/office/drawing/2014/main" id="{FCF244E8-73DB-704E-B8B2-2D165917561E}"/>
+                <a16:creationId xmlns:a16="http://schemas.microsoft.com/office/drawing/2014/main" id="{5812091B-4A11-89AE-1987-B40E28A2CE3A}"/>
               </a:ext>
             </a:extLst>
           </p:cNvPr>
@@ -23833,7 +23948,7 @@
           <p:cNvPr id="5" name="Marcador de pie de página 4">
             <a:extLst>
               <a:ext uri="{FF2B5EF4-FFF2-40B4-BE49-F238E27FC236}">
-                <a16:creationId xmlns:a16="http://schemas.microsoft.com/office/drawing/2014/main" id="{191C0E3E-9A78-7CE2-8EBB-26F48405FEF0}"/>
+                <a16:creationId xmlns:a16="http://schemas.microsoft.com/office/drawing/2014/main" id="{145B5523-EBBB-C0DF-DDC7-748CB1E972C3}"/>
               </a:ext>
             </a:extLst>
           </p:cNvPr>
@@ -23862,7 +23977,7 @@
           <p:cNvPr id="6" name="Marcador de número de diapositiva 5">
             <a:extLst>
               <a:ext uri="{FF2B5EF4-FFF2-40B4-BE49-F238E27FC236}">
-                <a16:creationId xmlns:a16="http://schemas.microsoft.com/office/drawing/2014/main" id="{51124296-15FF-679B-674D-BB82FC42B7D4}"/>
+                <a16:creationId xmlns:a16="http://schemas.microsoft.com/office/drawing/2014/main" id="{88B9958B-E0C3-C677-FCC5-B85965A75490}"/>
               </a:ext>
             </a:extLst>
           </p:cNvPr>
@@ -23890,7 +24005,7 @@
     </p:spTree>
     <p:extLst>
       <p:ext uri="{BB962C8B-B14F-4D97-AF65-F5344CB8AC3E}">
-        <p14:creationId xmlns:p14="http://schemas.microsoft.com/office/powerpoint/2010/main" val="3409411240"/>
+        <p14:creationId xmlns:p14="http://schemas.microsoft.com/office/powerpoint/2010/main" val="3852525094"/>
       </p:ext>
     </p:extLst>
   </p:cSld>
@@ -24115,10 +24230,10 @@
       </p:grpSpPr>
       <p:sp>
         <p:nvSpPr>
-          <p:cNvPr id="9" name="Título 8">
-            <a:extLst>
-              <a:ext uri="{FF2B5EF4-FFF2-40B4-BE49-F238E27FC236}">
-                <a16:creationId xmlns:a16="http://schemas.microsoft.com/office/drawing/2014/main" id="{5D39A7ED-7795-EE35-CA29-9290D69C8402}"/>
+          <p:cNvPr id="2" name="Título 1">
+            <a:extLst>
+              <a:ext uri="{FF2B5EF4-FFF2-40B4-BE49-F238E27FC236}">
+                <a16:creationId xmlns:a16="http://schemas.microsoft.com/office/drawing/2014/main" id="{418E1409-58C4-E191-3ADE-7554CE3DAED6}"/>
               </a:ext>
             </a:extLst>
           </p:cNvPr>
@@ -24135,28 +24250,36 @@
           <a:lstStyle/>
           <a:p>
             <a:r>
-              <a:rPr lang="es-ES" b="1" dirty="0">
-                <a:solidFill>
-                  <a:srgbClr val="F1DA4E"/>
-                </a:solidFill>
-                <a:latin typeface="Arial" panose="020B0604020202020204" pitchFamily="34" charset="0"/>
-                <a:cs typeface="Arial" panose="020B0604020202020204" pitchFamily="34" charset="0"/>
-              </a:rPr>
-              <a:t>“</a:t>
-            </a:r>
-            <a:r>
-              <a:rPr lang="es-ES" dirty="0"/>
-              <a:t>Si una solución parece innecesariamente difícil seguramente es que lo sea</a:t>
-            </a:r>
-            <a:r>
-              <a:rPr lang="es-ES" b="1" dirty="0">
-                <a:solidFill>
-                  <a:srgbClr val="F1DA4E"/>
-                </a:solidFill>
-                <a:latin typeface="Arial" panose="020B0604020202020204" pitchFamily="34" charset="0"/>
-                <a:cs typeface="Arial" panose="020B0604020202020204" pitchFamily="34" charset="0"/>
-              </a:rPr>
-              <a:t>”</a:t>
+              <a:rPr lang="es-ES" dirty="0"/>
+              <a:t>La buena solución</a:t>
+            </a:r>
+          </a:p>
+        </p:txBody>
+      </p:sp>
+      <p:sp>
+        <p:nvSpPr>
+          <p:cNvPr id="3" name="Marcador de texto 2">
+            <a:extLst>
+              <a:ext uri="{FF2B5EF4-FFF2-40B4-BE49-F238E27FC236}">
+                <a16:creationId xmlns:a16="http://schemas.microsoft.com/office/drawing/2014/main" id="{7448558B-A2CB-C7AC-C846-34106ABD4FBA}"/>
+              </a:ext>
+            </a:extLst>
+          </p:cNvPr>
+          <p:cNvSpPr>
+            <a:spLocks noGrp="1"/>
+          </p:cNvSpPr>
+          <p:nvPr>
+            <p:ph type="body" idx="1"/>
+          </p:nvPr>
+        </p:nvSpPr>
+        <p:spPr/>
+        <p:txBody>
+          <a:bodyPr/>
+          <a:lstStyle/>
+          <a:p>
+            <a:r>
+              <a:rPr lang="es-ES" dirty="0"/>
+              <a:t>La que parece fácil y obvia en retrospectiva</a:t>
             </a:r>
           </a:p>
         </p:txBody>
@@ -24166,7 +24289,7 @@
           <p:cNvPr id="4" name="Marcador de fecha 3">
             <a:extLst>
               <a:ext uri="{FF2B5EF4-FFF2-40B4-BE49-F238E27FC236}">
-                <a16:creationId xmlns:a16="http://schemas.microsoft.com/office/drawing/2014/main" id="{1286ED11-D226-101B-FAA8-BB931BBC3A9D}"/>
+                <a16:creationId xmlns:a16="http://schemas.microsoft.com/office/drawing/2014/main" id="{FCF244E8-73DB-704E-B8B2-2D165917561E}"/>
               </a:ext>
             </a:extLst>
           </p:cNvPr>
@@ -24195,7 +24318,7 @@
           <p:cNvPr id="5" name="Marcador de pie de página 4">
             <a:extLst>
               <a:ext uri="{FF2B5EF4-FFF2-40B4-BE49-F238E27FC236}">
-                <a16:creationId xmlns:a16="http://schemas.microsoft.com/office/drawing/2014/main" id="{E8076787-24B6-8518-2974-EC2018CA1429}"/>
+                <a16:creationId xmlns:a16="http://schemas.microsoft.com/office/drawing/2014/main" id="{191C0E3E-9A78-7CE2-8EBB-26F48405FEF0}"/>
               </a:ext>
             </a:extLst>
           </p:cNvPr>
@@ -24224,7 +24347,7 @@
           <p:cNvPr id="6" name="Marcador de número de diapositiva 5">
             <a:extLst>
               <a:ext uri="{FF2B5EF4-FFF2-40B4-BE49-F238E27FC236}">
-                <a16:creationId xmlns:a16="http://schemas.microsoft.com/office/drawing/2014/main" id="{0F2FDB88-B742-39C2-8676-6D04C40CCD33}"/>
+                <a16:creationId xmlns:a16="http://schemas.microsoft.com/office/drawing/2014/main" id="{51124296-15FF-679B-674D-BB82FC42B7D4}"/>
               </a:ext>
             </a:extLst>
           </p:cNvPr>
@@ -24252,7 +24375,7 @@
     </p:spTree>
     <p:extLst>
       <p:ext uri="{BB962C8B-B14F-4D97-AF65-F5344CB8AC3E}">
-        <p14:creationId xmlns:p14="http://schemas.microsoft.com/office/powerpoint/2010/main" val="2926443171"/>
+        <p14:creationId xmlns:p14="http://schemas.microsoft.com/office/powerpoint/2010/main" val="3409411240"/>
       </p:ext>
     </p:extLst>
   </p:cSld>
@@ -24281,10 +24404,10 @@
       </p:grpSpPr>
       <p:sp>
         <p:nvSpPr>
-          <p:cNvPr id="6" name="Título 5">
-            <a:extLst>
-              <a:ext uri="{FF2B5EF4-FFF2-40B4-BE49-F238E27FC236}">
-                <a16:creationId xmlns:a16="http://schemas.microsoft.com/office/drawing/2014/main" id="{C118E137-9EC2-71A4-B821-5A4EEB9042D7}"/>
+          <p:cNvPr id="9" name="Título 8">
+            <a:extLst>
+              <a:ext uri="{FF2B5EF4-FFF2-40B4-BE49-F238E27FC236}">
+                <a16:creationId xmlns:a16="http://schemas.microsoft.com/office/drawing/2014/main" id="{5D39A7ED-7795-EE35-CA29-9290D69C8402}"/>
               </a:ext>
             </a:extLst>
           </p:cNvPr>
@@ -24301,46 +24424,38 @@
           <a:lstStyle/>
           <a:p>
             <a:r>
-              <a:rPr lang="es-ES" dirty="0"/>
-              <a:t>SABER MÁS</a:t>
-            </a:r>
-          </a:p>
-        </p:txBody>
-      </p:sp>
-      <p:sp>
-        <p:nvSpPr>
-          <p:cNvPr id="7" name="Marcador de texto 6">
-            <a:extLst>
-              <a:ext uri="{FF2B5EF4-FFF2-40B4-BE49-F238E27FC236}">
-                <a16:creationId xmlns:a16="http://schemas.microsoft.com/office/drawing/2014/main" id="{E041AA7A-76D3-9F45-1EFC-5C1E56AD3AC8}"/>
-              </a:ext>
-            </a:extLst>
-          </p:cNvPr>
-          <p:cNvSpPr>
-            <a:spLocks noGrp="1"/>
-          </p:cNvSpPr>
-          <p:nvPr>
-            <p:ph type="body" idx="1"/>
-          </p:nvPr>
-        </p:nvSpPr>
-        <p:spPr/>
-        <p:txBody>
-          <a:bodyPr/>
-          <a:lstStyle/>
-          <a:p>
-            <a:r>
-              <a:rPr lang="es-ES" dirty="0"/>
-              <a:t>Anécdota del software</a:t>
-            </a:r>
-          </a:p>
-        </p:txBody>
-      </p:sp>
-      <p:sp>
-        <p:nvSpPr>
-          <p:cNvPr id="3" name="Marcador de fecha 2">
-            <a:extLst>
-              <a:ext uri="{FF2B5EF4-FFF2-40B4-BE49-F238E27FC236}">
-                <a16:creationId xmlns:a16="http://schemas.microsoft.com/office/drawing/2014/main" id="{E331E337-B720-6C19-4E6C-39A37C380821}"/>
+              <a:rPr lang="es-ES" b="1" dirty="0">
+                <a:solidFill>
+                  <a:srgbClr val="F1DA4E"/>
+                </a:solidFill>
+                <a:latin typeface="Arial" panose="020B0604020202020204" pitchFamily="34" charset="0"/>
+                <a:cs typeface="Arial" panose="020B0604020202020204" pitchFamily="34" charset="0"/>
+              </a:rPr>
+              <a:t>“</a:t>
+            </a:r>
+            <a:r>
+              <a:rPr lang="es-ES" dirty="0"/>
+              <a:t>Si una solución parece innecesariamente difícil seguramente es que lo sea</a:t>
+            </a:r>
+            <a:r>
+              <a:rPr lang="es-ES" b="1" dirty="0">
+                <a:solidFill>
+                  <a:srgbClr val="F1DA4E"/>
+                </a:solidFill>
+                <a:latin typeface="Arial" panose="020B0604020202020204" pitchFamily="34" charset="0"/>
+                <a:cs typeface="Arial" panose="020B0604020202020204" pitchFamily="34" charset="0"/>
+              </a:rPr>
+              <a:t>”</a:t>
+            </a:r>
+          </a:p>
+        </p:txBody>
+      </p:sp>
+      <p:sp>
+        <p:nvSpPr>
+          <p:cNvPr id="4" name="Marcador de fecha 3">
+            <a:extLst>
+              <a:ext uri="{FF2B5EF4-FFF2-40B4-BE49-F238E27FC236}">
+                <a16:creationId xmlns:a16="http://schemas.microsoft.com/office/drawing/2014/main" id="{1286ED11-D226-101B-FAA8-BB931BBC3A9D}"/>
               </a:ext>
             </a:extLst>
           </p:cNvPr>
@@ -24366,10 +24481,10 @@
       </p:sp>
       <p:sp>
         <p:nvSpPr>
-          <p:cNvPr id="4" name="Marcador de pie de página 3">
-            <a:extLst>
-              <a:ext uri="{FF2B5EF4-FFF2-40B4-BE49-F238E27FC236}">
-                <a16:creationId xmlns:a16="http://schemas.microsoft.com/office/drawing/2014/main" id="{9CCBF37F-2A93-5D85-1E51-5696CCB3CE56}"/>
+          <p:cNvPr id="5" name="Marcador de pie de página 4">
+            <a:extLst>
+              <a:ext uri="{FF2B5EF4-FFF2-40B4-BE49-F238E27FC236}">
+                <a16:creationId xmlns:a16="http://schemas.microsoft.com/office/drawing/2014/main" id="{E8076787-24B6-8518-2974-EC2018CA1429}"/>
               </a:ext>
             </a:extLst>
           </p:cNvPr>
@@ -24395,10 +24510,10 @@
       </p:sp>
       <p:sp>
         <p:nvSpPr>
-          <p:cNvPr id="5" name="Marcador de número de diapositiva 4">
-            <a:extLst>
-              <a:ext uri="{FF2B5EF4-FFF2-40B4-BE49-F238E27FC236}">
-                <a16:creationId xmlns:a16="http://schemas.microsoft.com/office/drawing/2014/main" id="{35B561E1-6932-E1DC-14FF-6527886D8BA2}"/>
+          <p:cNvPr id="6" name="Marcador de número de diapositiva 5">
+            <a:extLst>
+              <a:ext uri="{FF2B5EF4-FFF2-40B4-BE49-F238E27FC236}">
+                <a16:creationId xmlns:a16="http://schemas.microsoft.com/office/drawing/2014/main" id="{0F2FDB88-B742-39C2-8676-6D04C40CCD33}"/>
               </a:ext>
             </a:extLst>
           </p:cNvPr>
@@ -24426,7 +24541,7 @@
     </p:spTree>
     <p:extLst>
       <p:ext uri="{BB962C8B-B14F-4D97-AF65-F5344CB8AC3E}">
-        <p14:creationId xmlns:p14="http://schemas.microsoft.com/office/powerpoint/2010/main" val="1956860634"/>
+        <p14:creationId xmlns:p14="http://schemas.microsoft.com/office/powerpoint/2010/main" val="2926443171"/>
       </p:ext>
     </p:extLst>
   </p:cSld>
@@ -24455,10 +24570,10 @@
       </p:grpSpPr>
       <p:sp>
         <p:nvSpPr>
-          <p:cNvPr id="2" name="Título 1">
-            <a:extLst>
-              <a:ext uri="{FF2B5EF4-FFF2-40B4-BE49-F238E27FC236}">
-                <a16:creationId xmlns:a16="http://schemas.microsoft.com/office/drawing/2014/main" id="{6810F81E-214E-18F7-6C63-D611E56D11D3}"/>
+          <p:cNvPr id="6" name="Título 5">
+            <a:extLst>
+              <a:ext uri="{FF2B5EF4-FFF2-40B4-BE49-F238E27FC236}">
+                <a16:creationId xmlns:a16="http://schemas.microsoft.com/office/drawing/2014/main" id="{C118E137-9EC2-71A4-B821-5A4EEB9042D7}"/>
               </a:ext>
             </a:extLst>
           </p:cNvPr>
@@ -24469,108 +24584,52 @@
             <p:ph type="title"/>
           </p:nvPr>
         </p:nvSpPr>
-        <p:spPr>
-          <a:xfrm>
-            <a:off x="838200" y="2075954"/>
-            <a:ext cx="10515600" cy="1325563"/>
-          </a:xfrm>
-        </p:spPr>
-        <p:txBody>
-          <a:bodyPr/>
-          <a:lstStyle/>
-          <a:p>
-            <a:r>
-              <a:rPr lang="es-ES" dirty="0"/>
-              <a:t>More </a:t>
-            </a:r>
-            <a:r>
-              <a:rPr lang="es-ES" dirty="0" err="1"/>
-              <a:t>shell</a:t>
-            </a:r>
-            <a:r>
-              <a:rPr lang="es-ES" dirty="0"/>
-              <a:t>, </a:t>
-            </a:r>
-            <a:r>
-              <a:rPr lang="es-ES" dirty="0" err="1"/>
-              <a:t>less</a:t>
-            </a:r>
-            <a:r>
-              <a:rPr lang="es-ES" dirty="0"/>
-              <a:t> </a:t>
-            </a:r>
-            <a:r>
-              <a:rPr lang="es-ES" dirty="0" err="1"/>
-              <a:t>eggs</a:t>
-            </a:r>
-            <a:endParaRPr lang="es-ES" dirty="0"/>
-          </a:p>
-        </p:txBody>
-      </p:sp>
-      <p:sp>
-        <p:nvSpPr>
-          <p:cNvPr id="3" name="Marcador de contenido 2">
-            <a:extLst>
-              <a:ext uri="{FF2B5EF4-FFF2-40B4-BE49-F238E27FC236}">
-                <a16:creationId xmlns:a16="http://schemas.microsoft.com/office/drawing/2014/main" id="{99151467-3DAD-7973-62B6-D657F0824FB1}"/>
-              </a:ext>
-            </a:extLst>
-          </p:cNvPr>
-          <p:cNvSpPr>
-            <a:spLocks noGrp="1"/>
-          </p:cNvSpPr>
-          <p:nvPr>
-            <p:ph idx="1"/>
-          </p:nvPr>
-        </p:nvSpPr>
-        <p:spPr>
-          <a:xfrm>
-            <a:off x="838200" y="3651705"/>
-            <a:ext cx="10515600" cy="1442544"/>
-          </a:xfrm>
-        </p:spPr>
-        <p:txBody>
-          <a:bodyPr/>
-          <a:lstStyle/>
-          <a:p>
-            <a:pPr marL="0" indent="0">
-              <a:buNone/>
-            </a:pPr>
-            <a:r>
-              <a:rPr lang="es-ES" dirty="0"/>
-              <a:t>A veces perdemos el foco del problema para centrarnos en divagaciones…</a:t>
-            </a:r>
-          </a:p>
-          <a:p>
-            <a:pPr marL="0" indent="0">
-              <a:buNone/>
-            </a:pPr>
-            <a:endParaRPr lang="es-ES" dirty="0"/>
-          </a:p>
-          <a:p>
-            <a:pPr marL="0" indent="0">
-              <a:buNone/>
-            </a:pPr>
-            <a:r>
-              <a:rPr lang="es-ES" dirty="0"/>
-              <a:t>Artículo: </a:t>
-            </a:r>
-            <a:r>
-              <a:rPr lang="es-ES" dirty="0">
-                <a:hlinkClick r:id="rId2"/>
-              </a:rPr>
-              <a:t>https://leancrew.com/all-this/2011/12/more-shell-less-egg/</a:t>
-            </a:r>
-            <a:endParaRPr lang="es-ES" dirty="0"/>
-          </a:p>
-        </p:txBody>
-      </p:sp>
-      <p:sp>
-        <p:nvSpPr>
-          <p:cNvPr id="4" name="Marcador de fecha 3">
-            <a:extLst>
-              <a:ext uri="{FF2B5EF4-FFF2-40B4-BE49-F238E27FC236}">
-                <a16:creationId xmlns:a16="http://schemas.microsoft.com/office/drawing/2014/main" id="{A4F48DDE-5465-0C6C-BD2B-ADDAFD05BB9E}"/>
+        <p:spPr/>
+        <p:txBody>
+          <a:bodyPr/>
+          <a:lstStyle/>
+          <a:p>
+            <a:r>
+              <a:rPr lang="es-ES" dirty="0"/>
+              <a:t>SABER MÁS</a:t>
+            </a:r>
+          </a:p>
+        </p:txBody>
+      </p:sp>
+      <p:sp>
+        <p:nvSpPr>
+          <p:cNvPr id="7" name="Marcador de texto 6">
+            <a:extLst>
+              <a:ext uri="{FF2B5EF4-FFF2-40B4-BE49-F238E27FC236}">
+                <a16:creationId xmlns:a16="http://schemas.microsoft.com/office/drawing/2014/main" id="{E041AA7A-76D3-9F45-1EFC-5C1E56AD3AC8}"/>
+              </a:ext>
+            </a:extLst>
+          </p:cNvPr>
+          <p:cNvSpPr>
+            <a:spLocks noGrp="1"/>
+          </p:cNvSpPr>
+          <p:nvPr>
+            <p:ph type="body" idx="1"/>
+          </p:nvPr>
+        </p:nvSpPr>
+        <p:spPr/>
+        <p:txBody>
+          <a:bodyPr/>
+          <a:lstStyle/>
+          <a:p>
+            <a:r>
+              <a:rPr lang="es-ES" dirty="0"/>
+              <a:t>Anécdota del software</a:t>
+            </a:r>
+          </a:p>
+        </p:txBody>
+      </p:sp>
+      <p:sp>
+        <p:nvSpPr>
+          <p:cNvPr id="3" name="Marcador de fecha 2">
+            <a:extLst>
+              <a:ext uri="{FF2B5EF4-FFF2-40B4-BE49-F238E27FC236}">
+                <a16:creationId xmlns:a16="http://schemas.microsoft.com/office/drawing/2014/main" id="{E331E337-B720-6C19-4E6C-39A37C380821}"/>
               </a:ext>
             </a:extLst>
           </p:cNvPr>
@@ -24596,10 +24655,10 @@
       </p:sp>
       <p:sp>
         <p:nvSpPr>
-          <p:cNvPr id="5" name="Marcador de pie de página 4">
-            <a:extLst>
-              <a:ext uri="{FF2B5EF4-FFF2-40B4-BE49-F238E27FC236}">
-                <a16:creationId xmlns:a16="http://schemas.microsoft.com/office/drawing/2014/main" id="{B23FADE1-9E8C-1134-2C1C-F1CCC4CD239C}"/>
+          <p:cNvPr id="4" name="Marcador de pie de página 3">
+            <a:extLst>
+              <a:ext uri="{FF2B5EF4-FFF2-40B4-BE49-F238E27FC236}">
+                <a16:creationId xmlns:a16="http://schemas.microsoft.com/office/drawing/2014/main" id="{9CCBF37F-2A93-5D85-1E51-5696CCB3CE56}"/>
               </a:ext>
             </a:extLst>
           </p:cNvPr>
@@ -24625,10 +24684,10 @@
       </p:sp>
       <p:sp>
         <p:nvSpPr>
-          <p:cNvPr id="6" name="Marcador de número de diapositiva 5">
-            <a:extLst>
-              <a:ext uri="{FF2B5EF4-FFF2-40B4-BE49-F238E27FC236}">
-                <a16:creationId xmlns:a16="http://schemas.microsoft.com/office/drawing/2014/main" id="{F0C2F070-CAA8-B335-31AF-ACA9A092AD23}"/>
+          <p:cNvPr id="5" name="Marcador de número de diapositiva 4">
+            <a:extLst>
+              <a:ext uri="{FF2B5EF4-FFF2-40B4-BE49-F238E27FC236}">
+                <a16:creationId xmlns:a16="http://schemas.microsoft.com/office/drawing/2014/main" id="{35B561E1-6932-E1DC-14FF-6527886D8BA2}"/>
               </a:ext>
             </a:extLst>
           </p:cNvPr>
@@ -24656,7 +24715,7 @@
     </p:spTree>
     <p:extLst>
       <p:ext uri="{BB962C8B-B14F-4D97-AF65-F5344CB8AC3E}">
-        <p14:creationId xmlns:p14="http://schemas.microsoft.com/office/powerpoint/2010/main" val="14704646"/>
+        <p14:creationId xmlns:p14="http://schemas.microsoft.com/office/powerpoint/2010/main" val="1956860634"/>
       </p:ext>
     </p:extLst>
   </p:cSld>
@@ -24688,7 +24747,7 @@
           <p:cNvPr id="2" name="Título 1">
             <a:extLst>
               <a:ext uri="{FF2B5EF4-FFF2-40B4-BE49-F238E27FC236}">
-                <a16:creationId xmlns:a16="http://schemas.microsoft.com/office/drawing/2014/main" id="{D0F0CFF0-FC38-802F-09B7-7747435AB2CC}"/>
+                <a16:creationId xmlns:a16="http://schemas.microsoft.com/office/drawing/2014/main" id="{6810F81E-214E-18F7-6C63-D611E56D11D3}"/>
               </a:ext>
             </a:extLst>
           </p:cNvPr>
@@ -24699,40 +24758,99 @@
             <p:ph type="title"/>
           </p:nvPr>
         </p:nvSpPr>
-        <p:spPr/>
-        <p:txBody>
-          <a:bodyPr/>
-          <a:lstStyle/>
-          <a:p>
-            <a:r>
-              <a:rPr lang="es-ES" dirty="0"/>
-              <a:t>Bibliografía</a:t>
-            </a:r>
-          </a:p>
-        </p:txBody>
-      </p:sp>
-      <p:sp>
-        <p:nvSpPr>
-          <p:cNvPr id="3" name="Marcador de texto 2">
-            <a:extLst>
-              <a:ext uri="{FF2B5EF4-FFF2-40B4-BE49-F238E27FC236}">
-                <a16:creationId xmlns:a16="http://schemas.microsoft.com/office/drawing/2014/main" id="{F59296CF-E710-5A45-49F0-BD25DA8A1C29}"/>
-              </a:ext>
-            </a:extLst>
-          </p:cNvPr>
-          <p:cNvSpPr>
-            <a:spLocks noGrp="1"/>
-          </p:cNvSpPr>
-          <p:nvPr>
-            <p:ph type="body" idx="1"/>
-          </p:nvPr>
-        </p:nvSpPr>
-        <p:spPr/>
-        <p:txBody>
-          <a:bodyPr/>
-          <a:lstStyle/>
-          <a:p>
-            <a:endParaRPr lang="es-ES"/>
+        <p:spPr>
+          <a:xfrm>
+            <a:off x="838200" y="2075954"/>
+            <a:ext cx="10515600" cy="1325563"/>
+          </a:xfrm>
+        </p:spPr>
+        <p:txBody>
+          <a:bodyPr/>
+          <a:lstStyle/>
+          <a:p>
+            <a:r>
+              <a:rPr lang="es-ES" dirty="0"/>
+              <a:t>More </a:t>
+            </a:r>
+            <a:r>
+              <a:rPr lang="es-ES" dirty="0" err="1"/>
+              <a:t>shell</a:t>
+            </a:r>
+            <a:r>
+              <a:rPr lang="es-ES" dirty="0"/>
+              <a:t>, </a:t>
+            </a:r>
+            <a:r>
+              <a:rPr lang="es-ES" dirty="0" err="1"/>
+              <a:t>less</a:t>
+            </a:r>
+            <a:r>
+              <a:rPr lang="es-ES" dirty="0"/>
+              <a:t> </a:t>
+            </a:r>
+            <a:r>
+              <a:rPr lang="es-ES" dirty="0" err="1"/>
+              <a:t>eggs</a:t>
+            </a:r>
+            <a:endParaRPr lang="es-ES" dirty="0"/>
+          </a:p>
+        </p:txBody>
+      </p:sp>
+      <p:sp>
+        <p:nvSpPr>
+          <p:cNvPr id="3" name="Marcador de contenido 2">
+            <a:extLst>
+              <a:ext uri="{FF2B5EF4-FFF2-40B4-BE49-F238E27FC236}">
+                <a16:creationId xmlns:a16="http://schemas.microsoft.com/office/drawing/2014/main" id="{99151467-3DAD-7973-62B6-D657F0824FB1}"/>
+              </a:ext>
+            </a:extLst>
+          </p:cNvPr>
+          <p:cNvSpPr>
+            <a:spLocks noGrp="1"/>
+          </p:cNvSpPr>
+          <p:nvPr>
+            <p:ph idx="1"/>
+          </p:nvPr>
+        </p:nvSpPr>
+        <p:spPr>
+          <a:xfrm>
+            <a:off x="838200" y="3651705"/>
+            <a:ext cx="10515600" cy="1442544"/>
+          </a:xfrm>
+        </p:spPr>
+        <p:txBody>
+          <a:bodyPr/>
+          <a:lstStyle/>
+          <a:p>
+            <a:pPr marL="0" indent="0">
+              <a:buNone/>
+            </a:pPr>
+            <a:r>
+              <a:rPr lang="es-ES" dirty="0"/>
+              <a:t>A veces perdemos el foco del problema para centrarnos en divagaciones…</a:t>
+            </a:r>
+          </a:p>
+          <a:p>
+            <a:pPr marL="0" indent="0">
+              <a:buNone/>
+            </a:pPr>
+            <a:endParaRPr lang="es-ES" dirty="0"/>
+          </a:p>
+          <a:p>
+            <a:pPr marL="0" indent="0">
+              <a:buNone/>
+            </a:pPr>
+            <a:r>
+              <a:rPr lang="es-ES" dirty="0"/>
+              <a:t>Artículo: </a:t>
+            </a:r>
+            <a:r>
+              <a:rPr lang="es-ES" dirty="0">
+                <a:hlinkClick r:id="rId2"/>
+              </a:rPr>
+              <a:t>https://leancrew.com/all-this/2011/12/more-shell-less-egg/</a:t>
+            </a:r>
+            <a:endParaRPr lang="es-ES" dirty="0"/>
           </a:p>
         </p:txBody>
       </p:sp>
@@ -24741,7 +24859,7 @@
           <p:cNvPr id="4" name="Marcador de fecha 3">
             <a:extLst>
               <a:ext uri="{FF2B5EF4-FFF2-40B4-BE49-F238E27FC236}">
-                <a16:creationId xmlns:a16="http://schemas.microsoft.com/office/drawing/2014/main" id="{8B786278-7951-57E0-DF78-765B84DB1FF3}"/>
+                <a16:creationId xmlns:a16="http://schemas.microsoft.com/office/drawing/2014/main" id="{A4F48DDE-5465-0C6C-BD2B-ADDAFD05BB9E}"/>
               </a:ext>
             </a:extLst>
           </p:cNvPr>
@@ -24770,7 +24888,7 @@
           <p:cNvPr id="5" name="Marcador de pie de página 4">
             <a:extLst>
               <a:ext uri="{FF2B5EF4-FFF2-40B4-BE49-F238E27FC236}">
-                <a16:creationId xmlns:a16="http://schemas.microsoft.com/office/drawing/2014/main" id="{00E5E449-7284-B021-2969-F3CAD4C2C822}"/>
+                <a16:creationId xmlns:a16="http://schemas.microsoft.com/office/drawing/2014/main" id="{B23FADE1-9E8C-1134-2C1C-F1CCC4CD239C}"/>
               </a:ext>
             </a:extLst>
           </p:cNvPr>
@@ -24799,7 +24917,7 @@
           <p:cNvPr id="6" name="Marcador de número de diapositiva 5">
             <a:extLst>
               <a:ext uri="{FF2B5EF4-FFF2-40B4-BE49-F238E27FC236}">
-                <a16:creationId xmlns:a16="http://schemas.microsoft.com/office/drawing/2014/main" id="{F9A3D3D0-A80E-3278-3B8F-ADCCFC0A5E3A}"/>
+                <a16:creationId xmlns:a16="http://schemas.microsoft.com/office/drawing/2014/main" id="{F0C2F070-CAA8-B335-31AF-ACA9A092AD23}"/>
               </a:ext>
             </a:extLst>
           </p:cNvPr>
@@ -24827,7 +24945,7 @@
     </p:spTree>
     <p:extLst>
       <p:ext uri="{BB962C8B-B14F-4D97-AF65-F5344CB8AC3E}">
-        <p14:creationId xmlns:p14="http://schemas.microsoft.com/office/powerpoint/2010/main" val="3759809549"/>
+        <p14:creationId xmlns:p14="http://schemas.microsoft.com/office/powerpoint/2010/main" val="14704646"/>
       </p:ext>
     </p:extLst>
   </p:cSld>
@@ -24859,7 +24977,7 @@
           <p:cNvPr id="2" name="Título 1">
             <a:extLst>
               <a:ext uri="{FF2B5EF4-FFF2-40B4-BE49-F238E27FC236}">
-                <a16:creationId xmlns:a16="http://schemas.microsoft.com/office/drawing/2014/main" id="{6BE97F9D-4705-7DE7-7CDF-7798BB67FCC7}"/>
+                <a16:creationId xmlns:a16="http://schemas.microsoft.com/office/drawing/2014/main" id="{D0F0CFF0-FC38-802F-09B7-7747435AB2CC}"/>
               </a:ext>
             </a:extLst>
           </p:cNvPr>
@@ -24875,24 +24993,27 @@
           <a:bodyPr/>
           <a:lstStyle/>
           <a:p>
-            <a:endParaRPr lang="es-ES" dirty="0"/>
-          </a:p>
-        </p:txBody>
-      </p:sp>
-      <p:sp>
-        <p:nvSpPr>
-          <p:cNvPr id="3" name="Marcador de contenido 2">
-            <a:extLst>
-              <a:ext uri="{FF2B5EF4-FFF2-40B4-BE49-F238E27FC236}">
-                <a16:creationId xmlns:a16="http://schemas.microsoft.com/office/drawing/2014/main" id="{E3E385AA-9547-7469-2C09-A10245608B42}"/>
-              </a:ext>
-            </a:extLst>
-          </p:cNvPr>
-          <p:cNvSpPr>
-            <a:spLocks noGrp="1"/>
-          </p:cNvSpPr>
-          <p:nvPr>
-            <p:ph idx="1"/>
+            <a:r>
+              <a:rPr lang="es-ES" dirty="0"/>
+              <a:t>Bibliografía</a:t>
+            </a:r>
+          </a:p>
+        </p:txBody>
+      </p:sp>
+      <p:sp>
+        <p:nvSpPr>
+          <p:cNvPr id="3" name="Marcador de texto 2">
+            <a:extLst>
+              <a:ext uri="{FF2B5EF4-FFF2-40B4-BE49-F238E27FC236}">
+                <a16:creationId xmlns:a16="http://schemas.microsoft.com/office/drawing/2014/main" id="{F59296CF-E710-5A45-49F0-BD25DA8A1C29}"/>
+              </a:ext>
+            </a:extLst>
+          </p:cNvPr>
+          <p:cNvSpPr>
+            <a:spLocks noGrp="1"/>
+          </p:cNvSpPr>
+          <p:nvPr>
+            <p:ph type="body" idx="1"/>
           </p:nvPr>
         </p:nvSpPr>
         <p:spPr/>
@@ -24909,7 +25030,7 @@
           <p:cNvPr id="4" name="Marcador de fecha 3">
             <a:extLst>
               <a:ext uri="{FF2B5EF4-FFF2-40B4-BE49-F238E27FC236}">
-                <a16:creationId xmlns:a16="http://schemas.microsoft.com/office/drawing/2014/main" id="{1FAACD04-D01C-91D4-4B9D-458842DA2FE6}"/>
+                <a16:creationId xmlns:a16="http://schemas.microsoft.com/office/drawing/2014/main" id="{8B786278-7951-57E0-DF78-765B84DB1FF3}"/>
               </a:ext>
             </a:extLst>
           </p:cNvPr>
@@ -24938,7 +25059,7 @@
           <p:cNvPr id="5" name="Marcador de pie de página 4">
             <a:extLst>
               <a:ext uri="{FF2B5EF4-FFF2-40B4-BE49-F238E27FC236}">
-                <a16:creationId xmlns:a16="http://schemas.microsoft.com/office/drawing/2014/main" id="{6D28BC3B-1B2C-117E-6911-B6B2BD1A8F43}"/>
+                <a16:creationId xmlns:a16="http://schemas.microsoft.com/office/drawing/2014/main" id="{00E5E449-7284-B021-2969-F3CAD4C2C822}"/>
               </a:ext>
             </a:extLst>
           </p:cNvPr>
@@ -24967,7 +25088,7 @@
           <p:cNvPr id="6" name="Marcador de número de diapositiva 5">
             <a:extLst>
               <a:ext uri="{FF2B5EF4-FFF2-40B4-BE49-F238E27FC236}">
-                <a16:creationId xmlns:a16="http://schemas.microsoft.com/office/drawing/2014/main" id="{8C9D1520-DC29-A0D5-D441-9154BF182D1F}"/>
+                <a16:creationId xmlns:a16="http://schemas.microsoft.com/office/drawing/2014/main" id="{F9A3D3D0-A80E-3278-3B8F-ADCCFC0A5E3A}"/>
               </a:ext>
             </a:extLst>
           </p:cNvPr>
@@ -24987,6 +25108,174 @@
               <a:rPr lang="en-US" smtClean="0"/>
               <a:pPr/>
               <a:t>174</a:t>
+            </a:fld>
+            <a:endParaRPr lang="en-US"/>
+          </a:p>
+        </p:txBody>
+      </p:sp>
+    </p:spTree>
+    <p:extLst>
+      <p:ext uri="{BB962C8B-B14F-4D97-AF65-F5344CB8AC3E}">
+        <p14:creationId xmlns:p14="http://schemas.microsoft.com/office/powerpoint/2010/main" val="3759809549"/>
+      </p:ext>
+    </p:extLst>
+  </p:cSld>
+  <p:clrMapOvr>
+    <a:masterClrMapping/>
+  </p:clrMapOvr>
+</p:sld>
+</file>
+
+<file path=ppt/slides/slide175.xml><?xml version="1.0" encoding="utf-8"?>
+<p:sld xmlns:a="http://schemas.openxmlformats.org/drawingml/2006/main" xmlns:r="http://schemas.openxmlformats.org/officeDocument/2006/relationships" xmlns:p="http://schemas.openxmlformats.org/presentationml/2006/main">
+  <p:cSld>
+    <p:spTree>
+      <p:nvGrpSpPr>
+        <p:cNvPr id="1" name=""/>
+        <p:cNvGrpSpPr/>
+        <p:nvPr/>
+      </p:nvGrpSpPr>
+      <p:grpSpPr>
+        <a:xfrm>
+          <a:off x="0" y="0"/>
+          <a:ext cx="0" cy="0"/>
+          <a:chOff x="0" y="0"/>
+          <a:chExt cx="0" cy="0"/>
+        </a:xfrm>
+      </p:grpSpPr>
+      <p:sp>
+        <p:nvSpPr>
+          <p:cNvPr id="2" name="Título 1">
+            <a:extLst>
+              <a:ext uri="{FF2B5EF4-FFF2-40B4-BE49-F238E27FC236}">
+                <a16:creationId xmlns:a16="http://schemas.microsoft.com/office/drawing/2014/main" id="{6BE97F9D-4705-7DE7-7CDF-7798BB67FCC7}"/>
+              </a:ext>
+            </a:extLst>
+          </p:cNvPr>
+          <p:cNvSpPr>
+            <a:spLocks noGrp="1"/>
+          </p:cNvSpPr>
+          <p:nvPr>
+            <p:ph type="title"/>
+          </p:nvPr>
+        </p:nvSpPr>
+        <p:spPr/>
+        <p:txBody>
+          <a:bodyPr/>
+          <a:lstStyle/>
+          <a:p>
+            <a:endParaRPr lang="es-ES" dirty="0"/>
+          </a:p>
+        </p:txBody>
+      </p:sp>
+      <p:sp>
+        <p:nvSpPr>
+          <p:cNvPr id="3" name="Marcador de contenido 2">
+            <a:extLst>
+              <a:ext uri="{FF2B5EF4-FFF2-40B4-BE49-F238E27FC236}">
+                <a16:creationId xmlns:a16="http://schemas.microsoft.com/office/drawing/2014/main" id="{E3E385AA-9547-7469-2C09-A10245608B42}"/>
+              </a:ext>
+            </a:extLst>
+          </p:cNvPr>
+          <p:cNvSpPr>
+            <a:spLocks noGrp="1"/>
+          </p:cNvSpPr>
+          <p:nvPr>
+            <p:ph idx="1"/>
+          </p:nvPr>
+        </p:nvSpPr>
+        <p:spPr/>
+        <p:txBody>
+          <a:bodyPr/>
+          <a:lstStyle/>
+          <a:p>
+            <a:endParaRPr lang="es-ES"/>
+          </a:p>
+        </p:txBody>
+      </p:sp>
+      <p:sp>
+        <p:nvSpPr>
+          <p:cNvPr id="4" name="Marcador de fecha 3">
+            <a:extLst>
+              <a:ext uri="{FF2B5EF4-FFF2-40B4-BE49-F238E27FC236}">
+                <a16:creationId xmlns:a16="http://schemas.microsoft.com/office/drawing/2014/main" id="{1FAACD04-D01C-91D4-4B9D-458842DA2FE6}"/>
+              </a:ext>
+            </a:extLst>
+          </p:cNvPr>
+          <p:cNvSpPr>
+            <a:spLocks noGrp="1"/>
+          </p:cNvSpPr>
+          <p:nvPr>
+            <p:ph type="dt" sz="half" idx="10"/>
+          </p:nvPr>
+        </p:nvSpPr>
+        <p:spPr/>
+        <p:txBody>
+          <a:bodyPr/>
+          <a:lstStyle/>
+          <a:p>
+            <a:r>
+              <a:rPr lang="es-ES"/>
+              <a:t>05/12/2024</a:t>
+            </a:r>
+            <a:endParaRPr lang="en-US"/>
+          </a:p>
+        </p:txBody>
+      </p:sp>
+      <p:sp>
+        <p:nvSpPr>
+          <p:cNvPr id="5" name="Marcador de pie de página 4">
+            <a:extLst>
+              <a:ext uri="{FF2B5EF4-FFF2-40B4-BE49-F238E27FC236}">
+                <a16:creationId xmlns:a16="http://schemas.microsoft.com/office/drawing/2014/main" id="{6D28BC3B-1B2C-117E-6911-B6B2BD1A8F43}"/>
+              </a:ext>
+            </a:extLst>
+          </p:cNvPr>
+          <p:cNvSpPr>
+            <a:spLocks noGrp="1"/>
+          </p:cNvSpPr>
+          <p:nvPr>
+            <p:ph type="ftr" sz="quarter" idx="11"/>
+          </p:nvPr>
+        </p:nvSpPr>
+        <p:spPr/>
+        <p:txBody>
+          <a:bodyPr/>
+          <a:lstStyle/>
+          <a:p>
+            <a:r>
+              <a:rPr lang="es-ES"/>
+              <a:t>Programación Funcional - Pepe Fabra Valverde</a:t>
+            </a:r>
+            <a:endParaRPr lang="en-US"/>
+          </a:p>
+        </p:txBody>
+      </p:sp>
+      <p:sp>
+        <p:nvSpPr>
+          <p:cNvPr id="6" name="Marcador de número de diapositiva 5">
+            <a:extLst>
+              <a:ext uri="{FF2B5EF4-FFF2-40B4-BE49-F238E27FC236}">
+                <a16:creationId xmlns:a16="http://schemas.microsoft.com/office/drawing/2014/main" id="{8C9D1520-DC29-A0D5-D441-9154BF182D1F}"/>
+              </a:ext>
+            </a:extLst>
+          </p:cNvPr>
+          <p:cNvSpPr>
+            <a:spLocks noGrp="1"/>
+          </p:cNvSpPr>
+          <p:nvPr>
+            <p:ph type="sldNum" sz="quarter" idx="12"/>
+          </p:nvPr>
+        </p:nvSpPr>
+        <p:spPr/>
+        <p:txBody>
+          <a:bodyPr/>
+          <a:lstStyle/>
+          <a:p>
+            <a:fld id="{D3060201-1C40-4B39-813D-5CD9493BAEED}" type="slidenum">
+              <a:rPr lang="en-US" smtClean="0"/>
+              <a:pPr/>
+              <a:t>175</a:t>
             </a:fld>
             <a:endParaRPr lang="en-US"/>
           </a:p>
@@ -25052,180 +25341,6 @@
 </p:sld>
 </file>
 
-<file path=ppt/slides/slide175.xml><?xml version="1.0" encoding="utf-8"?>
-<p:sld xmlns:a="http://schemas.openxmlformats.org/drawingml/2006/main" xmlns:r="http://schemas.openxmlformats.org/officeDocument/2006/relationships" xmlns:p="http://schemas.openxmlformats.org/presentationml/2006/main">
-  <p:cSld>
-    <p:spTree>
-      <p:nvGrpSpPr>
-        <p:cNvPr id="1" name=""/>
-        <p:cNvGrpSpPr/>
-        <p:nvPr/>
-      </p:nvGrpSpPr>
-      <p:grpSpPr>
-        <a:xfrm>
-          <a:off x="0" y="0"/>
-          <a:ext cx="0" cy="0"/>
-          <a:chOff x="0" y="0"/>
-          <a:chExt cx="0" cy="0"/>
-        </a:xfrm>
-      </p:grpSpPr>
-      <p:sp>
-        <p:nvSpPr>
-          <p:cNvPr id="7" name="Título 6">
-            <a:extLst>
-              <a:ext uri="{FF2B5EF4-FFF2-40B4-BE49-F238E27FC236}">
-                <a16:creationId xmlns:a16="http://schemas.microsoft.com/office/drawing/2014/main" id="{AD1A5743-8238-9193-BE59-5D6055BA4070}"/>
-              </a:ext>
-            </a:extLst>
-          </p:cNvPr>
-          <p:cNvSpPr>
-            <a:spLocks noGrp="1"/>
-          </p:cNvSpPr>
-          <p:nvPr>
-            <p:ph type="title"/>
-          </p:nvPr>
-        </p:nvSpPr>
-        <p:spPr/>
-        <p:txBody>
-          <a:bodyPr/>
-          <a:lstStyle/>
-          <a:p>
-            <a:r>
-              <a:rPr lang="es-ES" sz="5400" dirty="0"/>
-              <a:t>[</a:t>
-            </a:r>
-            <a:r>
-              <a:rPr lang="es-ES" dirty="0" err="1"/>
-              <a:t>JSConf</a:t>
-            </a:r>
-            <a:r>
-              <a:rPr lang="es-ES" sz="5400" dirty="0"/>
-              <a:t>]</a:t>
-            </a:r>
-            <a:r>
-              <a:rPr lang="es-ES" dirty="0"/>
-              <a:t> Programación Funcional</a:t>
-            </a:r>
-            <a:br>
-              <a:rPr lang="es-ES" dirty="0"/>
-            </a:br>
-            <a:r>
-              <a:rPr lang="es-ES" dirty="0" err="1"/>
-              <a:t>Anjana</a:t>
-            </a:r>
-            <a:r>
-              <a:rPr lang="es-ES" dirty="0"/>
-              <a:t> </a:t>
-            </a:r>
-            <a:r>
-              <a:rPr lang="es-ES" dirty="0" err="1"/>
-              <a:t>Vakil</a:t>
-            </a:r>
-            <a:endParaRPr lang="es-ES" dirty="0"/>
-          </a:p>
-        </p:txBody>
-      </p:sp>
-      <p:sp>
-        <p:nvSpPr>
-          <p:cNvPr id="4" name="Marcador de fecha 3">
-            <a:extLst>
-              <a:ext uri="{FF2B5EF4-FFF2-40B4-BE49-F238E27FC236}">
-                <a16:creationId xmlns:a16="http://schemas.microsoft.com/office/drawing/2014/main" id="{DB701B2E-DB3D-EE7B-9B32-3663AC754403}"/>
-              </a:ext>
-            </a:extLst>
-          </p:cNvPr>
-          <p:cNvSpPr>
-            <a:spLocks noGrp="1"/>
-          </p:cNvSpPr>
-          <p:nvPr>
-            <p:ph type="dt" sz="half" idx="10"/>
-          </p:nvPr>
-        </p:nvSpPr>
-        <p:spPr/>
-        <p:txBody>
-          <a:bodyPr/>
-          <a:lstStyle/>
-          <a:p>
-            <a:r>
-              <a:rPr lang="es-ES"/>
-              <a:t>05/12/2024</a:t>
-            </a:r>
-            <a:endParaRPr lang="en-US"/>
-          </a:p>
-        </p:txBody>
-      </p:sp>
-      <p:sp>
-        <p:nvSpPr>
-          <p:cNvPr id="5" name="Marcador de pie de página 4">
-            <a:extLst>
-              <a:ext uri="{FF2B5EF4-FFF2-40B4-BE49-F238E27FC236}">
-                <a16:creationId xmlns:a16="http://schemas.microsoft.com/office/drawing/2014/main" id="{1806D002-6358-A0F5-F0A3-54BCBC1B3615}"/>
-              </a:ext>
-            </a:extLst>
-          </p:cNvPr>
-          <p:cNvSpPr>
-            <a:spLocks noGrp="1"/>
-          </p:cNvSpPr>
-          <p:nvPr>
-            <p:ph type="ftr" sz="quarter" idx="11"/>
-          </p:nvPr>
-        </p:nvSpPr>
-        <p:spPr/>
-        <p:txBody>
-          <a:bodyPr/>
-          <a:lstStyle/>
-          <a:p>
-            <a:r>
-              <a:rPr lang="es-ES"/>
-              <a:t>Programación Funcional - Pepe Fabra Valverde</a:t>
-            </a:r>
-            <a:endParaRPr lang="en-US"/>
-          </a:p>
-        </p:txBody>
-      </p:sp>
-      <p:sp>
-        <p:nvSpPr>
-          <p:cNvPr id="6" name="Marcador de número de diapositiva 5">
-            <a:extLst>
-              <a:ext uri="{FF2B5EF4-FFF2-40B4-BE49-F238E27FC236}">
-                <a16:creationId xmlns:a16="http://schemas.microsoft.com/office/drawing/2014/main" id="{A1FCDE30-7EFD-9AB8-0B90-62F75C0576D1}"/>
-              </a:ext>
-            </a:extLst>
-          </p:cNvPr>
-          <p:cNvSpPr>
-            <a:spLocks noGrp="1"/>
-          </p:cNvSpPr>
-          <p:nvPr>
-            <p:ph type="sldNum" sz="quarter" idx="12"/>
-          </p:nvPr>
-        </p:nvSpPr>
-        <p:spPr/>
-        <p:txBody>
-          <a:bodyPr/>
-          <a:lstStyle/>
-          <a:p>
-            <a:fld id="{D3060201-1C40-4B39-813D-5CD9493BAEED}" type="slidenum">
-              <a:rPr lang="en-US" smtClean="0"/>
-              <a:pPr/>
-              <a:t>175</a:t>
-            </a:fld>
-            <a:endParaRPr lang="en-US"/>
-          </a:p>
-        </p:txBody>
-      </p:sp>
-    </p:spTree>
-    <p:extLst>
-      <p:ext uri="{BB962C8B-B14F-4D97-AF65-F5344CB8AC3E}">
-        <p14:creationId xmlns:p14="http://schemas.microsoft.com/office/powerpoint/2010/main" val="141550800"/>
-      </p:ext>
-    </p:extLst>
-  </p:cSld>
-  <p:clrMapOvr>
-    <a:masterClrMapping/>
-  </p:clrMapOvr>
-</p:sld>
-</file>
-
 <file path=ppt/slides/slide176.xml><?xml version="1.0" encoding="utf-8"?>
 <p:sld xmlns:a="http://schemas.openxmlformats.org/drawingml/2006/main" xmlns:r="http://schemas.openxmlformats.org/officeDocument/2006/relationships" xmlns:p="http://schemas.openxmlformats.org/presentationml/2006/main">
   <p:cSld>
@@ -25245,6 +25360,180 @@
       </p:grpSpPr>
       <p:sp>
         <p:nvSpPr>
+          <p:cNvPr id="7" name="Título 6">
+            <a:extLst>
+              <a:ext uri="{FF2B5EF4-FFF2-40B4-BE49-F238E27FC236}">
+                <a16:creationId xmlns:a16="http://schemas.microsoft.com/office/drawing/2014/main" id="{AD1A5743-8238-9193-BE59-5D6055BA4070}"/>
+              </a:ext>
+            </a:extLst>
+          </p:cNvPr>
+          <p:cNvSpPr>
+            <a:spLocks noGrp="1"/>
+          </p:cNvSpPr>
+          <p:nvPr>
+            <p:ph type="title"/>
+          </p:nvPr>
+        </p:nvSpPr>
+        <p:spPr/>
+        <p:txBody>
+          <a:bodyPr/>
+          <a:lstStyle/>
+          <a:p>
+            <a:r>
+              <a:rPr lang="es-ES" sz="5400" dirty="0"/>
+              <a:t>[</a:t>
+            </a:r>
+            <a:r>
+              <a:rPr lang="es-ES" dirty="0" err="1"/>
+              <a:t>JSConf</a:t>
+            </a:r>
+            <a:r>
+              <a:rPr lang="es-ES" sz="5400" dirty="0"/>
+              <a:t>]</a:t>
+            </a:r>
+            <a:r>
+              <a:rPr lang="es-ES" dirty="0"/>
+              <a:t> Programación Funcional</a:t>
+            </a:r>
+            <a:br>
+              <a:rPr lang="es-ES" dirty="0"/>
+            </a:br>
+            <a:r>
+              <a:rPr lang="es-ES" dirty="0" err="1"/>
+              <a:t>Anjana</a:t>
+            </a:r>
+            <a:r>
+              <a:rPr lang="es-ES" dirty="0"/>
+              <a:t> </a:t>
+            </a:r>
+            <a:r>
+              <a:rPr lang="es-ES" dirty="0" err="1"/>
+              <a:t>Vakil</a:t>
+            </a:r>
+            <a:endParaRPr lang="es-ES" dirty="0"/>
+          </a:p>
+        </p:txBody>
+      </p:sp>
+      <p:sp>
+        <p:nvSpPr>
+          <p:cNvPr id="4" name="Marcador de fecha 3">
+            <a:extLst>
+              <a:ext uri="{FF2B5EF4-FFF2-40B4-BE49-F238E27FC236}">
+                <a16:creationId xmlns:a16="http://schemas.microsoft.com/office/drawing/2014/main" id="{DB701B2E-DB3D-EE7B-9B32-3663AC754403}"/>
+              </a:ext>
+            </a:extLst>
+          </p:cNvPr>
+          <p:cNvSpPr>
+            <a:spLocks noGrp="1"/>
+          </p:cNvSpPr>
+          <p:nvPr>
+            <p:ph type="dt" sz="half" idx="10"/>
+          </p:nvPr>
+        </p:nvSpPr>
+        <p:spPr/>
+        <p:txBody>
+          <a:bodyPr/>
+          <a:lstStyle/>
+          <a:p>
+            <a:r>
+              <a:rPr lang="es-ES"/>
+              <a:t>05/12/2024</a:t>
+            </a:r>
+            <a:endParaRPr lang="en-US"/>
+          </a:p>
+        </p:txBody>
+      </p:sp>
+      <p:sp>
+        <p:nvSpPr>
+          <p:cNvPr id="5" name="Marcador de pie de página 4">
+            <a:extLst>
+              <a:ext uri="{FF2B5EF4-FFF2-40B4-BE49-F238E27FC236}">
+                <a16:creationId xmlns:a16="http://schemas.microsoft.com/office/drawing/2014/main" id="{1806D002-6358-A0F5-F0A3-54BCBC1B3615}"/>
+              </a:ext>
+            </a:extLst>
+          </p:cNvPr>
+          <p:cNvSpPr>
+            <a:spLocks noGrp="1"/>
+          </p:cNvSpPr>
+          <p:nvPr>
+            <p:ph type="ftr" sz="quarter" idx="11"/>
+          </p:nvPr>
+        </p:nvSpPr>
+        <p:spPr/>
+        <p:txBody>
+          <a:bodyPr/>
+          <a:lstStyle/>
+          <a:p>
+            <a:r>
+              <a:rPr lang="es-ES"/>
+              <a:t>Programación Funcional - Pepe Fabra Valverde</a:t>
+            </a:r>
+            <a:endParaRPr lang="en-US"/>
+          </a:p>
+        </p:txBody>
+      </p:sp>
+      <p:sp>
+        <p:nvSpPr>
+          <p:cNvPr id="6" name="Marcador de número de diapositiva 5">
+            <a:extLst>
+              <a:ext uri="{FF2B5EF4-FFF2-40B4-BE49-F238E27FC236}">
+                <a16:creationId xmlns:a16="http://schemas.microsoft.com/office/drawing/2014/main" id="{A1FCDE30-7EFD-9AB8-0B90-62F75C0576D1}"/>
+              </a:ext>
+            </a:extLst>
+          </p:cNvPr>
+          <p:cNvSpPr>
+            <a:spLocks noGrp="1"/>
+          </p:cNvSpPr>
+          <p:nvPr>
+            <p:ph type="sldNum" sz="quarter" idx="12"/>
+          </p:nvPr>
+        </p:nvSpPr>
+        <p:spPr/>
+        <p:txBody>
+          <a:bodyPr/>
+          <a:lstStyle/>
+          <a:p>
+            <a:fld id="{D3060201-1C40-4B39-813D-5CD9493BAEED}" type="slidenum">
+              <a:rPr lang="en-US" smtClean="0"/>
+              <a:pPr/>
+              <a:t>176</a:t>
+            </a:fld>
+            <a:endParaRPr lang="en-US"/>
+          </a:p>
+        </p:txBody>
+      </p:sp>
+    </p:spTree>
+    <p:extLst>
+      <p:ext uri="{BB962C8B-B14F-4D97-AF65-F5344CB8AC3E}">
+        <p14:creationId xmlns:p14="http://schemas.microsoft.com/office/powerpoint/2010/main" val="141550800"/>
+      </p:ext>
+    </p:extLst>
+  </p:cSld>
+  <p:clrMapOvr>
+    <a:masterClrMapping/>
+  </p:clrMapOvr>
+</p:sld>
+</file>
+
+<file path=ppt/slides/slide177.xml><?xml version="1.0" encoding="utf-8"?>
+<p:sld xmlns:a="http://schemas.openxmlformats.org/drawingml/2006/main" xmlns:r="http://schemas.openxmlformats.org/officeDocument/2006/relationships" xmlns:p="http://schemas.openxmlformats.org/presentationml/2006/main">
+  <p:cSld>
+    <p:spTree>
+      <p:nvGrpSpPr>
+        <p:cNvPr id="1" name=""/>
+        <p:cNvGrpSpPr/>
+        <p:nvPr/>
+      </p:nvGrpSpPr>
+      <p:grpSpPr>
+        <a:xfrm>
+          <a:off x="0" y="0"/>
+          <a:ext cx="0" cy="0"/>
+          <a:chOff x="0" y="0"/>
+          <a:chExt cx="0" cy="0"/>
+        </a:xfrm>
+      </p:grpSpPr>
+      <p:sp>
+        <p:nvSpPr>
           <p:cNvPr id="2" name="Título 1">
             <a:extLst>
               <a:ext uri="{FF2B5EF4-FFF2-40B4-BE49-F238E27FC236}">
@@ -25406,7 +25695,7 @@
             <a:fld id="{D3060201-1C40-4B39-813D-5CD9493BAEED}" type="slidenum">
               <a:rPr lang="en-US" smtClean="0"/>
               <a:pPr/>
-              <a:t>176</a:t>
+              <a:t>177</a:t>
             </a:fld>
             <a:endParaRPr lang="en-US"/>
           </a:p>
@@ -25461,7 +25750,7 @@
 </p:sld>
 </file>
 
-<file path=ppt/slides/slide177.xml><?xml version="1.0" encoding="utf-8"?>
+<file path=ppt/slides/slide178.xml><?xml version="1.0" encoding="utf-8"?>
 <p:sld xmlns:a="http://schemas.openxmlformats.org/drawingml/2006/main" xmlns:r="http://schemas.openxmlformats.org/officeDocument/2006/relationships" xmlns:p="http://schemas.openxmlformats.org/presentationml/2006/main">
   <p:cSld>
     <p:spTree>
@@ -25680,7 +25969,7 @@
             <a:fld id="{D3060201-1C40-4B39-813D-5CD9493BAEED}" type="slidenum">
               <a:rPr lang="en-US" smtClean="0"/>
               <a:pPr/>
-              <a:t>177</a:t>
+              <a:t>178</a:t>
             </a:fld>
             <a:endParaRPr lang="en-US"/>
           </a:p>
@@ -25699,7 +25988,7 @@
 </p:sld>
 </file>
 
-<file path=ppt/slides/slide178.xml><?xml version="1.0" encoding="utf-8"?>
+<file path=ppt/slides/slide179.xml><?xml version="1.0" encoding="utf-8"?>
 <p:sld xmlns:a="http://schemas.openxmlformats.org/drawingml/2006/main" xmlns:r="http://schemas.openxmlformats.org/officeDocument/2006/relationships" xmlns:p="http://schemas.openxmlformats.org/presentationml/2006/main">
   <p:cSld>
     <p:spTree>
@@ -25851,155 +26140,6 @@
     <p:extLst>
       <p:ext uri="{BB962C8B-B14F-4D97-AF65-F5344CB8AC3E}">
         <p14:creationId xmlns:p14="http://schemas.microsoft.com/office/powerpoint/2010/main" val="883123858"/>
-      </p:ext>
-    </p:extLst>
-  </p:cSld>
-  <p:clrMapOvr>
-    <a:masterClrMapping/>
-  </p:clrMapOvr>
-</p:sld>
-</file>
-
-<file path=ppt/slides/slide179.xml><?xml version="1.0" encoding="utf-8"?>
-<p:sld xmlns:a="http://schemas.openxmlformats.org/drawingml/2006/main" xmlns:r="http://schemas.openxmlformats.org/officeDocument/2006/relationships" xmlns:p="http://schemas.openxmlformats.org/presentationml/2006/main">
-  <p:cSld>
-    <p:spTree>
-      <p:nvGrpSpPr>
-        <p:cNvPr id="1" name=""/>
-        <p:cNvGrpSpPr/>
-        <p:nvPr/>
-      </p:nvGrpSpPr>
-      <p:grpSpPr>
-        <a:xfrm>
-          <a:off x="0" y="0"/>
-          <a:ext cx="0" cy="0"/>
-          <a:chOff x="0" y="0"/>
-          <a:chExt cx="0" cy="0"/>
-        </a:xfrm>
-      </p:grpSpPr>
-      <p:sp>
-        <p:nvSpPr>
-          <p:cNvPr id="8" name="Título 7">
-            <a:extLst>
-              <a:ext uri="{FF2B5EF4-FFF2-40B4-BE49-F238E27FC236}">
-                <a16:creationId xmlns:a16="http://schemas.microsoft.com/office/drawing/2014/main" id="{1DA68D96-6F92-BAA7-D387-5F1AB28615DC}"/>
-              </a:ext>
-            </a:extLst>
-          </p:cNvPr>
-          <p:cNvSpPr>
-            <a:spLocks noGrp="1"/>
-          </p:cNvSpPr>
-          <p:nvPr>
-            <p:ph type="title"/>
-          </p:nvPr>
-        </p:nvSpPr>
-        <p:spPr/>
-        <p:txBody>
-          <a:bodyPr anchor="ctr" anchorCtr="0">
-            <a:normAutofit/>
-          </a:bodyPr>
-          <a:lstStyle/>
-          <a:p>
-            <a:pPr algn="ctr"/>
-            <a:r>
-              <a:rPr lang="es-ES" sz="6000" dirty="0"/>
-              <a:t>Gracias por la atención</a:t>
-            </a:r>
-          </a:p>
-        </p:txBody>
-      </p:sp>
-      <p:sp>
-        <p:nvSpPr>
-          <p:cNvPr id="2" name="Marcador de fecha 3">
-            <a:extLst>
-              <a:ext uri="{FF2B5EF4-FFF2-40B4-BE49-F238E27FC236}">
-                <a16:creationId xmlns:a16="http://schemas.microsoft.com/office/drawing/2014/main" id="{DA1B3E52-B34E-DDA9-0E93-D0AD3E0859B6}"/>
-              </a:ext>
-            </a:extLst>
-          </p:cNvPr>
-          <p:cNvSpPr>
-            <a:spLocks noGrp="1"/>
-          </p:cNvSpPr>
-          <p:nvPr>
-            <p:ph type="dt" sz="half" idx="10"/>
-          </p:nvPr>
-        </p:nvSpPr>
-        <p:spPr/>
-        <p:txBody>
-          <a:bodyPr/>
-          <a:lstStyle/>
-          <a:p>
-            <a:r>
-              <a:rPr lang="es-ES"/>
-              <a:t>05/12/2024</a:t>
-            </a:r>
-            <a:endParaRPr lang="en-US"/>
-          </a:p>
-        </p:txBody>
-      </p:sp>
-      <p:sp>
-        <p:nvSpPr>
-          <p:cNvPr id="3" name="Marcador de pie de página 4">
-            <a:extLst>
-              <a:ext uri="{FF2B5EF4-FFF2-40B4-BE49-F238E27FC236}">
-                <a16:creationId xmlns:a16="http://schemas.microsoft.com/office/drawing/2014/main" id="{2054F0DE-9B8C-EBFD-2D2F-6E9742B3B3BC}"/>
-              </a:ext>
-            </a:extLst>
-          </p:cNvPr>
-          <p:cNvSpPr>
-            <a:spLocks noGrp="1"/>
-          </p:cNvSpPr>
-          <p:nvPr>
-            <p:ph type="ftr" sz="quarter" idx="11"/>
-          </p:nvPr>
-        </p:nvSpPr>
-        <p:spPr/>
-        <p:txBody>
-          <a:bodyPr/>
-          <a:lstStyle/>
-          <a:p>
-            <a:r>
-              <a:rPr lang="es-ES"/>
-              <a:t>Programación Funcional - Pepe Fabra Valverde</a:t>
-            </a:r>
-            <a:endParaRPr lang="en-US"/>
-          </a:p>
-        </p:txBody>
-      </p:sp>
-      <p:sp>
-        <p:nvSpPr>
-          <p:cNvPr id="7" name="Marcador de número de diapositiva 5">
-            <a:extLst>
-              <a:ext uri="{FF2B5EF4-FFF2-40B4-BE49-F238E27FC236}">
-                <a16:creationId xmlns:a16="http://schemas.microsoft.com/office/drawing/2014/main" id="{112A343A-DAD5-3756-ECB1-34CB39FEDCF6}"/>
-              </a:ext>
-            </a:extLst>
-          </p:cNvPr>
-          <p:cNvSpPr>
-            <a:spLocks noGrp="1"/>
-          </p:cNvSpPr>
-          <p:nvPr>
-            <p:ph type="sldNum" sz="quarter" idx="12"/>
-          </p:nvPr>
-        </p:nvSpPr>
-        <p:spPr/>
-        <p:txBody>
-          <a:bodyPr/>
-          <a:lstStyle/>
-          <a:p>
-            <a:fld id="{D3060201-1C40-4B39-813D-5CD9493BAEED}" type="slidenum">
-              <a:rPr lang="en-US" smtClean="0"/>
-              <a:pPr/>
-              <a:t>179</a:t>
-            </a:fld>
-            <a:endParaRPr lang="en-US"/>
-          </a:p>
-        </p:txBody>
-      </p:sp>
-    </p:spTree>
-    <p:extLst>
-      <p:ext uri="{BB962C8B-B14F-4D97-AF65-F5344CB8AC3E}">
-        <p14:creationId xmlns:p14="http://schemas.microsoft.com/office/powerpoint/2010/main" val="1219438065"/>
       </p:ext>
     </p:extLst>
   </p:cSld>
@@ -26236,10 +26376,10 @@
       </p:grpSpPr>
       <p:sp>
         <p:nvSpPr>
-          <p:cNvPr id="2" name="Título 1">
-            <a:extLst>
-              <a:ext uri="{FF2B5EF4-FFF2-40B4-BE49-F238E27FC236}">
-                <a16:creationId xmlns:a16="http://schemas.microsoft.com/office/drawing/2014/main" id="{C1465F82-28A4-429C-28CD-9CBC0378BB42}"/>
+          <p:cNvPr id="8" name="Título 7">
+            <a:extLst>
+              <a:ext uri="{FF2B5EF4-FFF2-40B4-BE49-F238E27FC236}">
+                <a16:creationId xmlns:a16="http://schemas.microsoft.com/office/drawing/2014/main" id="{1DA68D96-6F92-BAA7-D387-5F1AB28615DC}"/>
               </a:ext>
             </a:extLst>
           </p:cNvPr>
@@ -26252,7 +26392,7 @@
         </p:nvSpPr>
         <p:spPr/>
         <p:txBody>
-          <a:bodyPr>
+          <a:bodyPr anchor="ctr" anchorCtr="0">
             <a:normAutofit/>
           </a:bodyPr>
           <a:lstStyle/>
@@ -26260,17 +26400,17 @@
             <a:pPr algn="ctr"/>
             <a:r>
               <a:rPr lang="es-ES" sz="6000" dirty="0"/>
-              <a:t>Preguntas</a:t>
-            </a:r>
-          </a:p>
-        </p:txBody>
-      </p:sp>
-      <p:sp>
-        <p:nvSpPr>
-          <p:cNvPr id="10" name="Marcador de fecha 3">
-            <a:extLst>
-              <a:ext uri="{FF2B5EF4-FFF2-40B4-BE49-F238E27FC236}">
-                <a16:creationId xmlns:a16="http://schemas.microsoft.com/office/drawing/2014/main" id="{3F391E5C-6FF5-1D21-DBC7-7E8A88F82771}"/>
+              <a:t>Gracias por la atención</a:t>
+            </a:r>
+          </a:p>
+        </p:txBody>
+      </p:sp>
+      <p:sp>
+        <p:nvSpPr>
+          <p:cNvPr id="2" name="Marcador de fecha 3">
+            <a:extLst>
+              <a:ext uri="{FF2B5EF4-FFF2-40B4-BE49-F238E27FC236}">
+                <a16:creationId xmlns:a16="http://schemas.microsoft.com/office/drawing/2014/main" id="{DA1B3E52-B34E-DDA9-0E93-D0AD3E0859B6}"/>
               </a:ext>
             </a:extLst>
           </p:cNvPr>
@@ -26296,10 +26436,10 @@
       </p:sp>
       <p:sp>
         <p:nvSpPr>
-          <p:cNvPr id="11" name="Marcador de pie de página 4">
-            <a:extLst>
-              <a:ext uri="{FF2B5EF4-FFF2-40B4-BE49-F238E27FC236}">
-                <a16:creationId xmlns:a16="http://schemas.microsoft.com/office/drawing/2014/main" id="{9F8C4E05-82DD-265E-8DB9-F4A08386CE09}"/>
+          <p:cNvPr id="3" name="Marcador de pie de página 4">
+            <a:extLst>
+              <a:ext uri="{FF2B5EF4-FFF2-40B4-BE49-F238E27FC236}">
+                <a16:creationId xmlns:a16="http://schemas.microsoft.com/office/drawing/2014/main" id="{2054F0DE-9B8C-EBFD-2D2F-6E9742B3B3BC}"/>
               </a:ext>
             </a:extLst>
           </p:cNvPr>
@@ -26325,10 +26465,10 @@
       </p:sp>
       <p:sp>
         <p:nvSpPr>
-          <p:cNvPr id="12" name="Marcador de número de diapositiva 5">
-            <a:extLst>
-              <a:ext uri="{FF2B5EF4-FFF2-40B4-BE49-F238E27FC236}">
-                <a16:creationId xmlns:a16="http://schemas.microsoft.com/office/drawing/2014/main" id="{CAB744F0-EC21-21C2-3DEE-69002518C6E7}"/>
+          <p:cNvPr id="7" name="Marcador de número de diapositiva 5">
+            <a:extLst>
+              <a:ext uri="{FF2B5EF4-FFF2-40B4-BE49-F238E27FC236}">
+                <a16:creationId xmlns:a16="http://schemas.microsoft.com/office/drawing/2014/main" id="{112A343A-DAD5-3756-ECB1-34CB39FEDCF6}"/>
               </a:ext>
             </a:extLst>
           </p:cNvPr>
@@ -26348,6 +26488,155 @@
               <a:rPr lang="en-US" smtClean="0"/>
               <a:pPr/>
               <a:t>180</a:t>
+            </a:fld>
+            <a:endParaRPr lang="en-US"/>
+          </a:p>
+        </p:txBody>
+      </p:sp>
+    </p:spTree>
+    <p:extLst>
+      <p:ext uri="{BB962C8B-B14F-4D97-AF65-F5344CB8AC3E}">
+        <p14:creationId xmlns:p14="http://schemas.microsoft.com/office/powerpoint/2010/main" val="1219438065"/>
+      </p:ext>
+    </p:extLst>
+  </p:cSld>
+  <p:clrMapOvr>
+    <a:masterClrMapping/>
+  </p:clrMapOvr>
+</p:sld>
+</file>
+
+<file path=ppt/slides/slide181.xml><?xml version="1.0" encoding="utf-8"?>
+<p:sld xmlns:a="http://schemas.openxmlformats.org/drawingml/2006/main" xmlns:r="http://schemas.openxmlformats.org/officeDocument/2006/relationships" xmlns:p="http://schemas.openxmlformats.org/presentationml/2006/main">
+  <p:cSld>
+    <p:spTree>
+      <p:nvGrpSpPr>
+        <p:cNvPr id="1" name=""/>
+        <p:cNvGrpSpPr/>
+        <p:nvPr/>
+      </p:nvGrpSpPr>
+      <p:grpSpPr>
+        <a:xfrm>
+          <a:off x="0" y="0"/>
+          <a:ext cx="0" cy="0"/>
+          <a:chOff x="0" y="0"/>
+          <a:chExt cx="0" cy="0"/>
+        </a:xfrm>
+      </p:grpSpPr>
+      <p:sp>
+        <p:nvSpPr>
+          <p:cNvPr id="2" name="Título 1">
+            <a:extLst>
+              <a:ext uri="{FF2B5EF4-FFF2-40B4-BE49-F238E27FC236}">
+                <a16:creationId xmlns:a16="http://schemas.microsoft.com/office/drawing/2014/main" id="{C1465F82-28A4-429C-28CD-9CBC0378BB42}"/>
+              </a:ext>
+            </a:extLst>
+          </p:cNvPr>
+          <p:cNvSpPr>
+            <a:spLocks noGrp="1"/>
+          </p:cNvSpPr>
+          <p:nvPr>
+            <p:ph type="title"/>
+          </p:nvPr>
+        </p:nvSpPr>
+        <p:spPr/>
+        <p:txBody>
+          <a:bodyPr>
+            <a:normAutofit/>
+          </a:bodyPr>
+          <a:lstStyle/>
+          <a:p>
+            <a:pPr algn="ctr"/>
+            <a:r>
+              <a:rPr lang="es-ES" sz="6000" dirty="0"/>
+              <a:t>Preguntas</a:t>
+            </a:r>
+          </a:p>
+        </p:txBody>
+      </p:sp>
+      <p:sp>
+        <p:nvSpPr>
+          <p:cNvPr id="10" name="Marcador de fecha 3">
+            <a:extLst>
+              <a:ext uri="{FF2B5EF4-FFF2-40B4-BE49-F238E27FC236}">
+                <a16:creationId xmlns:a16="http://schemas.microsoft.com/office/drawing/2014/main" id="{3F391E5C-6FF5-1D21-DBC7-7E8A88F82771}"/>
+              </a:ext>
+            </a:extLst>
+          </p:cNvPr>
+          <p:cNvSpPr>
+            <a:spLocks noGrp="1"/>
+          </p:cNvSpPr>
+          <p:nvPr>
+            <p:ph type="dt" sz="half" idx="10"/>
+          </p:nvPr>
+        </p:nvSpPr>
+        <p:spPr/>
+        <p:txBody>
+          <a:bodyPr/>
+          <a:lstStyle/>
+          <a:p>
+            <a:r>
+              <a:rPr lang="es-ES"/>
+              <a:t>05/12/2024</a:t>
+            </a:r>
+            <a:endParaRPr lang="en-US"/>
+          </a:p>
+        </p:txBody>
+      </p:sp>
+      <p:sp>
+        <p:nvSpPr>
+          <p:cNvPr id="11" name="Marcador de pie de página 4">
+            <a:extLst>
+              <a:ext uri="{FF2B5EF4-FFF2-40B4-BE49-F238E27FC236}">
+                <a16:creationId xmlns:a16="http://schemas.microsoft.com/office/drawing/2014/main" id="{9F8C4E05-82DD-265E-8DB9-F4A08386CE09}"/>
+              </a:ext>
+            </a:extLst>
+          </p:cNvPr>
+          <p:cNvSpPr>
+            <a:spLocks noGrp="1"/>
+          </p:cNvSpPr>
+          <p:nvPr>
+            <p:ph type="ftr" sz="quarter" idx="11"/>
+          </p:nvPr>
+        </p:nvSpPr>
+        <p:spPr/>
+        <p:txBody>
+          <a:bodyPr/>
+          <a:lstStyle/>
+          <a:p>
+            <a:r>
+              <a:rPr lang="es-ES"/>
+              <a:t>Programación Funcional - Pepe Fabra Valverde</a:t>
+            </a:r>
+            <a:endParaRPr lang="en-US"/>
+          </a:p>
+        </p:txBody>
+      </p:sp>
+      <p:sp>
+        <p:nvSpPr>
+          <p:cNvPr id="12" name="Marcador de número de diapositiva 5">
+            <a:extLst>
+              <a:ext uri="{FF2B5EF4-FFF2-40B4-BE49-F238E27FC236}">
+                <a16:creationId xmlns:a16="http://schemas.microsoft.com/office/drawing/2014/main" id="{CAB744F0-EC21-21C2-3DEE-69002518C6E7}"/>
+              </a:ext>
+            </a:extLst>
+          </p:cNvPr>
+          <p:cNvSpPr>
+            <a:spLocks noGrp="1"/>
+          </p:cNvSpPr>
+          <p:nvPr>
+            <p:ph type="sldNum" sz="quarter" idx="12"/>
+          </p:nvPr>
+        </p:nvSpPr>
+        <p:spPr/>
+        <p:txBody>
+          <a:bodyPr/>
+          <a:lstStyle/>
+          <a:p>
+            <a:fld id="{D3060201-1C40-4B39-813D-5CD9493BAEED}" type="slidenum">
+              <a:rPr lang="en-US" smtClean="0"/>
+              <a:pPr/>
+              <a:t>181</a:t>
             </a:fld>
             <a:endParaRPr lang="en-US"/>
           </a:p>
@@ -29600,11 +29889,11 @@
             </a:r>
             <a:r>
               <a:rPr lang="es-ES" dirty="0" err="1"/>
-              <a:t>return</a:t>
-            </a:r>
-            <a:r>
-              <a:rPr lang="es-ES" dirty="0"/>
-              <a:t> </a:t>
+              <a:t>name</a:t>
+            </a:r>
+            <a:r>
+              <a:rPr lang="es-ES" dirty="0"/>
+              <a:t> = </a:t>
             </a:r>
             <a:r>
               <a:rPr lang="es-ES" dirty="0" err="1"/>

--- a/tech-talks/valencia-js/programacion-funcional/programacion-funcional.pptx
+++ b/tech-talks/valencia-js/programacion-funcional/programacion-funcional.pptx
@@ -4114,8 +4114,9 @@
           <a:lstStyle>
             <a:lvl1pPr algn="l">
               <a:defRPr sz="2000">
-                <a:latin typeface="Courier New" panose="02070309020205020404" pitchFamily="49" charset="0"/>
-                <a:cs typeface="Courier New" panose="02070309020205020404" pitchFamily="49" charset="0"/>
+                <a:latin typeface="JetBrains Mono" panose="02000009000000000000" pitchFamily="49" charset="0"/>
+                <a:ea typeface="JetBrains Mono" panose="02000009000000000000" pitchFamily="49" charset="0"/>
+                <a:cs typeface="JetBrains Mono" panose="02000009000000000000" pitchFamily="49" charset="0"/>
               </a:defRPr>
             </a:lvl1pPr>
           </a:lstStyle>
